--- a/Powerpoint/1 Python Basics.pptx
+++ b/Powerpoint/1 Python Basics.pptx
@@ -11009,7 +11009,7 @@
           <a:p>
             <a:fld id="{7CEEE0ED-A0F5-4442-9C94-5288E26FF1D3}" type="datetimeFigureOut">
               <a:rPr lang="fa-IR" smtClean="0"/>
-              <a:t>15/09/1444</a:t>
+              <a:t>20/09/1444</a:t>
             </a:fld>
             <a:endParaRPr lang="fa-IR"/>
           </a:p>
@@ -21934,7 +21934,7 @@
                 <a:latin typeface="Consolas" panose="020B0609020204030204" pitchFamily="49" charset="0"/>
                 <a:cs typeface="Courier New" panose="02070309020205020404" pitchFamily="49" charset="0"/>
               </a:rPr>
-              <a:t> adjective in adj:</a:t>
+              <a:t> adjective in adjectives:</a:t>
             </a:r>
           </a:p>
           <a:p>
@@ -22957,7 +22957,7 @@
                 <a:latin typeface="Consolas" panose="020B0609020204030204" pitchFamily="49" charset="0"/>
                 <a:cs typeface="Courier New" panose="02070309020205020404" pitchFamily="49" charset="0"/>
               </a:rPr>
-              <a:t> 'Dear', lastName </a:t>
+              <a:t> 'dear', lastName </a:t>
             </a:r>
             <a:r>
               <a:rPr lang="en-US" sz="1100">
@@ -23564,7 +23564,7 @@
                 <a:latin typeface="Consolas" panose="020B0609020204030204" pitchFamily="49" charset="0"/>
                 <a:cs typeface="Courier New" panose="02070309020205020404" pitchFamily="49" charset="0"/>
               </a:rPr>
-              <a:t> 'Dear user': f'Hello {name}!')</a:t>
+              <a:t> 'dear user': f'Hello {name}!')</a:t>
             </a:r>
           </a:p>
           <a:p>
@@ -24538,7 +24538,7 @@
                 <a:latin typeface="Consolas" panose="020B0609020204030204" pitchFamily="49" charset="0"/>
                 <a:cs typeface="Courier New" panose="02070309020205020404" pitchFamily="49" charset="0"/>
               </a:rPr>
-              <a:t> Exception("Please enter a posetive number") </a:t>
+              <a:t> Exception('Please enter a positive number') </a:t>
             </a:r>
           </a:p>
         </p:txBody>

--- a/Powerpoint/1 Python Basics.pptx
+++ b/Powerpoint/1 Python Basics.pptx
@@ -11009,7 +11009,7 @@
           <a:p>
             <a:fld id="{7CEEE0ED-A0F5-4442-9C94-5288E26FF1D3}" type="datetimeFigureOut">
               <a:rPr lang="fa-IR" smtClean="0"/>
-              <a:t>20/09/1444</a:t>
+              <a:t>06/10/1444</a:t>
             </a:fld>
             <a:endParaRPr lang="fa-IR"/>
           </a:p>
@@ -22256,7 +22256,7 @@
               <a:buNone/>
             </a:pPr>
             <a:r>
-              <a:rPr lang="en-US" sz="1400"/>
+              <a:rPr lang="en-US" sz="1400" dirty="0"/>
               <a:t>Blocks of code which only run when they are called</a:t>
             </a:r>
           </a:p>
@@ -22265,7 +22265,7 @@
               <a:buNone/>
             </a:pPr>
             <a:r>
-              <a:rPr lang="en-US" sz="1100">
+              <a:rPr lang="en-US" sz="1100" dirty="0">
                 <a:solidFill>
                   <a:schemeClr val="accent1"/>
                 </a:solidFill>
@@ -22275,14 +22275,14 @@
               <a:t>def</a:t>
             </a:r>
             <a:r>
-              <a:rPr lang="en-US" sz="1100">
+              <a:rPr lang="en-US" sz="1100" dirty="0">
                 <a:latin typeface="Consolas" panose="020B0609020204030204" pitchFamily="49" charset="0"/>
                 <a:cs typeface="Courier New" panose="02070309020205020404" pitchFamily="49" charset="0"/>
               </a:rPr>
               <a:t> greeter</a:t>
             </a:r>
             <a:r>
-              <a:rPr lang="en-US" sz="1100">
+              <a:rPr lang="en-US" sz="1100" dirty="0">
                 <a:solidFill>
                   <a:schemeClr val="accent1"/>
                 </a:solidFill>
@@ -22297,7 +22297,7 @@
               <a:buNone/>
             </a:pPr>
             <a:r>
-              <a:rPr lang="en-US" sz="1100">
+              <a:rPr lang="en-US" sz="1100" dirty="0">
                 <a:latin typeface="Consolas" panose="020B0609020204030204" pitchFamily="49" charset="0"/>
                 <a:cs typeface="Courier New" panose="02070309020205020404" pitchFamily="49" charset="0"/>
               </a:rPr>
@@ -22309,14 +22309,14 @@
               <a:buNone/>
             </a:pPr>
             <a:r>
-              <a:rPr lang="en-US" sz="1100">
+              <a:rPr lang="en-US" sz="1100" dirty="0">
                 <a:latin typeface="Consolas" panose="020B0609020204030204" pitchFamily="49" charset="0"/>
                 <a:cs typeface="Courier New" panose="02070309020205020404" pitchFamily="49" charset="0"/>
               </a:rPr>
               <a:t>greeter</a:t>
             </a:r>
             <a:r>
-              <a:rPr lang="en-US" sz="1100">
+              <a:rPr lang="en-US" sz="1100" dirty="0">
                 <a:solidFill>
                   <a:schemeClr val="accent1"/>
                 </a:solidFill>
@@ -22330,7 +22330,7 @@
             <a:pPr marL="76200" indent="0">
               <a:buNone/>
             </a:pPr>
-            <a:endParaRPr lang="en-US" sz="1100">
+            <a:endParaRPr lang="en-US" sz="1100" dirty="0">
               <a:latin typeface="Consolas" panose="020B0609020204030204" pitchFamily="49" charset="0"/>
               <a:cs typeface="Courier New" panose="02070309020205020404" pitchFamily="49" charset="0"/>
             </a:endParaRPr>
@@ -22340,10 +22340,10 @@
               <a:buNone/>
             </a:pPr>
             <a:r>
-              <a:rPr lang="en-US" sz="1400"/>
+              <a:rPr lang="en-US" sz="1400" dirty="0"/>
               <a:t>Arguments and return</a:t>
             </a:r>
-            <a:endParaRPr lang="en-US" sz="1400">
+            <a:endParaRPr lang="en-US" sz="1400" dirty="0">
               <a:cs typeface="Courier New" panose="02070309020205020404" pitchFamily="49" charset="0"/>
             </a:endParaRPr>
           </a:p>
@@ -22352,38 +22352,108 @@
               <a:buNone/>
             </a:pPr>
             <a:r>
-              <a:rPr lang="en-US" sz="1100">
-                <a:latin typeface="Consolas" panose="020B0609020204030204" pitchFamily="49" charset="0"/>
-                <a:cs typeface="Courier New" panose="02070309020205020404" pitchFamily="49" charset="0"/>
-              </a:rPr>
-              <a:t>def greeter(firstName, lastName):</a:t>
-            </a:r>
-          </a:p>
-          <a:p>
-            <a:pPr marL="76200" indent="0">
-              <a:buNone/>
-            </a:pPr>
-            <a:r>
-              <a:rPr lang="en-US" sz="1100">
-                <a:latin typeface="Consolas" panose="020B0609020204030204" pitchFamily="49" charset="0"/>
-                <a:cs typeface="Courier New" panose="02070309020205020404" pitchFamily="49" charset="0"/>
-              </a:rPr>
-              <a:t>    greeting = f'Hello {name}!'</a:t>
-            </a:r>
-          </a:p>
-          <a:p>
-            <a:pPr marL="76200" indent="0">
-              <a:buNone/>
-            </a:pPr>
-            <a:r>
-              <a:rPr lang="en-US" sz="1100">
+              <a:rPr lang="en-US" sz="1100" dirty="0">
+                <a:latin typeface="Consolas" panose="020B0609020204030204" pitchFamily="49" charset="0"/>
+                <a:cs typeface="Courier New" panose="02070309020205020404" pitchFamily="49" charset="0"/>
+              </a:rPr>
+              <a:t>def greeter(</a:t>
+            </a:r>
+            <a:r>
+              <a:rPr lang="en-US" sz="1100" dirty="0" err="1">
+                <a:latin typeface="Consolas" panose="020B0609020204030204" pitchFamily="49" charset="0"/>
+                <a:cs typeface="Courier New" panose="02070309020205020404" pitchFamily="49" charset="0"/>
+              </a:rPr>
+              <a:t>firstName</a:t>
+            </a:r>
+            <a:r>
+              <a:rPr lang="en-US" sz="1100" dirty="0">
+                <a:latin typeface="Consolas" panose="020B0609020204030204" pitchFamily="49" charset="0"/>
+                <a:cs typeface="Courier New" panose="02070309020205020404" pitchFamily="49" charset="0"/>
+              </a:rPr>
+              <a:t>, </a:t>
+            </a:r>
+            <a:r>
+              <a:rPr lang="en-US" sz="1100" dirty="0" err="1">
+                <a:latin typeface="Consolas" panose="020B0609020204030204" pitchFamily="49" charset="0"/>
+                <a:cs typeface="Courier New" panose="02070309020205020404" pitchFamily="49" charset="0"/>
+              </a:rPr>
+              <a:t>lastName</a:t>
+            </a:r>
+            <a:r>
+              <a:rPr lang="en-US" sz="1100" dirty="0">
+                <a:latin typeface="Consolas" panose="020B0609020204030204" pitchFamily="49" charset="0"/>
+                <a:cs typeface="Courier New" panose="02070309020205020404" pitchFamily="49" charset="0"/>
+              </a:rPr>
+              <a:t>):</a:t>
+            </a:r>
+          </a:p>
+          <a:p>
+            <a:pPr marL="76200" indent="0">
+              <a:buNone/>
+            </a:pPr>
+            <a:r>
+              <a:rPr lang="en-US" sz="1100" dirty="0">
+                <a:latin typeface="Consolas" panose="020B0609020204030204" pitchFamily="49" charset="0"/>
+                <a:cs typeface="Courier New" panose="02070309020205020404" pitchFamily="49" charset="0"/>
+              </a:rPr>
+              <a:t>    greeting = </a:t>
+            </a:r>
+            <a:r>
+              <a:rPr lang="en-US" sz="1100" dirty="0" err="1">
+                <a:latin typeface="Consolas" panose="020B0609020204030204" pitchFamily="49" charset="0"/>
+                <a:cs typeface="Courier New" panose="02070309020205020404" pitchFamily="49" charset="0"/>
+              </a:rPr>
+              <a:t>f'Hello</a:t>
+            </a:r>
+            <a:r>
+              <a:rPr lang="en-US" sz="1100" dirty="0">
+                <a:latin typeface="Consolas" panose="020B0609020204030204" pitchFamily="49" charset="0"/>
+                <a:cs typeface="Courier New" panose="02070309020205020404" pitchFamily="49" charset="0"/>
+              </a:rPr>
+              <a:t> {</a:t>
+            </a:r>
+            <a:r>
+              <a:rPr lang="en-US" sz="1100" dirty="0" err="1">
+                <a:latin typeface="Consolas" panose="020B0609020204030204" pitchFamily="49" charset="0"/>
+                <a:cs typeface="Courier New" panose="02070309020205020404" pitchFamily="49" charset="0"/>
+              </a:rPr>
+              <a:t>firstName</a:t>
+            </a:r>
+            <a:r>
+              <a:rPr lang="en-US" sz="1100" dirty="0">
+                <a:latin typeface="Consolas" panose="020B0609020204030204" pitchFamily="49" charset="0"/>
+                <a:cs typeface="Courier New" panose="02070309020205020404" pitchFamily="49" charset="0"/>
+              </a:rPr>
+              <a:t>} {</a:t>
+            </a:r>
+            <a:r>
+              <a:rPr lang="en-US" sz="1100" dirty="0" err="1">
+                <a:latin typeface="Consolas" panose="020B0609020204030204" pitchFamily="49" charset="0"/>
+                <a:cs typeface="Courier New" panose="02070309020205020404" pitchFamily="49" charset="0"/>
+              </a:rPr>
+              <a:t>lastName</a:t>
+            </a:r>
+            <a:r>
+              <a:rPr lang="en-US" sz="1100" dirty="0">
+                <a:latin typeface="Consolas" panose="020B0609020204030204" pitchFamily="49" charset="0"/>
+                <a:cs typeface="Courier New" panose="02070309020205020404" pitchFamily="49" charset="0"/>
+              </a:rPr>
+              <a:t>}!'</a:t>
+            </a:r>
+          </a:p>
+          <a:p>
+            <a:pPr marL="76200" indent="0">
+              <a:buNone/>
+            </a:pPr>
+            <a:r>
+              <a:rPr lang="en-US" sz="1100" dirty="0">
                 <a:latin typeface="Consolas" panose="020B0609020204030204" pitchFamily="49" charset="0"/>
                 <a:cs typeface="Courier New" panose="02070309020205020404" pitchFamily="49" charset="0"/>
               </a:rPr>
               <a:t>    </a:t>
             </a:r>
             <a:r>
-              <a:rPr lang="en-US" sz="1100">
+              <a:rPr lang="en-US" sz="1100" dirty="0">
                 <a:solidFill>
                   <a:schemeClr val="accent1"/>
                 </a:solidFill>
@@ -22393,7 +22463,7 @@
               <a:t>return </a:t>
             </a:r>
             <a:r>
-              <a:rPr lang="en-US" sz="1100">
+              <a:rPr lang="en-US" sz="1100" dirty="0">
                 <a:latin typeface="Consolas" panose="020B0609020204030204" pitchFamily="49" charset="0"/>
                 <a:cs typeface="Courier New" panose="02070309020205020404" pitchFamily="49" charset="0"/>
               </a:rPr>
@@ -22405,7 +22475,7 @@
               <a:buNone/>
             </a:pPr>
             <a:r>
-              <a:rPr lang="en-US" sz="1100">
+              <a:rPr lang="en-US" sz="1100" dirty="0">
                 <a:latin typeface="Consolas" panose="020B0609020204030204" pitchFamily="49" charset="0"/>
                 <a:cs typeface="Courier New" panose="02070309020205020404" pitchFamily="49" charset="0"/>
               </a:rPr>
@@ -22417,7 +22487,7 @@
               <a:buNone/>
             </a:pPr>
             <a:r>
-              <a:rPr lang="en-US" sz="1100">
+              <a:rPr lang="en-US" sz="1100" dirty="0">
                 <a:latin typeface="Consolas" panose="020B0609020204030204" pitchFamily="49" charset="0"/>
                 <a:cs typeface="Courier New" panose="02070309020205020404" pitchFamily="49" charset="0"/>
               </a:rPr>
@@ -22809,10 +22879,10 @@
               <a:buNone/>
             </a:pPr>
             <a:r>
-              <a:rPr lang="en-US" sz="1400"/>
+              <a:rPr lang="en-US" sz="1400" dirty="0"/>
               <a:t>Keyword arguments</a:t>
             </a:r>
-            <a:endParaRPr lang="en-US" sz="1400">
+            <a:endParaRPr lang="en-US" sz="1400" dirty="0">
               <a:cs typeface="Courier New" panose="02070309020205020404" pitchFamily="49" charset="0"/>
             </a:endParaRPr>
           </a:p>
@@ -22821,14 +22891,21 @@
               <a:buNone/>
             </a:pPr>
             <a:r>
-              <a:rPr lang="en-US" sz="1100">
-                <a:latin typeface="Consolas" panose="020B0609020204030204" pitchFamily="49" charset="0"/>
-                <a:cs typeface="Courier New" panose="02070309020205020404" pitchFamily="49" charset="0"/>
-              </a:rPr>
-              <a:t>def greeter(firstName</a:t>
-            </a:r>
-            <a:r>
-              <a:rPr lang="en-US" sz="1100">
+              <a:rPr lang="en-US" sz="1100" dirty="0">
+                <a:latin typeface="Consolas" panose="020B0609020204030204" pitchFamily="49" charset="0"/>
+                <a:cs typeface="Courier New" panose="02070309020205020404" pitchFamily="49" charset="0"/>
+              </a:rPr>
+              <a:t>def greeter(</a:t>
+            </a:r>
+            <a:r>
+              <a:rPr lang="en-US" sz="1100" dirty="0" err="1">
+                <a:latin typeface="Consolas" panose="020B0609020204030204" pitchFamily="49" charset="0"/>
+                <a:cs typeface="Courier New" panose="02070309020205020404" pitchFamily="49" charset="0"/>
+              </a:rPr>
+              <a:t>firstName</a:t>
+            </a:r>
+            <a:r>
+              <a:rPr lang="en-US" sz="1100" dirty="0">
                 <a:solidFill>
                   <a:schemeClr val="accent1"/>
                 </a:solidFill>
@@ -22838,19 +22915,33 @@
               <a:t>,</a:t>
             </a:r>
             <a:r>
-              <a:rPr lang="en-US" sz="1100">
-                <a:latin typeface="Consolas" panose="020B0609020204030204" pitchFamily="49" charset="0"/>
-                <a:cs typeface="Courier New" panose="02070309020205020404" pitchFamily="49" charset="0"/>
-              </a:rPr>
-              <a:t> lastName):</a:t>
-            </a:r>
-          </a:p>
-          <a:p>
-            <a:pPr marL="76200" indent="0">
-              <a:buNone/>
-            </a:pPr>
-            <a:r>
-              <a:rPr lang="en-US" sz="1100">
+              <a:rPr lang="en-US" sz="1100" dirty="0">
+                <a:latin typeface="Consolas" panose="020B0609020204030204" pitchFamily="49" charset="0"/>
+                <a:cs typeface="Courier New" panose="02070309020205020404" pitchFamily="49" charset="0"/>
+              </a:rPr>
+              <a:t> </a:t>
+            </a:r>
+            <a:r>
+              <a:rPr lang="en-US" sz="1100" dirty="0" err="1">
+                <a:latin typeface="Consolas" panose="020B0609020204030204" pitchFamily="49" charset="0"/>
+                <a:cs typeface="Courier New" panose="02070309020205020404" pitchFamily="49" charset="0"/>
+              </a:rPr>
+              <a:t>lastName</a:t>
+            </a:r>
+            <a:r>
+              <a:rPr lang="en-US" sz="1100" dirty="0">
+                <a:latin typeface="Consolas" panose="020B0609020204030204" pitchFamily="49" charset="0"/>
+                <a:cs typeface="Courier New" panose="02070309020205020404" pitchFamily="49" charset="0"/>
+              </a:rPr>
+              <a:t>):</a:t>
+            </a:r>
+          </a:p>
+          <a:p>
+            <a:pPr marL="76200" indent="0">
+              <a:buNone/>
+            </a:pPr>
+            <a:r>
+              <a:rPr lang="en-US" sz="1100" dirty="0">
                 <a:solidFill>
                   <a:schemeClr val="accent1"/>
                 </a:solidFill>
@@ -22860,26 +22951,82 @@
               <a:t>    </a:t>
             </a:r>
             <a:r>
-              <a:rPr lang="en-US" sz="1100">
-                <a:latin typeface="Consolas" panose="020B0609020204030204" pitchFamily="49" charset="0"/>
-                <a:cs typeface="Courier New" panose="02070309020205020404" pitchFamily="49" charset="0"/>
-              </a:rPr>
-              <a:t>return f'Hello {firstName} {lastName}!'</a:t>
-            </a:r>
-          </a:p>
-          <a:p>
-            <a:pPr marL="76200" indent="0">
-              <a:buNone/>
-            </a:pPr>
-            <a:r>
-              <a:rPr lang="en-US" sz="1100">
-                <a:latin typeface="Consolas" panose="020B0609020204030204" pitchFamily="49" charset="0"/>
-                <a:cs typeface="Courier New" panose="02070309020205020404" pitchFamily="49" charset="0"/>
-              </a:rPr>
-              <a:t>print(greeter(lastName </a:t>
-            </a:r>
-            <a:r>
-              <a:rPr lang="en-US" sz="1100">
+              <a:rPr lang="en-US" sz="1100" dirty="0">
+                <a:latin typeface="Consolas" panose="020B0609020204030204" pitchFamily="49" charset="0"/>
+                <a:cs typeface="Courier New" panose="02070309020205020404" pitchFamily="49" charset="0"/>
+              </a:rPr>
+              <a:t>return </a:t>
+            </a:r>
+            <a:r>
+              <a:rPr lang="en-US" sz="1100" dirty="0" err="1">
+                <a:latin typeface="Consolas" panose="020B0609020204030204" pitchFamily="49" charset="0"/>
+                <a:cs typeface="Courier New" panose="02070309020205020404" pitchFamily="49" charset="0"/>
+              </a:rPr>
+              <a:t>f'Hello</a:t>
+            </a:r>
+            <a:r>
+              <a:rPr lang="en-US" sz="1100" dirty="0">
+                <a:latin typeface="Consolas" panose="020B0609020204030204" pitchFamily="49" charset="0"/>
+                <a:cs typeface="Courier New" panose="02070309020205020404" pitchFamily="49" charset="0"/>
+              </a:rPr>
+              <a:t> {</a:t>
+            </a:r>
+            <a:r>
+              <a:rPr lang="en-US" sz="1100" dirty="0" err="1">
+                <a:latin typeface="Consolas" panose="020B0609020204030204" pitchFamily="49" charset="0"/>
+                <a:cs typeface="Courier New" panose="02070309020205020404" pitchFamily="49" charset="0"/>
+              </a:rPr>
+              <a:t>firstName</a:t>
+            </a:r>
+            <a:r>
+              <a:rPr lang="en-US" sz="1100" dirty="0">
+                <a:latin typeface="Consolas" panose="020B0609020204030204" pitchFamily="49" charset="0"/>
+                <a:cs typeface="Courier New" panose="02070309020205020404" pitchFamily="49" charset="0"/>
+              </a:rPr>
+              <a:t>} {</a:t>
+            </a:r>
+            <a:r>
+              <a:rPr lang="en-US" sz="1100" dirty="0" err="1">
+                <a:latin typeface="Consolas" panose="020B0609020204030204" pitchFamily="49" charset="0"/>
+                <a:cs typeface="Courier New" panose="02070309020205020404" pitchFamily="49" charset="0"/>
+              </a:rPr>
+              <a:t>lastName</a:t>
+            </a:r>
+            <a:r>
+              <a:rPr lang="en-US" sz="1100" dirty="0">
+                <a:latin typeface="Consolas" panose="020B0609020204030204" pitchFamily="49" charset="0"/>
+                <a:cs typeface="Courier New" panose="02070309020205020404" pitchFamily="49" charset="0"/>
+              </a:rPr>
+              <a:t>}!'</a:t>
+            </a:r>
+          </a:p>
+          <a:p>
+            <a:pPr marL="76200" indent="0">
+              <a:buNone/>
+            </a:pPr>
+            <a:r>
+              <a:rPr lang="en-US" sz="1100" dirty="0">
+                <a:latin typeface="Consolas" panose="020B0609020204030204" pitchFamily="49" charset="0"/>
+                <a:cs typeface="Courier New" panose="02070309020205020404" pitchFamily="49" charset="0"/>
+              </a:rPr>
+              <a:t>print(greeter(</a:t>
+            </a:r>
+            <a:r>
+              <a:rPr lang="en-US" sz="1100" dirty="0" err="1">
+                <a:latin typeface="Consolas" panose="020B0609020204030204" pitchFamily="49" charset="0"/>
+                <a:cs typeface="Courier New" panose="02070309020205020404" pitchFamily="49" charset="0"/>
+              </a:rPr>
+              <a:t>lastName</a:t>
+            </a:r>
+            <a:r>
+              <a:rPr lang="en-US" sz="1100" dirty="0">
+                <a:latin typeface="Consolas" panose="020B0609020204030204" pitchFamily="49" charset="0"/>
+                <a:cs typeface="Courier New" panose="02070309020205020404" pitchFamily="49" charset="0"/>
+              </a:rPr>
+              <a:t> </a:t>
+            </a:r>
+            <a:r>
+              <a:rPr lang="en-US" sz="1100" dirty="0">
                 <a:solidFill>
                   <a:schemeClr val="accent1"/>
                 </a:solidFill>
@@ -22889,14 +23036,28 @@
               <a:t>=</a:t>
             </a:r>
             <a:r>
-              <a:rPr lang="en-US" sz="1100">
-                <a:latin typeface="Consolas" panose="020B0609020204030204" pitchFamily="49" charset="0"/>
-                <a:cs typeface="Courier New" panose="02070309020205020404" pitchFamily="49" charset="0"/>
-              </a:rPr>
-              <a:t> 'Nezhadshamsi', firstName </a:t>
-            </a:r>
-            <a:r>
-              <a:rPr lang="en-US" sz="1100">
+              <a:rPr lang="en-US" sz="1100" dirty="0">
+                <a:latin typeface="Consolas" panose="020B0609020204030204" pitchFamily="49" charset="0"/>
+                <a:cs typeface="Courier New" panose="02070309020205020404" pitchFamily="49" charset="0"/>
+              </a:rPr>
+              <a:t> 'Nezhadshamsi', </a:t>
+            </a:r>
+            <a:r>
+              <a:rPr lang="en-US" sz="1100" dirty="0" err="1">
+                <a:latin typeface="Consolas" panose="020B0609020204030204" pitchFamily="49" charset="0"/>
+                <a:cs typeface="Courier New" panose="02070309020205020404" pitchFamily="49" charset="0"/>
+              </a:rPr>
+              <a:t>firstName</a:t>
+            </a:r>
+            <a:r>
+              <a:rPr lang="en-US" sz="1100" dirty="0">
+                <a:latin typeface="Consolas" panose="020B0609020204030204" pitchFamily="49" charset="0"/>
+                <a:cs typeface="Courier New" panose="02070309020205020404" pitchFamily="49" charset="0"/>
+              </a:rPr>
+              <a:t> </a:t>
+            </a:r>
+            <a:r>
+              <a:rPr lang="en-US" sz="1100" dirty="0">
                 <a:solidFill>
                   <a:schemeClr val="accent1"/>
                 </a:solidFill>
@@ -22906,7 +23067,7 @@
               <a:t>=</a:t>
             </a:r>
             <a:r>
-              <a:rPr lang="en-US" sz="1100">
+              <a:rPr lang="en-US" sz="1100" dirty="0">
                 <a:latin typeface="Consolas" panose="020B0609020204030204" pitchFamily="49" charset="0"/>
                 <a:cs typeface="Courier New" panose="02070309020205020404" pitchFamily="49" charset="0"/>
               </a:rPr>
@@ -22917,7 +23078,7 @@
             <a:pPr marL="76200" indent="0">
               <a:buNone/>
             </a:pPr>
-            <a:endParaRPr lang="en-US" sz="1100">
+            <a:endParaRPr lang="en-US" sz="1100" dirty="0">
               <a:latin typeface="Consolas" panose="020B0609020204030204" pitchFamily="49" charset="0"/>
               <a:cs typeface="Courier New" panose="02070309020205020404" pitchFamily="49" charset="0"/>
             </a:endParaRPr>
@@ -22927,7 +23088,7 @@
               <a:buNone/>
             </a:pPr>
             <a:r>
-              <a:rPr lang="en-US" sz="1400"/>
+              <a:rPr lang="en-US" sz="1400" dirty="0"/>
               <a:t>Default parameter value</a:t>
             </a:r>
           </a:p>
@@ -22936,14 +23097,28 @@
               <a:buNone/>
             </a:pPr>
             <a:r>
-              <a:rPr lang="en-US" sz="1100">
-                <a:latin typeface="Consolas" panose="020B0609020204030204" pitchFamily="49" charset="0"/>
-                <a:cs typeface="Courier New" panose="02070309020205020404" pitchFamily="49" charset="0"/>
-              </a:rPr>
-              <a:t>def greeter(firstName </a:t>
-            </a:r>
-            <a:r>
-              <a:rPr lang="en-US" sz="1100">
+              <a:rPr lang="en-US" sz="1100" dirty="0">
+                <a:latin typeface="Consolas" panose="020B0609020204030204" pitchFamily="49" charset="0"/>
+                <a:cs typeface="Courier New" panose="02070309020205020404" pitchFamily="49" charset="0"/>
+              </a:rPr>
+              <a:t>def greeter(</a:t>
+            </a:r>
+            <a:r>
+              <a:rPr lang="en-US" sz="1100" dirty="0" err="1">
+                <a:latin typeface="Consolas" panose="020B0609020204030204" pitchFamily="49" charset="0"/>
+                <a:cs typeface="Courier New" panose="02070309020205020404" pitchFamily="49" charset="0"/>
+              </a:rPr>
+              <a:t>firstName</a:t>
+            </a:r>
+            <a:r>
+              <a:rPr lang="en-US" sz="1100" dirty="0">
+                <a:latin typeface="Consolas" panose="020B0609020204030204" pitchFamily="49" charset="0"/>
+                <a:cs typeface="Courier New" panose="02070309020205020404" pitchFamily="49" charset="0"/>
+              </a:rPr>
+              <a:t> </a:t>
+            </a:r>
+            <a:r>
+              <a:rPr lang="en-US" sz="1100" dirty="0">
                 <a:solidFill>
                   <a:schemeClr val="accent1"/>
                 </a:solidFill>
@@ -22953,14 +23128,28 @@
               <a:t>=</a:t>
             </a:r>
             <a:r>
-              <a:rPr lang="en-US" sz="1100">
-                <a:latin typeface="Consolas" panose="020B0609020204030204" pitchFamily="49" charset="0"/>
-                <a:cs typeface="Courier New" panose="02070309020205020404" pitchFamily="49" charset="0"/>
-              </a:rPr>
-              <a:t> 'dear', lastName </a:t>
-            </a:r>
-            <a:r>
-              <a:rPr lang="en-US" sz="1100">
+              <a:rPr lang="en-US" sz="1100" dirty="0">
+                <a:latin typeface="Consolas" panose="020B0609020204030204" pitchFamily="49" charset="0"/>
+                <a:cs typeface="Courier New" panose="02070309020205020404" pitchFamily="49" charset="0"/>
+              </a:rPr>
+              <a:t> 'dear', </a:t>
+            </a:r>
+            <a:r>
+              <a:rPr lang="en-US" sz="1100" dirty="0" err="1">
+                <a:latin typeface="Consolas" panose="020B0609020204030204" pitchFamily="49" charset="0"/>
+                <a:cs typeface="Courier New" panose="02070309020205020404" pitchFamily="49" charset="0"/>
+              </a:rPr>
+              <a:t>lastName</a:t>
+            </a:r>
+            <a:r>
+              <a:rPr lang="en-US" sz="1100" dirty="0">
+                <a:latin typeface="Consolas" panose="020B0609020204030204" pitchFamily="49" charset="0"/>
+                <a:cs typeface="Courier New" panose="02070309020205020404" pitchFamily="49" charset="0"/>
+              </a:rPr>
+              <a:t> </a:t>
+            </a:r>
+            <a:r>
+              <a:rPr lang="en-US" sz="1100" dirty="0">
                 <a:solidFill>
                   <a:schemeClr val="accent1"/>
                 </a:solidFill>
@@ -22970,7 +23159,7 @@
               <a:t>=</a:t>
             </a:r>
             <a:r>
-              <a:rPr lang="en-US" sz="1100">
+              <a:rPr lang="en-US" sz="1100" dirty="0">
                 <a:latin typeface="Consolas" panose="020B0609020204030204" pitchFamily="49" charset="0"/>
                 <a:cs typeface="Courier New" panose="02070309020205020404" pitchFamily="49" charset="0"/>
               </a:rPr>
@@ -22982,7 +23171,7 @@
               <a:buNone/>
             </a:pPr>
             <a:r>
-              <a:rPr lang="en-US" sz="1100">
+              <a:rPr lang="en-US" sz="1100" dirty="0">
                 <a:solidFill>
                   <a:schemeClr val="accent1"/>
                 </a:solidFill>
@@ -22992,23 +23181,65 @@
               <a:t>    </a:t>
             </a:r>
             <a:r>
-              <a:rPr lang="en-US" sz="1100">
-                <a:latin typeface="Consolas" panose="020B0609020204030204" pitchFamily="49" charset="0"/>
-                <a:cs typeface="Courier New" panose="02070309020205020404" pitchFamily="49" charset="0"/>
-              </a:rPr>
-              <a:t>return f'Hello {firstName} {lastName}!'</a:t>
-            </a:r>
-          </a:p>
-          <a:p>
-            <a:pPr marL="76200" indent="0">
-              <a:buNone/>
-            </a:pPr>
-            <a:r>
-              <a:rPr lang="en-US" sz="1100">
-                <a:latin typeface="Consolas" panose="020B0609020204030204" pitchFamily="49" charset="0"/>
-                <a:cs typeface="Courier New" panose="02070309020205020404" pitchFamily="49" charset="0"/>
-              </a:rPr>
-              <a:t>print(greeter('Alireza', 'Nezhadshamsi'))</a:t>
+              <a:rPr lang="en-US" sz="1100" dirty="0">
+                <a:latin typeface="Consolas" panose="020B0609020204030204" pitchFamily="49" charset="0"/>
+                <a:cs typeface="Courier New" panose="02070309020205020404" pitchFamily="49" charset="0"/>
+              </a:rPr>
+              <a:t>return </a:t>
+            </a:r>
+            <a:r>
+              <a:rPr lang="en-US" sz="1100" dirty="0" err="1">
+                <a:latin typeface="Consolas" panose="020B0609020204030204" pitchFamily="49" charset="0"/>
+                <a:cs typeface="Courier New" panose="02070309020205020404" pitchFamily="49" charset="0"/>
+              </a:rPr>
+              <a:t>f'Hello</a:t>
+            </a:r>
+            <a:r>
+              <a:rPr lang="en-US" sz="1100" dirty="0">
+                <a:latin typeface="Consolas" panose="020B0609020204030204" pitchFamily="49" charset="0"/>
+                <a:cs typeface="Courier New" panose="02070309020205020404" pitchFamily="49" charset="0"/>
+              </a:rPr>
+              <a:t> {</a:t>
+            </a:r>
+            <a:r>
+              <a:rPr lang="en-US" sz="1100" dirty="0" err="1">
+                <a:latin typeface="Consolas" panose="020B0609020204030204" pitchFamily="49" charset="0"/>
+                <a:cs typeface="Courier New" panose="02070309020205020404" pitchFamily="49" charset="0"/>
+              </a:rPr>
+              <a:t>firstName</a:t>
+            </a:r>
+            <a:r>
+              <a:rPr lang="en-US" sz="1100" dirty="0">
+                <a:latin typeface="Consolas" panose="020B0609020204030204" pitchFamily="49" charset="0"/>
+                <a:cs typeface="Courier New" panose="02070309020205020404" pitchFamily="49" charset="0"/>
+              </a:rPr>
+              <a:t>} {</a:t>
+            </a:r>
+            <a:r>
+              <a:rPr lang="en-US" sz="1100" dirty="0" err="1">
+                <a:latin typeface="Consolas" panose="020B0609020204030204" pitchFamily="49" charset="0"/>
+                <a:cs typeface="Courier New" panose="02070309020205020404" pitchFamily="49" charset="0"/>
+              </a:rPr>
+              <a:t>lastName</a:t>
+            </a:r>
+            <a:r>
+              <a:rPr lang="en-US" sz="1100" dirty="0">
+                <a:latin typeface="Consolas" panose="020B0609020204030204" pitchFamily="49" charset="0"/>
+                <a:cs typeface="Courier New" panose="02070309020205020404" pitchFamily="49" charset="0"/>
+              </a:rPr>
+              <a:t>}!'</a:t>
+            </a:r>
+          </a:p>
+          <a:p>
+            <a:pPr marL="76200" indent="0">
+              <a:buNone/>
+            </a:pPr>
+            <a:r>
+              <a:rPr lang="en-US" sz="1100" dirty="0">
+                <a:latin typeface="Consolas" panose="020B0609020204030204" pitchFamily="49" charset="0"/>
+                <a:cs typeface="Courier New" panose="02070309020205020404" pitchFamily="49" charset="0"/>
+              </a:rPr>
+              <a:t>print(greeter())</a:t>
             </a:r>
           </a:p>
         </p:txBody>
@@ -23140,7 +23371,7 @@
               <a:buNone/>
             </a:pPr>
             <a:r>
-              <a:rPr lang="en-US" sz="1400"/>
+              <a:rPr lang="en-US" sz="1400" dirty="0"/>
               <a:t>Type Annotations</a:t>
             </a:r>
           </a:p>
@@ -23149,14 +23380,35 @@
               <a:buNone/>
             </a:pPr>
             <a:r>
-              <a:rPr lang="en-US" sz="1100">
-                <a:latin typeface="Consolas" panose="020B0609020204030204" pitchFamily="49" charset="0"/>
-                <a:cs typeface="Courier New" panose="02070309020205020404" pitchFamily="49" charset="0"/>
-              </a:rPr>
-              <a:t>def fullName(firstName</a:t>
-            </a:r>
-            <a:r>
-              <a:rPr lang="en-US" sz="1100">
+              <a:rPr lang="en-US" sz="1100" dirty="0">
+                <a:latin typeface="Consolas" panose="020B0609020204030204" pitchFamily="49" charset="0"/>
+                <a:cs typeface="Courier New" panose="02070309020205020404" pitchFamily="49" charset="0"/>
+              </a:rPr>
+              <a:t>def </a:t>
+            </a:r>
+            <a:r>
+              <a:rPr lang="en-US" sz="1100" dirty="0" err="1">
+                <a:latin typeface="Consolas" panose="020B0609020204030204" pitchFamily="49" charset="0"/>
+                <a:cs typeface="Courier New" panose="02070309020205020404" pitchFamily="49" charset="0"/>
+              </a:rPr>
+              <a:t>fullName</a:t>
+            </a:r>
+            <a:r>
+              <a:rPr lang="en-US" sz="1100" dirty="0">
+                <a:latin typeface="Consolas" panose="020B0609020204030204" pitchFamily="49" charset="0"/>
+                <a:cs typeface="Courier New" panose="02070309020205020404" pitchFamily="49" charset="0"/>
+              </a:rPr>
+              <a:t>(</a:t>
+            </a:r>
+            <a:r>
+              <a:rPr lang="en-US" sz="1100" dirty="0" err="1">
+                <a:latin typeface="Consolas" panose="020B0609020204030204" pitchFamily="49" charset="0"/>
+                <a:cs typeface="Courier New" panose="02070309020205020404" pitchFamily="49" charset="0"/>
+              </a:rPr>
+              <a:t>firstName</a:t>
+            </a:r>
+            <a:r>
+              <a:rPr lang="en-US" sz="1100" dirty="0">
                 <a:solidFill>
                   <a:schemeClr val="accent1"/>
                 </a:solidFill>
@@ -23166,14 +23418,21 @@
               <a:t>: str</a:t>
             </a:r>
             <a:r>
-              <a:rPr lang="en-US" sz="1100">
-                <a:latin typeface="Consolas" panose="020B0609020204030204" pitchFamily="49" charset="0"/>
-                <a:cs typeface="Courier New" panose="02070309020205020404" pitchFamily="49" charset="0"/>
-              </a:rPr>
-              <a:t>, lastName</a:t>
-            </a:r>
-            <a:r>
-              <a:rPr lang="en-US" sz="1100">
+              <a:rPr lang="en-US" sz="1100" dirty="0">
+                <a:latin typeface="Consolas" panose="020B0609020204030204" pitchFamily="49" charset="0"/>
+                <a:cs typeface="Courier New" panose="02070309020205020404" pitchFamily="49" charset="0"/>
+              </a:rPr>
+              <a:t>, </a:t>
+            </a:r>
+            <a:r>
+              <a:rPr lang="en-US" sz="1100" dirty="0" err="1">
+                <a:latin typeface="Consolas" panose="020B0609020204030204" pitchFamily="49" charset="0"/>
+                <a:cs typeface="Courier New" panose="02070309020205020404" pitchFamily="49" charset="0"/>
+              </a:rPr>
+              <a:t>lastName</a:t>
+            </a:r>
+            <a:r>
+              <a:rPr lang="en-US" sz="1100" dirty="0">
                 <a:solidFill>
                   <a:schemeClr val="accent1"/>
                 </a:solidFill>
@@ -23183,14 +23442,14 @@
               <a:t>: str</a:t>
             </a:r>
             <a:r>
-              <a:rPr lang="en-US" sz="1100">
+              <a:rPr lang="en-US" sz="1100" dirty="0">
                 <a:latin typeface="Consolas" panose="020B0609020204030204" pitchFamily="49" charset="0"/>
                 <a:cs typeface="Courier New" panose="02070309020205020404" pitchFamily="49" charset="0"/>
               </a:rPr>
               <a:t>) </a:t>
             </a:r>
             <a:r>
-              <a:rPr lang="en-US" sz="1100">
+              <a:rPr lang="en-US" sz="1100" dirty="0">
                 <a:solidFill>
                   <a:schemeClr val="accent1"/>
                 </a:solidFill>
@@ -23200,7 +23459,7 @@
               <a:t>-&gt; str</a:t>
             </a:r>
             <a:r>
-              <a:rPr lang="en-US" sz="1100">
+              <a:rPr lang="en-US" sz="1100" dirty="0">
                 <a:latin typeface="Consolas" panose="020B0609020204030204" pitchFamily="49" charset="0"/>
                 <a:cs typeface="Courier New" panose="02070309020205020404" pitchFamily="49" charset="0"/>
               </a:rPr>
@@ -23212,30 +23471,100 @@
               <a:buNone/>
             </a:pPr>
             <a:r>
-              <a:rPr lang="en-US" sz="1100">
-                <a:latin typeface="Consolas" panose="020B0609020204030204" pitchFamily="49" charset="0"/>
-                <a:cs typeface="Courier New" panose="02070309020205020404" pitchFamily="49" charset="0"/>
-              </a:rPr>
-              <a:t>    return f'{firstName.title()} {lastName.title()}'</a:t>
-            </a:r>
-          </a:p>
-          <a:p>
-            <a:pPr marL="76200" indent="0">
-              <a:buNone/>
-            </a:pPr>
-            <a:r>
-              <a:rPr lang="en-US" sz="1100">
-                <a:latin typeface="Consolas" panose="020B0609020204030204" pitchFamily="49" charset="0"/>
-                <a:cs typeface="Courier New" panose="02070309020205020404" pitchFamily="49" charset="0"/>
-              </a:rPr>
-              <a:t>print(fullName('Alireza', 'Nezhadshamsi'))</a:t>
-            </a:r>
-          </a:p>
-          <a:p>
-            <a:pPr marL="76200" indent="0">
-              <a:buNone/>
-            </a:pPr>
-            <a:endParaRPr lang="en-US" sz="1100">
+              <a:rPr lang="en-US" sz="1100" dirty="0">
+                <a:latin typeface="Consolas" panose="020B0609020204030204" pitchFamily="49" charset="0"/>
+                <a:cs typeface="Courier New" panose="02070309020205020404" pitchFamily="49" charset="0"/>
+              </a:rPr>
+              <a:t>    return f'{</a:t>
+            </a:r>
+            <a:r>
+              <a:rPr lang="en-US" sz="1100" dirty="0" err="1">
+                <a:latin typeface="Consolas" panose="020B0609020204030204" pitchFamily="49" charset="0"/>
+                <a:cs typeface="Courier New" panose="02070309020205020404" pitchFamily="49" charset="0"/>
+              </a:rPr>
+              <a:t>firstName.title</a:t>
+            </a:r>
+            <a:r>
+              <a:rPr lang="en-US" sz="1100" dirty="0">
+                <a:latin typeface="Consolas" panose="020B0609020204030204" pitchFamily="49" charset="0"/>
+                <a:cs typeface="Courier New" panose="02070309020205020404" pitchFamily="49" charset="0"/>
+              </a:rPr>
+              <a:t>()} {</a:t>
+            </a:r>
+            <a:r>
+              <a:rPr lang="en-US" sz="1100" dirty="0" err="1">
+                <a:latin typeface="Consolas" panose="020B0609020204030204" pitchFamily="49" charset="0"/>
+                <a:cs typeface="Courier New" panose="02070309020205020404" pitchFamily="49" charset="0"/>
+              </a:rPr>
+              <a:t>lastName.title</a:t>
+            </a:r>
+            <a:r>
+              <a:rPr lang="en-US" sz="1100" dirty="0">
+                <a:latin typeface="Consolas" panose="020B0609020204030204" pitchFamily="49" charset="0"/>
+                <a:cs typeface="Courier New" panose="02070309020205020404" pitchFamily="49" charset="0"/>
+              </a:rPr>
+              <a:t>()}'</a:t>
+            </a:r>
+          </a:p>
+          <a:p>
+            <a:pPr marL="76200" indent="0">
+              <a:buNone/>
+            </a:pPr>
+            <a:r>
+              <a:rPr lang="en-US" sz="1100" dirty="0">
+                <a:latin typeface="Consolas" panose="020B0609020204030204" pitchFamily="49" charset="0"/>
+                <a:cs typeface="Courier New" panose="02070309020205020404" pitchFamily="49" charset="0"/>
+              </a:rPr>
+              <a:t>print(</a:t>
+            </a:r>
+            <a:r>
+              <a:rPr lang="en-US" sz="1100" dirty="0" err="1">
+                <a:latin typeface="Consolas" panose="020B0609020204030204" pitchFamily="49" charset="0"/>
+                <a:cs typeface="Courier New" panose="02070309020205020404" pitchFamily="49" charset="0"/>
+              </a:rPr>
+              <a:t>fullName</a:t>
+            </a:r>
+            <a:r>
+              <a:rPr lang="en-US" sz="1100" dirty="0">
+                <a:latin typeface="Consolas" panose="020B0609020204030204" pitchFamily="49" charset="0"/>
+                <a:cs typeface="Courier New" panose="02070309020205020404" pitchFamily="49" charset="0"/>
+              </a:rPr>
+              <a:t>('</a:t>
+            </a:r>
+            <a:r>
+              <a:rPr lang="en-US" sz="1100" dirty="0" err="1">
+                <a:latin typeface="Consolas" panose="020B0609020204030204" pitchFamily="49" charset="0"/>
+                <a:cs typeface="Courier New" panose="02070309020205020404" pitchFamily="49" charset="0"/>
+              </a:rPr>
+              <a:t>alireza</a:t>
+            </a:r>
+            <a:r>
+              <a:rPr lang="en-US" sz="1100" dirty="0">
+                <a:latin typeface="Consolas" panose="020B0609020204030204" pitchFamily="49" charset="0"/>
+                <a:cs typeface="Courier New" panose="02070309020205020404" pitchFamily="49" charset="0"/>
+              </a:rPr>
+              <a:t>', '</a:t>
+            </a:r>
+            <a:r>
+              <a:rPr lang="en-US" sz="1100" dirty="0" err="1">
+                <a:latin typeface="Consolas" panose="020B0609020204030204" pitchFamily="49" charset="0"/>
+                <a:cs typeface="Courier New" panose="02070309020205020404" pitchFamily="49" charset="0"/>
+              </a:rPr>
+              <a:t>nezhadshamsi</a:t>
+            </a:r>
+            <a:r>
+              <a:rPr lang="en-US" sz="1100" dirty="0">
+                <a:latin typeface="Consolas" panose="020B0609020204030204" pitchFamily="49" charset="0"/>
+                <a:cs typeface="Courier New" panose="02070309020205020404" pitchFamily="49" charset="0"/>
+              </a:rPr>
+              <a:t>'))</a:t>
+            </a:r>
+          </a:p>
+          <a:p>
+            <a:pPr marL="76200" indent="0">
+              <a:buNone/>
+            </a:pPr>
+            <a:endParaRPr lang="en-US" sz="1100" dirty="0">
               <a:latin typeface="Consolas" panose="020B0609020204030204" pitchFamily="49" charset="0"/>
               <a:cs typeface="Courier New" panose="02070309020205020404" pitchFamily="49" charset="0"/>
             </a:endParaRPr>
@@ -23245,7 +23574,7 @@
               <a:buNone/>
             </a:pPr>
             <a:r>
-              <a:rPr lang="en-US" sz="1400"/>
+              <a:rPr lang="en-US" sz="1400" dirty="0"/>
               <a:t>Recursion</a:t>
             </a:r>
           </a:p>
@@ -23254,14 +23583,14 @@
               <a:buNone/>
             </a:pPr>
             <a:r>
-              <a:rPr lang="en-US" sz="1100">
+              <a:rPr lang="en-US" sz="1100" dirty="0">
                 <a:latin typeface="Consolas" panose="020B0609020204030204" pitchFamily="49" charset="0"/>
                 <a:cs typeface="Courier New" panose="02070309020205020404" pitchFamily="49" charset="0"/>
               </a:rPr>
               <a:t>def </a:t>
             </a:r>
             <a:r>
-              <a:rPr lang="en-US" sz="1100">
+              <a:rPr lang="en-US" sz="1100" dirty="0">
                 <a:solidFill>
                   <a:schemeClr val="accent1"/>
                 </a:solidFill>
@@ -23271,14 +23600,14 @@
               <a:t>factorial(</a:t>
             </a:r>
             <a:r>
-              <a:rPr lang="en-US" sz="1100">
+              <a:rPr lang="en-US" sz="1100" dirty="0">
                 <a:latin typeface="Consolas" panose="020B0609020204030204" pitchFamily="49" charset="0"/>
                 <a:cs typeface="Courier New" panose="02070309020205020404" pitchFamily="49" charset="0"/>
               </a:rPr>
               <a:t>number</a:t>
             </a:r>
             <a:r>
-              <a:rPr lang="en-US" sz="1100">
+              <a:rPr lang="en-US" sz="1100" dirty="0">
                 <a:solidFill>
                   <a:schemeClr val="accent1"/>
                 </a:solidFill>
@@ -23293,14 +23622,14 @@
               <a:buNone/>
             </a:pPr>
             <a:r>
-              <a:rPr lang="en-US" sz="1100">
+              <a:rPr lang="en-US" sz="1100" dirty="0">
                 <a:latin typeface="Consolas" panose="020B0609020204030204" pitchFamily="49" charset="0"/>
                 <a:cs typeface="Courier New" panose="02070309020205020404" pitchFamily="49" charset="0"/>
               </a:rPr>
               <a:t>    return number * </a:t>
             </a:r>
             <a:r>
-              <a:rPr lang="en-US" sz="1100">
+              <a:rPr lang="en-US" sz="1100" dirty="0">
                 <a:solidFill>
                   <a:schemeClr val="accent1"/>
                 </a:solidFill>
@@ -23310,14 +23639,14 @@
               <a:t>factorial(</a:t>
             </a:r>
             <a:r>
-              <a:rPr lang="en-US" sz="1100">
+              <a:rPr lang="en-US" sz="1100" dirty="0">
                 <a:latin typeface="Consolas" panose="020B0609020204030204" pitchFamily="49" charset="0"/>
                 <a:cs typeface="Courier New" panose="02070309020205020404" pitchFamily="49" charset="0"/>
               </a:rPr>
               <a:t>number - 1</a:t>
             </a:r>
             <a:r>
-              <a:rPr lang="en-US" sz="1100">
+              <a:rPr lang="en-US" sz="1100" dirty="0">
                 <a:solidFill>
                   <a:schemeClr val="accent1"/>
                 </a:solidFill>
@@ -23327,7 +23656,7 @@
               <a:t>)</a:t>
             </a:r>
             <a:r>
-              <a:rPr lang="en-US" sz="1100">
+              <a:rPr lang="en-US" sz="1100" dirty="0">
                 <a:latin typeface="Consolas" panose="020B0609020204030204" pitchFamily="49" charset="0"/>
                 <a:cs typeface="Courier New" panose="02070309020205020404" pitchFamily="49" charset="0"/>
               </a:rPr>
@@ -23339,7 +23668,7 @@
               <a:buNone/>
             </a:pPr>
             <a:r>
-              <a:rPr lang="en-US" sz="1100">
+              <a:rPr lang="en-US" sz="1100" dirty="0">
                 <a:latin typeface="Consolas" panose="020B0609020204030204" pitchFamily="49" charset="0"/>
                 <a:cs typeface="Courier New" panose="02070309020205020404" pitchFamily="49" charset="0"/>
               </a:rPr>

--- a/Powerpoint/1 Python Basics.pptx
+++ b/Powerpoint/1 Python Basics.pptx
@@ -5,10 +5,10 @@
     <p:sldMasterId id="2147483658" r:id="rId1"/>
   </p:sldMasterIdLst>
   <p:notesMasterIdLst>
-    <p:notesMasterId r:id="rId46"/>
+    <p:notesMasterId r:id="rId45"/>
   </p:notesMasterIdLst>
   <p:handoutMasterIdLst>
-    <p:handoutMasterId r:id="rId47"/>
+    <p:handoutMasterId r:id="rId46"/>
   </p:handoutMasterIdLst>
   <p:sldIdLst>
     <p:sldId id="256" r:id="rId2"/>
@@ -33,57 +33,56 @@
     <p:sldId id="303" r:id="rId21"/>
     <p:sldId id="304" r:id="rId22"/>
     <p:sldId id="330" r:id="rId23"/>
-    <p:sldId id="334" r:id="rId24"/>
-    <p:sldId id="305" r:id="rId25"/>
-    <p:sldId id="307" r:id="rId26"/>
-    <p:sldId id="309" r:id="rId27"/>
-    <p:sldId id="310" r:id="rId28"/>
-    <p:sldId id="335" r:id="rId29"/>
-    <p:sldId id="313" r:id="rId30"/>
-    <p:sldId id="314" r:id="rId31"/>
-    <p:sldId id="317" r:id="rId32"/>
-    <p:sldId id="315" r:id="rId33"/>
-    <p:sldId id="316" r:id="rId34"/>
-    <p:sldId id="336" r:id="rId35"/>
-    <p:sldId id="318" r:id="rId36"/>
-    <p:sldId id="319" r:id="rId37"/>
-    <p:sldId id="339" r:id="rId38"/>
-    <p:sldId id="328" r:id="rId39"/>
-    <p:sldId id="338" r:id="rId40"/>
-    <p:sldId id="329" r:id="rId41"/>
-    <p:sldId id="327" r:id="rId42"/>
-    <p:sldId id="325" r:id="rId43"/>
-    <p:sldId id="340" r:id="rId44"/>
-    <p:sldId id="280" r:id="rId45"/>
+    <p:sldId id="305" r:id="rId24"/>
+    <p:sldId id="307" r:id="rId25"/>
+    <p:sldId id="309" r:id="rId26"/>
+    <p:sldId id="310" r:id="rId27"/>
+    <p:sldId id="335" r:id="rId28"/>
+    <p:sldId id="313" r:id="rId29"/>
+    <p:sldId id="314" r:id="rId30"/>
+    <p:sldId id="317" r:id="rId31"/>
+    <p:sldId id="315" r:id="rId32"/>
+    <p:sldId id="316" r:id="rId33"/>
+    <p:sldId id="336" r:id="rId34"/>
+    <p:sldId id="318" r:id="rId35"/>
+    <p:sldId id="319" r:id="rId36"/>
+    <p:sldId id="339" r:id="rId37"/>
+    <p:sldId id="328" r:id="rId38"/>
+    <p:sldId id="338" r:id="rId39"/>
+    <p:sldId id="329" r:id="rId40"/>
+    <p:sldId id="327" r:id="rId41"/>
+    <p:sldId id="325" r:id="rId42"/>
+    <p:sldId id="340" r:id="rId43"/>
+    <p:sldId id="280" r:id="rId44"/>
   </p:sldIdLst>
   <p:sldSz cx="9144000" cy="5143500" type="screen16x9"/>
   <p:notesSz cx="6858000" cy="9144000"/>
   <p:embeddedFontLst>
     <p:embeddedFont>
       <p:font typeface="Consolas" panose="020B0609020204030204" pitchFamily="49" charset="0"/>
-      <p:regular r:id="rId48"/>
-      <p:bold r:id="rId49"/>
-      <p:italic r:id="rId50"/>
-      <p:boldItalic r:id="rId51"/>
+      <p:regular r:id="rId47"/>
+      <p:bold r:id="rId48"/>
+      <p:italic r:id="rId49"/>
+      <p:boldItalic r:id="rId50"/>
     </p:embeddedFont>
     <p:embeddedFont>
       <p:font typeface="Roboto Slab" panose="020B0604020202020204" charset="0"/>
-      <p:regular r:id="rId52"/>
-      <p:bold r:id="rId53"/>
+      <p:regular r:id="rId51"/>
+      <p:bold r:id="rId52"/>
     </p:embeddedFont>
     <p:embeddedFont>
       <p:font typeface="Source Sans Pro" panose="020B0503030403020204" pitchFamily="34" charset="0"/>
-      <p:regular r:id="rId54"/>
-      <p:bold r:id="rId55"/>
-      <p:italic r:id="rId56"/>
-      <p:boldItalic r:id="rId57"/>
+      <p:regular r:id="rId53"/>
+      <p:bold r:id="rId54"/>
+      <p:italic r:id="rId55"/>
+      <p:boldItalic r:id="rId56"/>
     </p:embeddedFont>
     <p:embeddedFont>
       <p:font typeface="Trebuchet MS" panose="020B0603020202020204" pitchFamily="34" charset="0"/>
-      <p:regular r:id="rId58"/>
-      <p:bold r:id="rId59"/>
-      <p:italic r:id="rId60"/>
-      <p:boldItalic r:id="rId61"/>
+      <p:regular r:id="rId57"/>
+      <p:bold r:id="rId58"/>
+      <p:italic r:id="rId59"/>
+      <p:boldItalic r:id="rId60"/>
     </p:embeddedFont>
   </p:embeddedFontLst>
   <p:defaultTextStyle>
@@ -11009,7 +11008,7 @@
           <a:p>
             <a:fld id="{7CEEE0ED-A0F5-4442-9C94-5288E26FF1D3}" type="datetimeFigureOut">
               <a:rPr lang="fa-IR" smtClean="0"/>
-              <a:t>06/10/1444</a:t>
+              <a:t>01/11/1444</a:t>
             </a:fld>
             <a:endParaRPr lang="fa-IR"/>
           </a:p>
@@ -12070,7 +12069,7 @@
     </p:spTree>
     <p:extLst>
       <p:ext uri="{BB962C8B-B14F-4D97-AF65-F5344CB8AC3E}">
-        <p14:creationId xmlns:p14="http://schemas.microsoft.com/office/powerpoint/2010/main" val="1905845439"/>
+        <p14:creationId xmlns:p14="http://schemas.microsoft.com/office/powerpoint/2010/main" val="1784511076"/>
       </p:ext>
     </p:extLst>
   </p:cSld>
@@ -12179,7 +12178,7 @@
     </p:spTree>
     <p:extLst>
       <p:ext uri="{BB962C8B-B14F-4D97-AF65-F5344CB8AC3E}">
-        <p14:creationId xmlns:p14="http://schemas.microsoft.com/office/powerpoint/2010/main" val="1784511076"/>
+        <p14:creationId xmlns:p14="http://schemas.microsoft.com/office/powerpoint/2010/main" val="432987759"/>
       </p:ext>
     </p:extLst>
   </p:cSld>
@@ -12288,7 +12287,7 @@
     </p:spTree>
     <p:extLst>
       <p:ext uri="{BB962C8B-B14F-4D97-AF65-F5344CB8AC3E}">
-        <p14:creationId xmlns:p14="http://schemas.microsoft.com/office/powerpoint/2010/main" val="432987759"/>
+        <p14:creationId xmlns:p14="http://schemas.microsoft.com/office/powerpoint/2010/main" val="1295939630"/>
       </p:ext>
     </p:extLst>
   </p:cSld>
@@ -12299,115 +12298,6 @@
 </file>
 
 <file path=ppt/notesSlides/notesSlide8.xml><?xml version="1.0" encoding="utf-8"?>
-<p:notes xmlns:a="http://schemas.openxmlformats.org/drawingml/2006/main" xmlns:r="http://schemas.openxmlformats.org/officeDocument/2006/relationships" xmlns:p="http://schemas.openxmlformats.org/presentationml/2006/main" showMasterSp="0" showMasterPhAnim="0">
-  <p:cSld>
-    <p:spTree>
-      <p:nvGrpSpPr>
-        <p:cNvPr id="1" name="Shape 93"/>
-        <p:cNvGrpSpPr/>
-        <p:nvPr/>
-      </p:nvGrpSpPr>
-      <p:grpSpPr>
-        <a:xfrm>
-          <a:off x="0" y="0"/>
-          <a:ext cx="0" cy="0"/>
-          <a:chOff x="0" y="0"/>
-          <a:chExt cx="0" cy="0"/>
-        </a:xfrm>
-      </p:grpSpPr>
-      <p:sp>
-        <p:nvSpPr>
-          <p:cNvPr id="94" name="Google Shape;94;g35f391192_029:notes"/>
-          <p:cNvSpPr>
-            <a:spLocks noGrp="1" noRot="1" noChangeAspect="1"/>
-          </p:cNvSpPr>
-          <p:nvPr>
-            <p:ph type="sldImg" idx="2"/>
-          </p:nvPr>
-        </p:nvSpPr>
-        <p:spPr>
-          <a:xfrm>
-            <a:off x="381000" y="685800"/>
-            <a:ext cx="6096000" cy="3429000"/>
-          </a:xfrm>
-          <a:custGeom>
-            <a:avLst/>
-            <a:gdLst/>
-            <a:ahLst/>
-            <a:cxnLst/>
-            <a:rect l="l" t="t" r="r" b="b"/>
-            <a:pathLst>
-              <a:path w="120000" h="120000" extrusionOk="0">
-                <a:moveTo>
-                  <a:pt x="0" y="0"/>
-                </a:moveTo>
-                <a:lnTo>
-                  <a:pt x="120000" y="0"/>
-                </a:lnTo>
-                <a:lnTo>
-                  <a:pt x="120000" y="120000"/>
-                </a:lnTo>
-                <a:lnTo>
-                  <a:pt x="0" y="120000"/>
-                </a:lnTo>
-                <a:close/>
-              </a:path>
-            </a:pathLst>
-          </a:custGeom>
-        </p:spPr>
-      </p:sp>
-      <p:sp>
-        <p:nvSpPr>
-          <p:cNvPr id="95" name="Google Shape;95;g35f391192_029:notes"/>
-          <p:cNvSpPr txBox="1">
-            <a:spLocks noGrp="1"/>
-          </p:cNvSpPr>
-          <p:nvPr>
-            <p:ph type="body" idx="1"/>
-          </p:nvPr>
-        </p:nvSpPr>
-        <p:spPr>
-          <a:xfrm>
-            <a:off x="685800" y="4343400"/>
-            <a:ext cx="5486400" cy="4114800"/>
-          </a:xfrm>
-          <a:prstGeom prst="rect">
-            <a:avLst/>
-          </a:prstGeom>
-        </p:spPr>
-        <p:txBody>
-          <a:bodyPr spcFirstLastPara="1" wrap="square" lIns="91425" tIns="91425" rIns="91425" bIns="91425" anchor="t" anchorCtr="0">
-            <a:noAutofit/>
-          </a:bodyPr>
-          <a:lstStyle/>
-          <a:p>
-            <a:pPr marL="0" lvl="0" indent="0" algn="l" rtl="0">
-              <a:spcBef>
-                <a:spcPts val="0"/>
-              </a:spcBef>
-              <a:spcAft>
-                <a:spcPts val="0"/>
-              </a:spcAft>
-              <a:buNone/>
-            </a:pPr>
-            <a:endParaRPr/>
-          </a:p>
-        </p:txBody>
-      </p:sp>
-    </p:spTree>
-    <p:extLst>
-      <p:ext uri="{BB962C8B-B14F-4D97-AF65-F5344CB8AC3E}">
-        <p14:creationId xmlns:p14="http://schemas.microsoft.com/office/powerpoint/2010/main" val="1295939630"/>
-      </p:ext>
-    </p:extLst>
-  </p:cSld>
-  <p:clrMapOvr>
-    <a:masterClrMapping/>
-  </p:clrMapOvr>
-</p:notes>
-</file>
-
-<file path=ppt/notesSlides/notesSlide9.xml><?xml version="1.0" encoding="utf-8"?>
 <p:notes xmlns:a="http://schemas.openxmlformats.org/drawingml/2006/main" xmlns:r="http://schemas.openxmlformats.org/officeDocument/2006/relationships" xmlns:p="http://schemas.openxmlformats.org/presentationml/2006/main" showMasterSp="0" showMasterPhAnim="0">
   <p:cSld>
     <p:spTree>
@@ -18996,7 +18886,7 @@
             </a:pPr>
             <a:r>
               <a:rPr lang="en-US"/>
-              <a:t>Conditions</a:t>
+              <a:t>Control Statements</a:t>
             </a:r>
           </a:p>
         </p:txBody>
@@ -20409,7 +20299,7 @@
   <p:cSld>
     <p:spTree>
       <p:nvGrpSpPr>
-        <p:cNvPr id="1" name="Shape 96"/>
+        <p:cNvPr id="1" name=""/>
         <p:cNvGrpSpPr/>
         <p:nvPr/>
       </p:nvGrpSpPr>
@@ -20423,92 +20313,192 @@
       </p:grpSpPr>
       <p:sp>
         <p:nvSpPr>
-          <p:cNvPr id="97" name="Google Shape;97;p15"/>
-          <p:cNvSpPr txBox="1">
+          <p:cNvPr id="2" name="Title 1">
+            <a:extLst>
+              <a:ext uri="{FF2B5EF4-FFF2-40B4-BE49-F238E27FC236}">
+                <a16:creationId xmlns:a16="http://schemas.microsoft.com/office/drawing/2014/main" id="{024AD384-5AD1-4435-A943-1241B2FACD62}"/>
+              </a:ext>
+            </a:extLst>
+          </p:cNvPr>
+          <p:cNvSpPr>
             <a:spLocks noGrp="1"/>
           </p:cNvSpPr>
           <p:nvPr>
-            <p:ph type="ctrTitle"/>
+            <p:ph type="title"/>
+          </p:nvPr>
+        </p:nvSpPr>
+        <p:spPr/>
+        <p:txBody>
+          <a:bodyPr/>
+          <a:lstStyle/>
+          <a:p>
+            <a:r>
+              <a:rPr lang="en-US"/>
+              <a:t>While Loops</a:t>
+            </a:r>
+            <a:endParaRPr lang="fa-IR"/>
+          </a:p>
+        </p:txBody>
+      </p:sp>
+      <p:sp>
+        <p:nvSpPr>
+          <p:cNvPr id="3" name="Text Placeholder 2">
+            <a:extLst>
+              <a:ext uri="{FF2B5EF4-FFF2-40B4-BE49-F238E27FC236}">
+                <a16:creationId xmlns:a16="http://schemas.microsoft.com/office/drawing/2014/main" id="{58BE3078-8B89-4550-B497-93E4DADBD57E}"/>
+              </a:ext>
+            </a:extLst>
+          </p:cNvPr>
+          <p:cNvSpPr>
+            <a:spLocks noGrp="1"/>
+          </p:cNvSpPr>
+          <p:nvPr>
+            <p:ph type="body" idx="1"/>
           </p:nvPr>
         </p:nvSpPr>
         <p:spPr>
           <a:xfrm>
-            <a:off x="1655700" y="1991850"/>
-            <a:ext cx="5832600" cy="1159800"/>
+            <a:off x="786150" y="1142608"/>
+            <a:ext cx="7571700" cy="3626431"/>
           </a:xfrm>
-          <a:prstGeom prst="rect">
-            <a:avLst/>
-          </a:prstGeom>
         </p:spPr>
         <p:txBody>
-          <a:bodyPr spcFirstLastPara="1" wrap="square" lIns="91425" tIns="91425" rIns="91425" bIns="91425" anchor="ctr" anchorCtr="0">
-            <a:noAutofit/>
-          </a:bodyPr>
+          <a:bodyPr/>
           <a:lstStyle/>
           <a:p>
-            <a:pPr marL="0" lvl="0" indent="0" algn="ctr" rtl="0">
-              <a:spcBef>
-                <a:spcPts val="0"/>
-              </a:spcBef>
-              <a:spcAft>
-                <a:spcPts val="0"/>
-              </a:spcAft>
-              <a:buNone/>
-            </a:pPr>
-            <a:r>
-              <a:rPr lang="en-US" sz="6000">
+            <a:pPr marL="76200" indent="0">
+              <a:buNone/>
+            </a:pPr>
+            <a:r>
+              <a:rPr lang="en-US" sz="1400"/>
+              <a:t>Execute a set of statements as long as a condition is true</a:t>
+            </a:r>
+          </a:p>
+          <a:p>
+            <a:pPr marL="76200" indent="0">
+              <a:buNone/>
+            </a:pPr>
+            <a:r>
+              <a:rPr lang="nn-NO" sz="1100">
+                <a:latin typeface="Consolas" panose="020B0609020204030204" pitchFamily="49" charset="0"/>
+                <a:cs typeface="Courier New" panose="02070309020205020404" pitchFamily="49" charset="0"/>
+              </a:rPr>
+              <a:t>i = 1</a:t>
+            </a:r>
+          </a:p>
+          <a:p>
+            <a:pPr marL="76200" indent="0">
+              <a:buNone/>
+            </a:pPr>
+            <a:r>
+              <a:rPr lang="nn-NO" sz="1100">
                 <a:solidFill>
-                  <a:srgbClr val="E6E6E6"/>
+                  <a:schemeClr val="accent1"/>
                 </a:solidFill>
-              </a:rPr>
-              <a:t>3</a:t>
-            </a:r>
-            <a:endParaRPr sz="6000">
-              <a:solidFill>
-                <a:srgbClr val="E6E6E6"/>
-              </a:solidFill>
+                <a:latin typeface="Consolas" panose="020B0609020204030204" pitchFamily="49" charset="0"/>
+                <a:cs typeface="Courier New" panose="02070309020205020404" pitchFamily="49" charset="0"/>
+              </a:rPr>
+              <a:t>while</a:t>
+            </a:r>
+            <a:r>
+              <a:rPr lang="nn-NO" sz="1100">
+                <a:latin typeface="Consolas" panose="020B0609020204030204" pitchFamily="49" charset="0"/>
+                <a:cs typeface="Courier New" panose="02070309020205020404" pitchFamily="49" charset="0"/>
+              </a:rPr>
+              <a:t> i &lt; 10</a:t>
+            </a:r>
+            <a:r>
+              <a:rPr lang="nn-NO" sz="1100">
+                <a:solidFill>
+                  <a:schemeClr val="accent1"/>
+                </a:solidFill>
+                <a:latin typeface="Consolas" panose="020B0609020204030204" pitchFamily="49" charset="0"/>
+                <a:cs typeface="Courier New" panose="02070309020205020404" pitchFamily="49" charset="0"/>
+              </a:rPr>
+              <a:t>:</a:t>
+            </a:r>
+          </a:p>
+          <a:p>
+            <a:pPr marL="76200" indent="0">
+              <a:buNone/>
+            </a:pPr>
+            <a:r>
+              <a:rPr lang="nn-NO" sz="1100">
+                <a:latin typeface="Consolas" panose="020B0609020204030204" pitchFamily="49" charset="0"/>
+                <a:cs typeface="Courier New" panose="02070309020205020404" pitchFamily="49" charset="0"/>
+              </a:rPr>
+              <a:t>    print(i)</a:t>
+            </a:r>
+          </a:p>
+          <a:p>
+            <a:pPr marL="76200" indent="0">
+              <a:buNone/>
+            </a:pPr>
+            <a:r>
+              <a:rPr lang="nn-NO" sz="1100">
+                <a:latin typeface="Consolas" panose="020B0609020204030204" pitchFamily="49" charset="0"/>
+                <a:cs typeface="Courier New" panose="02070309020205020404" pitchFamily="49" charset="0"/>
+              </a:rPr>
+              <a:t>    i += 1</a:t>
+            </a:r>
+          </a:p>
+          <a:p>
+            <a:pPr marL="76200" indent="0">
+              <a:buNone/>
+            </a:pPr>
+            <a:r>
+              <a:rPr lang="nn-NO" sz="1100">
+                <a:solidFill>
+                  <a:schemeClr val="accent1"/>
+                </a:solidFill>
+                <a:latin typeface="Consolas" panose="020B0609020204030204" pitchFamily="49" charset="0"/>
+                <a:cs typeface="Courier New" panose="02070309020205020404" pitchFamily="49" charset="0"/>
+              </a:rPr>
+              <a:t>else:</a:t>
+            </a:r>
+          </a:p>
+          <a:p>
+            <a:pPr marL="76200" indent="0">
+              <a:buNone/>
+            </a:pPr>
+            <a:r>
+              <a:rPr lang="nn-NO" sz="1100">
+                <a:latin typeface="Consolas" panose="020B0609020204030204" pitchFamily="49" charset="0"/>
+                <a:cs typeface="Courier New" panose="02070309020205020404" pitchFamily="49" charset="0"/>
+              </a:rPr>
+              <a:t>    print(f'Finished after {i} loops')</a:t>
+            </a:r>
+          </a:p>
+          <a:p>
+            <a:pPr marL="76200" indent="0">
+              <a:buNone/>
+            </a:pPr>
+            <a:endParaRPr lang="en-US" sz="1200">
+              <a:latin typeface="Consolas" panose="020B0609020204030204" pitchFamily="49" charset="0"/>
+              <a:cs typeface="Courier New" panose="02070309020205020404" pitchFamily="49" charset="0"/>
             </a:endParaRPr>
-          </a:p>
-          <a:p>
-            <a:pPr marL="0" lvl="0" indent="0" algn="ctr" rtl="0">
-              <a:spcBef>
-                <a:spcPts val="0"/>
-              </a:spcBef>
-              <a:spcAft>
-                <a:spcPts val="0"/>
-              </a:spcAft>
-              <a:buNone/>
-            </a:pPr>
-            <a:r>
-              <a:rPr lang="en-US"/>
-              <a:t>Loops</a:t>
-            </a:r>
           </a:p>
         </p:txBody>
       </p:sp>
       <p:sp>
         <p:nvSpPr>
-          <p:cNvPr id="99" name="Google Shape;99;p15"/>
-          <p:cNvSpPr txBox="1">
+          <p:cNvPr id="4" name="Slide Number Placeholder 3">
+            <a:extLst>
+              <a:ext uri="{FF2B5EF4-FFF2-40B4-BE49-F238E27FC236}">
+                <a16:creationId xmlns:a16="http://schemas.microsoft.com/office/drawing/2014/main" id="{64987AE6-EC0E-43DD-9376-95A5602EE5E1}"/>
+              </a:ext>
+            </a:extLst>
+          </p:cNvPr>
+          <p:cNvSpPr>
             <a:spLocks noGrp="1"/>
           </p:cNvSpPr>
           <p:nvPr>
-            <p:ph type="sldNum" idx="4294967295"/>
+            <p:ph type="sldNum" idx="12"/>
           </p:nvPr>
         </p:nvSpPr>
-        <p:spPr>
-          <a:xfrm>
-            <a:off x="8404384" y="4749851"/>
-            <a:ext cx="548700" cy="393600"/>
-          </a:xfrm>
-          <a:prstGeom prst="rect">
-            <a:avLst/>
-          </a:prstGeom>
-        </p:spPr>
+        <p:spPr/>
         <p:txBody>
-          <a:bodyPr spcFirstLastPara="1" wrap="square" lIns="91425" tIns="91425" rIns="91425" bIns="91425" anchor="t" anchorCtr="0">
-            <a:noAutofit/>
-          </a:bodyPr>
+          <a:bodyPr/>
           <a:lstStyle/>
           <a:p>
             <a:pPr marL="0" lvl="0" indent="0" algn="r" rtl="0">
@@ -20521,17 +20511,17 @@
               <a:buNone/>
             </a:pPr>
             <a:fld id="{00000000-1234-1234-1234-123412341234}" type="slidenum">
-              <a:rPr lang="en"/>
+              <a:rPr lang="en" smtClean="0"/>
               <a:t>23</a:t>
             </a:fld>
-            <a:endParaRPr/>
+            <a:endParaRPr lang="en"/>
           </a:p>
         </p:txBody>
       </p:sp>
     </p:spTree>
     <p:extLst>
       <p:ext uri="{BB962C8B-B14F-4D97-AF65-F5344CB8AC3E}">
-        <p14:creationId xmlns:p14="http://schemas.microsoft.com/office/powerpoint/2010/main" val="2274498270"/>
+        <p14:creationId xmlns:p14="http://schemas.microsoft.com/office/powerpoint/2010/main" val="620167223"/>
       </p:ext>
     </p:extLst>
   </p:cSld>
@@ -20581,7 +20571,7 @@
           <a:p>
             <a:r>
               <a:rPr lang="en-US"/>
-              <a:t>While Loops</a:t>
+              <a:t>For Loops</a:t>
             </a:r>
             <a:endParaRPr lang="fa-IR"/>
           </a:p>
@@ -20606,7 +20596,7 @@
         <p:spPr>
           <a:xfrm>
             <a:off x="786150" y="1142608"/>
-            <a:ext cx="7571700" cy="3626431"/>
+            <a:ext cx="3785850" cy="3626431"/>
           </a:xfrm>
         </p:spPr>
         <p:txBody>
@@ -20618,89 +20608,82 @@
             </a:pPr>
             <a:r>
               <a:rPr lang="en-US" sz="1400"/>
-              <a:t>Execute a set of statements as long as a condition is true</a:t>
-            </a:r>
-          </a:p>
-          <a:p>
-            <a:pPr marL="76200" indent="0">
-              <a:buNone/>
-            </a:pPr>
-            <a:r>
-              <a:rPr lang="nn-NO" sz="1100">
-                <a:latin typeface="Consolas" panose="020B0609020204030204" pitchFamily="49" charset="0"/>
-                <a:cs typeface="Courier New" panose="02070309020205020404" pitchFamily="49" charset="0"/>
-              </a:rPr>
-              <a:t>i = 1</a:t>
-            </a:r>
-          </a:p>
-          <a:p>
-            <a:pPr marL="76200" indent="0">
-              <a:buNone/>
-            </a:pPr>
-            <a:r>
-              <a:rPr lang="nn-NO" sz="1100">
+              <a:t>Iterating over a collection</a:t>
+            </a:r>
+          </a:p>
+          <a:p>
+            <a:pPr marL="76200" indent="0">
+              <a:buNone/>
+            </a:pPr>
+            <a:r>
+              <a:rPr lang="en-US" sz="1100">
                 <a:solidFill>
                   <a:schemeClr val="accent1"/>
                 </a:solidFill>
                 <a:latin typeface="Consolas" panose="020B0609020204030204" pitchFamily="49" charset="0"/>
                 <a:cs typeface="Courier New" panose="02070309020205020404" pitchFamily="49" charset="0"/>
               </a:rPr>
-              <a:t>while</a:t>
-            </a:r>
-            <a:r>
-              <a:rPr lang="nn-NO" sz="1100">
-                <a:latin typeface="Consolas" panose="020B0609020204030204" pitchFamily="49" charset="0"/>
-                <a:cs typeface="Courier New" panose="02070309020205020404" pitchFamily="49" charset="0"/>
-              </a:rPr>
-              <a:t> i &lt; 10</a:t>
-            </a:r>
-            <a:r>
-              <a:rPr lang="nn-NO" sz="1100">
+              <a:t>for</a:t>
+            </a:r>
+            <a:r>
+              <a:rPr lang="en-US" sz="1100">
+                <a:latin typeface="Consolas" panose="020B0609020204030204" pitchFamily="49" charset="0"/>
+                <a:cs typeface="Courier New" panose="02070309020205020404" pitchFamily="49" charset="0"/>
+              </a:rPr>
+              <a:t> fruit </a:t>
+            </a:r>
+            <a:r>
+              <a:rPr lang="en-US" sz="1100">
                 <a:solidFill>
                   <a:schemeClr val="accent1"/>
                 </a:solidFill>
                 <a:latin typeface="Consolas" panose="020B0609020204030204" pitchFamily="49" charset="0"/>
                 <a:cs typeface="Courier New" panose="02070309020205020404" pitchFamily="49" charset="0"/>
               </a:rPr>
-              <a:t>:</a:t>
-            </a:r>
-          </a:p>
-          <a:p>
-            <a:pPr marL="76200" indent="0">
-              <a:buNone/>
-            </a:pPr>
-            <a:r>
-              <a:rPr lang="nn-NO" sz="1100">
-                <a:latin typeface="Consolas" panose="020B0609020204030204" pitchFamily="49" charset="0"/>
-                <a:cs typeface="Courier New" panose="02070309020205020404" pitchFamily="49" charset="0"/>
-              </a:rPr>
-              <a:t>    print(i)</a:t>
-            </a:r>
-          </a:p>
-          <a:p>
-            <a:pPr marL="76200" indent="0">
-              <a:buNone/>
-            </a:pPr>
-            <a:r>
-              <a:rPr lang="nn-NO" sz="1100">
-                <a:latin typeface="Consolas" panose="020B0609020204030204" pitchFamily="49" charset="0"/>
-                <a:cs typeface="Courier New" panose="02070309020205020404" pitchFamily="49" charset="0"/>
-              </a:rPr>
-              <a:t>    i += 1</a:t>
-            </a:r>
-          </a:p>
-          <a:p>
-            <a:pPr marL="76200" indent="0">
-              <a:buNone/>
-            </a:pPr>
-            <a:r>
-              <a:rPr lang="nn-NO" sz="1100">
+              <a:t>in</a:t>
+            </a:r>
+            <a:r>
+              <a:rPr lang="en-US" sz="1100">
+                <a:latin typeface="Consolas" panose="020B0609020204030204" pitchFamily="49" charset="0"/>
+                <a:cs typeface="Courier New" panose="02070309020205020404" pitchFamily="49" charset="0"/>
+              </a:rPr>
+              <a:t> ['apple', 'banana', 'cherry']</a:t>
+            </a:r>
+            <a:r>
+              <a:rPr lang="en-US" sz="1100">
                 <a:solidFill>
                   <a:schemeClr val="accent1"/>
                 </a:solidFill>
                 <a:latin typeface="Consolas" panose="020B0609020204030204" pitchFamily="49" charset="0"/>
                 <a:cs typeface="Courier New" panose="02070309020205020404" pitchFamily="49" charset="0"/>
               </a:rPr>
+              <a:t>:</a:t>
+            </a:r>
+          </a:p>
+          <a:p>
+            <a:pPr marL="76200" indent="0">
+              <a:buNone/>
+            </a:pPr>
+            <a:r>
+              <a:rPr lang="en-US" sz="1100">
+                <a:latin typeface="Consolas" panose="020B0609020204030204" pitchFamily="49" charset="0"/>
+                <a:cs typeface="Courier New" panose="02070309020205020404" pitchFamily="49" charset="0"/>
+              </a:rPr>
+              <a:t>    print(fruit)</a:t>
+            </a:r>
+          </a:p>
+          <a:p>
+            <a:pPr marL="76200" indent="0">
+              <a:buNone/>
+            </a:pPr>
+            <a:r>
+              <a:rPr lang="en-US" sz="1100">
+                <a:solidFill>
+                  <a:schemeClr val="accent1"/>
+                </a:solidFill>
+                <a:latin typeface="Consolas" panose="020B0609020204030204" pitchFamily="49" charset="0"/>
+                <a:cs typeface="Courier New" panose="02070309020205020404" pitchFamily="49" charset="0"/>
+              </a:rPr>
               <a:t>else:</a:t>
             </a:r>
           </a:p>
@@ -20709,21 +20692,65 @@
               <a:buNone/>
             </a:pPr>
             <a:r>
-              <a:rPr lang="nn-NO" sz="1100">
-                <a:latin typeface="Consolas" panose="020B0609020204030204" pitchFamily="49" charset="0"/>
-                <a:cs typeface="Courier New" panose="02070309020205020404" pitchFamily="49" charset="0"/>
-              </a:rPr>
-              <a:t>    print(f'Finished after {i} loops')</a:t>
-            </a:r>
-          </a:p>
-          <a:p>
-            <a:pPr marL="76200" indent="0">
-              <a:buNone/>
-            </a:pPr>
-            <a:endParaRPr lang="en-US" sz="1200">
+              <a:rPr lang="en-US" sz="1100">
+                <a:latin typeface="Consolas" panose="020B0609020204030204" pitchFamily="49" charset="0"/>
+                <a:cs typeface="Courier New" panose="02070309020205020404" pitchFamily="49" charset="0"/>
+              </a:rPr>
+              <a:t>    print('Finished!')</a:t>
+            </a:r>
+          </a:p>
+          <a:p>
+            <a:pPr marL="76200" indent="0">
+              <a:buNone/>
+            </a:pPr>
+            <a:endParaRPr lang="en-US" sz="1100">
               <a:latin typeface="Consolas" panose="020B0609020204030204" pitchFamily="49" charset="0"/>
               <a:cs typeface="Courier New" panose="02070309020205020404" pitchFamily="49" charset="0"/>
             </a:endParaRPr>
+          </a:p>
+          <a:p>
+            <a:pPr marL="76200" indent="0">
+              <a:buNone/>
+            </a:pPr>
+            <a:r>
+              <a:rPr lang="en-US" sz="1400"/>
+              <a:t>Iterating over a string</a:t>
+            </a:r>
+            <a:endParaRPr lang="en-US" sz="1100">
+              <a:latin typeface="Consolas" panose="020B0609020204030204" pitchFamily="49" charset="0"/>
+              <a:cs typeface="Courier New" panose="02070309020205020404" pitchFamily="49" charset="0"/>
+            </a:endParaRPr>
+          </a:p>
+          <a:p>
+            <a:pPr marL="76200" indent="0">
+              <a:buNone/>
+            </a:pPr>
+            <a:r>
+              <a:rPr lang="en-US" sz="1100">
+                <a:latin typeface="Consolas" panose="020B0609020204030204" pitchFamily="49" charset="0"/>
+                <a:cs typeface="Courier New" panose="02070309020205020404" pitchFamily="49" charset="0"/>
+              </a:rPr>
+              <a:t>for letter in 'apple':</a:t>
+            </a:r>
+            <a:endParaRPr lang="en-US" sz="1100">
+              <a:solidFill>
+                <a:schemeClr val="accent1"/>
+              </a:solidFill>
+              <a:latin typeface="Consolas" panose="020B0609020204030204" pitchFamily="49" charset="0"/>
+              <a:cs typeface="Courier New" panose="02070309020205020404" pitchFamily="49" charset="0"/>
+            </a:endParaRPr>
+          </a:p>
+          <a:p>
+            <a:pPr marL="76200" indent="0">
+              <a:buNone/>
+            </a:pPr>
+            <a:r>
+              <a:rPr lang="en-US" sz="1100">
+                <a:latin typeface="Consolas" panose="020B0609020204030204" pitchFamily="49" charset="0"/>
+                <a:cs typeface="Courier New" panose="02070309020205020404" pitchFamily="49" charset="0"/>
+              </a:rPr>
+              <a:t>    print(letter)</a:t>
+            </a:r>
           </a:p>
         </p:txBody>
       </p:sp>
@@ -20765,10 +20792,478 @@
           </a:p>
         </p:txBody>
       </p:sp>
+      <p:sp>
+        <p:nvSpPr>
+          <p:cNvPr id="5" name="Text Placeholder 2">
+            <a:extLst>
+              <a:ext uri="{FF2B5EF4-FFF2-40B4-BE49-F238E27FC236}">
+                <a16:creationId xmlns:a16="http://schemas.microsoft.com/office/drawing/2014/main" id="{C6FD1D7C-639C-48EB-9916-EF6F037D80A5}"/>
+              </a:ext>
+            </a:extLst>
+          </p:cNvPr>
+          <p:cNvSpPr txBox="1">
+            <a:spLocks/>
+          </p:cNvSpPr>
+          <p:nvPr/>
+        </p:nvSpPr>
+        <p:spPr>
+          <a:xfrm>
+            <a:off x="4572000" y="1142607"/>
+            <a:ext cx="3785850" cy="3626431"/>
+          </a:xfrm>
+          <a:prstGeom prst="rect">
+            <a:avLst/>
+          </a:prstGeom>
+          <a:noFill/>
+          <a:ln>
+            <a:noFill/>
+          </a:ln>
+        </p:spPr>
+        <p:txBody>
+          <a:bodyPr spcFirstLastPara="1" wrap="square" lIns="91425" tIns="91425" rIns="91425" bIns="91425" anchor="ctr" anchorCtr="0">
+            <a:noAutofit/>
+          </a:bodyPr>
+          <a:lstStyle>
+            <a:defPPr marR="0" lvl="0" algn="l" rtl="0">
+              <a:lnSpc>
+                <a:spcPct val="100000"/>
+              </a:lnSpc>
+              <a:spcBef>
+                <a:spcPts val="0"/>
+              </a:spcBef>
+              <a:spcAft>
+                <a:spcPts val="0"/>
+              </a:spcAft>
+            </a:defPPr>
+            <a:lvl1pPr marL="457200" marR="0" lvl="0" indent="-381000" algn="l" rtl="0">
+              <a:lnSpc>
+                <a:spcPct val="100000"/>
+              </a:lnSpc>
+              <a:spcBef>
+                <a:spcPts val="600"/>
+              </a:spcBef>
+              <a:spcAft>
+                <a:spcPts val="0"/>
+              </a:spcAft>
+              <a:buClr>
+                <a:schemeClr val="accent4"/>
+              </a:buClr>
+              <a:buSzPts val="2400"/>
+              <a:buFont typeface="Source Sans Pro"/>
+              <a:buChar char="◎"/>
+              <a:defRPr sz="2000" b="0" i="0" u="none" strike="noStrike" cap="none">
+                <a:solidFill>
+                  <a:schemeClr val="dk1"/>
+                </a:solidFill>
+                <a:latin typeface="Trebuchet MS" panose="020B0603020202020204" pitchFamily="34" charset="0"/>
+                <a:ea typeface="Source Sans Pro"/>
+                <a:cs typeface="Source Sans Pro"/>
+                <a:sym typeface="Source Sans Pro"/>
+              </a:defRPr>
+            </a:lvl1pPr>
+            <a:lvl2pPr marL="914400" marR="0" lvl="1" indent="-381000" algn="l" rtl="0">
+              <a:lnSpc>
+                <a:spcPct val="100000"/>
+              </a:lnSpc>
+              <a:spcBef>
+                <a:spcPts val="0"/>
+              </a:spcBef>
+              <a:spcAft>
+                <a:spcPts val="0"/>
+              </a:spcAft>
+              <a:buClr>
+                <a:schemeClr val="accent4"/>
+              </a:buClr>
+              <a:buSzPts val="2400"/>
+              <a:buFont typeface="Source Sans Pro"/>
+              <a:buChar char="○"/>
+              <a:defRPr sz="2400" b="0" i="0" u="none" strike="noStrike" cap="none">
+                <a:solidFill>
+                  <a:schemeClr val="dk1"/>
+                </a:solidFill>
+                <a:latin typeface="Source Sans Pro"/>
+                <a:ea typeface="Source Sans Pro"/>
+                <a:cs typeface="Source Sans Pro"/>
+                <a:sym typeface="Source Sans Pro"/>
+              </a:defRPr>
+            </a:lvl2pPr>
+            <a:lvl3pPr marL="1371600" marR="0" lvl="2" indent="-381000" algn="l" rtl="0">
+              <a:lnSpc>
+                <a:spcPct val="100000"/>
+              </a:lnSpc>
+              <a:spcBef>
+                <a:spcPts val="0"/>
+              </a:spcBef>
+              <a:spcAft>
+                <a:spcPts val="0"/>
+              </a:spcAft>
+              <a:buClr>
+                <a:schemeClr val="accent4"/>
+              </a:buClr>
+              <a:buSzPts val="2400"/>
+              <a:buFont typeface="Source Sans Pro"/>
+              <a:buChar char="◉"/>
+              <a:defRPr sz="2400" b="0" i="0" u="none" strike="noStrike" cap="none">
+                <a:solidFill>
+                  <a:schemeClr val="dk1"/>
+                </a:solidFill>
+                <a:latin typeface="Source Sans Pro"/>
+                <a:ea typeface="Source Sans Pro"/>
+                <a:cs typeface="Source Sans Pro"/>
+                <a:sym typeface="Source Sans Pro"/>
+              </a:defRPr>
+            </a:lvl3pPr>
+            <a:lvl4pPr marL="1828800" marR="0" lvl="3" indent="-381000" algn="l" rtl="0">
+              <a:lnSpc>
+                <a:spcPct val="100000"/>
+              </a:lnSpc>
+              <a:spcBef>
+                <a:spcPts val="0"/>
+              </a:spcBef>
+              <a:spcAft>
+                <a:spcPts val="0"/>
+              </a:spcAft>
+              <a:buClr>
+                <a:schemeClr val="dk1"/>
+              </a:buClr>
+              <a:buSzPts val="2400"/>
+              <a:buFont typeface="Source Sans Pro"/>
+              <a:buChar char="●"/>
+              <a:defRPr sz="2400" b="0" i="0" u="none" strike="noStrike" cap="none">
+                <a:solidFill>
+                  <a:schemeClr val="dk1"/>
+                </a:solidFill>
+                <a:latin typeface="Source Sans Pro"/>
+                <a:ea typeface="Source Sans Pro"/>
+                <a:cs typeface="Source Sans Pro"/>
+                <a:sym typeface="Source Sans Pro"/>
+              </a:defRPr>
+            </a:lvl4pPr>
+            <a:lvl5pPr marL="2286000" marR="0" lvl="4" indent="-381000" algn="l" rtl="0">
+              <a:lnSpc>
+                <a:spcPct val="100000"/>
+              </a:lnSpc>
+              <a:spcBef>
+                <a:spcPts val="0"/>
+              </a:spcBef>
+              <a:spcAft>
+                <a:spcPts val="0"/>
+              </a:spcAft>
+              <a:buClr>
+                <a:schemeClr val="dk1"/>
+              </a:buClr>
+              <a:buSzPts val="2400"/>
+              <a:buFont typeface="Source Sans Pro"/>
+              <a:buChar char="○"/>
+              <a:defRPr sz="2400" b="0" i="0" u="none" strike="noStrike" cap="none">
+                <a:solidFill>
+                  <a:schemeClr val="dk1"/>
+                </a:solidFill>
+                <a:latin typeface="Source Sans Pro"/>
+                <a:ea typeface="Source Sans Pro"/>
+                <a:cs typeface="Source Sans Pro"/>
+                <a:sym typeface="Source Sans Pro"/>
+              </a:defRPr>
+            </a:lvl5pPr>
+            <a:lvl6pPr marL="2743200" marR="0" lvl="5" indent="-381000" algn="l" rtl="0">
+              <a:lnSpc>
+                <a:spcPct val="100000"/>
+              </a:lnSpc>
+              <a:spcBef>
+                <a:spcPts val="0"/>
+              </a:spcBef>
+              <a:spcAft>
+                <a:spcPts val="0"/>
+              </a:spcAft>
+              <a:buClr>
+                <a:schemeClr val="dk1"/>
+              </a:buClr>
+              <a:buSzPts val="2400"/>
+              <a:buFont typeface="Source Sans Pro"/>
+              <a:buChar char="■"/>
+              <a:defRPr sz="2400" b="0" i="0" u="none" strike="noStrike" cap="none">
+                <a:solidFill>
+                  <a:schemeClr val="dk1"/>
+                </a:solidFill>
+                <a:latin typeface="Source Sans Pro"/>
+                <a:ea typeface="Source Sans Pro"/>
+                <a:cs typeface="Source Sans Pro"/>
+                <a:sym typeface="Source Sans Pro"/>
+              </a:defRPr>
+            </a:lvl6pPr>
+            <a:lvl7pPr marL="3200400" marR="0" lvl="6" indent="-381000" algn="l" rtl="0">
+              <a:lnSpc>
+                <a:spcPct val="100000"/>
+              </a:lnSpc>
+              <a:spcBef>
+                <a:spcPts val="0"/>
+              </a:spcBef>
+              <a:spcAft>
+                <a:spcPts val="0"/>
+              </a:spcAft>
+              <a:buClr>
+                <a:schemeClr val="dk1"/>
+              </a:buClr>
+              <a:buSzPts val="2400"/>
+              <a:buFont typeface="Source Sans Pro"/>
+              <a:buChar char="●"/>
+              <a:defRPr sz="2400" b="0" i="0" u="none" strike="noStrike" cap="none">
+                <a:solidFill>
+                  <a:schemeClr val="dk1"/>
+                </a:solidFill>
+                <a:latin typeface="Source Sans Pro"/>
+                <a:ea typeface="Source Sans Pro"/>
+                <a:cs typeface="Source Sans Pro"/>
+                <a:sym typeface="Source Sans Pro"/>
+              </a:defRPr>
+            </a:lvl7pPr>
+            <a:lvl8pPr marL="3657600" marR="0" lvl="7" indent="-381000" algn="l" rtl="0">
+              <a:lnSpc>
+                <a:spcPct val="100000"/>
+              </a:lnSpc>
+              <a:spcBef>
+                <a:spcPts val="0"/>
+              </a:spcBef>
+              <a:spcAft>
+                <a:spcPts val="0"/>
+              </a:spcAft>
+              <a:buClr>
+                <a:schemeClr val="dk1"/>
+              </a:buClr>
+              <a:buSzPts val="2400"/>
+              <a:buFont typeface="Source Sans Pro"/>
+              <a:buChar char="○"/>
+              <a:defRPr sz="2400" b="0" i="0" u="none" strike="noStrike" cap="none">
+                <a:solidFill>
+                  <a:schemeClr val="dk1"/>
+                </a:solidFill>
+                <a:latin typeface="Source Sans Pro"/>
+                <a:ea typeface="Source Sans Pro"/>
+                <a:cs typeface="Source Sans Pro"/>
+                <a:sym typeface="Source Sans Pro"/>
+              </a:defRPr>
+            </a:lvl8pPr>
+            <a:lvl9pPr marL="4114800" marR="0" lvl="8" indent="-381000" algn="l" rtl="0">
+              <a:lnSpc>
+                <a:spcPct val="100000"/>
+              </a:lnSpc>
+              <a:spcBef>
+                <a:spcPts val="0"/>
+              </a:spcBef>
+              <a:spcAft>
+                <a:spcPts val="0"/>
+              </a:spcAft>
+              <a:buClr>
+                <a:schemeClr val="dk1"/>
+              </a:buClr>
+              <a:buSzPts val="2400"/>
+              <a:buFont typeface="Source Sans Pro"/>
+              <a:buChar char="■"/>
+              <a:defRPr sz="2400" b="0" i="0" u="none" strike="noStrike" cap="none">
+                <a:solidFill>
+                  <a:schemeClr val="dk1"/>
+                </a:solidFill>
+                <a:latin typeface="Source Sans Pro"/>
+                <a:ea typeface="Source Sans Pro"/>
+                <a:cs typeface="Source Sans Pro"/>
+                <a:sym typeface="Source Sans Pro"/>
+              </a:defRPr>
+            </a:lvl9pPr>
+          </a:lstStyle>
+          <a:p>
+            <a:pPr marL="76200" indent="0">
+              <a:buNone/>
+            </a:pPr>
+            <a:r>
+              <a:rPr lang="en-US" sz="1400"/>
+              <a:t>Looping Through a Range</a:t>
+            </a:r>
+            <a:endParaRPr lang="en-US" sz="1400">
+              <a:latin typeface="Consolas" panose="020B0609020204030204" pitchFamily="49" charset="0"/>
+              <a:cs typeface="Courier New" panose="02070309020205020404" pitchFamily="49" charset="0"/>
+            </a:endParaRPr>
+          </a:p>
+          <a:p>
+            <a:pPr marL="76200" indent="0">
+              <a:buNone/>
+            </a:pPr>
+            <a:r>
+              <a:rPr lang="en-US" sz="1100">
+                <a:latin typeface="Consolas" panose="020B0609020204030204" pitchFamily="49" charset="0"/>
+                <a:cs typeface="Courier New" panose="02070309020205020404" pitchFamily="49" charset="0"/>
+              </a:rPr>
+              <a:t>for number in </a:t>
+            </a:r>
+            <a:r>
+              <a:rPr lang="en-US" sz="1100">
+                <a:solidFill>
+                  <a:schemeClr val="accent1"/>
+                </a:solidFill>
+                <a:latin typeface="Consolas" panose="020B0609020204030204" pitchFamily="49" charset="0"/>
+                <a:cs typeface="Courier New" panose="02070309020205020404" pitchFamily="49" charset="0"/>
+              </a:rPr>
+              <a:t>range(</a:t>
+            </a:r>
+            <a:r>
+              <a:rPr lang="en-US" sz="1100">
+                <a:latin typeface="Consolas" panose="020B0609020204030204" pitchFamily="49" charset="0"/>
+                <a:cs typeface="Courier New" panose="02070309020205020404" pitchFamily="49" charset="0"/>
+              </a:rPr>
+              <a:t>20</a:t>
+            </a:r>
+            <a:r>
+              <a:rPr lang="en-US" sz="1100">
+                <a:solidFill>
+                  <a:schemeClr val="accent1"/>
+                </a:solidFill>
+                <a:latin typeface="Consolas" panose="020B0609020204030204" pitchFamily="49" charset="0"/>
+                <a:cs typeface="Courier New" panose="02070309020205020404" pitchFamily="49" charset="0"/>
+              </a:rPr>
+              <a:t>)</a:t>
+            </a:r>
+            <a:r>
+              <a:rPr lang="en-US" sz="1100">
+                <a:latin typeface="Consolas" panose="020B0609020204030204" pitchFamily="49" charset="0"/>
+                <a:cs typeface="Courier New" panose="02070309020205020404" pitchFamily="49" charset="0"/>
+              </a:rPr>
+              <a:t>:</a:t>
+            </a:r>
+          </a:p>
+          <a:p>
+            <a:pPr marL="76200" indent="0">
+              <a:buNone/>
+            </a:pPr>
+            <a:r>
+              <a:rPr lang="en-US" sz="1100">
+                <a:latin typeface="Consolas" panose="020B0609020204030204" pitchFamily="49" charset="0"/>
+                <a:cs typeface="Courier New" panose="02070309020205020404" pitchFamily="49" charset="0"/>
+              </a:rPr>
+              <a:t>    print(number)</a:t>
+            </a:r>
+          </a:p>
+          <a:p>
+            <a:pPr marL="76200" indent="0">
+              <a:buNone/>
+            </a:pPr>
+            <a:endParaRPr lang="en-US" sz="1400">
+              <a:latin typeface="Consolas" panose="020B0609020204030204" pitchFamily="49" charset="0"/>
+              <a:cs typeface="Courier New" panose="02070309020205020404" pitchFamily="49" charset="0"/>
+            </a:endParaRPr>
+          </a:p>
+          <a:p>
+            <a:pPr marL="76200" indent="0">
+              <a:buNone/>
+            </a:pPr>
+            <a:r>
+              <a:rPr lang="en-US" sz="1100">
+                <a:latin typeface="Consolas" panose="020B0609020204030204" pitchFamily="49" charset="0"/>
+                <a:cs typeface="Courier New" panose="02070309020205020404" pitchFamily="49" charset="0"/>
+              </a:rPr>
+              <a:t>for number in range(5</a:t>
+            </a:r>
+            <a:r>
+              <a:rPr lang="en-US" sz="1100">
+                <a:solidFill>
+                  <a:schemeClr val="accent1"/>
+                </a:solidFill>
+                <a:latin typeface="Consolas" panose="020B0609020204030204" pitchFamily="49" charset="0"/>
+                <a:cs typeface="Courier New" panose="02070309020205020404" pitchFamily="49" charset="0"/>
+              </a:rPr>
+              <a:t>,</a:t>
+            </a:r>
+            <a:r>
+              <a:rPr lang="en-US" sz="1100">
+                <a:latin typeface="Consolas" panose="020B0609020204030204" pitchFamily="49" charset="0"/>
+                <a:cs typeface="Courier New" panose="02070309020205020404" pitchFamily="49" charset="0"/>
+              </a:rPr>
+              <a:t> 20):</a:t>
+            </a:r>
+          </a:p>
+          <a:p>
+            <a:pPr marL="76200" indent="0">
+              <a:buNone/>
+            </a:pPr>
+            <a:r>
+              <a:rPr lang="en-US" sz="1100">
+                <a:latin typeface="Consolas" panose="020B0609020204030204" pitchFamily="49" charset="0"/>
+                <a:cs typeface="Courier New" panose="02070309020205020404" pitchFamily="49" charset="0"/>
+              </a:rPr>
+              <a:t>    print(number)</a:t>
+            </a:r>
+          </a:p>
+          <a:p>
+            <a:pPr marL="76200" indent="0">
+              <a:buNone/>
+            </a:pPr>
+            <a:endParaRPr lang="en-US" sz="1100">
+              <a:latin typeface="Consolas" panose="020B0609020204030204" pitchFamily="49" charset="0"/>
+              <a:cs typeface="Courier New" panose="02070309020205020404" pitchFamily="49" charset="0"/>
+            </a:endParaRPr>
+          </a:p>
+          <a:p>
+            <a:pPr marL="76200" indent="0">
+              <a:buNone/>
+            </a:pPr>
+            <a:r>
+              <a:rPr lang="en-US" sz="1100">
+                <a:latin typeface="Consolas" panose="020B0609020204030204" pitchFamily="49" charset="0"/>
+                <a:cs typeface="Courier New" panose="02070309020205020404" pitchFamily="49" charset="0"/>
+              </a:rPr>
+              <a:t>for number in range(5</a:t>
+            </a:r>
+            <a:r>
+              <a:rPr lang="en-US" sz="1100">
+                <a:solidFill>
+                  <a:schemeClr val="accent1"/>
+                </a:solidFill>
+                <a:latin typeface="Consolas" panose="020B0609020204030204" pitchFamily="49" charset="0"/>
+                <a:cs typeface="Courier New" panose="02070309020205020404" pitchFamily="49" charset="0"/>
+              </a:rPr>
+              <a:t>,</a:t>
+            </a:r>
+            <a:r>
+              <a:rPr lang="en-US" sz="1100">
+                <a:latin typeface="Consolas" panose="020B0609020204030204" pitchFamily="49" charset="0"/>
+                <a:cs typeface="Courier New" panose="02070309020205020404" pitchFamily="49" charset="0"/>
+              </a:rPr>
+              <a:t> 20</a:t>
+            </a:r>
+            <a:r>
+              <a:rPr lang="en-US" sz="1100">
+                <a:solidFill>
+                  <a:schemeClr val="accent1"/>
+                </a:solidFill>
+                <a:latin typeface="Consolas" panose="020B0609020204030204" pitchFamily="49" charset="0"/>
+                <a:cs typeface="Courier New" panose="02070309020205020404" pitchFamily="49" charset="0"/>
+              </a:rPr>
+              <a:t>,</a:t>
+            </a:r>
+            <a:r>
+              <a:rPr lang="en-US" sz="1100">
+                <a:latin typeface="Consolas" panose="020B0609020204030204" pitchFamily="49" charset="0"/>
+                <a:cs typeface="Courier New" panose="02070309020205020404" pitchFamily="49" charset="0"/>
+              </a:rPr>
+              <a:t> 2):</a:t>
+            </a:r>
+          </a:p>
+          <a:p>
+            <a:pPr marL="76200" indent="0">
+              <a:buNone/>
+            </a:pPr>
+            <a:r>
+              <a:rPr lang="en-US" sz="1100">
+                <a:latin typeface="Consolas" panose="020B0609020204030204" pitchFamily="49" charset="0"/>
+                <a:cs typeface="Courier New" panose="02070309020205020404" pitchFamily="49" charset="0"/>
+              </a:rPr>
+              <a:t>    print(number)</a:t>
+            </a:r>
+          </a:p>
+        </p:txBody>
+      </p:sp>
     </p:spTree>
     <p:extLst>
       <p:ext uri="{BB962C8B-B14F-4D97-AF65-F5344CB8AC3E}">
-        <p14:creationId xmlns:p14="http://schemas.microsoft.com/office/powerpoint/2010/main" val="620167223"/>
+        <p14:creationId xmlns:p14="http://schemas.microsoft.com/office/powerpoint/2010/main" val="393089437"/>
       </p:ext>
     </p:extLst>
   </p:cSld>
@@ -20818,7 +21313,7 @@
           <a:p>
             <a:r>
               <a:rPr lang="en-US"/>
-              <a:t>For Loops</a:t>
+              <a:t>Break and Continue</a:t>
             </a:r>
             <a:endParaRPr lang="fa-IR"/>
           </a:p>
@@ -20843,7 +21338,7 @@
         <p:spPr>
           <a:xfrm>
             <a:off x="786150" y="1142608"/>
-            <a:ext cx="3785850" cy="3626431"/>
+            <a:ext cx="7571700" cy="3626431"/>
           </a:xfrm>
         </p:spPr>
         <p:txBody>
@@ -20855,13 +21350,48 @@
             </a:pPr>
             <a:r>
               <a:rPr lang="en-US" sz="1400"/>
-              <a:t>Iterating over a collection</a:t>
-            </a:r>
-          </a:p>
-          <a:p>
-            <a:pPr marL="76200" indent="0">
-              <a:buNone/>
-            </a:pPr>
+              <a:t>Break and continue </a:t>
+            </a:r>
+            <a:endParaRPr lang="en-US" sz="1400">
+              <a:latin typeface="Consolas" panose="020B0609020204030204" pitchFamily="49" charset="0"/>
+              <a:cs typeface="Courier New" panose="02070309020205020404" pitchFamily="49" charset="0"/>
+            </a:endParaRPr>
+          </a:p>
+          <a:p>
+            <a:pPr marL="76200" indent="0">
+              <a:buNone/>
+            </a:pPr>
+            <a:r>
+              <a:rPr lang="en-US" sz="1100">
+                <a:latin typeface="Consolas" panose="020B0609020204030204" pitchFamily="49" charset="0"/>
+                <a:cs typeface="Courier New" panose="02070309020205020404" pitchFamily="49" charset="0"/>
+              </a:rPr>
+              <a:t>for i in range(10):</a:t>
+            </a:r>
+          </a:p>
+          <a:p>
+            <a:pPr marL="76200" indent="0">
+              <a:buNone/>
+            </a:pPr>
+            <a:r>
+              <a:rPr lang="en-US" sz="1100">
+                <a:latin typeface="Consolas" panose="020B0609020204030204" pitchFamily="49" charset="0"/>
+                <a:cs typeface="Courier New" panose="02070309020205020404" pitchFamily="49" charset="0"/>
+              </a:rPr>
+              <a:t>    if i == 2:</a:t>
+            </a:r>
+          </a:p>
+          <a:p>
+            <a:pPr marL="76200" indent="0">
+              <a:buNone/>
+            </a:pPr>
+            <a:r>
+              <a:rPr lang="en-US" sz="1100">
+                <a:latin typeface="Consolas" panose="020B0609020204030204" pitchFamily="49" charset="0"/>
+                <a:cs typeface="Courier New" panose="02070309020205020404" pitchFamily="49" charset="0"/>
+              </a:rPr>
+              <a:t>        </a:t>
+            </a:r>
             <a:r>
               <a:rPr lang="en-US" sz="1100">
                 <a:solidFill>
@@ -20870,14 +21400,31 @@
                 <a:latin typeface="Consolas" panose="020B0609020204030204" pitchFamily="49" charset="0"/>
                 <a:cs typeface="Courier New" panose="02070309020205020404" pitchFamily="49" charset="0"/>
               </a:rPr>
-              <a:t>for</a:t>
-            </a:r>
-            <a:r>
-              <a:rPr lang="en-US" sz="1100">
-                <a:latin typeface="Consolas" panose="020B0609020204030204" pitchFamily="49" charset="0"/>
-                <a:cs typeface="Courier New" panose="02070309020205020404" pitchFamily="49" charset="0"/>
-              </a:rPr>
-              <a:t> fruit </a:t>
+              <a:t>continue</a:t>
+            </a:r>
+          </a:p>
+          <a:p>
+            <a:pPr marL="76200" indent="0">
+              <a:buNone/>
+            </a:pPr>
+            <a:r>
+              <a:rPr lang="en-US" sz="1100">
+                <a:latin typeface="Consolas" panose="020B0609020204030204" pitchFamily="49" charset="0"/>
+                <a:cs typeface="Courier New" panose="02070309020205020404" pitchFamily="49" charset="0"/>
+              </a:rPr>
+              <a:t>    if i == 5:</a:t>
+            </a:r>
+          </a:p>
+          <a:p>
+            <a:pPr marL="76200" indent="0">
+              <a:buNone/>
+            </a:pPr>
+            <a:r>
+              <a:rPr lang="en-US" sz="1100">
+                <a:latin typeface="Consolas" panose="020B0609020204030204" pitchFamily="49" charset="0"/>
+                <a:cs typeface="Courier New" panose="02070309020205020404" pitchFamily="49" charset="0"/>
+              </a:rPr>
+              <a:t>        </a:t>
             </a:r>
             <a:r>
               <a:rPr lang="en-US" sz="1100">
@@ -20887,47 +21434,27 @@
                 <a:latin typeface="Consolas" panose="020B0609020204030204" pitchFamily="49" charset="0"/>
                 <a:cs typeface="Courier New" panose="02070309020205020404" pitchFamily="49" charset="0"/>
               </a:rPr>
-              <a:t>in</a:t>
-            </a:r>
-            <a:r>
-              <a:rPr lang="en-US" sz="1100">
-                <a:latin typeface="Consolas" panose="020B0609020204030204" pitchFamily="49" charset="0"/>
-                <a:cs typeface="Courier New" panose="02070309020205020404" pitchFamily="49" charset="0"/>
-              </a:rPr>
-              <a:t> ['apple', 'banana', 'cherry']</a:t>
-            </a:r>
-            <a:r>
-              <a:rPr lang="en-US" sz="1100">
-                <a:solidFill>
-                  <a:schemeClr val="accent1"/>
-                </a:solidFill>
-                <a:latin typeface="Consolas" panose="020B0609020204030204" pitchFamily="49" charset="0"/>
-                <a:cs typeface="Courier New" panose="02070309020205020404" pitchFamily="49" charset="0"/>
-              </a:rPr>
-              <a:t>:</a:t>
-            </a:r>
-          </a:p>
-          <a:p>
-            <a:pPr marL="76200" indent="0">
-              <a:buNone/>
-            </a:pPr>
-            <a:r>
-              <a:rPr lang="en-US" sz="1100">
-                <a:latin typeface="Consolas" panose="020B0609020204030204" pitchFamily="49" charset="0"/>
-                <a:cs typeface="Courier New" panose="02070309020205020404" pitchFamily="49" charset="0"/>
-              </a:rPr>
-              <a:t>    print(fruit)</a:t>
-            </a:r>
-          </a:p>
-          <a:p>
-            <a:pPr marL="76200" indent="0">
-              <a:buNone/>
-            </a:pPr>
-            <a:r>
-              <a:rPr lang="en-US" sz="1100">
-                <a:solidFill>
-                  <a:schemeClr val="accent1"/>
-                </a:solidFill>
+              <a:t>break</a:t>
+            </a:r>
+          </a:p>
+          <a:p>
+            <a:pPr marL="76200" indent="0">
+              <a:buNone/>
+            </a:pPr>
+            <a:r>
+              <a:rPr lang="en-US" sz="1100">
+                <a:latin typeface="Consolas" panose="020B0609020204030204" pitchFamily="49" charset="0"/>
+                <a:cs typeface="Courier New" panose="02070309020205020404" pitchFamily="49" charset="0"/>
+              </a:rPr>
+              <a:t>    print(i)</a:t>
+            </a:r>
+          </a:p>
+          <a:p>
+            <a:pPr marL="76200" indent="0">
+              <a:buNone/>
+            </a:pPr>
+            <a:r>
+              <a:rPr lang="nn-NO" sz="1100">
                 <a:latin typeface="Consolas" panose="020B0609020204030204" pitchFamily="49" charset="0"/>
                 <a:cs typeface="Courier New" panose="02070309020205020404" pitchFamily="49" charset="0"/>
               </a:rPr>
@@ -20939,64 +21466,11 @@
               <a:buNone/>
             </a:pPr>
             <a:r>
-              <a:rPr lang="en-US" sz="1100">
-                <a:latin typeface="Consolas" panose="020B0609020204030204" pitchFamily="49" charset="0"/>
-                <a:cs typeface="Courier New" panose="02070309020205020404" pitchFamily="49" charset="0"/>
-              </a:rPr>
-              <a:t>    print('Finished!')</a:t>
-            </a:r>
-          </a:p>
-          <a:p>
-            <a:pPr marL="76200" indent="0">
-              <a:buNone/>
-            </a:pPr>
-            <a:endParaRPr lang="en-US" sz="1100">
-              <a:latin typeface="Consolas" panose="020B0609020204030204" pitchFamily="49" charset="0"/>
-              <a:cs typeface="Courier New" panose="02070309020205020404" pitchFamily="49" charset="0"/>
-            </a:endParaRPr>
-          </a:p>
-          <a:p>
-            <a:pPr marL="76200" indent="0">
-              <a:buNone/>
-            </a:pPr>
-            <a:r>
-              <a:rPr lang="en-US" sz="1400"/>
-              <a:t>Iterating over a string</a:t>
-            </a:r>
-            <a:endParaRPr lang="en-US" sz="1100">
-              <a:latin typeface="Consolas" panose="020B0609020204030204" pitchFamily="49" charset="0"/>
-              <a:cs typeface="Courier New" panose="02070309020205020404" pitchFamily="49" charset="0"/>
-            </a:endParaRPr>
-          </a:p>
-          <a:p>
-            <a:pPr marL="76200" indent="0">
-              <a:buNone/>
-            </a:pPr>
-            <a:r>
-              <a:rPr lang="en-US" sz="1100">
-                <a:latin typeface="Consolas" panose="020B0609020204030204" pitchFamily="49" charset="0"/>
-                <a:cs typeface="Courier New" panose="02070309020205020404" pitchFamily="49" charset="0"/>
-              </a:rPr>
-              <a:t>for letter in 'apple':</a:t>
-            </a:r>
-            <a:endParaRPr lang="en-US" sz="1100">
-              <a:solidFill>
-                <a:schemeClr val="accent1"/>
-              </a:solidFill>
-              <a:latin typeface="Consolas" panose="020B0609020204030204" pitchFamily="49" charset="0"/>
-              <a:cs typeface="Courier New" panose="02070309020205020404" pitchFamily="49" charset="0"/>
-            </a:endParaRPr>
-          </a:p>
-          <a:p>
-            <a:pPr marL="76200" indent="0">
-              <a:buNone/>
-            </a:pPr>
-            <a:r>
-              <a:rPr lang="en-US" sz="1100">
-                <a:latin typeface="Consolas" panose="020B0609020204030204" pitchFamily="49" charset="0"/>
-                <a:cs typeface="Courier New" panose="02070309020205020404" pitchFamily="49" charset="0"/>
-              </a:rPr>
-              <a:t>    print(letter)</a:t>
+              <a:rPr lang="nn-NO" sz="1100">
+                <a:latin typeface="Consolas" panose="020B0609020204030204" pitchFamily="49" charset="0"/>
+                <a:cs typeface="Courier New" panose="02070309020205020404" pitchFamily="49" charset="0"/>
+              </a:rPr>
+              <a:t>    print(f'Finished after {i} loops')</a:t>
             </a:r>
           </a:p>
         </p:txBody>
@@ -21039,478 +21513,10 @@
           </a:p>
         </p:txBody>
       </p:sp>
-      <p:sp>
-        <p:nvSpPr>
-          <p:cNvPr id="5" name="Text Placeholder 2">
-            <a:extLst>
-              <a:ext uri="{FF2B5EF4-FFF2-40B4-BE49-F238E27FC236}">
-                <a16:creationId xmlns:a16="http://schemas.microsoft.com/office/drawing/2014/main" id="{C6FD1D7C-639C-48EB-9916-EF6F037D80A5}"/>
-              </a:ext>
-            </a:extLst>
-          </p:cNvPr>
-          <p:cNvSpPr txBox="1">
-            <a:spLocks/>
-          </p:cNvSpPr>
-          <p:nvPr/>
-        </p:nvSpPr>
-        <p:spPr>
-          <a:xfrm>
-            <a:off x="4572000" y="1142607"/>
-            <a:ext cx="3785850" cy="3626431"/>
-          </a:xfrm>
-          <a:prstGeom prst="rect">
-            <a:avLst/>
-          </a:prstGeom>
-          <a:noFill/>
-          <a:ln>
-            <a:noFill/>
-          </a:ln>
-        </p:spPr>
-        <p:txBody>
-          <a:bodyPr spcFirstLastPara="1" wrap="square" lIns="91425" tIns="91425" rIns="91425" bIns="91425" anchor="ctr" anchorCtr="0">
-            <a:noAutofit/>
-          </a:bodyPr>
-          <a:lstStyle>
-            <a:defPPr marR="0" lvl="0" algn="l" rtl="0">
-              <a:lnSpc>
-                <a:spcPct val="100000"/>
-              </a:lnSpc>
-              <a:spcBef>
-                <a:spcPts val="0"/>
-              </a:spcBef>
-              <a:spcAft>
-                <a:spcPts val="0"/>
-              </a:spcAft>
-            </a:defPPr>
-            <a:lvl1pPr marL="457200" marR="0" lvl="0" indent="-381000" algn="l" rtl="0">
-              <a:lnSpc>
-                <a:spcPct val="100000"/>
-              </a:lnSpc>
-              <a:spcBef>
-                <a:spcPts val="600"/>
-              </a:spcBef>
-              <a:spcAft>
-                <a:spcPts val="0"/>
-              </a:spcAft>
-              <a:buClr>
-                <a:schemeClr val="accent4"/>
-              </a:buClr>
-              <a:buSzPts val="2400"/>
-              <a:buFont typeface="Source Sans Pro"/>
-              <a:buChar char="◎"/>
-              <a:defRPr sz="2000" b="0" i="0" u="none" strike="noStrike" cap="none">
-                <a:solidFill>
-                  <a:schemeClr val="dk1"/>
-                </a:solidFill>
-                <a:latin typeface="Trebuchet MS" panose="020B0603020202020204" pitchFamily="34" charset="0"/>
-                <a:ea typeface="Source Sans Pro"/>
-                <a:cs typeface="Source Sans Pro"/>
-                <a:sym typeface="Source Sans Pro"/>
-              </a:defRPr>
-            </a:lvl1pPr>
-            <a:lvl2pPr marL="914400" marR="0" lvl="1" indent="-381000" algn="l" rtl="0">
-              <a:lnSpc>
-                <a:spcPct val="100000"/>
-              </a:lnSpc>
-              <a:spcBef>
-                <a:spcPts val="0"/>
-              </a:spcBef>
-              <a:spcAft>
-                <a:spcPts val="0"/>
-              </a:spcAft>
-              <a:buClr>
-                <a:schemeClr val="accent4"/>
-              </a:buClr>
-              <a:buSzPts val="2400"/>
-              <a:buFont typeface="Source Sans Pro"/>
-              <a:buChar char="○"/>
-              <a:defRPr sz="2400" b="0" i="0" u="none" strike="noStrike" cap="none">
-                <a:solidFill>
-                  <a:schemeClr val="dk1"/>
-                </a:solidFill>
-                <a:latin typeface="Source Sans Pro"/>
-                <a:ea typeface="Source Sans Pro"/>
-                <a:cs typeface="Source Sans Pro"/>
-                <a:sym typeface="Source Sans Pro"/>
-              </a:defRPr>
-            </a:lvl2pPr>
-            <a:lvl3pPr marL="1371600" marR="0" lvl="2" indent="-381000" algn="l" rtl="0">
-              <a:lnSpc>
-                <a:spcPct val="100000"/>
-              </a:lnSpc>
-              <a:spcBef>
-                <a:spcPts val="0"/>
-              </a:spcBef>
-              <a:spcAft>
-                <a:spcPts val="0"/>
-              </a:spcAft>
-              <a:buClr>
-                <a:schemeClr val="accent4"/>
-              </a:buClr>
-              <a:buSzPts val="2400"/>
-              <a:buFont typeface="Source Sans Pro"/>
-              <a:buChar char="◉"/>
-              <a:defRPr sz="2400" b="0" i="0" u="none" strike="noStrike" cap="none">
-                <a:solidFill>
-                  <a:schemeClr val="dk1"/>
-                </a:solidFill>
-                <a:latin typeface="Source Sans Pro"/>
-                <a:ea typeface="Source Sans Pro"/>
-                <a:cs typeface="Source Sans Pro"/>
-                <a:sym typeface="Source Sans Pro"/>
-              </a:defRPr>
-            </a:lvl3pPr>
-            <a:lvl4pPr marL="1828800" marR="0" lvl="3" indent="-381000" algn="l" rtl="0">
-              <a:lnSpc>
-                <a:spcPct val="100000"/>
-              </a:lnSpc>
-              <a:spcBef>
-                <a:spcPts val="0"/>
-              </a:spcBef>
-              <a:spcAft>
-                <a:spcPts val="0"/>
-              </a:spcAft>
-              <a:buClr>
-                <a:schemeClr val="dk1"/>
-              </a:buClr>
-              <a:buSzPts val="2400"/>
-              <a:buFont typeface="Source Sans Pro"/>
-              <a:buChar char="●"/>
-              <a:defRPr sz="2400" b="0" i="0" u="none" strike="noStrike" cap="none">
-                <a:solidFill>
-                  <a:schemeClr val="dk1"/>
-                </a:solidFill>
-                <a:latin typeface="Source Sans Pro"/>
-                <a:ea typeface="Source Sans Pro"/>
-                <a:cs typeface="Source Sans Pro"/>
-                <a:sym typeface="Source Sans Pro"/>
-              </a:defRPr>
-            </a:lvl4pPr>
-            <a:lvl5pPr marL="2286000" marR="0" lvl="4" indent="-381000" algn="l" rtl="0">
-              <a:lnSpc>
-                <a:spcPct val="100000"/>
-              </a:lnSpc>
-              <a:spcBef>
-                <a:spcPts val="0"/>
-              </a:spcBef>
-              <a:spcAft>
-                <a:spcPts val="0"/>
-              </a:spcAft>
-              <a:buClr>
-                <a:schemeClr val="dk1"/>
-              </a:buClr>
-              <a:buSzPts val="2400"/>
-              <a:buFont typeface="Source Sans Pro"/>
-              <a:buChar char="○"/>
-              <a:defRPr sz="2400" b="0" i="0" u="none" strike="noStrike" cap="none">
-                <a:solidFill>
-                  <a:schemeClr val="dk1"/>
-                </a:solidFill>
-                <a:latin typeface="Source Sans Pro"/>
-                <a:ea typeface="Source Sans Pro"/>
-                <a:cs typeface="Source Sans Pro"/>
-                <a:sym typeface="Source Sans Pro"/>
-              </a:defRPr>
-            </a:lvl5pPr>
-            <a:lvl6pPr marL="2743200" marR="0" lvl="5" indent="-381000" algn="l" rtl="0">
-              <a:lnSpc>
-                <a:spcPct val="100000"/>
-              </a:lnSpc>
-              <a:spcBef>
-                <a:spcPts val="0"/>
-              </a:spcBef>
-              <a:spcAft>
-                <a:spcPts val="0"/>
-              </a:spcAft>
-              <a:buClr>
-                <a:schemeClr val="dk1"/>
-              </a:buClr>
-              <a:buSzPts val="2400"/>
-              <a:buFont typeface="Source Sans Pro"/>
-              <a:buChar char="■"/>
-              <a:defRPr sz="2400" b="0" i="0" u="none" strike="noStrike" cap="none">
-                <a:solidFill>
-                  <a:schemeClr val="dk1"/>
-                </a:solidFill>
-                <a:latin typeface="Source Sans Pro"/>
-                <a:ea typeface="Source Sans Pro"/>
-                <a:cs typeface="Source Sans Pro"/>
-                <a:sym typeface="Source Sans Pro"/>
-              </a:defRPr>
-            </a:lvl6pPr>
-            <a:lvl7pPr marL="3200400" marR="0" lvl="6" indent="-381000" algn="l" rtl="0">
-              <a:lnSpc>
-                <a:spcPct val="100000"/>
-              </a:lnSpc>
-              <a:spcBef>
-                <a:spcPts val="0"/>
-              </a:spcBef>
-              <a:spcAft>
-                <a:spcPts val="0"/>
-              </a:spcAft>
-              <a:buClr>
-                <a:schemeClr val="dk1"/>
-              </a:buClr>
-              <a:buSzPts val="2400"/>
-              <a:buFont typeface="Source Sans Pro"/>
-              <a:buChar char="●"/>
-              <a:defRPr sz="2400" b="0" i="0" u="none" strike="noStrike" cap="none">
-                <a:solidFill>
-                  <a:schemeClr val="dk1"/>
-                </a:solidFill>
-                <a:latin typeface="Source Sans Pro"/>
-                <a:ea typeface="Source Sans Pro"/>
-                <a:cs typeface="Source Sans Pro"/>
-                <a:sym typeface="Source Sans Pro"/>
-              </a:defRPr>
-            </a:lvl7pPr>
-            <a:lvl8pPr marL="3657600" marR="0" lvl="7" indent="-381000" algn="l" rtl="0">
-              <a:lnSpc>
-                <a:spcPct val="100000"/>
-              </a:lnSpc>
-              <a:spcBef>
-                <a:spcPts val="0"/>
-              </a:spcBef>
-              <a:spcAft>
-                <a:spcPts val="0"/>
-              </a:spcAft>
-              <a:buClr>
-                <a:schemeClr val="dk1"/>
-              </a:buClr>
-              <a:buSzPts val="2400"/>
-              <a:buFont typeface="Source Sans Pro"/>
-              <a:buChar char="○"/>
-              <a:defRPr sz="2400" b="0" i="0" u="none" strike="noStrike" cap="none">
-                <a:solidFill>
-                  <a:schemeClr val="dk1"/>
-                </a:solidFill>
-                <a:latin typeface="Source Sans Pro"/>
-                <a:ea typeface="Source Sans Pro"/>
-                <a:cs typeface="Source Sans Pro"/>
-                <a:sym typeface="Source Sans Pro"/>
-              </a:defRPr>
-            </a:lvl8pPr>
-            <a:lvl9pPr marL="4114800" marR="0" lvl="8" indent="-381000" algn="l" rtl="0">
-              <a:lnSpc>
-                <a:spcPct val="100000"/>
-              </a:lnSpc>
-              <a:spcBef>
-                <a:spcPts val="0"/>
-              </a:spcBef>
-              <a:spcAft>
-                <a:spcPts val="0"/>
-              </a:spcAft>
-              <a:buClr>
-                <a:schemeClr val="dk1"/>
-              </a:buClr>
-              <a:buSzPts val="2400"/>
-              <a:buFont typeface="Source Sans Pro"/>
-              <a:buChar char="■"/>
-              <a:defRPr sz="2400" b="0" i="0" u="none" strike="noStrike" cap="none">
-                <a:solidFill>
-                  <a:schemeClr val="dk1"/>
-                </a:solidFill>
-                <a:latin typeface="Source Sans Pro"/>
-                <a:ea typeface="Source Sans Pro"/>
-                <a:cs typeface="Source Sans Pro"/>
-                <a:sym typeface="Source Sans Pro"/>
-              </a:defRPr>
-            </a:lvl9pPr>
-          </a:lstStyle>
-          <a:p>
-            <a:pPr marL="76200" indent="0">
-              <a:buNone/>
-            </a:pPr>
-            <a:r>
-              <a:rPr lang="en-US" sz="1400"/>
-              <a:t>Looping Through a Range</a:t>
-            </a:r>
-            <a:endParaRPr lang="en-US" sz="1400">
-              <a:latin typeface="Consolas" panose="020B0609020204030204" pitchFamily="49" charset="0"/>
-              <a:cs typeface="Courier New" panose="02070309020205020404" pitchFamily="49" charset="0"/>
-            </a:endParaRPr>
-          </a:p>
-          <a:p>
-            <a:pPr marL="76200" indent="0">
-              <a:buNone/>
-            </a:pPr>
-            <a:r>
-              <a:rPr lang="en-US" sz="1100">
-                <a:latin typeface="Consolas" panose="020B0609020204030204" pitchFamily="49" charset="0"/>
-                <a:cs typeface="Courier New" panose="02070309020205020404" pitchFamily="49" charset="0"/>
-              </a:rPr>
-              <a:t>for number in </a:t>
-            </a:r>
-            <a:r>
-              <a:rPr lang="en-US" sz="1100">
-                <a:solidFill>
-                  <a:schemeClr val="accent1"/>
-                </a:solidFill>
-                <a:latin typeface="Consolas" panose="020B0609020204030204" pitchFamily="49" charset="0"/>
-                <a:cs typeface="Courier New" panose="02070309020205020404" pitchFamily="49" charset="0"/>
-              </a:rPr>
-              <a:t>range(</a:t>
-            </a:r>
-            <a:r>
-              <a:rPr lang="en-US" sz="1100">
-                <a:latin typeface="Consolas" panose="020B0609020204030204" pitchFamily="49" charset="0"/>
-                <a:cs typeface="Courier New" panose="02070309020205020404" pitchFamily="49" charset="0"/>
-              </a:rPr>
-              <a:t>20</a:t>
-            </a:r>
-            <a:r>
-              <a:rPr lang="en-US" sz="1100">
-                <a:solidFill>
-                  <a:schemeClr val="accent1"/>
-                </a:solidFill>
-                <a:latin typeface="Consolas" panose="020B0609020204030204" pitchFamily="49" charset="0"/>
-                <a:cs typeface="Courier New" panose="02070309020205020404" pitchFamily="49" charset="0"/>
-              </a:rPr>
-              <a:t>)</a:t>
-            </a:r>
-            <a:r>
-              <a:rPr lang="en-US" sz="1100">
-                <a:latin typeface="Consolas" panose="020B0609020204030204" pitchFamily="49" charset="0"/>
-                <a:cs typeface="Courier New" panose="02070309020205020404" pitchFamily="49" charset="0"/>
-              </a:rPr>
-              <a:t>:</a:t>
-            </a:r>
-          </a:p>
-          <a:p>
-            <a:pPr marL="76200" indent="0">
-              <a:buNone/>
-            </a:pPr>
-            <a:r>
-              <a:rPr lang="en-US" sz="1100">
-                <a:latin typeface="Consolas" panose="020B0609020204030204" pitchFamily="49" charset="0"/>
-                <a:cs typeface="Courier New" panose="02070309020205020404" pitchFamily="49" charset="0"/>
-              </a:rPr>
-              <a:t>    print(number)</a:t>
-            </a:r>
-          </a:p>
-          <a:p>
-            <a:pPr marL="76200" indent="0">
-              <a:buNone/>
-            </a:pPr>
-            <a:endParaRPr lang="en-US" sz="1400">
-              <a:latin typeface="Consolas" panose="020B0609020204030204" pitchFamily="49" charset="0"/>
-              <a:cs typeface="Courier New" panose="02070309020205020404" pitchFamily="49" charset="0"/>
-            </a:endParaRPr>
-          </a:p>
-          <a:p>
-            <a:pPr marL="76200" indent="0">
-              <a:buNone/>
-            </a:pPr>
-            <a:r>
-              <a:rPr lang="en-US" sz="1100">
-                <a:latin typeface="Consolas" panose="020B0609020204030204" pitchFamily="49" charset="0"/>
-                <a:cs typeface="Courier New" panose="02070309020205020404" pitchFamily="49" charset="0"/>
-              </a:rPr>
-              <a:t>for number in range(5</a:t>
-            </a:r>
-            <a:r>
-              <a:rPr lang="en-US" sz="1100">
-                <a:solidFill>
-                  <a:schemeClr val="accent1"/>
-                </a:solidFill>
-                <a:latin typeface="Consolas" panose="020B0609020204030204" pitchFamily="49" charset="0"/>
-                <a:cs typeface="Courier New" panose="02070309020205020404" pitchFamily="49" charset="0"/>
-              </a:rPr>
-              <a:t>,</a:t>
-            </a:r>
-            <a:r>
-              <a:rPr lang="en-US" sz="1100">
-                <a:latin typeface="Consolas" panose="020B0609020204030204" pitchFamily="49" charset="0"/>
-                <a:cs typeface="Courier New" panose="02070309020205020404" pitchFamily="49" charset="0"/>
-              </a:rPr>
-              <a:t> 20):</a:t>
-            </a:r>
-          </a:p>
-          <a:p>
-            <a:pPr marL="76200" indent="0">
-              <a:buNone/>
-            </a:pPr>
-            <a:r>
-              <a:rPr lang="en-US" sz="1100">
-                <a:latin typeface="Consolas" panose="020B0609020204030204" pitchFamily="49" charset="0"/>
-                <a:cs typeface="Courier New" panose="02070309020205020404" pitchFamily="49" charset="0"/>
-              </a:rPr>
-              <a:t>    print(number)</a:t>
-            </a:r>
-          </a:p>
-          <a:p>
-            <a:pPr marL="76200" indent="0">
-              <a:buNone/>
-            </a:pPr>
-            <a:endParaRPr lang="en-US" sz="1100">
-              <a:latin typeface="Consolas" panose="020B0609020204030204" pitchFamily="49" charset="0"/>
-              <a:cs typeface="Courier New" panose="02070309020205020404" pitchFamily="49" charset="0"/>
-            </a:endParaRPr>
-          </a:p>
-          <a:p>
-            <a:pPr marL="76200" indent="0">
-              <a:buNone/>
-            </a:pPr>
-            <a:r>
-              <a:rPr lang="en-US" sz="1100">
-                <a:latin typeface="Consolas" panose="020B0609020204030204" pitchFamily="49" charset="0"/>
-                <a:cs typeface="Courier New" panose="02070309020205020404" pitchFamily="49" charset="0"/>
-              </a:rPr>
-              <a:t>for number in range(5</a:t>
-            </a:r>
-            <a:r>
-              <a:rPr lang="en-US" sz="1100">
-                <a:solidFill>
-                  <a:schemeClr val="accent1"/>
-                </a:solidFill>
-                <a:latin typeface="Consolas" panose="020B0609020204030204" pitchFamily="49" charset="0"/>
-                <a:cs typeface="Courier New" panose="02070309020205020404" pitchFamily="49" charset="0"/>
-              </a:rPr>
-              <a:t>,</a:t>
-            </a:r>
-            <a:r>
-              <a:rPr lang="en-US" sz="1100">
-                <a:latin typeface="Consolas" panose="020B0609020204030204" pitchFamily="49" charset="0"/>
-                <a:cs typeface="Courier New" panose="02070309020205020404" pitchFamily="49" charset="0"/>
-              </a:rPr>
-              <a:t> 20</a:t>
-            </a:r>
-            <a:r>
-              <a:rPr lang="en-US" sz="1100">
-                <a:solidFill>
-                  <a:schemeClr val="accent1"/>
-                </a:solidFill>
-                <a:latin typeface="Consolas" panose="020B0609020204030204" pitchFamily="49" charset="0"/>
-                <a:cs typeface="Courier New" panose="02070309020205020404" pitchFamily="49" charset="0"/>
-              </a:rPr>
-              <a:t>,</a:t>
-            </a:r>
-            <a:r>
-              <a:rPr lang="en-US" sz="1100">
-                <a:latin typeface="Consolas" panose="020B0609020204030204" pitchFamily="49" charset="0"/>
-                <a:cs typeface="Courier New" panose="02070309020205020404" pitchFamily="49" charset="0"/>
-              </a:rPr>
-              <a:t> 2):</a:t>
-            </a:r>
-          </a:p>
-          <a:p>
-            <a:pPr marL="76200" indent="0">
-              <a:buNone/>
-            </a:pPr>
-            <a:r>
-              <a:rPr lang="en-US" sz="1100">
-                <a:latin typeface="Consolas" panose="020B0609020204030204" pitchFamily="49" charset="0"/>
-                <a:cs typeface="Courier New" panose="02070309020205020404" pitchFamily="49" charset="0"/>
-              </a:rPr>
-              <a:t>    print(number)</a:t>
-            </a:r>
-          </a:p>
-        </p:txBody>
-      </p:sp>
     </p:spTree>
     <p:extLst>
       <p:ext uri="{BB962C8B-B14F-4D97-AF65-F5344CB8AC3E}">
-        <p14:creationId xmlns:p14="http://schemas.microsoft.com/office/powerpoint/2010/main" val="393089437"/>
+        <p14:creationId xmlns:p14="http://schemas.microsoft.com/office/powerpoint/2010/main" val="3861758209"/>
       </p:ext>
     </p:extLst>
   </p:cSld>
@@ -21560,7 +21566,7 @@
           <a:p>
             <a:r>
               <a:rPr lang="en-US"/>
-              <a:t>Break and Continue</a:t>
+              <a:t>Nested Loops</a:t>
             </a:r>
             <a:endParaRPr lang="fa-IR"/>
           </a:p>
@@ -21597,7 +21603,7 @@
             </a:pPr>
             <a:r>
               <a:rPr lang="en-US" sz="1400"/>
-              <a:t>Break and continue </a:t>
+              <a:t>Nested while and for loops</a:t>
             </a:r>
             <a:endParaRPr lang="en-US" sz="1400">
               <a:latin typeface="Consolas" panose="020B0609020204030204" pitchFamily="49" charset="0"/>
@@ -21613,32 +21619,37 @@
                 <a:latin typeface="Consolas" panose="020B0609020204030204" pitchFamily="49" charset="0"/>
                 <a:cs typeface="Courier New" panose="02070309020205020404" pitchFamily="49" charset="0"/>
               </a:rPr>
-              <a:t>for i in range(10):</a:t>
-            </a:r>
-          </a:p>
-          <a:p>
-            <a:pPr marL="76200" indent="0">
-              <a:buNone/>
-            </a:pPr>
-            <a:r>
-              <a:rPr lang="en-US" sz="1100">
-                <a:latin typeface="Consolas" panose="020B0609020204030204" pitchFamily="49" charset="0"/>
-                <a:cs typeface="Courier New" panose="02070309020205020404" pitchFamily="49" charset="0"/>
-              </a:rPr>
-              <a:t>    if i == 2:</a:t>
-            </a:r>
-          </a:p>
-          <a:p>
-            <a:pPr marL="76200" indent="0">
-              <a:buNone/>
-            </a:pPr>
-            <a:r>
-              <a:rPr lang="en-US" sz="1100">
-                <a:latin typeface="Consolas" panose="020B0609020204030204" pitchFamily="49" charset="0"/>
-                <a:cs typeface="Courier New" panose="02070309020205020404" pitchFamily="49" charset="0"/>
-              </a:rPr>
-              <a:t>        </a:t>
-            </a:r>
+              <a:t>number = 2</a:t>
+            </a:r>
+          </a:p>
+          <a:p>
+            <a:pPr marL="76200" indent="0">
+              <a:buNone/>
+            </a:pPr>
+            <a:r>
+              <a:rPr lang="en-US" sz="1100">
+                <a:latin typeface="Consolas" panose="020B0609020204030204" pitchFamily="49" charset="0"/>
+                <a:cs typeface="Courier New" panose="02070309020205020404" pitchFamily="49" charset="0"/>
+              </a:rPr>
+              <a:t>adjectives = ['big', 'tasty']</a:t>
+            </a:r>
+          </a:p>
+          <a:p>
+            <a:pPr marL="76200" indent="0">
+              <a:buNone/>
+            </a:pPr>
+            <a:r>
+              <a:rPr lang="en-US" sz="1100">
+                <a:latin typeface="Consolas" panose="020B0609020204030204" pitchFamily="49" charset="0"/>
+                <a:cs typeface="Courier New" panose="02070309020205020404" pitchFamily="49" charset="0"/>
+              </a:rPr>
+              <a:t>fruits = ['apple', 'banana', 'orange']</a:t>
+            </a:r>
+          </a:p>
+          <a:p>
+            <a:pPr marL="76200" indent="0">
+              <a:buNone/>
+            </a:pPr>
             <a:r>
               <a:rPr lang="en-US" sz="1100">
                 <a:solidFill>
@@ -21647,32 +21658,20 @@
                 <a:latin typeface="Consolas" panose="020B0609020204030204" pitchFamily="49" charset="0"/>
                 <a:cs typeface="Courier New" panose="02070309020205020404" pitchFamily="49" charset="0"/>
               </a:rPr>
-              <a:t>continue</a:t>
-            </a:r>
-          </a:p>
-          <a:p>
-            <a:pPr marL="76200" indent="0">
-              <a:buNone/>
-            </a:pPr>
-            <a:r>
-              <a:rPr lang="en-US" sz="1100">
-                <a:latin typeface="Consolas" panose="020B0609020204030204" pitchFamily="49" charset="0"/>
-                <a:cs typeface="Courier New" panose="02070309020205020404" pitchFamily="49" charset="0"/>
-              </a:rPr>
-              <a:t>    if i == 5:</a:t>
-            </a:r>
-          </a:p>
-          <a:p>
-            <a:pPr marL="76200" indent="0">
-              <a:buNone/>
-            </a:pPr>
-            <a:r>
-              <a:rPr lang="en-US" sz="1100">
-                <a:latin typeface="Consolas" panose="020B0609020204030204" pitchFamily="49" charset="0"/>
-                <a:cs typeface="Courier New" panose="02070309020205020404" pitchFamily="49" charset="0"/>
-              </a:rPr>
-              <a:t>        </a:t>
-            </a:r>
+              <a:t>while</a:t>
+            </a:r>
+            <a:r>
+              <a:rPr lang="en-US" sz="1100">
+                <a:latin typeface="Consolas" panose="020B0609020204030204" pitchFamily="49" charset="0"/>
+                <a:cs typeface="Courier New" panose="02070309020205020404" pitchFamily="49" charset="0"/>
+              </a:rPr>
+              <a:t> number &lt; 5:</a:t>
+            </a:r>
+          </a:p>
+          <a:p>
+            <a:pPr marL="76200" indent="0">
+              <a:buNone/>
+            </a:pPr>
             <a:r>
               <a:rPr lang="en-US" sz="1100">
                 <a:solidFill>
@@ -21681,43 +21680,67 @@
                 <a:latin typeface="Consolas" panose="020B0609020204030204" pitchFamily="49" charset="0"/>
                 <a:cs typeface="Courier New" panose="02070309020205020404" pitchFamily="49" charset="0"/>
               </a:rPr>
-              <a:t>break</a:t>
-            </a:r>
-          </a:p>
-          <a:p>
-            <a:pPr marL="76200" indent="0">
-              <a:buNone/>
-            </a:pPr>
-            <a:r>
-              <a:rPr lang="en-US" sz="1100">
-                <a:latin typeface="Consolas" panose="020B0609020204030204" pitchFamily="49" charset="0"/>
-                <a:cs typeface="Courier New" panose="02070309020205020404" pitchFamily="49" charset="0"/>
-              </a:rPr>
-              <a:t>    print(i)</a:t>
-            </a:r>
-          </a:p>
-          <a:p>
-            <a:pPr marL="76200" indent="0">
-              <a:buNone/>
-            </a:pPr>
-            <a:r>
-              <a:rPr lang="nn-NO" sz="1100">
-                <a:latin typeface="Consolas" panose="020B0609020204030204" pitchFamily="49" charset="0"/>
-                <a:cs typeface="Courier New" panose="02070309020205020404" pitchFamily="49" charset="0"/>
-              </a:rPr>
-              <a:t>else:</a:t>
-            </a:r>
-          </a:p>
-          <a:p>
-            <a:pPr marL="76200" indent="0">
-              <a:buNone/>
-            </a:pPr>
-            <a:r>
-              <a:rPr lang="nn-NO" sz="1100">
-                <a:latin typeface="Consolas" panose="020B0609020204030204" pitchFamily="49" charset="0"/>
-                <a:cs typeface="Courier New" panose="02070309020205020404" pitchFamily="49" charset="0"/>
-              </a:rPr>
-              <a:t>    print(f'Finished after {i} loops')</a:t>
+              <a:t>    for</a:t>
+            </a:r>
+            <a:r>
+              <a:rPr lang="en-US" sz="1100">
+                <a:latin typeface="Consolas" panose="020B0609020204030204" pitchFamily="49" charset="0"/>
+                <a:cs typeface="Courier New" panose="02070309020205020404" pitchFamily="49" charset="0"/>
+              </a:rPr>
+              <a:t> adjective in adjectives:</a:t>
+            </a:r>
+          </a:p>
+          <a:p>
+            <a:pPr marL="76200" indent="0">
+              <a:buNone/>
+            </a:pPr>
+            <a:r>
+              <a:rPr lang="en-US" sz="1100">
+                <a:latin typeface="Consolas" panose="020B0609020204030204" pitchFamily="49" charset="0"/>
+                <a:cs typeface="Courier New" panose="02070309020205020404" pitchFamily="49" charset="0"/>
+              </a:rPr>
+              <a:t>        </a:t>
+            </a:r>
+            <a:r>
+              <a:rPr lang="en-US" sz="1100">
+                <a:solidFill>
+                  <a:schemeClr val="accent1"/>
+                </a:solidFill>
+                <a:latin typeface="Consolas" panose="020B0609020204030204" pitchFamily="49" charset="0"/>
+                <a:cs typeface="Courier New" panose="02070309020205020404" pitchFamily="49" charset="0"/>
+              </a:rPr>
+              <a:t>for</a:t>
+            </a:r>
+            <a:r>
+              <a:rPr lang="en-US" sz="1100">
+                <a:latin typeface="Consolas" panose="020B0609020204030204" pitchFamily="49" charset="0"/>
+                <a:cs typeface="Courier New" panose="02070309020205020404" pitchFamily="49" charset="0"/>
+              </a:rPr>
+              <a:t> fruit in fruits:</a:t>
+            </a:r>
+          </a:p>
+          <a:p>
+            <a:pPr marL="76200" indent="0">
+              <a:buNone/>
+            </a:pPr>
+            <a:r>
+              <a:rPr lang="en-US" sz="1100">
+                <a:latin typeface="Consolas" panose="020B0609020204030204" pitchFamily="49" charset="0"/>
+                <a:cs typeface="Courier New" panose="02070309020205020404" pitchFamily="49" charset="0"/>
+              </a:rPr>
+              <a:t>            print(f'{number} {adjective} {fruit}s') </a:t>
+            </a:r>
+          </a:p>
+          <a:p>
+            <a:pPr marL="76200" indent="0">
+              <a:buNone/>
+            </a:pPr>
+            <a:r>
+              <a:rPr lang="en-US" sz="1100">
+                <a:latin typeface="Consolas" panose="020B0609020204030204" pitchFamily="49" charset="0"/>
+                <a:cs typeface="Courier New" panose="02070309020205020404" pitchFamily="49" charset="0"/>
+              </a:rPr>
+              <a:t>    number += 1</a:t>
             </a:r>
           </a:p>
         </p:txBody>
@@ -21763,7 +21786,7 @@
     </p:spTree>
     <p:extLst>
       <p:ext uri="{BB962C8B-B14F-4D97-AF65-F5344CB8AC3E}">
-        <p14:creationId xmlns:p14="http://schemas.microsoft.com/office/powerpoint/2010/main" val="3861758209"/>
+        <p14:creationId xmlns:p14="http://schemas.microsoft.com/office/powerpoint/2010/main" val="42047317"/>
       </p:ext>
     </p:extLst>
   </p:cSld>
@@ -21774,276 +21797,6 @@
 </file>
 
 <file path=ppt/slides/slide27.xml><?xml version="1.0" encoding="utf-8"?>
-<p:sld xmlns:a="http://schemas.openxmlformats.org/drawingml/2006/main" xmlns:r="http://schemas.openxmlformats.org/officeDocument/2006/relationships" xmlns:p="http://schemas.openxmlformats.org/presentationml/2006/main">
-  <p:cSld>
-    <p:spTree>
-      <p:nvGrpSpPr>
-        <p:cNvPr id="1" name=""/>
-        <p:cNvGrpSpPr/>
-        <p:nvPr/>
-      </p:nvGrpSpPr>
-      <p:grpSpPr>
-        <a:xfrm>
-          <a:off x="0" y="0"/>
-          <a:ext cx="0" cy="0"/>
-          <a:chOff x="0" y="0"/>
-          <a:chExt cx="0" cy="0"/>
-        </a:xfrm>
-      </p:grpSpPr>
-      <p:sp>
-        <p:nvSpPr>
-          <p:cNvPr id="2" name="Title 1">
-            <a:extLst>
-              <a:ext uri="{FF2B5EF4-FFF2-40B4-BE49-F238E27FC236}">
-                <a16:creationId xmlns:a16="http://schemas.microsoft.com/office/drawing/2014/main" id="{024AD384-5AD1-4435-A943-1241B2FACD62}"/>
-              </a:ext>
-            </a:extLst>
-          </p:cNvPr>
-          <p:cNvSpPr>
-            <a:spLocks noGrp="1"/>
-          </p:cNvSpPr>
-          <p:nvPr>
-            <p:ph type="title"/>
-          </p:nvPr>
-        </p:nvSpPr>
-        <p:spPr/>
-        <p:txBody>
-          <a:bodyPr/>
-          <a:lstStyle/>
-          <a:p>
-            <a:r>
-              <a:rPr lang="en-US"/>
-              <a:t>Nested Loops</a:t>
-            </a:r>
-            <a:endParaRPr lang="fa-IR"/>
-          </a:p>
-        </p:txBody>
-      </p:sp>
-      <p:sp>
-        <p:nvSpPr>
-          <p:cNvPr id="3" name="Text Placeholder 2">
-            <a:extLst>
-              <a:ext uri="{FF2B5EF4-FFF2-40B4-BE49-F238E27FC236}">
-                <a16:creationId xmlns:a16="http://schemas.microsoft.com/office/drawing/2014/main" id="{58BE3078-8B89-4550-B497-93E4DADBD57E}"/>
-              </a:ext>
-            </a:extLst>
-          </p:cNvPr>
-          <p:cNvSpPr>
-            <a:spLocks noGrp="1"/>
-          </p:cNvSpPr>
-          <p:nvPr>
-            <p:ph type="body" idx="1"/>
-          </p:nvPr>
-        </p:nvSpPr>
-        <p:spPr>
-          <a:xfrm>
-            <a:off x="786150" y="1142608"/>
-            <a:ext cx="7571700" cy="3626431"/>
-          </a:xfrm>
-        </p:spPr>
-        <p:txBody>
-          <a:bodyPr/>
-          <a:lstStyle/>
-          <a:p>
-            <a:pPr marL="76200" indent="0">
-              <a:buNone/>
-            </a:pPr>
-            <a:r>
-              <a:rPr lang="en-US" sz="1400"/>
-              <a:t>Nested while and for loops</a:t>
-            </a:r>
-            <a:endParaRPr lang="en-US" sz="1400">
-              <a:latin typeface="Consolas" panose="020B0609020204030204" pitchFamily="49" charset="0"/>
-              <a:cs typeface="Courier New" panose="02070309020205020404" pitchFamily="49" charset="0"/>
-            </a:endParaRPr>
-          </a:p>
-          <a:p>
-            <a:pPr marL="76200" indent="0">
-              <a:buNone/>
-            </a:pPr>
-            <a:r>
-              <a:rPr lang="en-US" sz="1100">
-                <a:latin typeface="Consolas" panose="020B0609020204030204" pitchFamily="49" charset="0"/>
-                <a:cs typeface="Courier New" panose="02070309020205020404" pitchFamily="49" charset="0"/>
-              </a:rPr>
-              <a:t>number = 2</a:t>
-            </a:r>
-          </a:p>
-          <a:p>
-            <a:pPr marL="76200" indent="0">
-              <a:buNone/>
-            </a:pPr>
-            <a:r>
-              <a:rPr lang="en-US" sz="1100">
-                <a:latin typeface="Consolas" panose="020B0609020204030204" pitchFamily="49" charset="0"/>
-                <a:cs typeface="Courier New" panose="02070309020205020404" pitchFamily="49" charset="0"/>
-              </a:rPr>
-              <a:t>adjectives = ['big', 'tasty']</a:t>
-            </a:r>
-          </a:p>
-          <a:p>
-            <a:pPr marL="76200" indent="0">
-              <a:buNone/>
-            </a:pPr>
-            <a:r>
-              <a:rPr lang="en-US" sz="1100">
-                <a:latin typeface="Consolas" panose="020B0609020204030204" pitchFamily="49" charset="0"/>
-                <a:cs typeface="Courier New" panose="02070309020205020404" pitchFamily="49" charset="0"/>
-              </a:rPr>
-              <a:t>fruits = ['apple', 'banana', 'orange']</a:t>
-            </a:r>
-          </a:p>
-          <a:p>
-            <a:pPr marL="76200" indent="0">
-              <a:buNone/>
-            </a:pPr>
-            <a:r>
-              <a:rPr lang="en-US" sz="1100">
-                <a:solidFill>
-                  <a:schemeClr val="accent1"/>
-                </a:solidFill>
-                <a:latin typeface="Consolas" panose="020B0609020204030204" pitchFamily="49" charset="0"/>
-                <a:cs typeface="Courier New" panose="02070309020205020404" pitchFamily="49" charset="0"/>
-              </a:rPr>
-              <a:t>while</a:t>
-            </a:r>
-            <a:r>
-              <a:rPr lang="en-US" sz="1100">
-                <a:latin typeface="Consolas" panose="020B0609020204030204" pitchFamily="49" charset="0"/>
-                <a:cs typeface="Courier New" panose="02070309020205020404" pitchFamily="49" charset="0"/>
-              </a:rPr>
-              <a:t> number &lt; 5:</a:t>
-            </a:r>
-          </a:p>
-          <a:p>
-            <a:pPr marL="76200" indent="0">
-              <a:buNone/>
-            </a:pPr>
-            <a:r>
-              <a:rPr lang="en-US" sz="1100">
-                <a:solidFill>
-                  <a:schemeClr val="accent1"/>
-                </a:solidFill>
-                <a:latin typeface="Consolas" panose="020B0609020204030204" pitchFamily="49" charset="0"/>
-                <a:cs typeface="Courier New" panose="02070309020205020404" pitchFamily="49" charset="0"/>
-              </a:rPr>
-              <a:t>    for</a:t>
-            </a:r>
-            <a:r>
-              <a:rPr lang="en-US" sz="1100">
-                <a:latin typeface="Consolas" panose="020B0609020204030204" pitchFamily="49" charset="0"/>
-                <a:cs typeface="Courier New" panose="02070309020205020404" pitchFamily="49" charset="0"/>
-              </a:rPr>
-              <a:t> adjective in adjectives:</a:t>
-            </a:r>
-          </a:p>
-          <a:p>
-            <a:pPr marL="76200" indent="0">
-              <a:buNone/>
-            </a:pPr>
-            <a:r>
-              <a:rPr lang="en-US" sz="1100">
-                <a:latin typeface="Consolas" panose="020B0609020204030204" pitchFamily="49" charset="0"/>
-                <a:cs typeface="Courier New" panose="02070309020205020404" pitchFamily="49" charset="0"/>
-              </a:rPr>
-              <a:t>        </a:t>
-            </a:r>
-            <a:r>
-              <a:rPr lang="en-US" sz="1100">
-                <a:solidFill>
-                  <a:schemeClr val="accent1"/>
-                </a:solidFill>
-                <a:latin typeface="Consolas" panose="020B0609020204030204" pitchFamily="49" charset="0"/>
-                <a:cs typeface="Courier New" panose="02070309020205020404" pitchFamily="49" charset="0"/>
-              </a:rPr>
-              <a:t>for</a:t>
-            </a:r>
-            <a:r>
-              <a:rPr lang="en-US" sz="1100">
-                <a:latin typeface="Consolas" panose="020B0609020204030204" pitchFamily="49" charset="0"/>
-                <a:cs typeface="Courier New" panose="02070309020205020404" pitchFamily="49" charset="0"/>
-              </a:rPr>
-              <a:t> fruit in fruits:</a:t>
-            </a:r>
-          </a:p>
-          <a:p>
-            <a:pPr marL="76200" indent="0">
-              <a:buNone/>
-            </a:pPr>
-            <a:r>
-              <a:rPr lang="en-US" sz="1100">
-                <a:latin typeface="Consolas" panose="020B0609020204030204" pitchFamily="49" charset="0"/>
-                <a:cs typeface="Courier New" panose="02070309020205020404" pitchFamily="49" charset="0"/>
-              </a:rPr>
-              <a:t>            print(f'{number} {adjective} {fruit}s') </a:t>
-            </a:r>
-          </a:p>
-          <a:p>
-            <a:pPr marL="76200" indent="0">
-              <a:buNone/>
-            </a:pPr>
-            <a:r>
-              <a:rPr lang="en-US" sz="1100">
-                <a:latin typeface="Consolas" panose="020B0609020204030204" pitchFamily="49" charset="0"/>
-                <a:cs typeface="Courier New" panose="02070309020205020404" pitchFamily="49" charset="0"/>
-              </a:rPr>
-              <a:t>    number += 1</a:t>
-            </a:r>
-          </a:p>
-        </p:txBody>
-      </p:sp>
-      <p:sp>
-        <p:nvSpPr>
-          <p:cNvPr id="4" name="Slide Number Placeholder 3">
-            <a:extLst>
-              <a:ext uri="{FF2B5EF4-FFF2-40B4-BE49-F238E27FC236}">
-                <a16:creationId xmlns:a16="http://schemas.microsoft.com/office/drawing/2014/main" id="{64987AE6-EC0E-43DD-9376-95A5602EE5E1}"/>
-              </a:ext>
-            </a:extLst>
-          </p:cNvPr>
-          <p:cNvSpPr>
-            <a:spLocks noGrp="1"/>
-          </p:cNvSpPr>
-          <p:nvPr>
-            <p:ph type="sldNum" idx="12"/>
-          </p:nvPr>
-        </p:nvSpPr>
-        <p:spPr/>
-        <p:txBody>
-          <a:bodyPr/>
-          <a:lstStyle/>
-          <a:p>
-            <a:pPr marL="0" lvl="0" indent="0" algn="r" rtl="0">
-              <a:spcBef>
-                <a:spcPts val="0"/>
-              </a:spcBef>
-              <a:spcAft>
-                <a:spcPts val="0"/>
-              </a:spcAft>
-              <a:buNone/>
-            </a:pPr>
-            <a:fld id="{00000000-1234-1234-1234-123412341234}" type="slidenum">
-              <a:rPr lang="en" smtClean="0"/>
-              <a:t>27</a:t>
-            </a:fld>
-            <a:endParaRPr lang="en"/>
-          </a:p>
-        </p:txBody>
-      </p:sp>
-    </p:spTree>
-    <p:extLst>
-      <p:ext uri="{BB962C8B-B14F-4D97-AF65-F5344CB8AC3E}">
-        <p14:creationId xmlns:p14="http://schemas.microsoft.com/office/powerpoint/2010/main" val="42047317"/>
-      </p:ext>
-    </p:extLst>
-  </p:cSld>
-  <p:clrMapOvr>
-    <a:masterClrMapping/>
-  </p:clrMapOvr>
-</p:sld>
-</file>
-
-<file path=ppt/slides/slide28.xml><?xml version="1.0" encoding="utf-8"?>
 <p:sld xmlns:a="http://schemas.openxmlformats.org/drawingml/2006/main" xmlns:r="http://schemas.openxmlformats.org/officeDocument/2006/relationships" xmlns:p="http://schemas.openxmlformats.org/presentationml/2006/main">
   <p:cSld>
     <p:spTree>
@@ -22100,7 +21853,7 @@
                   <a:srgbClr val="E6E6E6"/>
                 </a:solidFill>
               </a:rPr>
-              <a:t>4</a:t>
+              <a:t>3</a:t>
             </a:r>
             <a:endParaRPr sz="6000">
               <a:solidFill>
@@ -22161,7 +21914,7 @@
             </a:pPr>
             <a:fld id="{00000000-1234-1234-1234-123412341234}" type="slidenum">
               <a:rPr lang="en"/>
-              <a:t>28</a:t>
+              <a:t>27</a:t>
             </a:fld>
             <a:endParaRPr/>
           </a:p>
@@ -22171,6 +21924,373 @@
     <p:extLst>
       <p:ext uri="{BB962C8B-B14F-4D97-AF65-F5344CB8AC3E}">
         <p14:creationId xmlns:p14="http://schemas.microsoft.com/office/powerpoint/2010/main" val="4104049225"/>
+      </p:ext>
+    </p:extLst>
+  </p:cSld>
+  <p:clrMapOvr>
+    <a:masterClrMapping/>
+  </p:clrMapOvr>
+</p:sld>
+</file>
+
+<file path=ppt/slides/slide28.xml><?xml version="1.0" encoding="utf-8"?>
+<p:sld xmlns:a="http://schemas.openxmlformats.org/drawingml/2006/main" xmlns:r="http://schemas.openxmlformats.org/officeDocument/2006/relationships" xmlns:p="http://schemas.openxmlformats.org/presentationml/2006/main">
+  <p:cSld>
+    <p:spTree>
+      <p:nvGrpSpPr>
+        <p:cNvPr id="1" name=""/>
+        <p:cNvGrpSpPr/>
+        <p:nvPr/>
+      </p:nvGrpSpPr>
+      <p:grpSpPr>
+        <a:xfrm>
+          <a:off x="0" y="0"/>
+          <a:ext cx="0" cy="0"/>
+          <a:chOff x="0" y="0"/>
+          <a:chExt cx="0" cy="0"/>
+        </a:xfrm>
+      </p:grpSpPr>
+      <p:sp>
+        <p:nvSpPr>
+          <p:cNvPr id="2" name="Title 1">
+            <a:extLst>
+              <a:ext uri="{FF2B5EF4-FFF2-40B4-BE49-F238E27FC236}">
+                <a16:creationId xmlns:a16="http://schemas.microsoft.com/office/drawing/2014/main" id="{024AD384-5AD1-4435-A943-1241B2FACD62}"/>
+              </a:ext>
+            </a:extLst>
+          </p:cNvPr>
+          <p:cNvSpPr>
+            <a:spLocks noGrp="1"/>
+          </p:cNvSpPr>
+          <p:nvPr>
+            <p:ph type="title"/>
+          </p:nvPr>
+        </p:nvSpPr>
+        <p:spPr/>
+        <p:txBody>
+          <a:bodyPr/>
+          <a:lstStyle/>
+          <a:p>
+            <a:r>
+              <a:rPr lang="en-US"/>
+              <a:t>Functions</a:t>
+            </a:r>
+            <a:endParaRPr lang="fa-IR"/>
+          </a:p>
+        </p:txBody>
+      </p:sp>
+      <p:sp>
+        <p:nvSpPr>
+          <p:cNvPr id="3" name="Text Placeholder 2">
+            <a:extLst>
+              <a:ext uri="{FF2B5EF4-FFF2-40B4-BE49-F238E27FC236}">
+                <a16:creationId xmlns:a16="http://schemas.microsoft.com/office/drawing/2014/main" id="{58BE3078-8B89-4550-B497-93E4DADBD57E}"/>
+              </a:ext>
+            </a:extLst>
+          </p:cNvPr>
+          <p:cNvSpPr>
+            <a:spLocks noGrp="1"/>
+          </p:cNvSpPr>
+          <p:nvPr>
+            <p:ph type="body" idx="1"/>
+          </p:nvPr>
+        </p:nvSpPr>
+        <p:spPr>
+          <a:xfrm>
+            <a:off x="786150" y="1142608"/>
+            <a:ext cx="7571700" cy="3626431"/>
+          </a:xfrm>
+        </p:spPr>
+        <p:txBody>
+          <a:bodyPr/>
+          <a:lstStyle/>
+          <a:p>
+            <a:pPr marL="76200" indent="0">
+              <a:buNone/>
+            </a:pPr>
+            <a:r>
+              <a:rPr lang="en-US" sz="1400" dirty="0"/>
+              <a:t>Blocks of code which only run when they are called</a:t>
+            </a:r>
+          </a:p>
+          <a:p>
+            <a:pPr marL="76200" indent="0">
+              <a:buNone/>
+            </a:pPr>
+            <a:r>
+              <a:rPr lang="en-US" sz="1100" dirty="0">
+                <a:solidFill>
+                  <a:schemeClr val="accent1"/>
+                </a:solidFill>
+                <a:latin typeface="Consolas" panose="020B0609020204030204" pitchFamily="49" charset="0"/>
+                <a:cs typeface="Courier New" panose="02070309020205020404" pitchFamily="49" charset="0"/>
+              </a:rPr>
+              <a:t>def</a:t>
+            </a:r>
+            <a:r>
+              <a:rPr lang="en-US" sz="1100" dirty="0">
+                <a:latin typeface="Consolas" panose="020B0609020204030204" pitchFamily="49" charset="0"/>
+                <a:cs typeface="Courier New" panose="02070309020205020404" pitchFamily="49" charset="0"/>
+              </a:rPr>
+              <a:t> greeter</a:t>
+            </a:r>
+            <a:r>
+              <a:rPr lang="en-US" sz="1100" dirty="0">
+                <a:solidFill>
+                  <a:schemeClr val="accent1"/>
+                </a:solidFill>
+                <a:latin typeface="Consolas" panose="020B0609020204030204" pitchFamily="49" charset="0"/>
+                <a:cs typeface="Courier New" panose="02070309020205020404" pitchFamily="49" charset="0"/>
+              </a:rPr>
+              <a:t>():</a:t>
+            </a:r>
+          </a:p>
+          <a:p>
+            <a:pPr marL="76200" indent="0">
+              <a:buNone/>
+            </a:pPr>
+            <a:r>
+              <a:rPr lang="en-US" sz="1100" dirty="0">
+                <a:latin typeface="Consolas" panose="020B0609020204030204" pitchFamily="49" charset="0"/>
+                <a:cs typeface="Courier New" panose="02070309020205020404" pitchFamily="49" charset="0"/>
+              </a:rPr>
+              <a:t>    print('Hello!')</a:t>
+            </a:r>
+          </a:p>
+          <a:p>
+            <a:pPr marL="76200" indent="0">
+              <a:buNone/>
+            </a:pPr>
+            <a:r>
+              <a:rPr lang="en-US" sz="1100" dirty="0">
+                <a:latin typeface="Consolas" panose="020B0609020204030204" pitchFamily="49" charset="0"/>
+                <a:cs typeface="Courier New" panose="02070309020205020404" pitchFamily="49" charset="0"/>
+              </a:rPr>
+              <a:t>greeter</a:t>
+            </a:r>
+            <a:r>
+              <a:rPr lang="en-US" sz="1100" dirty="0">
+                <a:solidFill>
+                  <a:schemeClr val="accent1"/>
+                </a:solidFill>
+                <a:latin typeface="Consolas" panose="020B0609020204030204" pitchFamily="49" charset="0"/>
+                <a:cs typeface="Courier New" panose="02070309020205020404" pitchFamily="49" charset="0"/>
+              </a:rPr>
+              <a:t>()</a:t>
+            </a:r>
+          </a:p>
+          <a:p>
+            <a:pPr marL="76200" indent="0">
+              <a:buNone/>
+            </a:pPr>
+            <a:endParaRPr lang="en-US" sz="1100" dirty="0">
+              <a:latin typeface="Consolas" panose="020B0609020204030204" pitchFamily="49" charset="0"/>
+              <a:cs typeface="Courier New" panose="02070309020205020404" pitchFamily="49" charset="0"/>
+            </a:endParaRPr>
+          </a:p>
+          <a:p>
+            <a:pPr marL="76200" indent="0">
+              <a:buNone/>
+            </a:pPr>
+            <a:r>
+              <a:rPr lang="en-US" sz="1400" dirty="0"/>
+              <a:t>Arguments and return</a:t>
+            </a:r>
+            <a:endParaRPr lang="en-US" sz="1400" dirty="0">
+              <a:cs typeface="Courier New" panose="02070309020205020404" pitchFamily="49" charset="0"/>
+            </a:endParaRPr>
+          </a:p>
+          <a:p>
+            <a:pPr marL="76200" indent="0">
+              <a:buNone/>
+            </a:pPr>
+            <a:r>
+              <a:rPr lang="en-US" sz="1100" dirty="0">
+                <a:latin typeface="Consolas" panose="020B0609020204030204" pitchFamily="49" charset="0"/>
+                <a:cs typeface="Courier New" panose="02070309020205020404" pitchFamily="49" charset="0"/>
+              </a:rPr>
+              <a:t>def greeter(</a:t>
+            </a:r>
+            <a:r>
+              <a:rPr lang="en-US" sz="1100" dirty="0" err="1">
+                <a:latin typeface="Consolas" panose="020B0609020204030204" pitchFamily="49" charset="0"/>
+                <a:cs typeface="Courier New" panose="02070309020205020404" pitchFamily="49" charset="0"/>
+              </a:rPr>
+              <a:t>firstName</a:t>
+            </a:r>
+            <a:r>
+              <a:rPr lang="en-US" sz="1100" dirty="0">
+                <a:latin typeface="Consolas" panose="020B0609020204030204" pitchFamily="49" charset="0"/>
+                <a:cs typeface="Courier New" panose="02070309020205020404" pitchFamily="49" charset="0"/>
+              </a:rPr>
+              <a:t>, </a:t>
+            </a:r>
+            <a:r>
+              <a:rPr lang="en-US" sz="1100" dirty="0" err="1">
+                <a:latin typeface="Consolas" panose="020B0609020204030204" pitchFamily="49" charset="0"/>
+                <a:cs typeface="Courier New" panose="02070309020205020404" pitchFamily="49" charset="0"/>
+              </a:rPr>
+              <a:t>lastName</a:t>
+            </a:r>
+            <a:r>
+              <a:rPr lang="en-US" sz="1100" dirty="0">
+                <a:latin typeface="Consolas" panose="020B0609020204030204" pitchFamily="49" charset="0"/>
+                <a:cs typeface="Courier New" panose="02070309020205020404" pitchFamily="49" charset="0"/>
+              </a:rPr>
+              <a:t>):</a:t>
+            </a:r>
+          </a:p>
+          <a:p>
+            <a:pPr marL="76200" indent="0">
+              <a:buNone/>
+            </a:pPr>
+            <a:r>
+              <a:rPr lang="en-US" sz="1100" dirty="0">
+                <a:latin typeface="Consolas" panose="020B0609020204030204" pitchFamily="49" charset="0"/>
+                <a:cs typeface="Courier New" panose="02070309020205020404" pitchFamily="49" charset="0"/>
+              </a:rPr>
+              <a:t>    greeting = </a:t>
+            </a:r>
+            <a:r>
+              <a:rPr lang="en-US" sz="1100" dirty="0" err="1">
+                <a:latin typeface="Consolas" panose="020B0609020204030204" pitchFamily="49" charset="0"/>
+                <a:cs typeface="Courier New" panose="02070309020205020404" pitchFamily="49" charset="0"/>
+              </a:rPr>
+              <a:t>f'Hello</a:t>
+            </a:r>
+            <a:r>
+              <a:rPr lang="en-US" sz="1100" dirty="0">
+                <a:latin typeface="Consolas" panose="020B0609020204030204" pitchFamily="49" charset="0"/>
+                <a:cs typeface="Courier New" panose="02070309020205020404" pitchFamily="49" charset="0"/>
+              </a:rPr>
+              <a:t> {</a:t>
+            </a:r>
+            <a:r>
+              <a:rPr lang="en-US" sz="1100" dirty="0" err="1">
+                <a:latin typeface="Consolas" panose="020B0609020204030204" pitchFamily="49" charset="0"/>
+                <a:cs typeface="Courier New" panose="02070309020205020404" pitchFamily="49" charset="0"/>
+              </a:rPr>
+              <a:t>firstName</a:t>
+            </a:r>
+            <a:r>
+              <a:rPr lang="en-US" sz="1100" dirty="0">
+                <a:latin typeface="Consolas" panose="020B0609020204030204" pitchFamily="49" charset="0"/>
+                <a:cs typeface="Courier New" panose="02070309020205020404" pitchFamily="49" charset="0"/>
+              </a:rPr>
+              <a:t>} {</a:t>
+            </a:r>
+            <a:r>
+              <a:rPr lang="en-US" sz="1100" dirty="0" err="1">
+                <a:latin typeface="Consolas" panose="020B0609020204030204" pitchFamily="49" charset="0"/>
+                <a:cs typeface="Courier New" panose="02070309020205020404" pitchFamily="49" charset="0"/>
+              </a:rPr>
+              <a:t>lastName</a:t>
+            </a:r>
+            <a:r>
+              <a:rPr lang="en-US" sz="1100" dirty="0">
+                <a:latin typeface="Consolas" panose="020B0609020204030204" pitchFamily="49" charset="0"/>
+                <a:cs typeface="Courier New" panose="02070309020205020404" pitchFamily="49" charset="0"/>
+              </a:rPr>
+              <a:t>}!'</a:t>
+            </a:r>
+          </a:p>
+          <a:p>
+            <a:pPr marL="76200" indent="0">
+              <a:buNone/>
+            </a:pPr>
+            <a:r>
+              <a:rPr lang="en-US" sz="1100" dirty="0">
+                <a:latin typeface="Consolas" panose="020B0609020204030204" pitchFamily="49" charset="0"/>
+                <a:cs typeface="Courier New" panose="02070309020205020404" pitchFamily="49" charset="0"/>
+              </a:rPr>
+              <a:t>    </a:t>
+            </a:r>
+            <a:r>
+              <a:rPr lang="en-US" sz="1100" dirty="0">
+                <a:solidFill>
+                  <a:schemeClr val="accent1"/>
+                </a:solidFill>
+                <a:latin typeface="Consolas" panose="020B0609020204030204" pitchFamily="49" charset="0"/>
+                <a:cs typeface="Courier New" panose="02070309020205020404" pitchFamily="49" charset="0"/>
+              </a:rPr>
+              <a:t>return </a:t>
+            </a:r>
+            <a:r>
+              <a:rPr lang="en-US" sz="1100" dirty="0">
+                <a:latin typeface="Consolas" panose="020B0609020204030204" pitchFamily="49" charset="0"/>
+                <a:cs typeface="Courier New" panose="02070309020205020404" pitchFamily="49" charset="0"/>
+              </a:rPr>
+              <a:t>greeting</a:t>
+            </a:r>
+          </a:p>
+          <a:p>
+            <a:pPr marL="76200" indent="0">
+              <a:buNone/>
+            </a:pPr>
+            <a:r>
+              <a:rPr lang="en-US" sz="1100" dirty="0">
+                <a:latin typeface="Consolas" panose="020B0609020204030204" pitchFamily="49" charset="0"/>
+                <a:cs typeface="Courier New" panose="02070309020205020404" pitchFamily="49" charset="0"/>
+              </a:rPr>
+              <a:t>message = greeter('Alireza', 'Nezhadshamsi')</a:t>
+            </a:r>
+          </a:p>
+          <a:p>
+            <a:pPr marL="76200" indent="0">
+              <a:buNone/>
+            </a:pPr>
+            <a:r>
+              <a:rPr lang="en-US" sz="1100" dirty="0">
+                <a:latin typeface="Consolas" panose="020B0609020204030204" pitchFamily="49" charset="0"/>
+                <a:cs typeface="Courier New" panose="02070309020205020404" pitchFamily="49" charset="0"/>
+              </a:rPr>
+              <a:t>print(message)</a:t>
+            </a:r>
+          </a:p>
+        </p:txBody>
+      </p:sp>
+      <p:sp>
+        <p:nvSpPr>
+          <p:cNvPr id="4" name="Slide Number Placeholder 3">
+            <a:extLst>
+              <a:ext uri="{FF2B5EF4-FFF2-40B4-BE49-F238E27FC236}">
+                <a16:creationId xmlns:a16="http://schemas.microsoft.com/office/drawing/2014/main" id="{64987AE6-EC0E-43DD-9376-95A5602EE5E1}"/>
+              </a:ext>
+            </a:extLst>
+          </p:cNvPr>
+          <p:cNvSpPr>
+            <a:spLocks noGrp="1"/>
+          </p:cNvSpPr>
+          <p:nvPr>
+            <p:ph type="sldNum" idx="12"/>
+          </p:nvPr>
+        </p:nvSpPr>
+        <p:spPr/>
+        <p:txBody>
+          <a:bodyPr/>
+          <a:lstStyle/>
+          <a:p>
+            <a:pPr marL="0" lvl="0" indent="0" algn="r" rtl="0">
+              <a:spcBef>
+                <a:spcPts val="0"/>
+              </a:spcBef>
+              <a:spcAft>
+                <a:spcPts val="0"/>
+              </a:spcAft>
+              <a:buNone/>
+            </a:pPr>
+            <a:fld id="{00000000-1234-1234-1234-123412341234}" type="slidenum">
+              <a:rPr lang="en" smtClean="0"/>
+              <a:t>28</a:t>
+            </a:fld>
+            <a:endParaRPr lang="en"/>
+          </a:p>
+        </p:txBody>
+      </p:sp>
+    </p:spTree>
+    <p:extLst>
+      <p:ext uri="{BB962C8B-B14F-4D97-AF65-F5344CB8AC3E}">
+        <p14:creationId xmlns:p14="http://schemas.microsoft.com/office/powerpoint/2010/main" val="1672306859"/>
       </p:ext>
     </p:extLst>
   </p:cSld>
@@ -22257,13 +22377,30 @@
             </a:pPr>
             <a:r>
               <a:rPr lang="en-US" sz="1400" dirty="0"/>
-              <a:t>Blocks of code which only run when they are called</a:t>
-            </a:r>
-          </a:p>
-          <a:p>
-            <a:pPr marL="76200" indent="0">
-              <a:buNone/>
-            </a:pPr>
+              <a:t>Keyword arguments</a:t>
+            </a:r>
+            <a:endParaRPr lang="en-US" sz="1400" dirty="0">
+              <a:cs typeface="Courier New" panose="02070309020205020404" pitchFamily="49" charset="0"/>
+            </a:endParaRPr>
+          </a:p>
+          <a:p>
+            <a:pPr marL="76200" indent="0">
+              <a:buNone/>
+            </a:pPr>
+            <a:r>
+              <a:rPr lang="en-US" sz="1100" dirty="0">
+                <a:latin typeface="Consolas" panose="020B0609020204030204" pitchFamily="49" charset="0"/>
+                <a:cs typeface="Courier New" panose="02070309020205020404" pitchFamily="49" charset="0"/>
+              </a:rPr>
+              <a:t>def greeter(</a:t>
+            </a:r>
+            <a:r>
+              <a:rPr lang="en-US" sz="1100" dirty="0" err="1">
+                <a:latin typeface="Consolas" panose="020B0609020204030204" pitchFamily="49" charset="0"/>
+                <a:cs typeface="Courier New" panose="02070309020205020404" pitchFamily="49" charset="0"/>
+              </a:rPr>
+              <a:t>firstName</a:t>
+            </a:r>
             <a:r>
               <a:rPr lang="en-US" sz="1100" dirty="0">
                 <a:solidFill>
@@ -22272,15 +22409,34 @@
                 <a:latin typeface="Consolas" panose="020B0609020204030204" pitchFamily="49" charset="0"/>
                 <a:cs typeface="Courier New" panose="02070309020205020404" pitchFamily="49" charset="0"/>
               </a:rPr>
-              <a:t>def</a:t>
+              <a:t>,</a:t>
             </a:r>
             <a:r>
               <a:rPr lang="en-US" sz="1100" dirty="0">
                 <a:latin typeface="Consolas" panose="020B0609020204030204" pitchFamily="49" charset="0"/>
                 <a:cs typeface="Courier New" panose="02070309020205020404" pitchFamily="49" charset="0"/>
               </a:rPr>
-              <a:t> greeter</a:t>
-            </a:r>
+              <a:t> </a:t>
+            </a:r>
+            <a:r>
+              <a:rPr lang="en-US" sz="1100" dirty="0" err="1">
+                <a:latin typeface="Consolas" panose="020B0609020204030204" pitchFamily="49" charset="0"/>
+                <a:cs typeface="Courier New" panose="02070309020205020404" pitchFamily="49" charset="0"/>
+              </a:rPr>
+              <a:t>lastName</a:t>
+            </a:r>
+            <a:r>
+              <a:rPr lang="en-US" sz="1100" dirty="0">
+                <a:latin typeface="Consolas" panose="020B0609020204030204" pitchFamily="49" charset="0"/>
+                <a:cs typeface="Courier New" panose="02070309020205020404" pitchFamily="49" charset="0"/>
+              </a:rPr>
+              <a:t>):</a:t>
+            </a:r>
+          </a:p>
+          <a:p>
+            <a:pPr marL="76200" indent="0">
+              <a:buNone/>
+            </a:pPr>
             <a:r>
               <a:rPr lang="en-US" sz="1100" dirty="0">
                 <a:solidFill>
@@ -22289,31 +22445,82 @@
                 <a:latin typeface="Consolas" panose="020B0609020204030204" pitchFamily="49" charset="0"/>
                 <a:cs typeface="Courier New" panose="02070309020205020404" pitchFamily="49" charset="0"/>
               </a:rPr>
-              <a:t>():</a:t>
-            </a:r>
-          </a:p>
-          <a:p>
-            <a:pPr marL="76200" indent="0">
-              <a:buNone/>
-            </a:pPr>
+              <a:t>    </a:t>
+            </a:r>
             <a:r>
               <a:rPr lang="en-US" sz="1100" dirty="0">
                 <a:latin typeface="Consolas" panose="020B0609020204030204" pitchFamily="49" charset="0"/>
                 <a:cs typeface="Courier New" panose="02070309020205020404" pitchFamily="49" charset="0"/>
               </a:rPr>
-              <a:t>    print('Hello!')</a:t>
-            </a:r>
-          </a:p>
-          <a:p>
-            <a:pPr marL="76200" indent="0">
-              <a:buNone/>
-            </a:pPr>
+              <a:t>return </a:t>
+            </a:r>
+            <a:r>
+              <a:rPr lang="en-US" sz="1100" dirty="0" err="1">
+                <a:latin typeface="Consolas" panose="020B0609020204030204" pitchFamily="49" charset="0"/>
+                <a:cs typeface="Courier New" panose="02070309020205020404" pitchFamily="49" charset="0"/>
+              </a:rPr>
+              <a:t>f'Hello</a:t>
+            </a:r>
             <a:r>
               <a:rPr lang="en-US" sz="1100" dirty="0">
                 <a:latin typeface="Consolas" panose="020B0609020204030204" pitchFamily="49" charset="0"/>
                 <a:cs typeface="Courier New" panose="02070309020205020404" pitchFamily="49" charset="0"/>
               </a:rPr>
-              <a:t>greeter</a:t>
+              <a:t> {</a:t>
+            </a:r>
+            <a:r>
+              <a:rPr lang="en-US" sz="1100" dirty="0" err="1">
+                <a:latin typeface="Consolas" panose="020B0609020204030204" pitchFamily="49" charset="0"/>
+                <a:cs typeface="Courier New" panose="02070309020205020404" pitchFamily="49" charset="0"/>
+              </a:rPr>
+              <a:t>firstName</a:t>
+            </a:r>
+            <a:r>
+              <a:rPr lang="en-US" sz="1100" dirty="0">
+                <a:latin typeface="Consolas" panose="020B0609020204030204" pitchFamily="49" charset="0"/>
+                <a:cs typeface="Courier New" panose="02070309020205020404" pitchFamily="49" charset="0"/>
+              </a:rPr>
+              <a:t>} {</a:t>
+            </a:r>
+            <a:r>
+              <a:rPr lang="en-US" sz="1100" dirty="0" err="1">
+                <a:latin typeface="Consolas" panose="020B0609020204030204" pitchFamily="49" charset="0"/>
+                <a:cs typeface="Courier New" panose="02070309020205020404" pitchFamily="49" charset="0"/>
+              </a:rPr>
+              <a:t>lastName</a:t>
+            </a:r>
+            <a:r>
+              <a:rPr lang="en-US" sz="1100" dirty="0">
+                <a:latin typeface="Consolas" panose="020B0609020204030204" pitchFamily="49" charset="0"/>
+                <a:cs typeface="Courier New" panose="02070309020205020404" pitchFamily="49" charset="0"/>
+              </a:rPr>
+              <a:t>}!'</a:t>
+            </a:r>
+          </a:p>
+          <a:p>
+            <a:pPr marL="76200" indent="0">
+              <a:buNone/>
+            </a:pPr>
+            <a:r>
+              <a:rPr lang="en-US" sz="1100" dirty="0">
+                <a:latin typeface="Consolas" panose="020B0609020204030204" pitchFamily="49" charset="0"/>
+                <a:cs typeface="Courier New" panose="02070309020205020404" pitchFamily="49" charset="0"/>
+              </a:rPr>
+              <a:t>print(greeter(</a:t>
+            </a:r>
+            <a:r>
+              <a:rPr lang="en-US" sz="1100" dirty="0" err="1">
+                <a:latin typeface="Consolas" panose="020B0609020204030204" pitchFamily="49" charset="0"/>
+                <a:cs typeface="Courier New" panose="02070309020205020404" pitchFamily="49" charset="0"/>
+              </a:rPr>
+              <a:t>lastName</a:t>
+            </a:r>
+            <a:r>
+              <a:rPr lang="en-US" sz="1100" dirty="0">
+                <a:latin typeface="Consolas" panose="020B0609020204030204" pitchFamily="49" charset="0"/>
+                <a:cs typeface="Courier New" panose="02070309020205020404" pitchFamily="49" charset="0"/>
+              </a:rPr>
+              <a:t> </a:t>
             </a:r>
             <a:r>
               <a:rPr lang="en-US" sz="1100" dirty="0">
@@ -22323,7 +22530,45 @@
                 <a:latin typeface="Consolas" panose="020B0609020204030204" pitchFamily="49" charset="0"/>
                 <a:cs typeface="Courier New" panose="02070309020205020404" pitchFamily="49" charset="0"/>
               </a:rPr>
-              <a:t>()</a:t>
+              <a:t>=</a:t>
+            </a:r>
+            <a:r>
+              <a:rPr lang="en-US" sz="1100" dirty="0">
+                <a:latin typeface="Consolas" panose="020B0609020204030204" pitchFamily="49" charset="0"/>
+                <a:cs typeface="Courier New" panose="02070309020205020404" pitchFamily="49" charset="0"/>
+              </a:rPr>
+              <a:t> 'Nezhadshamsi', </a:t>
+            </a:r>
+            <a:r>
+              <a:rPr lang="en-US" sz="1100" dirty="0" err="1">
+                <a:latin typeface="Consolas" panose="020B0609020204030204" pitchFamily="49" charset="0"/>
+                <a:cs typeface="Courier New" panose="02070309020205020404" pitchFamily="49" charset="0"/>
+              </a:rPr>
+              <a:t>firstName</a:t>
+            </a:r>
+            <a:r>
+              <a:rPr lang="en-US" sz="1100" dirty="0">
+                <a:latin typeface="Consolas" panose="020B0609020204030204" pitchFamily="49" charset="0"/>
+                <a:cs typeface="Courier New" panose="02070309020205020404" pitchFamily="49" charset="0"/>
+              </a:rPr>
+              <a:t> </a:t>
+            </a:r>
+            <a:r>
+              <a:rPr lang="en-US" sz="1100" dirty="0">
+                <a:solidFill>
+                  <a:schemeClr val="accent1"/>
+                </a:solidFill>
+                <a:latin typeface="Consolas" panose="020B0609020204030204" pitchFamily="49" charset="0"/>
+                <a:cs typeface="Courier New" panose="02070309020205020404" pitchFamily="49" charset="0"/>
+              </a:rPr>
+              <a:t>=</a:t>
+            </a:r>
+            <a:r>
+              <a:rPr lang="en-US" sz="1100" dirty="0">
+                <a:latin typeface="Consolas" panose="020B0609020204030204" pitchFamily="49" charset="0"/>
+                <a:cs typeface="Courier New" panose="02070309020205020404" pitchFamily="49" charset="0"/>
+              </a:rPr>
+              <a:t> 'Alireza'))</a:t>
             </a:r>
           </a:p>
           <a:p>
@@ -22341,11 +22586,8 @@
             </a:pPr>
             <a:r>
               <a:rPr lang="en-US" sz="1400" dirty="0"/>
-              <a:t>Arguments and return</a:t>
-            </a:r>
-            <a:endParaRPr lang="en-US" sz="1400" dirty="0">
-              <a:cs typeface="Courier New" panose="02070309020205020404" pitchFamily="49" charset="0"/>
-            </a:endParaRPr>
+              <a:t>Default parameter value</a:t>
+            </a:r>
           </a:p>
           <a:p>
             <a:pPr marL="76200" indent="0">
@@ -22370,87 +22612,7 @@
                 <a:latin typeface="Consolas" panose="020B0609020204030204" pitchFamily="49" charset="0"/>
                 <a:cs typeface="Courier New" panose="02070309020205020404" pitchFamily="49" charset="0"/>
               </a:rPr>
-              <a:t>, </a:t>
-            </a:r>
-            <a:r>
-              <a:rPr lang="en-US" sz="1100" dirty="0" err="1">
-                <a:latin typeface="Consolas" panose="020B0609020204030204" pitchFamily="49" charset="0"/>
-                <a:cs typeface="Courier New" panose="02070309020205020404" pitchFamily="49" charset="0"/>
-              </a:rPr>
-              <a:t>lastName</a:t>
-            </a:r>
-            <a:r>
-              <a:rPr lang="en-US" sz="1100" dirty="0">
-                <a:latin typeface="Consolas" panose="020B0609020204030204" pitchFamily="49" charset="0"/>
-                <a:cs typeface="Courier New" panose="02070309020205020404" pitchFamily="49" charset="0"/>
-              </a:rPr>
-              <a:t>):</a:t>
-            </a:r>
-          </a:p>
-          <a:p>
-            <a:pPr marL="76200" indent="0">
-              <a:buNone/>
-            </a:pPr>
-            <a:r>
-              <a:rPr lang="en-US" sz="1100" dirty="0">
-                <a:latin typeface="Consolas" panose="020B0609020204030204" pitchFamily="49" charset="0"/>
-                <a:cs typeface="Courier New" panose="02070309020205020404" pitchFamily="49" charset="0"/>
-              </a:rPr>
-              <a:t>    greeting = </a:t>
-            </a:r>
-            <a:r>
-              <a:rPr lang="en-US" sz="1100" dirty="0" err="1">
-                <a:latin typeface="Consolas" panose="020B0609020204030204" pitchFamily="49" charset="0"/>
-                <a:cs typeface="Courier New" panose="02070309020205020404" pitchFamily="49" charset="0"/>
-              </a:rPr>
-              <a:t>f'Hello</a:t>
-            </a:r>
-            <a:r>
-              <a:rPr lang="en-US" sz="1100" dirty="0">
-                <a:latin typeface="Consolas" panose="020B0609020204030204" pitchFamily="49" charset="0"/>
-                <a:cs typeface="Courier New" panose="02070309020205020404" pitchFamily="49" charset="0"/>
-              </a:rPr>
-              <a:t> {</a:t>
-            </a:r>
-            <a:r>
-              <a:rPr lang="en-US" sz="1100" dirty="0" err="1">
-                <a:latin typeface="Consolas" panose="020B0609020204030204" pitchFamily="49" charset="0"/>
-                <a:cs typeface="Courier New" panose="02070309020205020404" pitchFamily="49" charset="0"/>
-              </a:rPr>
-              <a:t>firstName</a:t>
-            </a:r>
-            <a:r>
-              <a:rPr lang="en-US" sz="1100" dirty="0">
-                <a:latin typeface="Consolas" panose="020B0609020204030204" pitchFamily="49" charset="0"/>
-                <a:cs typeface="Courier New" panose="02070309020205020404" pitchFamily="49" charset="0"/>
-              </a:rPr>
-              <a:t>} {</a:t>
-            </a:r>
-            <a:r>
-              <a:rPr lang="en-US" sz="1100" dirty="0" err="1">
-                <a:latin typeface="Consolas" panose="020B0609020204030204" pitchFamily="49" charset="0"/>
-                <a:cs typeface="Courier New" panose="02070309020205020404" pitchFamily="49" charset="0"/>
-              </a:rPr>
-              <a:t>lastName</a:t>
-            </a:r>
-            <a:r>
-              <a:rPr lang="en-US" sz="1100" dirty="0">
-                <a:latin typeface="Consolas" panose="020B0609020204030204" pitchFamily="49" charset="0"/>
-                <a:cs typeface="Courier New" panose="02070309020205020404" pitchFamily="49" charset="0"/>
-              </a:rPr>
-              <a:t>}!'</a:t>
-            </a:r>
-          </a:p>
-          <a:p>
-            <a:pPr marL="76200" indent="0">
-              <a:buNone/>
-            </a:pPr>
-            <a:r>
-              <a:rPr lang="en-US" sz="1100" dirty="0">
-                <a:latin typeface="Consolas" panose="020B0609020204030204" pitchFamily="49" charset="0"/>
-                <a:cs typeface="Courier New" panose="02070309020205020404" pitchFamily="49" charset="0"/>
-              </a:rPr>
-              <a:t>    </a:t>
+              <a:t> </a:t>
             </a:r>
             <a:r>
               <a:rPr lang="en-US" sz="1100" dirty="0">
@@ -22460,38 +22622,121 @@
                 <a:latin typeface="Consolas" panose="020B0609020204030204" pitchFamily="49" charset="0"/>
                 <a:cs typeface="Courier New" panose="02070309020205020404" pitchFamily="49" charset="0"/>
               </a:rPr>
+              <a:t>=</a:t>
+            </a:r>
+            <a:r>
+              <a:rPr lang="en-US" sz="1100" dirty="0">
+                <a:latin typeface="Consolas" panose="020B0609020204030204" pitchFamily="49" charset="0"/>
+                <a:cs typeface="Courier New" panose="02070309020205020404" pitchFamily="49" charset="0"/>
+              </a:rPr>
+              <a:t> 'dear', </a:t>
+            </a:r>
+            <a:r>
+              <a:rPr lang="en-US" sz="1100" dirty="0" err="1">
+                <a:latin typeface="Consolas" panose="020B0609020204030204" pitchFamily="49" charset="0"/>
+                <a:cs typeface="Courier New" panose="02070309020205020404" pitchFamily="49" charset="0"/>
+              </a:rPr>
+              <a:t>lastName</a:t>
+            </a:r>
+            <a:r>
+              <a:rPr lang="en-US" sz="1100" dirty="0">
+                <a:latin typeface="Consolas" panose="020B0609020204030204" pitchFamily="49" charset="0"/>
+                <a:cs typeface="Courier New" panose="02070309020205020404" pitchFamily="49" charset="0"/>
+              </a:rPr>
+              <a:t> </a:t>
+            </a:r>
+            <a:r>
+              <a:rPr lang="en-US" sz="1100" dirty="0">
+                <a:solidFill>
+                  <a:schemeClr val="accent1"/>
+                </a:solidFill>
+                <a:latin typeface="Consolas" panose="020B0609020204030204" pitchFamily="49" charset="0"/>
+                <a:cs typeface="Courier New" panose="02070309020205020404" pitchFamily="49" charset="0"/>
+              </a:rPr>
+              <a:t>=</a:t>
+            </a:r>
+            <a:r>
+              <a:rPr lang="en-US" sz="1100" dirty="0">
+                <a:latin typeface="Consolas" panose="020B0609020204030204" pitchFamily="49" charset="0"/>
+                <a:cs typeface="Courier New" panose="02070309020205020404" pitchFamily="49" charset="0"/>
+              </a:rPr>
+              <a:t> 'user'):</a:t>
+            </a:r>
+          </a:p>
+          <a:p>
+            <a:pPr marL="76200" indent="0">
+              <a:buNone/>
+            </a:pPr>
+            <a:r>
+              <a:rPr lang="en-US" sz="1100" dirty="0">
+                <a:solidFill>
+                  <a:schemeClr val="accent1"/>
+                </a:solidFill>
+                <a:latin typeface="Consolas" panose="020B0609020204030204" pitchFamily="49" charset="0"/>
+                <a:cs typeface="Courier New" panose="02070309020205020404" pitchFamily="49" charset="0"/>
+              </a:rPr>
+              <a:t>    </a:t>
+            </a:r>
+            <a:r>
+              <a:rPr lang="en-US" sz="1100" dirty="0">
+                <a:latin typeface="Consolas" panose="020B0609020204030204" pitchFamily="49" charset="0"/>
+                <a:cs typeface="Courier New" panose="02070309020205020404" pitchFamily="49" charset="0"/>
+              </a:rPr>
               <a:t>return </a:t>
             </a:r>
             <a:r>
+              <a:rPr lang="en-US" sz="1100" dirty="0" err="1">
+                <a:latin typeface="Consolas" panose="020B0609020204030204" pitchFamily="49" charset="0"/>
+                <a:cs typeface="Courier New" panose="02070309020205020404" pitchFamily="49" charset="0"/>
+              </a:rPr>
+              <a:t>f'Hello</a:t>
+            </a:r>
+            <a:r>
               <a:rPr lang="en-US" sz="1100" dirty="0">
                 <a:latin typeface="Consolas" panose="020B0609020204030204" pitchFamily="49" charset="0"/>
                 <a:cs typeface="Courier New" panose="02070309020205020404" pitchFamily="49" charset="0"/>
               </a:rPr>
-              <a:t>greeting</a:t>
-            </a:r>
-          </a:p>
-          <a:p>
-            <a:pPr marL="76200" indent="0">
-              <a:buNone/>
-            </a:pPr>
+              <a:t> {</a:t>
+            </a:r>
+            <a:r>
+              <a:rPr lang="en-US" sz="1100" dirty="0" err="1">
+                <a:latin typeface="Consolas" panose="020B0609020204030204" pitchFamily="49" charset="0"/>
+                <a:cs typeface="Courier New" panose="02070309020205020404" pitchFamily="49" charset="0"/>
+              </a:rPr>
+              <a:t>firstName</a:t>
+            </a:r>
             <a:r>
               <a:rPr lang="en-US" sz="1100" dirty="0">
                 <a:latin typeface="Consolas" panose="020B0609020204030204" pitchFamily="49" charset="0"/>
                 <a:cs typeface="Courier New" panose="02070309020205020404" pitchFamily="49" charset="0"/>
               </a:rPr>
-              <a:t>message = greeter('Alireza', 'Nezhadshamsi')</a:t>
-            </a:r>
-          </a:p>
-          <a:p>
-            <a:pPr marL="76200" indent="0">
-              <a:buNone/>
-            </a:pPr>
+              <a:t>} {</a:t>
+            </a:r>
+            <a:r>
+              <a:rPr lang="en-US" sz="1100" dirty="0" err="1">
+                <a:latin typeface="Consolas" panose="020B0609020204030204" pitchFamily="49" charset="0"/>
+                <a:cs typeface="Courier New" panose="02070309020205020404" pitchFamily="49" charset="0"/>
+              </a:rPr>
+              <a:t>lastName</a:t>
+            </a:r>
             <a:r>
               <a:rPr lang="en-US" sz="1100" dirty="0">
                 <a:latin typeface="Consolas" panose="020B0609020204030204" pitchFamily="49" charset="0"/>
                 <a:cs typeface="Courier New" panose="02070309020205020404" pitchFamily="49" charset="0"/>
               </a:rPr>
-              <a:t>print(message)</a:t>
+              <a:t>}!'</a:t>
+            </a:r>
+          </a:p>
+          <a:p>
+            <a:pPr marL="76200" indent="0">
+              <a:buNone/>
+            </a:pPr>
+            <a:r>
+              <a:rPr lang="en-US" sz="1100" dirty="0">
+                <a:latin typeface="Consolas" panose="020B0609020204030204" pitchFamily="49" charset="0"/>
+                <a:cs typeface="Courier New" panose="02070309020205020404" pitchFamily="49" charset="0"/>
+              </a:rPr>
+              <a:t>print(greeter())</a:t>
             </a:r>
           </a:p>
         </p:txBody>
@@ -22537,7 +22782,7 @@
     </p:spTree>
     <p:extLst>
       <p:ext uri="{BB962C8B-B14F-4D97-AF65-F5344CB8AC3E}">
-        <p14:creationId xmlns:p14="http://schemas.microsoft.com/office/powerpoint/2010/main" val="1672306859"/>
+        <p14:creationId xmlns:p14="http://schemas.microsoft.com/office/powerpoint/2010/main" val="2571995706"/>
       </p:ext>
     </p:extLst>
   </p:cSld>
@@ -22880,11 +23125,8 @@
             </a:pPr>
             <a:r>
               <a:rPr lang="en-US" sz="1400" dirty="0"/>
-              <a:t>Keyword arguments</a:t>
-            </a:r>
-            <a:endParaRPr lang="en-US" sz="1400" dirty="0">
-              <a:cs typeface="Courier New" panose="02070309020205020404" pitchFamily="49" charset="0"/>
-            </a:endParaRPr>
+              <a:t>Type Annotations</a:t>
+            </a:r>
           </a:p>
           <a:p>
             <a:pPr marL="76200" indent="0">
@@ -22895,7 +23137,21 @@
                 <a:latin typeface="Consolas" panose="020B0609020204030204" pitchFamily="49" charset="0"/>
                 <a:cs typeface="Courier New" panose="02070309020205020404" pitchFamily="49" charset="0"/>
               </a:rPr>
-              <a:t>def greeter(</a:t>
+              <a:t>def </a:t>
+            </a:r>
+            <a:r>
+              <a:rPr lang="en-US" sz="1100" dirty="0" err="1">
+                <a:latin typeface="Consolas" panose="020B0609020204030204" pitchFamily="49" charset="0"/>
+                <a:cs typeface="Courier New" panose="02070309020205020404" pitchFamily="49" charset="0"/>
+              </a:rPr>
+              <a:t>fullName</a:t>
+            </a:r>
+            <a:r>
+              <a:rPr lang="en-US" sz="1100" dirty="0">
+                <a:latin typeface="Consolas" panose="020B0609020204030204" pitchFamily="49" charset="0"/>
+                <a:cs typeface="Courier New" panose="02070309020205020404" pitchFamily="49" charset="0"/>
+              </a:rPr>
+              <a:t>(</a:t>
             </a:r>
             <a:r>
               <a:rPr lang="en-US" sz="1100" dirty="0" err="1">
@@ -22912,14 +23168,14 @@
                 <a:latin typeface="Consolas" panose="020B0609020204030204" pitchFamily="49" charset="0"/>
                 <a:cs typeface="Courier New" panose="02070309020205020404" pitchFamily="49" charset="0"/>
               </a:rPr>
-              <a:t>,</a:t>
+              <a:t>: str</a:t>
             </a:r>
             <a:r>
               <a:rPr lang="en-US" sz="1100" dirty="0">
                 <a:latin typeface="Consolas" panose="020B0609020204030204" pitchFamily="49" charset="0"/>
                 <a:cs typeface="Courier New" panose="02070309020205020404" pitchFamily="49" charset="0"/>
               </a:rPr>
-              <a:t> </a:t>
+              <a:t>, </a:t>
             </a:r>
             <a:r>
               <a:rPr lang="en-US" sz="1100" dirty="0" err="1">
@@ -22928,18 +23184,6 @@
               </a:rPr>
               <a:t>lastName</a:t>
             </a:r>
-            <a:r>
-              <a:rPr lang="en-US" sz="1100" dirty="0">
-                <a:latin typeface="Consolas" panose="020B0609020204030204" pitchFamily="49" charset="0"/>
-                <a:cs typeface="Courier New" panose="02070309020205020404" pitchFamily="49" charset="0"/>
-              </a:rPr>
-              <a:t>):</a:t>
-            </a:r>
-          </a:p>
-          <a:p>
-            <a:pPr marL="76200" indent="0">
-              <a:buNone/>
-            </a:pPr>
             <a:r>
               <a:rPr lang="en-US" sz="1100" dirty="0">
                 <a:solidFill>
@@ -22948,82 +23192,14 @@
                 <a:latin typeface="Consolas" panose="020B0609020204030204" pitchFamily="49" charset="0"/>
                 <a:cs typeface="Courier New" panose="02070309020205020404" pitchFamily="49" charset="0"/>
               </a:rPr>
-              <a:t>    </a:t>
+              <a:t>: str</a:t>
             </a:r>
             <a:r>
               <a:rPr lang="en-US" sz="1100" dirty="0">
                 <a:latin typeface="Consolas" panose="020B0609020204030204" pitchFamily="49" charset="0"/>
                 <a:cs typeface="Courier New" panose="02070309020205020404" pitchFamily="49" charset="0"/>
               </a:rPr>
-              <a:t>return </a:t>
-            </a:r>
-            <a:r>
-              <a:rPr lang="en-US" sz="1100" dirty="0" err="1">
-                <a:latin typeface="Consolas" panose="020B0609020204030204" pitchFamily="49" charset="0"/>
-                <a:cs typeface="Courier New" panose="02070309020205020404" pitchFamily="49" charset="0"/>
-              </a:rPr>
-              <a:t>f'Hello</a:t>
-            </a:r>
-            <a:r>
-              <a:rPr lang="en-US" sz="1100" dirty="0">
-                <a:latin typeface="Consolas" panose="020B0609020204030204" pitchFamily="49" charset="0"/>
-                <a:cs typeface="Courier New" panose="02070309020205020404" pitchFamily="49" charset="0"/>
-              </a:rPr>
-              <a:t> {</a:t>
-            </a:r>
-            <a:r>
-              <a:rPr lang="en-US" sz="1100" dirty="0" err="1">
-                <a:latin typeface="Consolas" panose="020B0609020204030204" pitchFamily="49" charset="0"/>
-                <a:cs typeface="Courier New" panose="02070309020205020404" pitchFamily="49" charset="0"/>
-              </a:rPr>
-              <a:t>firstName</a:t>
-            </a:r>
-            <a:r>
-              <a:rPr lang="en-US" sz="1100" dirty="0">
-                <a:latin typeface="Consolas" panose="020B0609020204030204" pitchFamily="49" charset="0"/>
-                <a:cs typeface="Courier New" panose="02070309020205020404" pitchFamily="49" charset="0"/>
-              </a:rPr>
-              <a:t>} {</a:t>
-            </a:r>
-            <a:r>
-              <a:rPr lang="en-US" sz="1100" dirty="0" err="1">
-                <a:latin typeface="Consolas" panose="020B0609020204030204" pitchFamily="49" charset="0"/>
-                <a:cs typeface="Courier New" panose="02070309020205020404" pitchFamily="49" charset="0"/>
-              </a:rPr>
-              <a:t>lastName</a:t>
-            </a:r>
-            <a:r>
-              <a:rPr lang="en-US" sz="1100" dirty="0">
-                <a:latin typeface="Consolas" panose="020B0609020204030204" pitchFamily="49" charset="0"/>
-                <a:cs typeface="Courier New" panose="02070309020205020404" pitchFamily="49" charset="0"/>
-              </a:rPr>
-              <a:t>}!'</a:t>
-            </a:r>
-          </a:p>
-          <a:p>
-            <a:pPr marL="76200" indent="0">
-              <a:buNone/>
-            </a:pPr>
-            <a:r>
-              <a:rPr lang="en-US" sz="1100" dirty="0">
-                <a:latin typeface="Consolas" panose="020B0609020204030204" pitchFamily="49" charset="0"/>
-                <a:cs typeface="Courier New" panose="02070309020205020404" pitchFamily="49" charset="0"/>
-              </a:rPr>
-              <a:t>print(greeter(</a:t>
-            </a:r>
-            <a:r>
-              <a:rPr lang="en-US" sz="1100" dirty="0" err="1">
-                <a:latin typeface="Consolas" panose="020B0609020204030204" pitchFamily="49" charset="0"/>
-                <a:cs typeface="Courier New" panose="02070309020205020404" pitchFamily="49" charset="0"/>
-              </a:rPr>
-              <a:t>lastName</a:t>
-            </a:r>
-            <a:r>
-              <a:rPr lang="en-US" sz="1100" dirty="0">
-                <a:latin typeface="Consolas" panose="020B0609020204030204" pitchFamily="49" charset="0"/>
-                <a:cs typeface="Courier New" panose="02070309020205020404" pitchFamily="49" charset="0"/>
-              </a:rPr>
-              <a:t> </a:t>
+              <a:t>) </a:t>
             </a:r>
             <a:r>
               <a:rPr lang="en-US" sz="1100" dirty="0">
@@ -23033,28 +23209,138 @@
                 <a:latin typeface="Consolas" panose="020B0609020204030204" pitchFamily="49" charset="0"/>
                 <a:cs typeface="Courier New" panose="02070309020205020404" pitchFamily="49" charset="0"/>
               </a:rPr>
-              <a:t>=</a:t>
+              <a:t>-&gt; str</a:t>
             </a:r>
             <a:r>
               <a:rPr lang="en-US" sz="1100" dirty="0">
                 <a:latin typeface="Consolas" panose="020B0609020204030204" pitchFamily="49" charset="0"/>
                 <a:cs typeface="Courier New" panose="02070309020205020404" pitchFamily="49" charset="0"/>
               </a:rPr>
-              <a:t> 'Nezhadshamsi', </a:t>
+              <a:t>:</a:t>
+            </a:r>
+          </a:p>
+          <a:p>
+            <a:pPr marL="76200" indent="0">
+              <a:buNone/>
+            </a:pPr>
+            <a:r>
+              <a:rPr lang="en-US" sz="1100" dirty="0">
+                <a:latin typeface="Consolas" panose="020B0609020204030204" pitchFamily="49" charset="0"/>
+                <a:cs typeface="Courier New" panose="02070309020205020404" pitchFamily="49" charset="0"/>
+              </a:rPr>
+              <a:t>    return f'{</a:t>
             </a:r>
             <a:r>
               <a:rPr lang="en-US" sz="1100" dirty="0" err="1">
                 <a:latin typeface="Consolas" panose="020B0609020204030204" pitchFamily="49" charset="0"/>
                 <a:cs typeface="Courier New" panose="02070309020205020404" pitchFamily="49" charset="0"/>
               </a:rPr>
-              <a:t>firstName</a:t>
+              <a:t>firstName.title</a:t>
             </a:r>
             <a:r>
               <a:rPr lang="en-US" sz="1100" dirty="0">
                 <a:latin typeface="Consolas" panose="020B0609020204030204" pitchFamily="49" charset="0"/>
                 <a:cs typeface="Courier New" panose="02070309020205020404" pitchFamily="49" charset="0"/>
               </a:rPr>
-              <a:t> </a:t>
+              <a:t>()} {</a:t>
+            </a:r>
+            <a:r>
+              <a:rPr lang="en-US" sz="1100" dirty="0" err="1">
+                <a:latin typeface="Consolas" panose="020B0609020204030204" pitchFamily="49" charset="0"/>
+                <a:cs typeface="Courier New" panose="02070309020205020404" pitchFamily="49" charset="0"/>
+              </a:rPr>
+              <a:t>lastName.title</a:t>
+            </a:r>
+            <a:r>
+              <a:rPr lang="en-US" sz="1100" dirty="0">
+                <a:latin typeface="Consolas" panose="020B0609020204030204" pitchFamily="49" charset="0"/>
+                <a:cs typeface="Courier New" panose="02070309020205020404" pitchFamily="49" charset="0"/>
+              </a:rPr>
+              <a:t>()}'</a:t>
+            </a:r>
+          </a:p>
+          <a:p>
+            <a:pPr marL="76200" indent="0">
+              <a:buNone/>
+            </a:pPr>
+            <a:r>
+              <a:rPr lang="en-US" sz="1100" dirty="0">
+                <a:latin typeface="Consolas" panose="020B0609020204030204" pitchFamily="49" charset="0"/>
+                <a:cs typeface="Courier New" panose="02070309020205020404" pitchFamily="49" charset="0"/>
+              </a:rPr>
+              <a:t>print(</a:t>
+            </a:r>
+            <a:r>
+              <a:rPr lang="en-US" sz="1100" dirty="0" err="1">
+                <a:latin typeface="Consolas" panose="020B0609020204030204" pitchFamily="49" charset="0"/>
+                <a:cs typeface="Courier New" panose="02070309020205020404" pitchFamily="49" charset="0"/>
+              </a:rPr>
+              <a:t>fullName</a:t>
+            </a:r>
+            <a:r>
+              <a:rPr lang="en-US" sz="1100" dirty="0">
+                <a:latin typeface="Consolas" panose="020B0609020204030204" pitchFamily="49" charset="0"/>
+                <a:cs typeface="Courier New" panose="02070309020205020404" pitchFamily="49" charset="0"/>
+              </a:rPr>
+              <a:t>('</a:t>
+            </a:r>
+            <a:r>
+              <a:rPr lang="en-US" sz="1100" dirty="0" err="1">
+                <a:latin typeface="Consolas" panose="020B0609020204030204" pitchFamily="49" charset="0"/>
+                <a:cs typeface="Courier New" panose="02070309020205020404" pitchFamily="49" charset="0"/>
+              </a:rPr>
+              <a:t>alireza</a:t>
+            </a:r>
+            <a:r>
+              <a:rPr lang="en-US" sz="1100" dirty="0">
+                <a:latin typeface="Consolas" panose="020B0609020204030204" pitchFamily="49" charset="0"/>
+                <a:cs typeface="Courier New" panose="02070309020205020404" pitchFamily="49" charset="0"/>
+              </a:rPr>
+              <a:t>', '</a:t>
+            </a:r>
+            <a:r>
+              <a:rPr lang="en-US" sz="1100" dirty="0" err="1">
+                <a:latin typeface="Consolas" panose="020B0609020204030204" pitchFamily="49" charset="0"/>
+                <a:cs typeface="Courier New" panose="02070309020205020404" pitchFamily="49" charset="0"/>
+              </a:rPr>
+              <a:t>nezhadshamsi</a:t>
+            </a:r>
+            <a:r>
+              <a:rPr lang="en-US" sz="1100" dirty="0">
+                <a:latin typeface="Consolas" panose="020B0609020204030204" pitchFamily="49" charset="0"/>
+                <a:cs typeface="Courier New" panose="02070309020205020404" pitchFamily="49" charset="0"/>
+              </a:rPr>
+              <a:t>'))</a:t>
+            </a:r>
+          </a:p>
+          <a:p>
+            <a:pPr marL="76200" indent="0">
+              <a:buNone/>
+            </a:pPr>
+            <a:endParaRPr lang="en-US" sz="1100" dirty="0">
+              <a:latin typeface="Consolas" panose="020B0609020204030204" pitchFamily="49" charset="0"/>
+              <a:cs typeface="Courier New" panose="02070309020205020404" pitchFamily="49" charset="0"/>
+            </a:endParaRPr>
+          </a:p>
+          <a:p>
+            <a:pPr marL="76200" indent="0">
+              <a:buNone/>
+            </a:pPr>
+            <a:r>
+              <a:rPr lang="en-US" sz="1400" dirty="0"/>
+              <a:t>Recursion</a:t>
+            </a:r>
+          </a:p>
+          <a:p>
+            <a:pPr marL="76200" indent="0">
+              <a:buNone/>
+            </a:pPr>
+            <a:r>
+              <a:rPr lang="en-US" sz="1100" dirty="0">
+                <a:latin typeface="Consolas" panose="020B0609020204030204" pitchFamily="49" charset="0"/>
+                <a:cs typeface="Courier New" panose="02070309020205020404" pitchFamily="49" charset="0"/>
+              </a:rPr>
+              <a:t>def </a:t>
             </a:r>
             <a:r>
               <a:rPr lang="en-US" sz="1100" dirty="0">
@@ -23064,58 +23350,14 @@
                 <a:latin typeface="Consolas" panose="020B0609020204030204" pitchFamily="49" charset="0"/>
                 <a:cs typeface="Courier New" panose="02070309020205020404" pitchFamily="49" charset="0"/>
               </a:rPr>
-              <a:t>=</a:t>
+              <a:t>factorial(</a:t>
             </a:r>
             <a:r>
               <a:rPr lang="en-US" sz="1100" dirty="0">
                 <a:latin typeface="Consolas" panose="020B0609020204030204" pitchFamily="49" charset="0"/>
                 <a:cs typeface="Courier New" panose="02070309020205020404" pitchFamily="49" charset="0"/>
               </a:rPr>
-              <a:t> 'Alireza'))</a:t>
-            </a:r>
-          </a:p>
-          <a:p>
-            <a:pPr marL="76200" indent="0">
-              <a:buNone/>
-            </a:pPr>
-            <a:endParaRPr lang="en-US" sz="1100" dirty="0">
-              <a:latin typeface="Consolas" panose="020B0609020204030204" pitchFamily="49" charset="0"/>
-              <a:cs typeface="Courier New" panose="02070309020205020404" pitchFamily="49" charset="0"/>
-            </a:endParaRPr>
-          </a:p>
-          <a:p>
-            <a:pPr marL="76200" indent="0">
-              <a:buNone/>
-            </a:pPr>
-            <a:r>
-              <a:rPr lang="en-US" sz="1400" dirty="0"/>
-              <a:t>Default parameter value</a:t>
-            </a:r>
-          </a:p>
-          <a:p>
-            <a:pPr marL="76200" indent="0">
-              <a:buNone/>
-            </a:pPr>
-            <a:r>
-              <a:rPr lang="en-US" sz="1100" dirty="0">
-                <a:latin typeface="Consolas" panose="020B0609020204030204" pitchFamily="49" charset="0"/>
-                <a:cs typeface="Courier New" panose="02070309020205020404" pitchFamily="49" charset="0"/>
-              </a:rPr>
-              <a:t>def greeter(</a:t>
-            </a:r>
-            <a:r>
-              <a:rPr lang="en-US" sz="1100" dirty="0" err="1">
-                <a:latin typeface="Consolas" panose="020B0609020204030204" pitchFamily="49" charset="0"/>
-                <a:cs typeface="Courier New" panose="02070309020205020404" pitchFamily="49" charset="0"/>
-              </a:rPr>
-              <a:t>firstName</a:t>
-            </a:r>
-            <a:r>
-              <a:rPr lang="en-US" sz="1100" dirty="0">
-                <a:latin typeface="Consolas" panose="020B0609020204030204" pitchFamily="49" charset="0"/>
-                <a:cs typeface="Courier New" panose="02070309020205020404" pitchFamily="49" charset="0"/>
-              </a:rPr>
-              <a:t> </a:t>
+              <a:t>number</a:t>
             </a:r>
             <a:r>
               <a:rPr lang="en-US" sz="1100" dirty="0">
@@ -23125,28 +23367,19 @@
                 <a:latin typeface="Consolas" panose="020B0609020204030204" pitchFamily="49" charset="0"/>
                 <a:cs typeface="Courier New" panose="02070309020205020404" pitchFamily="49" charset="0"/>
               </a:rPr>
-              <a:t>=</a:t>
-            </a:r>
+              <a:t>):</a:t>
+            </a:r>
+          </a:p>
+          <a:p>
+            <a:pPr marL="76200" indent="0">
+              <a:buNone/>
+            </a:pPr>
             <a:r>
               <a:rPr lang="en-US" sz="1100" dirty="0">
                 <a:latin typeface="Consolas" panose="020B0609020204030204" pitchFamily="49" charset="0"/>
                 <a:cs typeface="Courier New" panose="02070309020205020404" pitchFamily="49" charset="0"/>
               </a:rPr>
-              <a:t> 'dear', </a:t>
-            </a:r>
-            <a:r>
-              <a:rPr lang="en-US" sz="1100" dirty="0" err="1">
-                <a:latin typeface="Consolas" panose="020B0609020204030204" pitchFamily="49" charset="0"/>
-                <a:cs typeface="Courier New" panose="02070309020205020404" pitchFamily="49" charset="0"/>
-              </a:rPr>
-              <a:t>lastName</a:t>
-            </a:r>
-            <a:r>
-              <a:rPr lang="en-US" sz="1100" dirty="0">
-                <a:latin typeface="Consolas" panose="020B0609020204030204" pitchFamily="49" charset="0"/>
-                <a:cs typeface="Courier New" panose="02070309020205020404" pitchFamily="49" charset="0"/>
-              </a:rPr>
-              <a:t> </a:t>
+              <a:t>    return number * </a:t>
             </a:r>
             <a:r>
               <a:rPr lang="en-US" sz="1100" dirty="0">
@@ -23156,20 +23389,15 @@
                 <a:latin typeface="Consolas" panose="020B0609020204030204" pitchFamily="49" charset="0"/>
                 <a:cs typeface="Courier New" panose="02070309020205020404" pitchFamily="49" charset="0"/>
               </a:rPr>
-              <a:t>=</a:t>
+              <a:t>factorial(</a:t>
             </a:r>
             <a:r>
               <a:rPr lang="en-US" sz="1100" dirty="0">
                 <a:latin typeface="Consolas" panose="020B0609020204030204" pitchFamily="49" charset="0"/>
                 <a:cs typeface="Courier New" panose="02070309020205020404" pitchFamily="49" charset="0"/>
               </a:rPr>
-              <a:t> 'user'):</a:t>
-            </a:r>
-          </a:p>
-          <a:p>
-            <a:pPr marL="76200" indent="0">
-              <a:buNone/>
-            </a:pPr>
+              <a:t>number - 1</a:t>
+            </a:r>
             <a:r>
               <a:rPr lang="en-US" sz="1100" dirty="0">
                 <a:solidFill>
@@ -23178,68 +23406,26 @@
                 <a:latin typeface="Consolas" panose="020B0609020204030204" pitchFamily="49" charset="0"/>
                 <a:cs typeface="Courier New" panose="02070309020205020404" pitchFamily="49" charset="0"/>
               </a:rPr>
-              <a:t>    </a:t>
+              <a:t>)</a:t>
             </a:r>
             <a:r>
               <a:rPr lang="en-US" sz="1100" dirty="0">
                 <a:latin typeface="Consolas" panose="020B0609020204030204" pitchFamily="49" charset="0"/>
                 <a:cs typeface="Courier New" panose="02070309020205020404" pitchFamily="49" charset="0"/>
               </a:rPr>
-              <a:t>return </a:t>
-            </a:r>
-            <a:r>
-              <a:rPr lang="en-US" sz="1100" dirty="0" err="1">
-                <a:latin typeface="Consolas" panose="020B0609020204030204" pitchFamily="49" charset="0"/>
-                <a:cs typeface="Courier New" panose="02070309020205020404" pitchFamily="49" charset="0"/>
-              </a:rPr>
-              <a:t>f'Hello</a:t>
-            </a:r>
+              <a:t> if number &gt; 1 else 1</a:t>
+            </a:r>
+          </a:p>
+          <a:p>
+            <a:pPr marL="76200" indent="0">
+              <a:buNone/>
+            </a:pPr>
             <a:r>
               <a:rPr lang="en-US" sz="1100" dirty="0">
                 <a:latin typeface="Consolas" panose="020B0609020204030204" pitchFamily="49" charset="0"/>
                 <a:cs typeface="Courier New" panose="02070309020205020404" pitchFamily="49" charset="0"/>
               </a:rPr>
-              <a:t> {</a:t>
-            </a:r>
-            <a:r>
-              <a:rPr lang="en-US" sz="1100" dirty="0" err="1">
-                <a:latin typeface="Consolas" panose="020B0609020204030204" pitchFamily="49" charset="0"/>
-                <a:cs typeface="Courier New" panose="02070309020205020404" pitchFamily="49" charset="0"/>
-              </a:rPr>
-              <a:t>firstName</a:t>
-            </a:r>
-            <a:r>
-              <a:rPr lang="en-US" sz="1100" dirty="0">
-                <a:latin typeface="Consolas" panose="020B0609020204030204" pitchFamily="49" charset="0"/>
-                <a:cs typeface="Courier New" panose="02070309020205020404" pitchFamily="49" charset="0"/>
-              </a:rPr>
-              <a:t>} {</a:t>
-            </a:r>
-            <a:r>
-              <a:rPr lang="en-US" sz="1100" dirty="0" err="1">
-                <a:latin typeface="Consolas" panose="020B0609020204030204" pitchFamily="49" charset="0"/>
-                <a:cs typeface="Courier New" panose="02070309020205020404" pitchFamily="49" charset="0"/>
-              </a:rPr>
-              <a:t>lastName</a:t>
-            </a:r>
-            <a:r>
-              <a:rPr lang="en-US" sz="1100" dirty="0">
-                <a:latin typeface="Consolas" panose="020B0609020204030204" pitchFamily="49" charset="0"/>
-                <a:cs typeface="Courier New" panose="02070309020205020404" pitchFamily="49" charset="0"/>
-              </a:rPr>
-              <a:t>}!'</a:t>
-            </a:r>
-          </a:p>
-          <a:p>
-            <a:pPr marL="76200" indent="0">
-              <a:buNone/>
-            </a:pPr>
-            <a:r>
-              <a:rPr lang="en-US" sz="1100" dirty="0">
-                <a:latin typeface="Consolas" panose="020B0609020204030204" pitchFamily="49" charset="0"/>
-                <a:cs typeface="Courier New" panose="02070309020205020404" pitchFamily="49" charset="0"/>
-              </a:rPr>
-              <a:t>print(greeter())</a:t>
+              <a:t>print(factorial(4))</a:t>
             </a:r>
           </a:p>
         </p:txBody>
@@ -23285,7 +23471,7 @@
     </p:spTree>
     <p:extLst>
       <p:ext uri="{BB962C8B-B14F-4D97-AF65-F5344CB8AC3E}">
-        <p14:creationId xmlns:p14="http://schemas.microsoft.com/office/powerpoint/2010/main" val="2571995706"/>
+        <p14:creationId xmlns:p14="http://schemas.microsoft.com/office/powerpoint/2010/main" val="812232462"/>
       </p:ext>
     </p:extLst>
   </p:cSld>
@@ -23335,7 +23521,7 @@
           <a:p>
             <a:r>
               <a:rPr lang="en-US"/>
-              <a:t>Functions</a:t>
+              <a:t>Lambda</a:t>
             </a:r>
             <a:endParaRPr lang="fa-IR"/>
           </a:p>
@@ -23371,308 +23557,125 @@
               <a:buNone/>
             </a:pPr>
             <a:r>
-              <a:rPr lang="en-US" sz="1400" dirty="0"/>
-              <a:t>Type Annotations</a:t>
-            </a:r>
-          </a:p>
-          <a:p>
-            <a:pPr marL="76200" indent="0">
-              <a:buNone/>
-            </a:pPr>
-            <a:r>
-              <a:rPr lang="en-US" sz="1100" dirty="0">
-                <a:latin typeface="Consolas" panose="020B0609020204030204" pitchFamily="49" charset="0"/>
-                <a:cs typeface="Courier New" panose="02070309020205020404" pitchFamily="49" charset="0"/>
-              </a:rPr>
-              <a:t>def </a:t>
-            </a:r>
-            <a:r>
-              <a:rPr lang="en-US" sz="1100" dirty="0" err="1">
-                <a:latin typeface="Consolas" panose="020B0609020204030204" pitchFamily="49" charset="0"/>
-                <a:cs typeface="Courier New" panose="02070309020205020404" pitchFamily="49" charset="0"/>
-              </a:rPr>
-              <a:t>fullName</a:t>
-            </a:r>
-            <a:r>
-              <a:rPr lang="en-US" sz="1100" dirty="0">
-                <a:latin typeface="Consolas" panose="020B0609020204030204" pitchFamily="49" charset="0"/>
-                <a:cs typeface="Courier New" panose="02070309020205020404" pitchFamily="49" charset="0"/>
-              </a:rPr>
-              <a:t>(</a:t>
-            </a:r>
-            <a:r>
-              <a:rPr lang="en-US" sz="1100" dirty="0" err="1">
-                <a:latin typeface="Consolas" panose="020B0609020204030204" pitchFamily="49" charset="0"/>
-                <a:cs typeface="Courier New" panose="02070309020205020404" pitchFamily="49" charset="0"/>
-              </a:rPr>
-              <a:t>firstName</a:t>
-            </a:r>
-            <a:r>
-              <a:rPr lang="en-US" sz="1100" dirty="0">
+              <a:rPr lang="en-US" sz="1400"/>
+              <a:t>Small anonymous functions</a:t>
+            </a:r>
+          </a:p>
+          <a:p>
+            <a:pPr marL="76200" indent="0">
+              <a:buNone/>
+            </a:pPr>
+            <a:r>
+              <a:rPr lang="en-US" sz="1100">
+                <a:latin typeface="Consolas" panose="020B0609020204030204" pitchFamily="49" charset="0"/>
+                <a:cs typeface="Courier New" panose="02070309020205020404" pitchFamily="49" charset="0"/>
+              </a:rPr>
+              <a:t>greeter = </a:t>
+            </a:r>
+            <a:r>
+              <a:rPr lang="en-US" sz="1100">
                 <a:solidFill>
                   <a:schemeClr val="accent1"/>
                 </a:solidFill>
                 <a:latin typeface="Consolas" panose="020B0609020204030204" pitchFamily="49" charset="0"/>
                 <a:cs typeface="Courier New" panose="02070309020205020404" pitchFamily="49" charset="0"/>
               </a:rPr>
-              <a:t>: str</a:t>
-            </a:r>
-            <a:r>
-              <a:rPr lang="en-US" sz="1100" dirty="0">
-                <a:latin typeface="Consolas" panose="020B0609020204030204" pitchFamily="49" charset="0"/>
-                <a:cs typeface="Courier New" panose="02070309020205020404" pitchFamily="49" charset="0"/>
-              </a:rPr>
-              <a:t>, </a:t>
-            </a:r>
-            <a:r>
-              <a:rPr lang="en-US" sz="1100" dirty="0" err="1">
-                <a:latin typeface="Consolas" panose="020B0609020204030204" pitchFamily="49" charset="0"/>
-                <a:cs typeface="Courier New" panose="02070309020205020404" pitchFamily="49" charset="0"/>
-              </a:rPr>
-              <a:t>lastName</a:t>
-            </a:r>
-            <a:r>
-              <a:rPr lang="en-US" sz="1100" dirty="0">
+              <a:t>lambda:</a:t>
+            </a:r>
+            <a:r>
+              <a:rPr lang="en-US" sz="1100">
+                <a:latin typeface="Consolas" panose="020B0609020204030204" pitchFamily="49" charset="0"/>
+                <a:cs typeface="Courier New" panose="02070309020205020404" pitchFamily="49" charset="0"/>
+              </a:rPr>
+              <a:t> print('Hello')</a:t>
+            </a:r>
+          </a:p>
+          <a:p>
+            <a:pPr marL="76200" indent="0">
+              <a:buNone/>
+            </a:pPr>
+            <a:r>
+              <a:rPr lang="en-US" sz="1100">
+                <a:latin typeface="Consolas" panose="020B0609020204030204" pitchFamily="49" charset="0"/>
+                <a:cs typeface="Courier New" panose="02070309020205020404" pitchFamily="49" charset="0"/>
+              </a:rPr>
+              <a:t>print(greeter())</a:t>
+            </a:r>
+          </a:p>
+          <a:p>
+            <a:pPr marL="76200" indent="0">
+              <a:buNone/>
+            </a:pPr>
+            <a:endParaRPr lang="en-US" sz="1100">
+              <a:latin typeface="Consolas" panose="020B0609020204030204" pitchFamily="49" charset="0"/>
+              <a:cs typeface="Courier New" panose="02070309020205020404" pitchFamily="49" charset="0"/>
+            </a:endParaRPr>
+          </a:p>
+          <a:p>
+            <a:pPr marL="76200" indent="0">
+              <a:buNone/>
+            </a:pPr>
+            <a:r>
+              <a:rPr lang="en-US" sz="1400"/>
+              <a:t>Arguments </a:t>
+            </a:r>
+          </a:p>
+          <a:p>
+            <a:pPr marL="76200" indent="0">
+              <a:buNone/>
+            </a:pPr>
+            <a:r>
+              <a:rPr lang="en-US" sz="1100">
+                <a:latin typeface="Consolas" panose="020B0609020204030204" pitchFamily="49" charset="0"/>
+                <a:cs typeface="Courier New" panose="02070309020205020404" pitchFamily="49" charset="0"/>
+              </a:rPr>
+              <a:t>greeter = (lambda name </a:t>
+            </a:r>
+            <a:r>
+              <a:rPr lang="en-US" sz="1100">
                 <a:solidFill>
                   <a:schemeClr val="accent1"/>
                 </a:solidFill>
                 <a:latin typeface="Consolas" panose="020B0609020204030204" pitchFamily="49" charset="0"/>
                 <a:cs typeface="Courier New" panose="02070309020205020404" pitchFamily="49" charset="0"/>
               </a:rPr>
-              <a:t>: str</a:t>
-            </a:r>
-            <a:r>
-              <a:rPr lang="en-US" sz="1100" dirty="0">
-                <a:latin typeface="Consolas" panose="020B0609020204030204" pitchFamily="49" charset="0"/>
-                <a:cs typeface="Courier New" panose="02070309020205020404" pitchFamily="49" charset="0"/>
-              </a:rPr>
-              <a:t>) </a:t>
-            </a:r>
-            <a:r>
-              <a:rPr lang="en-US" sz="1100" dirty="0">
+              <a:t>=</a:t>
+            </a:r>
+            <a:r>
+              <a:rPr lang="en-US" sz="1100">
+                <a:latin typeface="Consolas" panose="020B0609020204030204" pitchFamily="49" charset="0"/>
+                <a:cs typeface="Courier New" panose="02070309020205020404" pitchFamily="49" charset="0"/>
+              </a:rPr>
+              <a:t> 'dear user': f'Hello {name}!')</a:t>
+            </a:r>
+          </a:p>
+          <a:p>
+            <a:pPr marL="76200" indent="0">
+              <a:buNone/>
+            </a:pPr>
+            <a:r>
+              <a:rPr lang="en-US" sz="1100">
+                <a:latin typeface="Consolas" panose="020B0609020204030204" pitchFamily="49" charset="0"/>
+                <a:cs typeface="Courier New" panose="02070309020205020404" pitchFamily="49" charset="0"/>
+              </a:rPr>
+              <a:t>print(greeter(name </a:t>
+            </a:r>
+            <a:r>
+              <a:rPr lang="en-US" sz="1100">
                 <a:solidFill>
                   <a:schemeClr val="accent1"/>
                 </a:solidFill>
                 <a:latin typeface="Consolas" panose="020B0609020204030204" pitchFamily="49" charset="0"/>
                 <a:cs typeface="Courier New" panose="02070309020205020404" pitchFamily="49" charset="0"/>
               </a:rPr>
-              <a:t>-&gt; str</a:t>
-            </a:r>
-            <a:r>
-              <a:rPr lang="en-US" sz="1100" dirty="0">
-                <a:latin typeface="Consolas" panose="020B0609020204030204" pitchFamily="49" charset="0"/>
-                <a:cs typeface="Courier New" panose="02070309020205020404" pitchFamily="49" charset="0"/>
-              </a:rPr>
-              <a:t>:</a:t>
-            </a:r>
-          </a:p>
-          <a:p>
-            <a:pPr marL="76200" indent="0">
-              <a:buNone/>
-            </a:pPr>
-            <a:r>
-              <a:rPr lang="en-US" sz="1100" dirty="0">
-                <a:latin typeface="Consolas" panose="020B0609020204030204" pitchFamily="49" charset="0"/>
-                <a:cs typeface="Courier New" panose="02070309020205020404" pitchFamily="49" charset="0"/>
-              </a:rPr>
-              <a:t>    return f'{</a:t>
-            </a:r>
-            <a:r>
-              <a:rPr lang="en-US" sz="1100" dirty="0" err="1">
-                <a:latin typeface="Consolas" panose="020B0609020204030204" pitchFamily="49" charset="0"/>
-                <a:cs typeface="Courier New" panose="02070309020205020404" pitchFamily="49" charset="0"/>
-              </a:rPr>
-              <a:t>firstName.title</a:t>
-            </a:r>
-            <a:r>
-              <a:rPr lang="en-US" sz="1100" dirty="0">
-                <a:latin typeface="Consolas" panose="020B0609020204030204" pitchFamily="49" charset="0"/>
-                <a:cs typeface="Courier New" panose="02070309020205020404" pitchFamily="49" charset="0"/>
-              </a:rPr>
-              <a:t>()} {</a:t>
-            </a:r>
-            <a:r>
-              <a:rPr lang="en-US" sz="1100" dirty="0" err="1">
-                <a:latin typeface="Consolas" panose="020B0609020204030204" pitchFamily="49" charset="0"/>
-                <a:cs typeface="Courier New" panose="02070309020205020404" pitchFamily="49" charset="0"/>
-              </a:rPr>
-              <a:t>lastName.title</a:t>
-            </a:r>
-            <a:r>
-              <a:rPr lang="en-US" sz="1100" dirty="0">
-                <a:latin typeface="Consolas" panose="020B0609020204030204" pitchFamily="49" charset="0"/>
-                <a:cs typeface="Courier New" panose="02070309020205020404" pitchFamily="49" charset="0"/>
-              </a:rPr>
-              <a:t>()}'</a:t>
-            </a:r>
-          </a:p>
-          <a:p>
-            <a:pPr marL="76200" indent="0">
-              <a:buNone/>
-            </a:pPr>
-            <a:r>
-              <a:rPr lang="en-US" sz="1100" dirty="0">
-                <a:latin typeface="Consolas" panose="020B0609020204030204" pitchFamily="49" charset="0"/>
-                <a:cs typeface="Courier New" panose="02070309020205020404" pitchFamily="49" charset="0"/>
-              </a:rPr>
-              <a:t>print(</a:t>
-            </a:r>
-            <a:r>
-              <a:rPr lang="en-US" sz="1100" dirty="0" err="1">
-                <a:latin typeface="Consolas" panose="020B0609020204030204" pitchFamily="49" charset="0"/>
-                <a:cs typeface="Courier New" panose="02070309020205020404" pitchFamily="49" charset="0"/>
-              </a:rPr>
-              <a:t>fullName</a:t>
-            </a:r>
-            <a:r>
-              <a:rPr lang="en-US" sz="1100" dirty="0">
-                <a:latin typeface="Consolas" panose="020B0609020204030204" pitchFamily="49" charset="0"/>
-                <a:cs typeface="Courier New" panose="02070309020205020404" pitchFamily="49" charset="0"/>
-              </a:rPr>
-              <a:t>('</a:t>
-            </a:r>
-            <a:r>
-              <a:rPr lang="en-US" sz="1100" dirty="0" err="1">
-                <a:latin typeface="Consolas" panose="020B0609020204030204" pitchFamily="49" charset="0"/>
-                <a:cs typeface="Courier New" panose="02070309020205020404" pitchFamily="49" charset="0"/>
-              </a:rPr>
-              <a:t>alireza</a:t>
-            </a:r>
-            <a:r>
-              <a:rPr lang="en-US" sz="1100" dirty="0">
-                <a:latin typeface="Consolas" panose="020B0609020204030204" pitchFamily="49" charset="0"/>
-                <a:cs typeface="Courier New" panose="02070309020205020404" pitchFamily="49" charset="0"/>
-              </a:rPr>
-              <a:t>', '</a:t>
-            </a:r>
-            <a:r>
-              <a:rPr lang="en-US" sz="1100" dirty="0" err="1">
-                <a:latin typeface="Consolas" panose="020B0609020204030204" pitchFamily="49" charset="0"/>
-                <a:cs typeface="Courier New" panose="02070309020205020404" pitchFamily="49" charset="0"/>
-              </a:rPr>
-              <a:t>nezhadshamsi</a:t>
-            </a:r>
-            <a:r>
-              <a:rPr lang="en-US" sz="1100" dirty="0">
-                <a:latin typeface="Consolas" panose="020B0609020204030204" pitchFamily="49" charset="0"/>
-                <a:cs typeface="Courier New" panose="02070309020205020404" pitchFamily="49" charset="0"/>
-              </a:rPr>
-              <a:t>'))</a:t>
-            </a:r>
-          </a:p>
-          <a:p>
-            <a:pPr marL="76200" indent="0">
-              <a:buNone/>
-            </a:pPr>
-            <a:endParaRPr lang="en-US" sz="1100" dirty="0">
-              <a:latin typeface="Consolas" panose="020B0609020204030204" pitchFamily="49" charset="0"/>
-              <a:cs typeface="Courier New" panose="02070309020205020404" pitchFamily="49" charset="0"/>
-            </a:endParaRPr>
-          </a:p>
-          <a:p>
-            <a:pPr marL="76200" indent="0">
-              <a:buNone/>
-            </a:pPr>
-            <a:r>
-              <a:rPr lang="en-US" sz="1400" dirty="0"/>
-              <a:t>Recursion</a:t>
-            </a:r>
-          </a:p>
-          <a:p>
-            <a:pPr marL="76200" indent="0">
-              <a:buNone/>
-            </a:pPr>
-            <a:r>
-              <a:rPr lang="en-US" sz="1100" dirty="0">
-                <a:latin typeface="Consolas" panose="020B0609020204030204" pitchFamily="49" charset="0"/>
-                <a:cs typeface="Courier New" panose="02070309020205020404" pitchFamily="49" charset="0"/>
-              </a:rPr>
-              <a:t>def </a:t>
-            </a:r>
-            <a:r>
-              <a:rPr lang="en-US" sz="1100" dirty="0">
-                <a:solidFill>
-                  <a:schemeClr val="accent1"/>
-                </a:solidFill>
-                <a:latin typeface="Consolas" panose="020B0609020204030204" pitchFamily="49" charset="0"/>
-                <a:cs typeface="Courier New" panose="02070309020205020404" pitchFamily="49" charset="0"/>
-              </a:rPr>
-              <a:t>factorial(</a:t>
-            </a:r>
-            <a:r>
-              <a:rPr lang="en-US" sz="1100" dirty="0">
-                <a:latin typeface="Consolas" panose="020B0609020204030204" pitchFamily="49" charset="0"/>
-                <a:cs typeface="Courier New" panose="02070309020205020404" pitchFamily="49" charset="0"/>
-              </a:rPr>
-              <a:t>number</a:t>
-            </a:r>
-            <a:r>
-              <a:rPr lang="en-US" sz="1100" dirty="0">
-                <a:solidFill>
-                  <a:schemeClr val="accent1"/>
-                </a:solidFill>
-                <a:latin typeface="Consolas" panose="020B0609020204030204" pitchFamily="49" charset="0"/>
-                <a:cs typeface="Courier New" panose="02070309020205020404" pitchFamily="49" charset="0"/>
-              </a:rPr>
-              <a:t>):</a:t>
-            </a:r>
-          </a:p>
-          <a:p>
-            <a:pPr marL="76200" indent="0">
-              <a:buNone/>
-            </a:pPr>
-            <a:r>
-              <a:rPr lang="en-US" sz="1100" dirty="0">
-                <a:latin typeface="Consolas" panose="020B0609020204030204" pitchFamily="49" charset="0"/>
-                <a:cs typeface="Courier New" panose="02070309020205020404" pitchFamily="49" charset="0"/>
-              </a:rPr>
-              <a:t>    return number * </a:t>
-            </a:r>
-            <a:r>
-              <a:rPr lang="en-US" sz="1100" dirty="0">
-                <a:solidFill>
-                  <a:schemeClr val="accent1"/>
-                </a:solidFill>
-                <a:latin typeface="Consolas" panose="020B0609020204030204" pitchFamily="49" charset="0"/>
-                <a:cs typeface="Courier New" panose="02070309020205020404" pitchFamily="49" charset="0"/>
-              </a:rPr>
-              <a:t>factorial(</a:t>
-            </a:r>
-            <a:r>
-              <a:rPr lang="en-US" sz="1100" dirty="0">
-                <a:latin typeface="Consolas" panose="020B0609020204030204" pitchFamily="49" charset="0"/>
-                <a:cs typeface="Courier New" panose="02070309020205020404" pitchFamily="49" charset="0"/>
-              </a:rPr>
-              <a:t>number - 1</a:t>
-            </a:r>
-            <a:r>
-              <a:rPr lang="en-US" sz="1100" dirty="0">
-                <a:solidFill>
-                  <a:schemeClr val="accent1"/>
-                </a:solidFill>
-                <a:latin typeface="Consolas" panose="020B0609020204030204" pitchFamily="49" charset="0"/>
-                <a:cs typeface="Courier New" panose="02070309020205020404" pitchFamily="49" charset="0"/>
-              </a:rPr>
-              <a:t>)</a:t>
-            </a:r>
-            <a:r>
-              <a:rPr lang="en-US" sz="1100" dirty="0">
-                <a:latin typeface="Consolas" panose="020B0609020204030204" pitchFamily="49" charset="0"/>
-                <a:cs typeface="Courier New" panose="02070309020205020404" pitchFamily="49" charset="0"/>
-              </a:rPr>
-              <a:t> if number &gt; 1 else 1</a:t>
-            </a:r>
-          </a:p>
-          <a:p>
-            <a:pPr marL="76200" indent="0">
-              <a:buNone/>
-            </a:pPr>
-            <a:r>
-              <a:rPr lang="en-US" sz="1100" dirty="0">
-                <a:latin typeface="Consolas" panose="020B0609020204030204" pitchFamily="49" charset="0"/>
-                <a:cs typeface="Courier New" panose="02070309020205020404" pitchFamily="49" charset="0"/>
-              </a:rPr>
-              <a:t>print(factorial(4))</a:t>
+              <a:t>=</a:t>
+            </a:r>
+            <a:r>
+              <a:rPr lang="en-US" sz="1100">
+                <a:latin typeface="Consolas" panose="020B0609020204030204" pitchFamily="49" charset="0"/>
+                <a:cs typeface="Courier New" panose="02070309020205020404" pitchFamily="49" charset="0"/>
+              </a:rPr>
+              <a:t> 'Alireza'))</a:t>
             </a:r>
           </a:p>
         </p:txBody>
@@ -23718,7 +23721,7 @@
     </p:spTree>
     <p:extLst>
       <p:ext uri="{BB962C8B-B14F-4D97-AF65-F5344CB8AC3E}">
-        <p14:creationId xmlns:p14="http://schemas.microsoft.com/office/powerpoint/2010/main" val="812232462"/>
+        <p14:creationId xmlns:p14="http://schemas.microsoft.com/office/powerpoint/2010/main" val="801939220"/>
       </p:ext>
     </p:extLst>
   </p:cSld>
@@ -23805,20 +23808,13 @@
             </a:pPr>
             <a:r>
               <a:rPr lang="en-US" sz="1400"/>
-              <a:t>Small anonymous functions</a:t>
-            </a:r>
-          </a:p>
-          <a:p>
-            <a:pPr marL="76200" indent="0">
-              <a:buNone/>
-            </a:pPr>
-            <a:r>
-              <a:rPr lang="en-US" sz="1100">
-                <a:latin typeface="Consolas" panose="020B0609020204030204" pitchFamily="49" charset="0"/>
-                <a:cs typeface="Courier New" panose="02070309020205020404" pitchFamily="49" charset="0"/>
-              </a:rPr>
-              <a:t>greeter = </a:t>
-            </a:r>
+              <a:t>Single Expression</a:t>
+            </a:r>
+          </a:p>
+          <a:p>
+            <a:pPr marL="76200" indent="0">
+              <a:buNone/>
+            </a:pPr>
             <a:r>
               <a:rPr lang="en-US" sz="1100">
                 <a:solidFill>
@@ -23827,56 +23823,14 @@
                 <a:latin typeface="Consolas" panose="020B0609020204030204" pitchFamily="49" charset="0"/>
                 <a:cs typeface="Courier New" panose="02070309020205020404" pitchFamily="49" charset="0"/>
               </a:rPr>
-              <a:t>lambda:</a:t>
-            </a:r>
-            <a:r>
-              <a:rPr lang="en-US" sz="1100">
-                <a:latin typeface="Consolas" panose="020B0609020204030204" pitchFamily="49" charset="0"/>
-                <a:cs typeface="Courier New" panose="02070309020205020404" pitchFamily="49" charset="0"/>
-              </a:rPr>
-              <a:t> print('Hello')</a:t>
-            </a:r>
-          </a:p>
-          <a:p>
-            <a:pPr marL="76200" indent="0">
-              <a:buNone/>
-            </a:pPr>
-            <a:r>
-              <a:rPr lang="en-US" sz="1100">
-                <a:latin typeface="Consolas" panose="020B0609020204030204" pitchFamily="49" charset="0"/>
-                <a:cs typeface="Courier New" panose="02070309020205020404" pitchFamily="49" charset="0"/>
-              </a:rPr>
-              <a:t>print(greeter())</a:t>
-            </a:r>
-          </a:p>
-          <a:p>
-            <a:pPr marL="76200" indent="0">
-              <a:buNone/>
-            </a:pPr>
-            <a:endParaRPr lang="en-US" sz="1100">
-              <a:latin typeface="Consolas" panose="020B0609020204030204" pitchFamily="49" charset="0"/>
-              <a:cs typeface="Courier New" panose="02070309020205020404" pitchFamily="49" charset="0"/>
-            </a:endParaRPr>
-          </a:p>
-          <a:p>
-            <a:pPr marL="76200" indent="0">
-              <a:buNone/>
-            </a:pPr>
-            <a:r>
-              <a:rPr lang="en-US" sz="1400"/>
-              <a:t>Arguments </a:t>
-            </a:r>
-          </a:p>
-          <a:p>
-            <a:pPr marL="76200" indent="0">
-              <a:buNone/>
-            </a:pPr>
-            <a:r>
-              <a:rPr lang="en-US" sz="1100">
-                <a:latin typeface="Consolas" panose="020B0609020204030204" pitchFamily="49" charset="0"/>
-                <a:cs typeface="Courier New" panose="02070309020205020404" pitchFamily="49" charset="0"/>
-              </a:rPr>
-              <a:t>greeter = (lambda name </a:t>
+              <a:t>(</a:t>
+            </a:r>
+            <a:r>
+              <a:rPr lang="en-US" sz="1100">
+                <a:latin typeface="Consolas" panose="020B0609020204030204" pitchFamily="49" charset="0"/>
+                <a:cs typeface="Courier New" panose="02070309020205020404" pitchFamily="49" charset="0"/>
+              </a:rPr>
+              <a:t>lambda x: (x % 2 and 'odd' or 'even')</a:t>
             </a:r>
             <a:r>
               <a:rPr lang="en-US" sz="1100">
@@ -23886,26 +23840,43 @@
                 <a:latin typeface="Consolas" panose="020B0609020204030204" pitchFamily="49" charset="0"/>
                 <a:cs typeface="Courier New" panose="02070309020205020404" pitchFamily="49" charset="0"/>
               </a:rPr>
-              <a:t>=</a:t>
-            </a:r>
-            <a:r>
-              <a:rPr lang="en-US" sz="1100">
-                <a:latin typeface="Consolas" panose="020B0609020204030204" pitchFamily="49" charset="0"/>
-                <a:cs typeface="Courier New" panose="02070309020205020404" pitchFamily="49" charset="0"/>
-              </a:rPr>
-              <a:t> 'dear user': f'Hello {name}!')</a:t>
-            </a:r>
-          </a:p>
-          <a:p>
-            <a:pPr marL="76200" indent="0">
-              <a:buNone/>
-            </a:pPr>
-            <a:r>
-              <a:rPr lang="en-US" sz="1100">
-                <a:latin typeface="Consolas" panose="020B0609020204030204" pitchFamily="49" charset="0"/>
-                <a:cs typeface="Courier New" panose="02070309020205020404" pitchFamily="49" charset="0"/>
-              </a:rPr>
-              <a:t>print(greeter(name </a:t>
+              <a:t>)</a:t>
+            </a:r>
+            <a:r>
+              <a:rPr lang="en-US" sz="1100">
+                <a:latin typeface="Consolas" panose="020B0609020204030204" pitchFamily="49" charset="0"/>
+                <a:cs typeface="Courier New" panose="02070309020205020404" pitchFamily="49" charset="0"/>
+              </a:rPr>
+              <a:t>(7)</a:t>
+            </a:r>
+          </a:p>
+          <a:p>
+            <a:pPr marL="76200" indent="0">
+              <a:buNone/>
+            </a:pPr>
+            <a:endParaRPr lang="en-US" sz="1100">
+              <a:latin typeface="Consolas" panose="020B0609020204030204" pitchFamily="49" charset="0"/>
+            </a:endParaRPr>
+          </a:p>
+          <a:p>
+            <a:pPr marL="76200" indent="0">
+              <a:buNone/>
+            </a:pPr>
+            <a:r>
+              <a:rPr lang="en-US" sz="1400"/>
+              <a:t>Nested lambda</a:t>
+            </a:r>
+          </a:p>
+          <a:p>
+            <a:pPr marL="76200" indent="0">
+              <a:buNone/>
+            </a:pPr>
+            <a:r>
+              <a:rPr lang="en-US" sz="1100">
+                <a:latin typeface="Consolas" panose="020B0609020204030204" pitchFamily="49" charset="0"/>
+                <a:cs typeface="Courier New" panose="02070309020205020404" pitchFamily="49" charset="0"/>
+              </a:rPr>
+              <a:t>funcPlus = </a:t>
             </a:r>
             <a:r>
               <a:rPr lang="en-US" sz="1100">
@@ -23915,14 +23886,77 @@
                 <a:latin typeface="Consolas" panose="020B0609020204030204" pitchFamily="49" charset="0"/>
                 <a:cs typeface="Courier New" panose="02070309020205020404" pitchFamily="49" charset="0"/>
               </a:rPr>
-              <a:t>=</a:t>
-            </a:r>
-            <a:r>
-              <a:rPr lang="en-US" sz="1100">
-                <a:latin typeface="Consolas" panose="020B0609020204030204" pitchFamily="49" charset="0"/>
-                <a:cs typeface="Courier New" panose="02070309020205020404" pitchFamily="49" charset="0"/>
-              </a:rPr>
-              <a:t> 'Alireza'))</a:t>
+              <a:t>lambda</a:t>
+            </a:r>
+            <a:r>
+              <a:rPr lang="en-US" sz="1100">
+                <a:latin typeface="Consolas" panose="020B0609020204030204" pitchFamily="49" charset="0"/>
+                <a:cs typeface="Courier New" panose="02070309020205020404" pitchFamily="49" charset="0"/>
+              </a:rPr>
+              <a:t> x, func</a:t>
+            </a:r>
+            <a:r>
+              <a:rPr lang="en-US" sz="1100">
+                <a:solidFill>
+                  <a:schemeClr val="accent1"/>
+                </a:solidFill>
+                <a:latin typeface="Consolas" panose="020B0609020204030204" pitchFamily="49" charset="0"/>
+                <a:cs typeface="Courier New" panose="02070309020205020404" pitchFamily="49" charset="0"/>
+              </a:rPr>
+              <a:t>:</a:t>
+            </a:r>
+            <a:r>
+              <a:rPr lang="en-US" sz="1100">
+                <a:latin typeface="Consolas" panose="020B0609020204030204" pitchFamily="49" charset="0"/>
+                <a:cs typeface="Courier New" panose="02070309020205020404" pitchFamily="49" charset="0"/>
+              </a:rPr>
+              <a:t> x + func(x)</a:t>
+            </a:r>
+          </a:p>
+          <a:p>
+            <a:pPr marL="76200" indent="0">
+              <a:buNone/>
+            </a:pPr>
+            <a:r>
+              <a:rPr lang="en-US" sz="1100">
+                <a:latin typeface="Consolas" panose="020B0609020204030204" pitchFamily="49" charset="0"/>
+                <a:cs typeface="Courier New" panose="02070309020205020404" pitchFamily="49" charset="0"/>
+              </a:rPr>
+              <a:t>print(funcPlus(5, </a:t>
+            </a:r>
+            <a:r>
+              <a:rPr lang="en-US" sz="1100">
+                <a:solidFill>
+                  <a:schemeClr val="accent1"/>
+                </a:solidFill>
+                <a:latin typeface="Consolas" panose="020B0609020204030204" pitchFamily="49" charset="0"/>
+                <a:cs typeface="Courier New" panose="02070309020205020404" pitchFamily="49" charset="0"/>
+              </a:rPr>
+              <a:t>lambda</a:t>
+            </a:r>
+            <a:r>
+              <a:rPr lang="en-US" sz="1100">
+                <a:latin typeface="Consolas" panose="020B0609020204030204" pitchFamily="49" charset="0"/>
+                <a:cs typeface="Courier New" panose="02070309020205020404" pitchFamily="49" charset="0"/>
+              </a:rPr>
+              <a:t> x</a:t>
+            </a:r>
+            <a:r>
+              <a:rPr lang="en-US" sz="1100">
+                <a:solidFill>
+                  <a:schemeClr val="accent1"/>
+                </a:solidFill>
+                <a:latin typeface="Consolas" panose="020B0609020204030204" pitchFamily="49" charset="0"/>
+                <a:cs typeface="Courier New" panose="02070309020205020404" pitchFamily="49" charset="0"/>
+              </a:rPr>
+              <a:t>:</a:t>
+            </a:r>
+            <a:r>
+              <a:rPr lang="en-US" sz="1100">
+                <a:latin typeface="Consolas" panose="020B0609020204030204" pitchFamily="49" charset="0"/>
+                <a:cs typeface="Courier New" panose="02070309020205020404" pitchFamily="49" charset="0"/>
+              </a:rPr>
+              <a:t> x * x))</a:t>
             </a:r>
           </a:p>
         </p:txBody>
@@ -23968,7 +24002,7 @@
     </p:spTree>
     <p:extLst>
       <p:ext uri="{BB962C8B-B14F-4D97-AF65-F5344CB8AC3E}">
-        <p14:creationId xmlns:p14="http://schemas.microsoft.com/office/powerpoint/2010/main" val="801939220"/>
+        <p14:creationId xmlns:p14="http://schemas.microsoft.com/office/powerpoint/2010/main" val="774862470"/>
       </p:ext>
     </p:extLst>
   </p:cSld>
@@ -23979,287 +24013,6 @@
 </file>
 
 <file path=ppt/slides/slide33.xml><?xml version="1.0" encoding="utf-8"?>
-<p:sld xmlns:a="http://schemas.openxmlformats.org/drawingml/2006/main" xmlns:r="http://schemas.openxmlformats.org/officeDocument/2006/relationships" xmlns:p="http://schemas.openxmlformats.org/presentationml/2006/main">
-  <p:cSld>
-    <p:spTree>
-      <p:nvGrpSpPr>
-        <p:cNvPr id="1" name=""/>
-        <p:cNvGrpSpPr/>
-        <p:nvPr/>
-      </p:nvGrpSpPr>
-      <p:grpSpPr>
-        <a:xfrm>
-          <a:off x="0" y="0"/>
-          <a:ext cx="0" cy="0"/>
-          <a:chOff x="0" y="0"/>
-          <a:chExt cx="0" cy="0"/>
-        </a:xfrm>
-      </p:grpSpPr>
-      <p:sp>
-        <p:nvSpPr>
-          <p:cNvPr id="2" name="Title 1">
-            <a:extLst>
-              <a:ext uri="{FF2B5EF4-FFF2-40B4-BE49-F238E27FC236}">
-                <a16:creationId xmlns:a16="http://schemas.microsoft.com/office/drawing/2014/main" id="{024AD384-5AD1-4435-A943-1241B2FACD62}"/>
-              </a:ext>
-            </a:extLst>
-          </p:cNvPr>
-          <p:cNvSpPr>
-            <a:spLocks noGrp="1"/>
-          </p:cNvSpPr>
-          <p:nvPr>
-            <p:ph type="title"/>
-          </p:nvPr>
-        </p:nvSpPr>
-        <p:spPr/>
-        <p:txBody>
-          <a:bodyPr/>
-          <a:lstStyle/>
-          <a:p>
-            <a:r>
-              <a:rPr lang="en-US"/>
-              <a:t>Lambda</a:t>
-            </a:r>
-            <a:endParaRPr lang="fa-IR"/>
-          </a:p>
-        </p:txBody>
-      </p:sp>
-      <p:sp>
-        <p:nvSpPr>
-          <p:cNvPr id="3" name="Text Placeholder 2">
-            <a:extLst>
-              <a:ext uri="{FF2B5EF4-FFF2-40B4-BE49-F238E27FC236}">
-                <a16:creationId xmlns:a16="http://schemas.microsoft.com/office/drawing/2014/main" id="{58BE3078-8B89-4550-B497-93E4DADBD57E}"/>
-              </a:ext>
-            </a:extLst>
-          </p:cNvPr>
-          <p:cNvSpPr>
-            <a:spLocks noGrp="1"/>
-          </p:cNvSpPr>
-          <p:nvPr>
-            <p:ph type="body" idx="1"/>
-          </p:nvPr>
-        </p:nvSpPr>
-        <p:spPr>
-          <a:xfrm>
-            <a:off x="786150" y="1142608"/>
-            <a:ext cx="7571700" cy="3626431"/>
-          </a:xfrm>
-        </p:spPr>
-        <p:txBody>
-          <a:bodyPr/>
-          <a:lstStyle/>
-          <a:p>
-            <a:pPr marL="76200" indent="0">
-              <a:buNone/>
-            </a:pPr>
-            <a:r>
-              <a:rPr lang="en-US" sz="1400"/>
-              <a:t>Single Expression</a:t>
-            </a:r>
-          </a:p>
-          <a:p>
-            <a:pPr marL="76200" indent="0">
-              <a:buNone/>
-            </a:pPr>
-            <a:r>
-              <a:rPr lang="en-US" sz="1100">
-                <a:solidFill>
-                  <a:schemeClr val="accent1"/>
-                </a:solidFill>
-                <a:latin typeface="Consolas" panose="020B0609020204030204" pitchFamily="49" charset="0"/>
-                <a:cs typeface="Courier New" panose="02070309020205020404" pitchFamily="49" charset="0"/>
-              </a:rPr>
-              <a:t>(</a:t>
-            </a:r>
-            <a:r>
-              <a:rPr lang="en-US" sz="1100">
-                <a:latin typeface="Consolas" panose="020B0609020204030204" pitchFamily="49" charset="0"/>
-                <a:cs typeface="Courier New" panose="02070309020205020404" pitchFamily="49" charset="0"/>
-              </a:rPr>
-              <a:t>lambda x: (x % 2 and 'odd' or 'even')</a:t>
-            </a:r>
-            <a:r>
-              <a:rPr lang="en-US" sz="1100">
-                <a:solidFill>
-                  <a:schemeClr val="accent1"/>
-                </a:solidFill>
-                <a:latin typeface="Consolas" panose="020B0609020204030204" pitchFamily="49" charset="0"/>
-                <a:cs typeface="Courier New" panose="02070309020205020404" pitchFamily="49" charset="0"/>
-              </a:rPr>
-              <a:t>)</a:t>
-            </a:r>
-            <a:r>
-              <a:rPr lang="en-US" sz="1100">
-                <a:latin typeface="Consolas" panose="020B0609020204030204" pitchFamily="49" charset="0"/>
-                <a:cs typeface="Courier New" panose="02070309020205020404" pitchFamily="49" charset="0"/>
-              </a:rPr>
-              <a:t>(7)</a:t>
-            </a:r>
-          </a:p>
-          <a:p>
-            <a:pPr marL="76200" indent="0">
-              <a:buNone/>
-            </a:pPr>
-            <a:endParaRPr lang="en-US" sz="1100">
-              <a:latin typeface="Consolas" panose="020B0609020204030204" pitchFamily="49" charset="0"/>
-            </a:endParaRPr>
-          </a:p>
-          <a:p>
-            <a:pPr marL="76200" indent="0">
-              <a:buNone/>
-            </a:pPr>
-            <a:r>
-              <a:rPr lang="en-US" sz="1400"/>
-              <a:t>Nested lambda</a:t>
-            </a:r>
-          </a:p>
-          <a:p>
-            <a:pPr marL="76200" indent="0">
-              <a:buNone/>
-            </a:pPr>
-            <a:r>
-              <a:rPr lang="en-US" sz="1100">
-                <a:latin typeface="Consolas" panose="020B0609020204030204" pitchFamily="49" charset="0"/>
-                <a:cs typeface="Courier New" panose="02070309020205020404" pitchFamily="49" charset="0"/>
-              </a:rPr>
-              <a:t>funcPlus = </a:t>
-            </a:r>
-            <a:r>
-              <a:rPr lang="en-US" sz="1100">
-                <a:solidFill>
-                  <a:schemeClr val="accent1"/>
-                </a:solidFill>
-                <a:latin typeface="Consolas" panose="020B0609020204030204" pitchFamily="49" charset="0"/>
-                <a:cs typeface="Courier New" panose="02070309020205020404" pitchFamily="49" charset="0"/>
-              </a:rPr>
-              <a:t>lambda</a:t>
-            </a:r>
-            <a:r>
-              <a:rPr lang="en-US" sz="1100">
-                <a:latin typeface="Consolas" panose="020B0609020204030204" pitchFamily="49" charset="0"/>
-                <a:cs typeface="Courier New" panose="02070309020205020404" pitchFamily="49" charset="0"/>
-              </a:rPr>
-              <a:t> x, func</a:t>
-            </a:r>
-            <a:r>
-              <a:rPr lang="en-US" sz="1100">
-                <a:solidFill>
-                  <a:schemeClr val="accent1"/>
-                </a:solidFill>
-                <a:latin typeface="Consolas" panose="020B0609020204030204" pitchFamily="49" charset="0"/>
-                <a:cs typeface="Courier New" panose="02070309020205020404" pitchFamily="49" charset="0"/>
-              </a:rPr>
-              <a:t>:</a:t>
-            </a:r>
-            <a:r>
-              <a:rPr lang="en-US" sz="1100">
-                <a:latin typeface="Consolas" panose="020B0609020204030204" pitchFamily="49" charset="0"/>
-                <a:cs typeface="Courier New" panose="02070309020205020404" pitchFamily="49" charset="0"/>
-              </a:rPr>
-              <a:t> x + func(x)</a:t>
-            </a:r>
-          </a:p>
-          <a:p>
-            <a:pPr marL="76200" indent="0">
-              <a:buNone/>
-            </a:pPr>
-            <a:r>
-              <a:rPr lang="en-US" sz="1100">
-                <a:latin typeface="Consolas" panose="020B0609020204030204" pitchFamily="49" charset="0"/>
-                <a:cs typeface="Courier New" panose="02070309020205020404" pitchFamily="49" charset="0"/>
-              </a:rPr>
-              <a:t>print(funcPlus(5, </a:t>
-            </a:r>
-            <a:r>
-              <a:rPr lang="en-US" sz="1100">
-                <a:solidFill>
-                  <a:schemeClr val="accent1"/>
-                </a:solidFill>
-                <a:latin typeface="Consolas" panose="020B0609020204030204" pitchFamily="49" charset="0"/>
-                <a:cs typeface="Courier New" panose="02070309020205020404" pitchFamily="49" charset="0"/>
-              </a:rPr>
-              <a:t>lambda</a:t>
-            </a:r>
-            <a:r>
-              <a:rPr lang="en-US" sz="1100">
-                <a:latin typeface="Consolas" panose="020B0609020204030204" pitchFamily="49" charset="0"/>
-                <a:cs typeface="Courier New" panose="02070309020205020404" pitchFamily="49" charset="0"/>
-              </a:rPr>
-              <a:t> x</a:t>
-            </a:r>
-            <a:r>
-              <a:rPr lang="en-US" sz="1100">
-                <a:solidFill>
-                  <a:schemeClr val="accent1"/>
-                </a:solidFill>
-                <a:latin typeface="Consolas" panose="020B0609020204030204" pitchFamily="49" charset="0"/>
-                <a:cs typeface="Courier New" panose="02070309020205020404" pitchFamily="49" charset="0"/>
-              </a:rPr>
-              <a:t>:</a:t>
-            </a:r>
-            <a:r>
-              <a:rPr lang="en-US" sz="1100">
-                <a:latin typeface="Consolas" panose="020B0609020204030204" pitchFamily="49" charset="0"/>
-                <a:cs typeface="Courier New" panose="02070309020205020404" pitchFamily="49" charset="0"/>
-              </a:rPr>
-              <a:t> x * x))</a:t>
-            </a:r>
-          </a:p>
-        </p:txBody>
-      </p:sp>
-      <p:sp>
-        <p:nvSpPr>
-          <p:cNvPr id="4" name="Slide Number Placeholder 3">
-            <a:extLst>
-              <a:ext uri="{FF2B5EF4-FFF2-40B4-BE49-F238E27FC236}">
-                <a16:creationId xmlns:a16="http://schemas.microsoft.com/office/drawing/2014/main" id="{64987AE6-EC0E-43DD-9376-95A5602EE5E1}"/>
-              </a:ext>
-            </a:extLst>
-          </p:cNvPr>
-          <p:cNvSpPr>
-            <a:spLocks noGrp="1"/>
-          </p:cNvSpPr>
-          <p:nvPr>
-            <p:ph type="sldNum" idx="12"/>
-          </p:nvPr>
-        </p:nvSpPr>
-        <p:spPr/>
-        <p:txBody>
-          <a:bodyPr/>
-          <a:lstStyle/>
-          <a:p>
-            <a:pPr marL="0" lvl="0" indent="0" algn="r" rtl="0">
-              <a:spcBef>
-                <a:spcPts val="0"/>
-              </a:spcBef>
-              <a:spcAft>
-                <a:spcPts val="0"/>
-              </a:spcAft>
-              <a:buNone/>
-            </a:pPr>
-            <a:fld id="{00000000-1234-1234-1234-123412341234}" type="slidenum">
-              <a:rPr lang="en" smtClean="0"/>
-              <a:t>33</a:t>
-            </a:fld>
-            <a:endParaRPr lang="en"/>
-          </a:p>
-        </p:txBody>
-      </p:sp>
-    </p:spTree>
-    <p:extLst>
-      <p:ext uri="{BB962C8B-B14F-4D97-AF65-F5344CB8AC3E}">
-        <p14:creationId xmlns:p14="http://schemas.microsoft.com/office/powerpoint/2010/main" val="774862470"/>
-      </p:ext>
-    </p:extLst>
-  </p:cSld>
-  <p:clrMapOvr>
-    <a:masterClrMapping/>
-  </p:clrMapOvr>
-</p:sld>
-</file>
-
-<file path=ppt/slides/slide34.xml><?xml version="1.0" encoding="utf-8"?>
 <p:sld xmlns:a="http://schemas.openxmlformats.org/drawingml/2006/main" xmlns:r="http://schemas.openxmlformats.org/officeDocument/2006/relationships" xmlns:p="http://schemas.openxmlformats.org/presentationml/2006/main">
   <p:cSld>
     <p:spTree>
@@ -24316,7 +24069,7 @@
                   <a:srgbClr val="E6E6E6"/>
                 </a:solidFill>
               </a:rPr>
-              <a:t>5</a:t>
+              <a:t>4</a:t>
             </a:r>
             <a:endParaRPr sz="6000">
               <a:solidFill>
@@ -24377,7 +24130,7 @@
             </a:pPr>
             <a:fld id="{00000000-1234-1234-1234-123412341234}" type="slidenum">
               <a:rPr lang="en"/>
-              <a:t>34</a:t>
+              <a:t>33</a:t>
             </a:fld>
             <a:endParaRPr/>
           </a:p>
@@ -24387,6 +24140,264 @@
     <p:extLst>
       <p:ext uri="{BB962C8B-B14F-4D97-AF65-F5344CB8AC3E}">
         <p14:creationId xmlns:p14="http://schemas.microsoft.com/office/powerpoint/2010/main" val="3127425664"/>
+      </p:ext>
+    </p:extLst>
+  </p:cSld>
+  <p:clrMapOvr>
+    <a:masterClrMapping/>
+  </p:clrMapOvr>
+</p:sld>
+</file>
+
+<file path=ppt/slides/slide34.xml><?xml version="1.0" encoding="utf-8"?>
+<p:sld xmlns:a="http://schemas.openxmlformats.org/drawingml/2006/main" xmlns:r="http://schemas.openxmlformats.org/officeDocument/2006/relationships" xmlns:p="http://schemas.openxmlformats.org/presentationml/2006/main">
+  <p:cSld>
+    <p:spTree>
+      <p:nvGrpSpPr>
+        <p:cNvPr id="1" name=""/>
+        <p:cNvGrpSpPr/>
+        <p:nvPr/>
+      </p:nvGrpSpPr>
+      <p:grpSpPr>
+        <a:xfrm>
+          <a:off x="0" y="0"/>
+          <a:ext cx="0" cy="0"/>
+          <a:chOff x="0" y="0"/>
+          <a:chExt cx="0" cy="0"/>
+        </a:xfrm>
+      </p:grpSpPr>
+      <p:sp>
+        <p:nvSpPr>
+          <p:cNvPr id="2" name="Title 1">
+            <a:extLst>
+              <a:ext uri="{FF2B5EF4-FFF2-40B4-BE49-F238E27FC236}">
+                <a16:creationId xmlns:a16="http://schemas.microsoft.com/office/drawing/2014/main" id="{024AD384-5AD1-4435-A943-1241B2FACD62}"/>
+              </a:ext>
+            </a:extLst>
+          </p:cNvPr>
+          <p:cNvSpPr>
+            <a:spLocks noGrp="1"/>
+          </p:cNvSpPr>
+          <p:nvPr>
+            <p:ph type="title"/>
+          </p:nvPr>
+        </p:nvSpPr>
+        <p:spPr/>
+        <p:txBody>
+          <a:bodyPr/>
+          <a:lstStyle/>
+          <a:p>
+            <a:r>
+              <a:rPr lang="en-US"/>
+              <a:t>Try Except</a:t>
+            </a:r>
+            <a:endParaRPr lang="fa-IR"/>
+          </a:p>
+        </p:txBody>
+      </p:sp>
+      <p:sp>
+        <p:nvSpPr>
+          <p:cNvPr id="3" name="Text Placeholder 2">
+            <a:extLst>
+              <a:ext uri="{FF2B5EF4-FFF2-40B4-BE49-F238E27FC236}">
+                <a16:creationId xmlns:a16="http://schemas.microsoft.com/office/drawing/2014/main" id="{58BE3078-8B89-4550-B497-93E4DADBD57E}"/>
+              </a:ext>
+            </a:extLst>
+          </p:cNvPr>
+          <p:cNvSpPr>
+            <a:spLocks noGrp="1"/>
+          </p:cNvSpPr>
+          <p:nvPr>
+            <p:ph type="body" idx="1"/>
+          </p:nvPr>
+        </p:nvSpPr>
+        <p:spPr>
+          <a:xfrm>
+            <a:off x="786150" y="1142608"/>
+            <a:ext cx="7571700" cy="3626431"/>
+          </a:xfrm>
+        </p:spPr>
+        <p:txBody>
+          <a:bodyPr/>
+          <a:lstStyle/>
+          <a:p>
+            <a:pPr marL="76200" indent="0">
+              <a:buNone/>
+            </a:pPr>
+            <a:r>
+              <a:rPr lang="en-US" sz="1400"/>
+              <a:t>Test a block of code for errors and handle the error</a:t>
+            </a:r>
+          </a:p>
+          <a:p>
+            <a:pPr marL="76200" indent="0">
+              <a:buNone/>
+            </a:pPr>
+            <a:r>
+              <a:rPr lang="en-US" sz="1100">
+                <a:solidFill>
+                  <a:schemeClr val="accent1"/>
+                </a:solidFill>
+                <a:latin typeface="Consolas" panose="020B0609020204030204" pitchFamily="49" charset="0"/>
+                <a:cs typeface="Courier New" panose="02070309020205020404" pitchFamily="49" charset="0"/>
+              </a:rPr>
+              <a:t>try:</a:t>
+            </a:r>
+          </a:p>
+          <a:p>
+            <a:pPr marL="76200" indent="0">
+              <a:buNone/>
+            </a:pPr>
+            <a:r>
+              <a:rPr lang="en-US" sz="1100">
+                <a:latin typeface="Consolas" panose="020B0609020204030204" pitchFamily="49" charset="0"/>
+                <a:cs typeface="Courier New" panose="02070309020205020404" pitchFamily="49" charset="0"/>
+              </a:rPr>
+              <a:t>    print(x)</a:t>
+            </a:r>
+          </a:p>
+          <a:p>
+            <a:pPr marL="76200" indent="0">
+              <a:buNone/>
+            </a:pPr>
+            <a:r>
+              <a:rPr lang="en-US" sz="1100">
+                <a:solidFill>
+                  <a:schemeClr val="accent1"/>
+                </a:solidFill>
+                <a:latin typeface="Consolas" panose="020B0609020204030204" pitchFamily="49" charset="0"/>
+                <a:cs typeface="Courier New" panose="02070309020205020404" pitchFamily="49" charset="0"/>
+              </a:rPr>
+              <a:t>except</a:t>
+            </a:r>
+            <a:r>
+              <a:rPr lang="en-US" sz="1100">
+                <a:latin typeface="Consolas" panose="020B0609020204030204" pitchFamily="49" charset="0"/>
+                <a:cs typeface="Courier New" panose="02070309020205020404" pitchFamily="49" charset="0"/>
+              </a:rPr>
+              <a:t> NameError</a:t>
+            </a:r>
+            <a:r>
+              <a:rPr lang="en-US" sz="1100">
+                <a:solidFill>
+                  <a:schemeClr val="accent1"/>
+                </a:solidFill>
+                <a:latin typeface="Consolas" panose="020B0609020204030204" pitchFamily="49" charset="0"/>
+                <a:cs typeface="Courier New" panose="02070309020205020404" pitchFamily="49" charset="0"/>
+              </a:rPr>
+              <a:t>:</a:t>
+            </a:r>
+          </a:p>
+          <a:p>
+            <a:pPr marL="76200" indent="0">
+              <a:buNone/>
+            </a:pPr>
+            <a:r>
+              <a:rPr lang="en-US" sz="1100">
+                <a:latin typeface="Consolas" panose="020B0609020204030204" pitchFamily="49" charset="0"/>
+                <a:cs typeface="Courier New" panose="02070309020205020404" pitchFamily="49" charset="0"/>
+              </a:rPr>
+              <a:t>    print('Variable x is not defined')</a:t>
+            </a:r>
+          </a:p>
+          <a:p>
+            <a:pPr marL="76200" indent="0">
+              <a:buNone/>
+            </a:pPr>
+            <a:r>
+              <a:rPr lang="en-US" sz="1100">
+                <a:solidFill>
+                  <a:schemeClr val="accent1"/>
+                </a:solidFill>
+                <a:latin typeface="Consolas" panose="020B0609020204030204" pitchFamily="49" charset="0"/>
+                <a:cs typeface="Courier New" panose="02070309020205020404" pitchFamily="49" charset="0"/>
+              </a:rPr>
+              <a:t>except:</a:t>
+            </a:r>
+          </a:p>
+          <a:p>
+            <a:pPr marL="76200" indent="0">
+              <a:buNone/>
+            </a:pPr>
+            <a:r>
+              <a:rPr lang="en-US" sz="1100">
+                <a:latin typeface="Consolas" panose="020B0609020204030204" pitchFamily="49" charset="0"/>
+                <a:cs typeface="Courier New" panose="02070309020205020404" pitchFamily="49" charset="0"/>
+              </a:rPr>
+              <a:t>    print('Something else went wrong')</a:t>
+            </a:r>
+          </a:p>
+          <a:p>
+            <a:pPr marL="76200" indent="0">
+              <a:buNone/>
+            </a:pPr>
+            <a:r>
+              <a:rPr lang="en-US" sz="1100">
+                <a:solidFill>
+                  <a:schemeClr val="accent1"/>
+                </a:solidFill>
+                <a:latin typeface="Consolas" panose="020B0609020204030204" pitchFamily="49" charset="0"/>
+                <a:cs typeface="Courier New" panose="02070309020205020404" pitchFamily="49" charset="0"/>
+              </a:rPr>
+              <a:t>else:</a:t>
+            </a:r>
+          </a:p>
+          <a:p>
+            <a:pPr marL="76200" indent="0">
+              <a:buNone/>
+            </a:pPr>
+            <a:r>
+              <a:rPr lang="en-US" sz="1100">
+                <a:latin typeface="Consolas" panose="020B0609020204030204" pitchFamily="49" charset="0"/>
+                <a:cs typeface="Courier New" panose="02070309020205020404" pitchFamily="49" charset="0"/>
+              </a:rPr>
+              <a:t>    print('Nothing went wrong')</a:t>
+            </a:r>
+          </a:p>
+        </p:txBody>
+      </p:sp>
+      <p:sp>
+        <p:nvSpPr>
+          <p:cNvPr id="4" name="Slide Number Placeholder 3">
+            <a:extLst>
+              <a:ext uri="{FF2B5EF4-FFF2-40B4-BE49-F238E27FC236}">
+                <a16:creationId xmlns:a16="http://schemas.microsoft.com/office/drawing/2014/main" id="{64987AE6-EC0E-43DD-9376-95A5602EE5E1}"/>
+              </a:ext>
+            </a:extLst>
+          </p:cNvPr>
+          <p:cNvSpPr>
+            <a:spLocks noGrp="1"/>
+          </p:cNvSpPr>
+          <p:nvPr>
+            <p:ph type="sldNum" idx="12"/>
+          </p:nvPr>
+        </p:nvSpPr>
+        <p:spPr/>
+        <p:txBody>
+          <a:bodyPr/>
+          <a:lstStyle/>
+          <a:p>
+            <a:pPr marL="0" lvl="0" indent="0" algn="r" rtl="0">
+              <a:spcBef>
+                <a:spcPts val="0"/>
+              </a:spcBef>
+              <a:spcAft>
+                <a:spcPts val="0"/>
+              </a:spcAft>
+              <a:buNone/>
+            </a:pPr>
+            <a:fld id="{00000000-1234-1234-1234-123412341234}" type="slidenum">
+              <a:rPr lang="en" smtClean="0"/>
+              <a:t>34</a:t>
+            </a:fld>
+            <a:endParaRPr lang="en"/>
+          </a:p>
+        </p:txBody>
+      </p:sp>
+    </p:spTree>
+    <p:extLst>
+      <p:ext uri="{BB962C8B-B14F-4D97-AF65-F5344CB8AC3E}">
+        <p14:creationId xmlns:p14="http://schemas.microsoft.com/office/powerpoint/2010/main" val="4114768450"/>
       </p:ext>
     </p:extLst>
   </p:cSld>
@@ -24436,7 +24447,7 @@
           <a:p>
             <a:r>
               <a:rPr lang="en-US"/>
-              <a:t>Try Except</a:t>
+              <a:t>Exceptions</a:t>
             </a:r>
             <a:endParaRPr lang="fa-IR"/>
           </a:p>
@@ -24473,13 +24484,44 @@
             </a:pPr>
             <a:r>
               <a:rPr lang="en-US" sz="1400"/>
-              <a:t>Test a block of code for errors and handle the error</a:t>
-            </a:r>
-          </a:p>
-          <a:p>
-            <a:pPr marL="76200" indent="0">
-              <a:buNone/>
-            </a:pPr>
+              <a:t>Handle the error</a:t>
+            </a:r>
+          </a:p>
+          <a:p>
+            <a:pPr marL="76200" indent="0">
+              <a:buNone/>
+            </a:pPr>
+            <a:r>
+              <a:rPr lang="en-US" sz="1100">
+                <a:latin typeface="Consolas" panose="020B0609020204030204" pitchFamily="49" charset="0"/>
+                <a:cs typeface="Courier New" panose="02070309020205020404" pitchFamily="49" charset="0"/>
+              </a:rPr>
+              <a:t>try:</a:t>
+            </a:r>
+          </a:p>
+          <a:p>
+            <a:pPr marL="76200" indent="0">
+              <a:buNone/>
+            </a:pPr>
+            <a:r>
+              <a:rPr lang="en-US" sz="1100">
+                <a:latin typeface="Consolas" panose="020B0609020204030204" pitchFamily="49" charset="0"/>
+                <a:cs typeface="Courier New" panose="02070309020205020404" pitchFamily="49" charset="0"/>
+              </a:rPr>
+              <a:t>    print(x)</a:t>
+            </a:r>
+          </a:p>
+          <a:p>
+            <a:pPr marL="76200" indent="0">
+              <a:buNone/>
+            </a:pPr>
+            <a:r>
+              <a:rPr lang="en-US" sz="1100">
+                <a:latin typeface="Consolas" panose="020B0609020204030204" pitchFamily="49" charset="0"/>
+                <a:cs typeface="Courier New" panose="02070309020205020404" pitchFamily="49" charset="0"/>
+              </a:rPr>
+              <a:t>except </a:t>
+            </a:r>
             <a:r>
               <a:rPr lang="en-US" sz="1100">
                 <a:solidFill>
@@ -24488,25 +24530,81 @@
                 <a:latin typeface="Consolas" panose="020B0609020204030204" pitchFamily="49" charset="0"/>
                 <a:cs typeface="Courier New" panose="02070309020205020404" pitchFamily="49" charset="0"/>
               </a:rPr>
-              <a:t>try:</a:t>
-            </a:r>
-          </a:p>
-          <a:p>
-            <a:pPr marL="76200" indent="0">
-              <a:buNone/>
-            </a:pPr>
-            <a:r>
-              <a:rPr lang="en-US" sz="1100">
-                <a:latin typeface="Consolas" panose="020B0609020204030204" pitchFamily="49" charset="0"/>
-                <a:cs typeface="Courier New" panose="02070309020205020404" pitchFamily="49" charset="0"/>
-              </a:rPr>
-              <a:t>    print(x)</a:t>
-            </a:r>
-          </a:p>
-          <a:p>
-            <a:pPr marL="76200" indent="0">
-              <a:buNone/>
-            </a:pPr>
+              <a:t>Exception as </a:t>
+            </a:r>
+            <a:r>
+              <a:rPr lang="en-US" sz="1100">
+                <a:latin typeface="Consolas" panose="020B0609020204030204" pitchFamily="49" charset="0"/>
+                <a:cs typeface="Courier New" panose="02070309020205020404" pitchFamily="49" charset="0"/>
+              </a:rPr>
+              <a:t>e:</a:t>
+            </a:r>
+          </a:p>
+          <a:p>
+            <a:pPr marL="76200" indent="0">
+              <a:buNone/>
+            </a:pPr>
+            <a:r>
+              <a:rPr lang="en-US" sz="1100">
+                <a:latin typeface="Consolas" panose="020B0609020204030204" pitchFamily="49" charset="0"/>
+                <a:cs typeface="Courier New" panose="02070309020205020404" pitchFamily="49" charset="0"/>
+              </a:rPr>
+              <a:t>    print(e)</a:t>
+            </a:r>
+          </a:p>
+          <a:p>
+            <a:pPr marL="76200" indent="0">
+              <a:buNone/>
+            </a:pPr>
+            <a:endParaRPr lang="en-US" sz="1100">
+              <a:latin typeface="Consolas" panose="020B0609020204030204" pitchFamily="49" charset="0"/>
+              <a:cs typeface="Courier New" panose="02070309020205020404" pitchFamily="49" charset="0"/>
+            </a:endParaRPr>
+          </a:p>
+          <a:p>
+            <a:pPr marL="76200" indent="0">
+              <a:buNone/>
+            </a:pPr>
+            <a:r>
+              <a:rPr lang="en-US" sz="1400"/>
+              <a:t>Raise an error</a:t>
+            </a:r>
+          </a:p>
+          <a:p>
+            <a:pPr marL="76200" indent="0">
+              <a:buNone/>
+            </a:pPr>
+            <a:r>
+              <a:rPr lang="en-US" sz="1100">
+                <a:latin typeface="Consolas" panose="020B0609020204030204" pitchFamily="49" charset="0"/>
+                <a:cs typeface="Courier New" panose="02070309020205020404" pitchFamily="49" charset="0"/>
+              </a:rPr>
+              <a:t>x = -1</a:t>
+            </a:r>
+          </a:p>
+          <a:p>
+            <a:pPr marL="76200" indent="0">
+              <a:buNone/>
+            </a:pPr>
+            <a:r>
+              <a:rPr lang="en-US" sz="1100">
+                <a:latin typeface="Consolas" panose="020B0609020204030204" pitchFamily="49" charset="0"/>
+                <a:cs typeface="Courier New" panose="02070309020205020404" pitchFamily="49" charset="0"/>
+              </a:rPr>
+              <a:t>if x &lt; 0:</a:t>
+            </a:r>
+          </a:p>
+          <a:p>
+            <a:pPr marL="76200" indent="0">
+              <a:buNone/>
+            </a:pPr>
+            <a:r>
+              <a:rPr lang="en-US" sz="1100">
+                <a:latin typeface="Consolas" panose="020B0609020204030204" pitchFamily="49" charset="0"/>
+                <a:cs typeface="Courier New" panose="02070309020205020404" pitchFamily="49" charset="0"/>
+              </a:rPr>
+              <a:t>    </a:t>
+            </a:r>
             <a:r>
               <a:rPr lang="en-US" sz="1100">
                 <a:solidFill>
@@ -24515,90 +24613,14 @@
                 <a:latin typeface="Consolas" panose="020B0609020204030204" pitchFamily="49" charset="0"/>
                 <a:cs typeface="Courier New" panose="02070309020205020404" pitchFamily="49" charset="0"/>
               </a:rPr>
-              <a:t>except</a:t>
-            </a:r>
-            <a:r>
-              <a:rPr lang="en-US" sz="1100">
-                <a:latin typeface="Consolas" panose="020B0609020204030204" pitchFamily="49" charset="0"/>
-                <a:cs typeface="Courier New" panose="02070309020205020404" pitchFamily="49" charset="0"/>
-              </a:rPr>
-              <a:t> NameError</a:t>
-            </a:r>
-            <a:r>
-              <a:rPr lang="en-US" sz="1100">
-                <a:solidFill>
-                  <a:schemeClr val="accent1"/>
-                </a:solidFill>
-                <a:latin typeface="Consolas" panose="020B0609020204030204" pitchFamily="49" charset="0"/>
-                <a:cs typeface="Courier New" panose="02070309020205020404" pitchFamily="49" charset="0"/>
-              </a:rPr>
-              <a:t>:</a:t>
-            </a:r>
-          </a:p>
-          <a:p>
-            <a:pPr marL="76200" indent="0">
-              <a:buNone/>
-            </a:pPr>
-            <a:r>
-              <a:rPr lang="en-US" sz="1100">
-                <a:latin typeface="Consolas" panose="020B0609020204030204" pitchFamily="49" charset="0"/>
-                <a:cs typeface="Courier New" panose="02070309020205020404" pitchFamily="49" charset="0"/>
-              </a:rPr>
-              <a:t>    print('Variable x is not defined')</a:t>
-            </a:r>
-          </a:p>
-          <a:p>
-            <a:pPr marL="76200" indent="0">
-              <a:buNone/>
-            </a:pPr>
-            <a:r>
-              <a:rPr lang="en-US" sz="1100">
-                <a:solidFill>
-                  <a:schemeClr val="accent1"/>
-                </a:solidFill>
-                <a:latin typeface="Consolas" panose="020B0609020204030204" pitchFamily="49" charset="0"/>
-                <a:cs typeface="Courier New" panose="02070309020205020404" pitchFamily="49" charset="0"/>
-              </a:rPr>
-              <a:t>except:</a:t>
-            </a:r>
-          </a:p>
-          <a:p>
-            <a:pPr marL="76200" indent="0">
-              <a:buNone/>
-            </a:pPr>
-            <a:r>
-              <a:rPr lang="en-US" sz="1100">
-                <a:latin typeface="Consolas" panose="020B0609020204030204" pitchFamily="49" charset="0"/>
-                <a:cs typeface="Courier New" panose="02070309020205020404" pitchFamily="49" charset="0"/>
-              </a:rPr>
-              <a:t>    print('Something else went wrong')</a:t>
-            </a:r>
-          </a:p>
-          <a:p>
-            <a:pPr marL="76200" indent="0">
-              <a:buNone/>
-            </a:pPr>
-            <a:r>
-              <a:rPr lang="en-US" sz="1100">
-                <a:solidFill>
-                  <a:schemeClr val="accent1"/>
-                </a:solidFill>
-                <a:latin typeface="Consolas" panose="020B0609020204030204" pitchFamily="49" charset="0"/>
-                <a:cs typeface="Courier New" panose="02070309020205020404" pitchFamily="49" charset="0"/>
-              </a:rPr>
-              <a:t>else:</a:t>
-            </a:r>
-          </a:p>
-          <a:p>
-            <a:pPr marL="76200" indent="0">
-              <a:buNone/>
-            </a:pPr>
-            <a:r>
-              <a:rPr lang="en-US" sz="1100">
-                <a:latin typeface="Consolas" panose="020B0609020204030204" pitchFamily="49" charset="0"/>
-                <a:cs typeface="Courier New" panose="02070309020205020404" pitchFamily="49" charset="0"/>
-              </a:rPr>
-              <a:t>    print('Nothing went wrong')</a:t>
+              <a:t>raise</a:t>
+            </a:r>
+            <a:r>
+              <a:rPr lang="en-US" sz="1100">
+                <a:latin typeface="Consolas" panose="020B0609020204030204" pitchFamily="49" charset="0"/>
+                <a:cs typeface="Courier New" panose="02070309020205020404" pitchFamily="49" charset="0"/>
+              </a:rPr>
+              <a:t> Exception('Please enter a positive number') </a:t>
             </a:r>
           </a:p>
         </p:txBody>
@@ -24644,7 +24666,7 @@
     </p:spTree>
     <p:extLst>
       <p:ext uri="{BB962C8B-B14F-4D97-AF65-F5344CB8AC3E}">
-        <p14:creationId xmlns:p14="http://schemas.microsoft.com/office/powerpoint/2010/main" val="4114768450"/>
+        <p14:creationId xmlns:p14="http://schemas.microsoft.com/office/powerpoint/2010/main" val="2265659775"/>
       </p:ext>
     </p:extLst>
   </p:cSld>
@@ -24655,275 +24677,6 @@
 </file>
 
 <file path=ppt/slides/slide36.xml><?xml version="1.0" encoding="utf-8"?>
-<p:sld xmlns:a="http://schemas.openxmlformats.org/drawingml/2006/main" xmlns:r="http://schemas.openxmlformats.org/officeDocument/2006/relationships" xmlns:p="http://schemas.openxmlformats.org/presentationml/2006/main">
-  <p:cSld>
-    <p:spTree>
-      <p:nvGrpSpPr>
-        <p:cNvPr id="1" name=""/>
-        <p:cNvGrpSpPr/>
-        <p:nvPr/>
-      </p:nvGrpSpPr>
-      <p:grpSpPr>
-        <a:xfrm>
-          <a:off x="0" y="0"/>
-          <a:ext cx="0" cy="0"/>
-          <a:chOff x="0" y="0"/>
-          <a:chExt cx="0" cy="0"/>
-        </a:xfrm>
-      </p:grpSpPr>
-      <p:sp>
-        <p:nvSpPr>
-          <p:cNvPr id="2" name="Title 1">
-            <a:extLst>
-              <a:ext uri="{FF2B5EF4-FFF2-40B4-BE49-F238E27FC236}">
-                <a16:creationId xmlns:a16="http://schemas.microsoft.com/office/drawing/2014/main" id="{024AD384-5AD1-4435-A943-1241B2FACD62}"/>
-              </a:ext>
-            </a:extLst>
-          </p:cNvPr>
-          <p:cNvSpPr>
-            <a:spLocks noGrp="1"/>
-          </p:cNvSpPr>
-          <p:nvPr>
-            <p:ph type="title"/>
-          </p:nvPr>
-        </p:nvSpPr>
-        <p:spPr/>
-        <p:txBody>
-          <a:bodyPr/>
-          <a:lstStyle/>
-          <a:p>
-            <a:r>
-              <a:rPr lang="en-US"/>
-              <a:t>Exceptions</a:t>
-            </a:r>
-            <a:endParaRPr lang="fa-IR"/>
-          </a:p>
-        </p:txBody>
-      </p:sp>
-      <p:sp>
-        <p:nvSpPr>
-          <p:cNvPr id="3" name="Text Placeholder 2">
-            <a:extLst>
-              <a:ext uri="{FF2B5EF4-FFF2-40B4-BE49-F238E27FC236}">
-                <a16:creationId xmlns:a16="http://schemas.microsoft.com/office/drawing/2014/main" id="{58BE3078-8B89-4550-B497-93E4DADBD57E}"/>
-              </a:ext>
-            </a:extLst>
-          </p:cNvPr>
-          <p:cNvSpPr>
-            <a:spLocks noGrp="1"/>
-          </p:cNvSpPr>
-          <p:nvPr>
-            <p:ph type="body" idx="1"/>
-          </p:nvPr>
-        </p:nvSpPr>
-        <p:spPr>
-          <a:xfrm>
-            <a:off x="786150" y="1142608"/>
-            <a:ext cx="7571700" cy="3626431"/>
-          </a:xfrm>
-        </p:spPr>
-        <p:txBody>
-          <a:bodyPr/>
-          <a:lstStyle/>
-          <a:p>
-            <a:pPr marL="76200" indent="0">
-              <a:buNone/>
-            </a:pPr>
-            <a:r>
-              <a:rPr lang="en-US" sz="1400"/>
-              <a:t>Handle the error</a:t>
-            </a:r>
-          </a:p>
-          <a:p>
-            <a:pPr marL="76200" indent="0">
-              <a:buNone/>
-            </a:pPr>
-            <a:r>
-              <a:rPr lang="en-US" sz="1100">
-                <a:latin typeface="Consolas" panose="020B0609020204030204" pitchFamily="49" charset="0"/>
-                <a:cs typeface="Courier New" panose="02070309020205020404" pitchFamily="49" charset="0"/>
-              </a:rPr>
-              <a:t>try:</a:t>
-            </a:r>
-          </a:p>
-          <a:p>
-            <a:pPr marL="76200" indent="0">
-              <a:buNone/>
-            </a:pPr>
-            <a:r>
-              <a:rPr lang="en-US" sz="1100">
-                <a:latin typeface="Consolas" panose="020B0609020204030204" pitchFamily="49" charset="0"/>
-                <a:cs typeface="Courier New" panose="02070309020205020404" pitchFamily="49" charset="0"/>
-              </a:rPr>
-              <a:t>    print(x)</a:t>
-            </a:r>
-          </a:p>
-          <a:p>
-            <a:pPr marL="76200" indent="0">
-              <a:buNone/>
-            </a:pPr>
-            <a:r>
-              <a:rPr lang="en-US" sz="1100">
-                <a:latin typeface="Consolas" panose="020B0609020204030204" pitchFamily="49" charset="0"/>
-                <a:cs typeface="Courier New" panose="02070309020205020404" pitchFamily="49" charset="0"/>
-              </a:rPr>
-              <a:t>except </a:t>
-            </a:r>
-            <a:r>
-              <a:rPr lang="en-US" sz="1100">
-                <a:solidFill>
-                  <a:schemeClr val="accent1"/>
-                </a:solidFill>
-                <a:latin typeface="Consolas" panose="020B0609020204030204" pitchFamily="49" charset="0"/>
-                <a:cs typeface="Courier New" panose="02070309020205020404" pitchFamily="49" charset="0"/>
-              </a:rPr>
-              <a:t>Exception as </a:t>
-            </a:r>
-            <a:r>
-              <a:rPr lang="en-US" sz="1100">
-                <a:latin typeface="Consolas" panose="020B0609020204030204" pitchFamily="49" charset="0"/>
-                <a:cs typeface="Courier New" panose="02070309020205020404" pitchFamily="49" charset="0"/>
-              </a:rPr>
-              <a:t>e:</a:t>
-            </a:r>
-          </a:p>
-          <a:p>
-            <a:pPr marL="76200" indent="0">
-              <a:buNone/>
-            </a:pPr>
-            <a:r>
-              <a:rPr lang="en-US" sz="1100">
-                <a:latin typeface="Consolas" panose="020B0609020204030204" pitchFamily="49" charset="0"/>
-                <a:cs typeface="Courier New" panose="02070309020205020404" pitchFamily="49" charset="0"/>
-              </a:rPr>
-              <a:t>    print(e)</a:t>
-            </a:r>
-          </a:p>
-          <a:p>
-            <a:pPr marL="76200" indent="0">
-              <a:buNone/>
-            </a:pPr>
-            <a:endParaRPr lang="en-US" sz="1100">
-              <a:latin typeface="Consolas" panose="020B0609020204030204" pitchFamily="49" charset="0"/>
-              <a:cs typeface="Courier New" panose="02070309020205020404" pitchFamily="49" charset="0"/>
-            </a:endParaRPr>
-          </a:p>
-          <a:p>
-            <a:pPr marL="76200" indent="0">
-              <a:buNone/>
-            </a:pPr>
-            <a:r>
-              <a:rPr lang="en-US" sz="1400"/>
-              <a:t>Raise an error</a:t>
-            </a:r>
-          </a:p>
-          <a:p>
-            <a:pPr marL="76200" indent="0">
-              <a:buNone/>
-            </a:pPr>
-            <a:r>
-              <a:rPr lang="en-US" sz="1100">
-                <a:latin typeface="Consolas" panose="020B0609020204030204" pitchFamily="49" charset="0"/>
-                <a:cs typeface="Courier New" panose="02070309020205020404" pitchFamily="49" charset="0"/>
-              </a:rPr>
-              <a:t>x = -1</a:t>
-            </a:r>
-          </a:p>
-          <a:p>
-            <a:pPr marL="76200" indent="0">
-              <a:buNone/>
-            </a:pPr>
-            <a:r>
-              <a:rPr lang="en-US" sz="1100">
-                <a:latin typeface="Consolas" panose="020B0609020204030204" pitchFamily="49" charset="0"/>
-                <a:cs typeface="Courier New" panose="02070309020205020404" pitchFamily="49" charset="0"/>
-              </a:rPr>
-              <a:t>if x &lt; 0:</a:t>
-            </a:r>
-          </a:p>
-          <a:p>
-            <a:pPr marL="76200" indent="0">
-              <a:buNone/>
-            </a:pPr>
-            <a:r>
-              <a:rPr lang="en-US" sz="1100">
-                <a:latin typeface="Consolas" panose="020B0609020204030204" pitchFamily="49" charset="0"/>
-                <a:cs typeface="Courier New" panose="02070309020205020404" pitchFamily="49" charset="0"/>
-              </a:rPr>
-              <a:t>    </a:t>
-            </a:r>
-            <a:r>
-              <a:rPr lang="en-US" sz="1100">
-                <a:solidFill>
-                  <a:schemeClr val="accent1"/>
-                </a:solidFill>
-                <a:latin typeface="Consolas" panose="020B0609020204030204" pitchFamily="49" charset="0"/>
-                <a:cs typeface="Courier New" panose="02070309020205020404" pitchFamily="49" charset="0"/>
-              </a:rPr>
-              <a:t>raise</a:t>
-            </a:r>
-            <a:r>
-              <a:rPr lang="en-US" sz="1100">
-                <a:latin typeface="Consolas" panose="020B0609020204030204" pitchFamily="49" charset="0"/>
-                <a:cs typeface="Courier New" panose="02070309020205020404" pitchFamily="49" charset="0"/>
-              </a:rPr>
-              <a:t> Exception('Please enter a positive number') </a:t>
-            </a:r>
-          </a:p>
-        </p:txBody>
-      </p:sp>
-      <p:sp>
-        <p:nvSpPr>
-          <p:cNvPr id="4" name="Slide Number Placeholder 3">
-            <a:extLst>
-              <a:ext uri="{FF2B5EF4-FFF2-40B4-BE49-F238E27FC236}">
-                <a16:creationId xmlns:a16="http://schemas.microsoft.com/office/drawing/2014/main" id="{64987AE6-EC0E-43DD-9376-95A5602EE5E1}"/>
-              </a:ext>
-            </a:extLst>
-          </p:cNvPr>
-          <p:cNvSpPr>
-            <a:spLocks noGrp="1"/>
-          </p:cNvSpPr>
-          <p:nvPr>
-            <p:ph type="sldNum" idx="12"/>
-          </p:nvPr>
-        </p:nvSpPr>
-        <p:spPr/>
-        <p:txBody>
-          <a:bodyPr/>
-          <a:lstStyle/>
-          <a:p>
-            <a:pPr marL="0" lvl="0" indent="0" algn="r" rtl="0">
-              <a:spcBef>
-                <a:spcPts val="0"/>
-              </a:spcBef>
-              <a:spcAft>
-                <a:spcPts val="0"/>
-              </a:spcAft>
-              <a:buNone/>
-            </a:pPr>
-            <a:fld id="{00000000-1234-1234-1234-123412341234}" type="slidenum">
-              <a:rPr lang="en" smtClean="0"/>
-              <a:t>36</a:t>
-            </a:fld>
-            <a:endParaRPr lang="en"/>
-          </a:p>
-        </p:txBody>
-      </p:sp>
-    </p:spTree>
-    <p:extLst>
-      <p:ext uri="{BB962C8B-B14F-4D97-AF65-F5344CB8AC3E}">
-        <p14:creationId xmlns:p14="http://schemas.microsoft.com/office/powerpoint/2010/main" val="2265659775"/>
-      </p:ext>
-    </p:extLst>
-  </p:cSld>
-  <p:clrMapOvr>
-    <a:masterClrMapping/>
-  </p:clrMapOvr>
-</p:sld>
-</file>
-
-<file path=ppt/slides/slide37.xml><?xml version="1.0" encoding="utf-8"?>
 <p:sld xmlns:a="http://schemas.openxmlformats.org/drawingml/2006/main" xmlns:r="http://schemas.openxmlformats.org/officeDocument/2006/relationships" xmlns:p="http://schemas.openxmlformats.org/presentationml/2006/main">
   <p:cSld>
     <p:spTree>
@@ -24980,7 +24733,7 @@
                   <a:srgbClr val="E6E6E6"/>
                 </a:solidFill>
               </a:rPr>
-              <a:t>6</a:t>
+              <a:t>5</a:t>
             </a:r>
             <a:endParaRPr sz="6000">
               <a:solidFill>
@@ -25041,7 +24794,7 @@
             </a:pPr>
             <a:fld id="{00000000-1234-1234-1234-123412341234}" type="slidenum">
               <a:rPr lang="en"/>
-              <a:t>37</a:t>
+              <a:t>36</a:t>
             </a:fld>
             <a:endParaRPr/>
           </a:p>
@@ -25051,6 +24804,380 @@
     <p:extLst>
       <p:ext uri="{BB962C8B-B14F-4D97-AF65-F5344CB8AC3E}">
         <p14:creationId xmlns:p14="http://schemas.microsoft.com/office/powerpoint/2010/main" val="3810264144"/>
+      </p:ext>
+    </p:extLst>
+  </p:cSld>
+  <p:clrMapOvr>
+    <a:masterClrMapping/>
+  </p:clrMapOvr>
+</p:sld>
+</file>
+
+<file path=ppt/slides/slide37.xml><?xml version="1.0" encoding="utf-8"?>
+<p:sld xmlns:a="http://schemas.openxmlformats.org/drawingml/2006/main" xmlns:r="http://schemas.openxmlformats.org/officeDocument/2006/relationships" xmlns:p="http://schemas.openxmlformats.org/presentationml/2006/main">
+  <p:cSld>
+    <p:spTree>
+      <p:nvGrpSpPr>
+        <p:cNvPr id="1" name=""/>
+        <p:cNvGrpSpPr/>
+        <p:nvPr/>
+      </p:nvGrpSpPr>
+      <p:grpSpPr>
+        <a:xfrm>
+          <a:off x="0" y="0"/>
+          <a:ext cx="0" cy="0"/>
+          <a:chOff x="0" y="0"/>
+          <a:chExt cx="0" cy="0"/>
+        </a:xfrm>
+      </p:grpSpPr>
+      <p:sp>
+        <p:nvSpPr>
+          <p:cNvPr id="2" name="Title 1">
+            <a:extLst>
+              <a:ext uri="{FF2B5EF4-FFF2-40B4-BE49-F238E27FC236}">
+                <a16:creationId xmlns:a16="http://schemas.microsoft.com/office/drawing/2014/main" id="{024AD384-5AD1-4435-A943-1241B2FACD62}"/>
+              </a:ext>
+            </a:extLst>
+          </p:cNvPr>
+          <p:cNvSpPr>
+            <a:spLocks noGrp="1"/>
+          </p:cNvSpPr>
+          <p:nvPr>
+            <p:ph type="title"/>
+          </p:nvPr>
+        </p:nvSpPr>
+        <p:spPr/>
+        <p:txBody>
+          <a:bodyPr/>
+          <a:lstStyle/>
+          <a:p>
+            <a:r>
+              <a:rPr lang="en-US"/>
+              <a:t>Modules</a:t>
+            </a:r>
+            <a:endParaRPr lang="fa-IR"/>
+          </a:p>
+        </p:txBody>
+      </p:sp>
+      <p:sp>
+        <p:nvSpPr>
+          <p:cNvPr id="3" name="Text Placeholder 2">
+            <a:extLst>
+              <a:ext uri="{FF2B5EF4-FFF2-40B4-BE49-F238E27FC236}">
+                <a16:creationId xmlns:a16="http://schemas.microsoft.com/office/drawing/2014/main" id="{58BE3078-8B89-4550-B497-93E4DADBD57E}"/>
+              </a:ext>
+            </a:extLst>
+          </p:cNvPr>
+          <p:cNvSpPr>
+            <a:spLocks noGrp="1"/>
+          </p:cNvSpPr>
+          <p:nvPr>
+            <p:ph type="body" idx="1"/>
+          </p:nvPr>
+        </p:nvSpPr>
+        <p:spPr>
+          <a:xfrm>
+            <a:off x="786150" y="1142608"/>
+            <a:ext cx="7571700" cy="3626431"/>
+          </a:xfrm>
+        </p:spPr>
+        <p:txBody>
+          <a:bodyPr/>
+          <a:lstStyle/>
+          <a:p>
+            <a:pPr marL="76200" indent="0">
+              <a:buNone/>
+            </a:pPr>
+            <a:r>
+              <a:rPr lang="en-US" sz="1400"/>
+              <a:t>A module is a file containing a set of functions you want to include in your application.</a:t>
+            </a:r>
+          </a:p>
+          <a:p>
+            <a:pPr marL="76200" indent="0">
+              <a:buNone/>
+            </a:pPr>
+            <a:r>
+              <a:rPr lang="en-US" sz="1400"/>
+              <a:t>To create a module just save the code you want in a file with the file extension </a:t>
+            </a:r>
+            <a:r>
+              <a:rPr lang="en-US" sz="1400">
+                <a:solidFill>
+                  <a:schemeClr val="accent1"/>
+                </a:solidFill>
+              </a:rPr>
+              <a:t>.py</a:t>
+            </a:r>
+            <a:r>
+              <a:rPr lang="en-US" sz="1400"/>
+              <a:t>.</a:t>
+            </a:r>
+          </a:p>
+          <a:p>
+            <a:pPr marL="76200" indent="0">
+              <a:buNone/>
+            </a:pPr>
+            <a:r>
+              <a:rPr lang="en-US" sz="1400"/>
+              <a:t>Python module index: </a:t>
+            </a:r>
+            <a:r>
+              <a:rPr lang="en-US" sz="1100">
+                <a:latin typeface="Consolas" panose="020B0609020204030204" pitchFamily="49" charset="0"/>
+                <a:hlinkClick r:id="rId2"/>
+              </a:rPr>
+              <a:t>https://docs.python.org/3/py-modindex.html</a:t>
+            </a:r>
+            <a:endParaRPr lang="en-US" sz="1100">
+              <a:latin typeface="Consolas" panose="020B0609020204030204" pitchFamily="49" charset="0"/>
+            </a:endParaRPr>
+          </a:p>
+          <a:p>
+            <a:pPr marL="76200" indent="0">
+              <a:buNone/>
+            </a:pPr>
+            <a:endParaRPr lang="en-US" sz="1100">
+              <a:latin typeface="Consolas" panose="020B0609020204030204" pitchFamily="49" charset="0"/>
+            </a:endParaRPr>
+          </a:p>
+          <a:p>
+            <a:pPr marL="76200" indent="0">
+              <a:buNone/>
+            </a:pPr>
+            <a:r>
+              <a:rPr lang="en-US" sz="1400"/>
+              <a:t>Using a module</a:t>
+            </a:r>
+          </a:p>
+          <a:p>
+            <a:pPr marL="76200" indent="0">
+              <a:buNone/>
+            </a:pPr>
+            <a:r>
+              <a:rPr lang="en-US" sz="1100">
+                <a:solidFill>
+                  <a:schemeClr val="accent1"/>
+                </a:solidFill>
+                <a:latin typeface="Consolas" panose="020B0609020204030204" pitchFamily="49" charset="0"/>
+              </a:rPr>
+              <a:t>import</a:t>
+            </a:r>
+            <a:r>
+              <a:rPr lang="en-US" sz="1100">
+                <a:latin typeface="Consolas" panose="020B0609020204030204" pitchFamily="49" charset="0"/>
+              </a:rPr>
+              <a:t> myModule </a:t>
+            </a:r>
+            <a:r>
+              <a:rPr lang="en-US" sz="1100">
+                <a:solidFill>
+                  <a:schemeClr val="accent1"/>
+                </a:solidFill>
+                <a:latin typeface="Consolas" panose="020B0609020204030204" pitchFamily="49" charset="0"/>
+              </a:rPr>
+              <a:t>as</a:t>
+            </a:r>
+            <a:r>
+              <a:rPr lang="en-US" sz="1100">
+                <a:latin typeface="Consolas" panose="020B0609020204030204" pitchFamily="49" charset="0"/>
+              </a:rPr>
+              <a:t> m</a:t>
+            </a:r>
+          </a:p>
+          <a:p>
+            <a:pPr marL="76200" indent="0">
+              <a:buNone/>
+            </a:pPr>
+            <a:r>
+              <a:rPr lang="en-US" sz="1100">
+                <a:latin typeface="Consolas" panose="020B0609020204030204" pitchFamily="49" charset="0"/>
+              </a:rPr>
+              <a:t>m</a:t>
+            </a:r>
+            <a:r>
+              <a:rPr lang="en-US" sz="1100">
+                <a:solidFill>
+                  <a:schemeClr val="accent1"/>
+                </a:solidFill>
+                <a:latin typeface="Consolas" panose="020B0609020204030204" pitchFamily="49" charset="0"/>
+              </a:rPr>
+              <a:t>.</a:t>
+            </a:r>
+            <a:r>
+              <a:rPr lang="en-US" sz="1100">
+                <a:latin typeface="Consolas" panose="020B0609020204030204" pitchFamily="49" charset="0"/>
+              </a:rPr>
+              <a:t>greeter</a:t>
+            </a:r>
+            <a:r>
+              <a:rPr lang="en-US" sz="1100">
+                <a:solidFill>
+                  <a:schemeClr val="accent1"/>
+                </a:solidFill>
+                <a:latin typeface="Consolas" panose="020B0609020204030204" pitchFamily="49" charset="0"/>
+              </a:rPr>
+              <a:t>(</a:t>
+            </a:r>
+            <a:r>
+              <a:rPr lang="en-US" sz="1100">
+                <a:latin typeface="Consolas" panose="020B0609020204030204" pitchFamily="49" charset="0"/>
+              </a:rPr>
+              <a:t>'Alireza'</a:t>
+            </a:r>
+            <a:r>
+              <a:rPr lang="en-US" sz="1100">
+                <a:solidFill>
+                  <a:schemeClr val="accent1"/>
+                </a:solidFill>
+                <a:latin typeface="Consolas" panose="020B0609020204030204" pitchFamily="49" charset="0"/>
+              </a:rPr>
+              <a:t>)</a:t>
+            </a:r>
+            <a:r>
+              <a:rPr lang="en-US" sz="1100">
+                <a:latin typeface="Consolas" panose="020B0609020204030204" pitchFamily="49" charset="0"/>
+              </a:rPr>
+              <a:t>   # Functions</a:t>
+            </a:r>
+          </a:p>
+          <a:p>
+            <a:pPr marL="76200" indent="0">
+              <a:buNone/>
+            </a:pPr>
+            <a:r>
+              <a:rPr lang="en-US" sz="1100">
+                <a:latin typeface="Consolas" panose="020B0609020204030204" pitchFamily="49" charset="0"/>
+              </a:rPr>
+              <a:t>importedName = m</a:t>
+            </a:r>
+            <a:r>
+              <a:rPr lang="en-US" sz="1100">
+                <a:solidFill>
+                  <a:schemeClr val="accent1"/>
+                </a:solidFill>
+                <a:latin typeface="Consolas" panose="020B0609020204030204" pitchFamily="49" charset="0"/>
+              </a:rPr>
+              <a:t>.</a:t>
+            </a:r>
+            <a:r>
+              <a:rPr lang="en-US" sz="1100">
+                <a:latin typeface="Consolas" panose="020B0609020204030204" pitchFamily="49" charset="0"/>
+              </a:rPr>
+              <a:t>name  # Variables</a:t>
+            </a:r>
+          </a:p>
+          <a:p>
+            <a:pPr marL="76200" indent="0">
+              <a:buNone/>
+            </a:pPr>
+            <a:endParaRPr lang="en-US" sz="1100">
+              <a:latin typeface="Consolas" panose="020B0609020204030204" pitchFamily="49" charset="0"/>
+            </a:endParaRPr>
+          </a:p>
+          <a:p>
+            <a:pPr marL="76200" indent="0">
+              <a:buNone/>
+            </a:pPr>
+            <a:r>
+              <a:rPr lang="en-US" sz="1400"/>
+              <a:t>Import from a module</a:t>
+            </a:r>
+          </a:p>
+          <a:p>
+            <a:pPr marL="76200" indent="0">
+              <a:buNone/>
+            </a:pPr>
+            <a:r>
+              <a:rPr lang="en-US" sz="1100">
+                <a:solidFill>
+                  <a:schemeClr val="accent1"/>
+                </a:solidFill>
+                <a:latin typeface="Consolas" panose="020B0609020204030204" pitchFamily="49" charset="0"/>
+              </a:rPr>
+              <a:t>from</a:t>
+            </a:r>
+            <a:r>
+              <a:rPr lang="en-US" sz="1100">
+                <a:latin typeface="Consolas" panose="020B0609020204030204" pitchFamily="49" charset="0"/>
+              </a:rPr>
+              <a:t> mymodule </a:t>
+            </a:r>
+            <a:r>
+              <a:rPr lang="en-US" sz="1100">
+                <a:solidFill>
+                  <a:schemeClr val="accent1"/>
+                </a:solidFill>
+                <a:latin typeface="Consolas" panose="020B0609020204030204" pitchFamily="49" charset="0"/>
+              </a:rPr>
+              <a:t>import</a:t>
+            </a:r>
+            <a:r>
+              <a:rPr lang="en-US" sz="1100">
+                <a:latin typeface="Consolas" panose="020B0609020204030204" pitchFamily="49" charset="0"/>
+              </a:rPr>
+              <a:t> greeter</a:t>
+            </a:r>
+            <a:r>
+              <a:rPr lang="en-US" sz="1100">
+                <a:solidFill>
+                  <a:schemeClr val="accent1"/>
+                </a:solidFill>
+                <a:latin typeface="Consolas" panose="020B0609020204030204" pitchFamily="49" charset="0"/>
+              </a:rPr>
+              <a:t>,</a:t>
+            </a:r>
+            <a:r>
+              <a:rPr lang="en-US" sz="1100">
+                <a:latin typeface="Consolas" panose="020B0609020204030204" pitchFamily="49" charset="0"/>
+              </a:rPr>
+              <a:t> name</a:t>
+            </a:r>
+          </a:p>
+        </p:txBody>
+      </p:sp>
+      <p:sp>
+        <p:nvSpPr>
+          <p:cNvPr id="4" name="Slide Number Placeholder 3">
+            <a:extLst>
+              <a:ext uri="{FF2B5EF4-FFF2-40B4-BE49-F238E27FC236}">
+                <a16:creationId xmlns:a16="http://schemas.microsoft.com/office/drawing/2014/main" id="{64987AE6-EC0E-43DD-9376-95A5602EE5E1}"/>
+              </a:ext>
+            </a:extLst>
+          </p:cNvPr>
+          <p:cNvSpPr>
+            <a:spLocks noGrp="1"/>
+          </p:cNvSpPr>
+          <p:nvPr>
+            <p:ph type="sldNum" idx="12"/>
+          </p:nvPr>
+        </p:nvSpPr>
+        <p:spPr/>
+        <p:txBody>
+          <a:bodyPr/>
+          <a:lstStyle/>
+          <a:p>
+            <a:pPr marL="0" lvl="0" indent="0" algn="r" rtl="0">
+              <a:spcBef>
+                <a:spcPts val="0"/>
+              </a:spcBef>
+              <a:spcAft>
+                <a:spcPts val="0"/>
+              </a:spcAft>
+              <a:buNone/>
+            </a:pPr>
+            <a:fld id="{00000000-1234-1234-1234-123412341234}" type="slidenum">
+              <a:rPr lang="en" smtClean="0"/>
+              <a:t>37</a:t>
+            </a:fld>
+            <a:endParaRPr lang="en"/>
+          </a:p>
+        </p:txBody>
+      </p:sp>
+    </p:spTree>
+    <p:extLst>
+      <p:ext uri="{BB962C8B-B14F-4D97-AF65-F5344CB8AC3E}">
+        <p14:creationId xmlns:p14="http://schemas.microsoft.com/office/powerpoint/2010/main" val="3825030696"/>
       </p:ext>
     </p:extLst>
   </p:cSld>
@@ -25100,7 +25227,7 @@
           <a:p>
             <a:r>
               <a:rPr lang="en-US"/>
-              <a:t>Modules</a:t>
+              <a:t>Packages</a:t>
             </a:r>
             <a:endParaRPr lang="fa-IR"/>
           </a:p>
@@ -25137,28 +25264,24 @@
             </a:pPr>
             <a:r>
               <a:rPr lang="en-US" sz="1400"/>
-              <a:t>A module is a file containing a set of functions you want to include in your application.</a:t>
-            </a:r>
-          </a:p>
-          <a:p>
-            <a:pPr marL="76200" indent="0">
-              <a:buNone/>
-            </a:pPr>
-            <a:r>
-              <a:rPr lang="en-US" sz="1400"/>
-              <a:t>To create a module just save the code you want in a file with the file extension </a:t>
-            </a:r>
+              <a:t>A package contains all the files you need for a module.</a:t>
+            </a:r>
+          </a:p>
+          <a:p>
+            <a:pPr marL="76200" indent="0">
+              <a:buNone/>
+            </a:pPr>
             <a:r>
               <a:rPr lang="en-US" sz="1400">
                 <a:solidFill>
                   <a:schemeClr val="accent1"/>
                 </a:solidFill>
               </a:rPr>
-              <a:t>.py</a:t>
+              <a:t>PIP</a:t>
             </a:r>
             <a:r>
               <a:rPr lang="en-US" sz="1400"/>
-              <a:t>.</a:t>
+              <a:t> is a package manager for Python packages, or modules if you like.</a:t>
             </a:r>
           </a:p>
           <a:p>
@@ -25167,14 +25290,14 @@
             </a:pPr>
             <a:r>
               <a:rPr lang="en-US" sz="1400"/>
-              <a:t>Python module index: </a:t>
+              <a:t>Python package index: </a:t>
             </a:r>
             <a:r>
               <a:rPr lang="en-US" sz="1100">
                 <a:latin typeface="Consolas" panose="020B0609020204030204" pitchFamily="49" charset="0"/>
                 <a:hlinkClick r:id="rId2"/>
               </a:rPr>
-              <a:t>https://docs.python.org/3/py-modindex.html</a:t>
+              <a:t>https://pypi.org/</a:t>
             </a:r>
             <a:endParaRPr lang="en-US" sz="1100">
               <a:latin typeface="Consolas" panose="020B0609020204030204" pitchFamily="49" charset="0"/>
@@ -25194,7 +25317,7 @@
             </a:pPr>
             <a:r>
               <a:rPr lang="en-US" sz="1400"/>
-              <a:t>Using a module</a:t>
+              <a:t>Download a package</a:t>
             </a:r>
           </a:p>
           <a:p>
@@ -25208,13 +25331,41 @@
                 </a:solidFill>
                 <a:latin typeface="Consolas" panose="020B0609020204030204" pitchFamily="49" charset="0"/>
               </a:rPr>
-              <a:t>import</a:t>
-            </a:r>
-            <a:r>
-              <a:rPr lang="en-US" sz="1100">
-                <a:latin typeface="Consolas" panose="020B0609020204030204" pitchFamily="49" charset="0"/>
-              </a:rPr>
-              <a:t> myModule </a:t>
+              <a:t>pip install </a:t>
+            </a:r>
+            <a:r>
+              <a:rPr lang="en-US" sz="1100">
+                <a:latin typeface="Consolas" panose="020B0609020204030204" pitchFamily="49" charset="0"/>
+              </a:rPr>
+              <a:t>numpy</a:t>
+            </a:r>
+          </a:p>
+          <a:p>
+            <a:pPr marL="76200" indent="0">
+              <a:buNone/>
+            </a:pPr>
+            <a:endParaRPr lang="en-US" sz="1100">
+              <a:latin typeface="Consolas" panose="020B0609020204030204" pitchFamily="49" charset="0"/>
+            </a:endParaRPr>
+          </a:p>
+          <a:p>
+            <a:pPr marL="76200" indent="0">
+              <a:buNone/>
+            </a:pPr>
+            <a:r>
+              <a:rPr lang="en-US" sz="1400"/>
+              <a:t>Remove a package</a:t>
+            </a:r>
+          </a:p>
+          <a:p>
+            <a:pPr marL="76200" indent="0">
+              <a:buNone/>
+            </a:pPr>
+            <a:r>
+              <a:rPr lang="en-US" sz="1100">
+                <a:latin typeface="Consolas" panose="020B0609020204030204" pitchFamily="49" charset="0"/>
+              </a:rPr>
+              <a:t>pip </a:t>
             </a:r>
             <a:r>
               <a:rPr lang="en-US" sz="1100">
@@ -25223,24 +25374,41 @@
                 </a:solidFill>
                 <a:latin typeface="Consolas" panose="020B0609020204030204" pitchFamily="49" charset="0"/>
               </a:rPr>
-              <a:t>as</a:t>
-            </a:r>
-            <a:r>
-              <a:rPr lang="en-US" sz="1100">
-                <a:latin typeface="Consolas" panose="020B0609020204030204" pitchFamily="49" charset="0"/>
-              </a:rPr>
-              <a:t> m</a:t>
-            </a:r>
-          </a:p>
-          <a:p>
-            <a:pPr marL="76200" indent="0">
-              <a:buNone/>
-            </a:pPr>
-            <a:r>
-              <a:rPr lang="en-US" sz="1100">
-                <a:latin typeface="Consolas" panose="020B0609020204030204" pitchFamily="49" charset="0"/>
-              </a:rPr>
-              <a:t>m</a:t>
+              <a:t>uninstall</a:t>
+            </a:r>
+            <a:r>
+              <a:rPr lang="en-US" sz="1100">
+                <a:latin typeface="Consolas" panose="020B0609020204030204" pitchFamily="49" charset="0"/>
+              </a:rPr>
+              <a:t> numpy</a:t>
+            </a:r>
+          </a:p>
+          <a:p>
+            <a:pPr marL="76200" indent="0">
+              <a:buNone/>
+            </a:pPr>
+            <a:endParaRPr lang="en-US" sz="1100">
+              <a:latin typeface="Consolas" panose="020B0609020204030204" pitchFamily="49" charset="0"/>
+            </a:endParaRPr>
+          </a:p>
+          <a:p>
+            <a:pPr marL="76200" indent="0">
+              <a:buNone/>
+            </a:pPr>
+            <a:r>
+              <a:rPr lang="en-US" sz="1400"/>
+              <a:t>List packages</a:t>
+            </a:r>
+          </a:p>
+          <a:p>
+            <a:pPr marL="76200" indent="0">
+              <a:buNone/>
+            </a:pPr>
+            <a:r>
+              <a:rPr lang="en-US" sz="1100">
+                <a:latin typeface="Consolas" panose="020B0609020204030204" pitchFamily="49" charset="0"/>
+              </a:rPr>
+              <a:t>pip </a:t>
             </a:r>
             <a:r>
               <a:rPr lang="en-US" sz="1100">
@@ -25249,136 +25417,7 @@
                 </a:solidFill>
                 <a:latin typeface="Consolas" panose="020B0609020204030204" pitchFamily="49" charset="0"/>
               </a:rPr>
-              <a:t>.</a:t>
-            </a:r>
-            <a:r>
-              <a:rPr lang="en-US" sz="1100">
-                <a:latin typeface="Consolas" panose="020B0609020204030204" pitchFamily="49" charset="0"/>
-              </a:rPr>
-              <a:t>greeter</a:t>
-            </a:r>
-            <a:r>
-              <a:rPr lang="en-US" sz="1100">
-                <a:solidFill>
-                  <a:schemeClr val="accent1"/>
-                </a:solidFill>
-                <a:latin typeface="Consolas" panose="020B0609020204030204" pitchFamily="49" charset="0"/>
-              </a:rPr>
-              <a:t>(</a:t>
-            </a:r>
-            <a:r>
-              <a:rPr lang="en-US" sz="1100">
-                <a:latin typeface="Consolas" panose="020B0609020204030204" pitchFamily="49" charset="0"/>
-              </a:rPr>
-              <a:t>'Alireza'</a:t>
-            </a:r>
-            <a:r>
-              <a:rPr lang="en-US" sz="1100">
-                <a:solidFill>
-                  <a:schemeClr val="accent1"/>
-                </a:solidFill>
-                <a:latin typeface="Consolas" panose="020B0609020204030204" pitchFamily="49" charset="0"/>
-              </a:rPr>
-              <a:t>)</a:t>
-            </a:r>
-            <a:r>
-              <a:rPr lang="en-US" sz="1100">
-                <a:latin typeface="Consolas" panose="020B0609020204030204" pitchFamily="49" charset="0"/>
-              </a:rPr>
-              <a:t>   # Functions</a:t>
-            </a:r>
-          </a:p>
-          <a:p>
-            <a:pPr marL="76200" indent="0">
-              <a:buNone/>
-            </a:pPr>
-            <a:r>
-              <a:rPr lang="en-US" sz="1100">
-                <a:latin typeface="Consolas" panose="020B0609020204030204" pitchFamily="49" charset="0"/>
-              </a:rPr>
-              <a:t>importedName = m</a:t>
-            </a:r>
-            <a:r>
-              <a:rPr lang="en-US" sz="1100">
-                <a:solidFill>
-                  <a:schemeClr val="accent1"/>
-                </a:solidFill>
-                <a:latin typeface="Consolas" panose="020B0609020204030204" pitchFamily="49" charset="0"/>
-              </a:rPr>
-              <a:t>.</a:t>
-            </a:r>
-            <a:r>
-              <a:rPr lang="en-US" sz="1100">
-                <a:latin typeface="Consolas" panose="020B0609020204030204" pitchFamily="49" charset="0"/>
-              </a:rPr>
-              <a:t>name  # Variables</a:t>
-            </a:r>
-          </a:p>
-          <a:p>
-            <a:pPr marL="76200" indent="0">
-              <a:buNone/>
-            </a:pPr>
-            <a:endParaRPr lang="en-US" sz="1100">
-              <a:latin typeface="Consolas" panose="020B0609020204030204" pitchFamily="49" charset="0"/>
-            </a:endParaRPr>
-          </a:p>
-          <a:p>
-            <a:pPr marL="76200" indent="0">
-              <a:buNone/>
-            </a:pPr>
-            <a:r>
-              <a:rPr lang="en-US" sz="1400"/>
-              <a:t>Import from a module</a:t>
-            </a:r>
-          </a:p>
-          <a:p>
-            <a:pPr marL="76200" indent="0">
-              <a:buNone/>
-            </a:pPr>
-            <a:r>
-              <a:rPr lang="en-US" sz="1100">
-                <a:solidFill>
-                  <a:schemeClr val="accent1"/>
-                </a:solidFill>
-                <a:latin typeface="Consolas" panose="020B0609020204030204" pitchFamily="49" charset="0"/>
-              </a:rPr>
-              <a:t>from</a:t>
-            </a:r>
-            <a:r>
-              <a:rPr lang="en-US" sz="1100">
-                <a:latin typeface="Consolas" panose="020B0609020204030204" pitchFamily="49" charset="0"/>
-              </a:rPr>
-              <a:t> mymodule </a:t>
-            </a:r>
-            <a:r>
-              <a:rPr lang="en-US" sz="1100">
-                <a:solidFill>
-                  <a:schemeClr val="accent1"/>
-                </a:solidFill>
-                <a:latin typeface="Consolas" panose="020B0609020204030204" pitchFamily="49" charset="0"/>
-              </a:rPr>
-              <a:t>import</a:t>
-            </a:r>
-            <a:r>
-              <a:rPr lang="en-US" sz="1100">
-                <a:latin typeface="Consolas" panose="020B0609020204030204" pitchFamily="49" charset="0"/>
-              </a:rPr>
-              <a:t> greeter</a:t>
-            </a:r>
-            <a:r>
-              <a:rPr lang="en-US" sz="1100">
-                <a:solidFill>
-                  <a:schemeClr val="accent1"/>
-                </a:solidFill>
-                <a:latin typeface="Consolas" panose="020B0609020204030204" pitchFamily="49" charset="0"/>
-              </a:rPr>
-              <a:t>,</a:t>
-            </a:r>
-            <a:r>
-              <a:rPr lang="en-US" sz="1100">
-                <a:latin typeface="Consolas" panose="020B0609020204030204" pitchFamily="49" charset="0"/>
-              </a:rPr>
-              <a:t> name</a:t>
+              <a:t>list</a:t>
             </a:r>
           </a:p>
         </p:txBody>
@@ -25424,7 +25463,7 @@
     </p:spTree>
     <p:extLst>
       <p:ext uri="{BB962C8B-B14F-4D97-AF65-F5344CB8AC3E}">
-        <p14:creationId xmlns:p14="http://schemas.microsoft.com/office/powerpoint/2010/main" val="3825030696"/>
+        <p14:creationId xmlns:p14="http://schemas.microsoft.com/office/powerpoint/2010/main" val="2988877096"/>
       </p:ext>
     </p:extLst>
   </p:cSld>
@@ -25474,7 +25513,7 @@
           <a:p>
             <a:r>
               <a:rPr lang="en-US"/>
-              <a:t>Packages</a:t>
+              <a:t>Datetime</a:t>
             </a:r>
             <a:endParaRPr lang="fa-IR"/>
           </a:p>
@@ -25511,66 +25550,39 @@
             </a:pPr>
             <a:r>
               <a:rPr lang="en-US" sz="1400"/>
-              <a:t>A package contains all the files you need for a module.</a:t>
-            </a:r>
-          </a:p>
-          <a:p>
-            <a:pPr marL="76200" indent="0">
-              <a:buNone/>
-            </a:pPr>
-            <a:r>
-              <a:rPr lang="en-US" sz="1400">
+              <a:t>Import and use datetime</a:t>
+            </a:r>
+          </a:p>
+          <a:p>
+            <a:pPr marL="76200" indent="0">
+              <a:buNone/>
+            </a:pPr>
+            <a:r>
+              <a:rPr lang="en-US" sz="1100">
+                <a:latin typeface="Consolas" panose="020B0609020204030204" pitchFamily="49" charset="0"/>
+              </a:rPr>
+              <a:t>import </a:t>
+            </a:r>
+            <a:r>
+              <a:rPr lang="en-US" sz="1100">
                 <a:solidFill>
                   <a:schemeClr val="accent1"/>
                 </a:solidFill>
-              </a:rPr>
-              <a:t>PIP</a:t>
-            </a:r>
-            <a:r>
-              <a:rPr lang="en-US" sz="1400"/>
-              <a:t> is a package manager for Python packages, or modules if you like.</a:t>
-            </a:r>
-          </a:p>
-          <a:p>
-            <a:pPr marL="76200" indent="0">
-              <a:buNone/>
-            </a:pPr>
-            <a:r>
-              <a:rPr lang="en-US" sz="1400"/>
-              <a:t>Python package index: </a:t>
-            </a:r>
-            <a:r>
-              <a:rPr lang="en-US" sz="1100">
-                <a:latin typeface="Consolas" panose="020B0609020204030204" pitchFamily="49" charset="0"/>
-                <a:hlinkClick r:id="rId2"/>
-              </a:rPr>
-              <a:t>https://pypi.org/</a:t>
-            </a:r>
-            <a:endParaRPr lang="en-US" sz="1100">
-              <a:latin typeface="Consolas" panose="020B0609020204030204" pitchFamily="49" charset="0"/>
-            </a:endParaRPr>
-          </a:p>
-          <a:p>
-            <a:pPr marL="76200" indent="0">
-              <a:buNone/>
-            </a:pPr>
-            <a:endParaRPr lang="en-US" sz="1100">
-              <a:latin typeface="Consolas" panose="020B0609020204030204" pitchFamily="49" charset="0"/>
-            </a:endParaRPr>
-          </a:p>
-          <a:p>
-            <a:pPr marL="76200" indent="0">
-              <a:buNone/>
-            </a:pPr>
-            <a:r>
-              <a:rPr lang="en-US" sz="1400"/>
-              <a:t>Download a package</a:t>
-            </a:r>
-          </a:p>
-          <a:p>
-            <a:pPr marL="76200" indent="0">
-              <a:buNone/>
-            </a:pPr>
+                <a:latin typeface="Consolas" panose="020B0609020204030204" pitchFamily="49" charset="0"/>
+              </a:rPr>
+              <a:t>datetime</a:t>
+            </a:r>
+          </a:p>
+          <a:p>
+            <a:pPr marL="76200" indent="0">
+              <a:buNone/>
+            </a:pPr>
+            <a:r>
+              <a:rPr lang="en-US" sz="1100">
+                <a:latin typeface="Consolas" panose="020B0609020204030204" pitchFamily="49" charset="0"/>
+              </a:rPr>
+              <a:t>now = datetime</a:t>
+            </a:r>
             <a:r>
               <a:rPr lang="en-US" sz="1100">
                 <a:solidFill>
@@ -25578,63 +25590,49 @@
                 </a:solidFill>
                 <a:latin typeface="Consolas" panose="020B0609020204030204" pitchFamily="49" charset="0"/>
               </a:rPr>
-              <a:t>pip install </a:t>
-            </a:r>
-            <a:r>
-              <a:rPr lang="en-US" sz="1100">
-                <a:latin typeface="Consolas" panose="020B0609020204030204" pitchFamily="49" charset="0"/>
-              </a:rPr>
-              <a:t>numpy</a:t>
-            </a:r>
-          </a:p>
-          <a:p>
-            <a:pPr marL="76200" indent="0">
-              <a:buNone/>
-            </a:pPr>
-            <a:endParaRPr lang="en-US" sz="1100">
-              <a:latin typeface="Consolas" panose="020B0609020204030204" pitchFamily="49" charset="0"/>
-            </a:endParaRPr>
-          </a:p>
-          <a:p>
-            <a:pPr marL="76200" indent="0">
-              <a:buNone/>
-            </a:pPr>
-            <a:r>
-              <a:rPr lang="en-US" sz="1400"/>
-              <a:t>Remove a package</a:t>
-            </a:r>
-          </a:p>
-          <a:p>
-            <a:pPr marL="76200" indent="0">
-              <a:buNone/>
-            </a:pPr>
-            <a:r>
-              <a:rPr lang="en-US" sz="1100">
-                <a:latin typeface="Consolas" panose="020B0609020204030204" pitchFamily="49" charset="0"/>
-              </a:rPr>
-              <a:t>pip </a:t>
-            </a:r>
-            <a:r>
-              <a:rPr lang="en-US" sz="1100">
+              <a:t>.datetime.now()</a:t>
+            </a:r>
+          </a:p>
+          <a:p>
+            <a:pPr marL="76200" indent="0">
+              <a:buNone/>
+            </a:pPr>
+            <a:r>
+              <a:rPr lang="en-US" sz="1100">
+                <a:latin typeface="Consolas" panose="020B0609020204030204" pitchFamily="49" charset="0"/>
+              </a:rPr>
+              <a:t>print(now)</a:t>
+            </a:r>
+          </a:p>
+          <a:p>
+            <a:pPr marL="76200" indent="0">
+              <a:buNone/>
+            </a:pPr>
+            <a:r>
+              <a:rPr lang="en-US" sz="1100">
+                <a:latin typeface="Consolas" panose="020B0609020204030204" pitchFamily="49" charset="0"/>
+              </a:rPr>
+              <a:t>myBirthday = </a:t>
+            </a:r>
+            <a:r>
+              <a:rPr lang="nn-NO" sz="1100">
+                <a:latin typeface="Consolas" panose="020B0609020204030204" pitchFamily="49" charset="0"/>
+              </a:rPr>
+              <a:t>datetime</a:t>
+            </a:r>
+            <a:r>
+              <a:rPr lang="nn-NO" sz="1100">
                 <a:solidFill>
                   <a:schemeClr val="accent1"/>
                 </a:solidFill>
                 <a:latin typeface="Consolas" panose="020B0609020204030204" pitchFamily="49" charset="0"/>
               </a:rPr>
-              <a:t>uninstall</a:t>
-            </a:r>
-            <a:r>
-              <a:rPr lang="en-US" sz="1100">
-                <a:latin typeface="Consolas" panose="020B0609020204030204" pitchFamily="49" charset="0"/>
-              </a:rPr>
-              <a:t> numpy</a:t>
-            </a:r>
-          </a:p>
-          <a:p>
-            <a:pPr marL="76200" indent="0">
-              <a:buNone/>
-            </a:pPr>
+              <a:t>.datetime(1999, 1, 5)</a:t>
+            </a:r>
             <a:endParaRPr lang="en-US" sz="1100">
+              <a:solidFill>
+                <a:schemeClr val="accent1"/>
+              </a:solidFill>
               <a:latin typeface="Consolas" panose="020B0609020204030204" pitchFamily="49" charset="0"/>
             </a:endParaRPr>
           </a:p>
@@ -25643,19 +25641,10 @@
               <a:buNone/>
             </a:pPr>
             <a:r>
-              <a:rPr lang="en-US" sz="1400"/>
-              <a:t>List packages</a:t>
-            </a:r>
-          </a:p>
-          <a:p>
-            <a:pPr marL="76200" indent="0">
-              <a:buNone/>
-            </a:pPr>
-            <a:r>
-              <a:rPr lang="en-US" sz="1100">
-                <a:latin typeface="Consolas" panose="020B0609020204030204" pitchFamily="49" charset="0"/>
-              </a:rPr>
-              <a:t>pip </a:t>
+              <a:rPr lang="en-US" sz="1100">
+                <a:latin typeface="Consolas" panose="020B0609020204030204" pitchFamily="49" charset="0"/>
+              </a:rPr>
+              <a:t>print(myBirthday</a:t>
             </a:r>
             <a:r>
               <a:rPr lang="en-US" sz="1100">
@@ -25664,7 +25653,80 @@
                 </a:solidFill>
                 <a:latin typeface="Consolas" panose="020B0609020204030204" pitchFamily="49" charset="0"/>
               </a:rPr>
-              <a:t>list</a:t>
+              <a:t>.strftime('%x')</a:t>
+            </a:r>
+            <a:r>
+              <a:rPr lang="en-US" sz="1100">
+                <a:latin typeface="Consolas" panose="020B0609020204030204" pitchFamily="49" charset="0"/>
+              </a:rPr>
+              <a:t>)</a:t>
+            </a:r>
+          </a:p>
+          <a:p>
+            <a:pPr marL="76200" indent="0">
+              <a:buNone/>
+            </a:pPr>
+            <a:r>
+              <a:rPr lang="en-US" sz="1100">
+                <a:latin typeface="Consolas" panose="020B0609020204030204" pitchFamily="49" charset="0"/>
+              </a:rPr>
+              <a:t>print(myBirthday.strftime(</a:t>
+            </a:r>
+            <a:r>
+              <a:rPr lang="en-US" sz="1100">
+                <a:solidFill>
+                  <a:schemeClr val="accent1"/>
+                </a:solidFill>
+                <a:latin typeface="Consolas" panose="020B0609020204030204" pitchFamily="49" charset="0"/>
+              </a:rPr>
+              <a:t>'%A'</a:t>
+            </a:r>
+            <a:r>
+              <a:rPr lang="en-US" sz="1100">
+                <a:latin typeface="Consolas" panose="020B0609020204030204" pitchFamily="49" charset="0"/>
+              </a:rPr>
+              <a:t>))</a:t>
+            </a:r>
+          </a:p>
+          <a:p>
+            <a:pPr marL="76200" indent="0">
+              <a:buNone/>
+            </a:pPr>
+            <a:r>
+              <a:rPr lang="en-US" sz="1100">
+                <a:latin typeface="Consolas" panose="020B0609020204030204" pitchFamily="49" charset="0"/>
+              </a:rPr>
+              <a:t>print((now </a:t>
+            </a:r>
+            <a:r>
+              <a:rPr lang="en-US" sz="1100">
+                <a:solidFill>
+                  <a:schemeClr val="accent1"/>
+                </a:solidFill>
+                <a:latin typeface="Consolas" panose="020B0609020204030204" pitchFamily="49" charset="0"/>
+              </a:rPr>
+              <a:t>-</a:t>
+            </a:r>
+            <a:r>
+              <a:rPr lang="en-US" sz="1100">
+                <a:latin typeface="Consolas" panose="020B0609020204030204" pitchFamily="49" charset="0"/>
+              </a:rPr>
+              <a:t> myBirthday)</a:t>
+            </a:r>
+            <a:r>
+              <a:rPr lang="en-US" sz="1100">
+                <a:solidFill>
+                  <a:schemeClr val="accent1"/>
+                </a:solidFill>
+                <a:latin typeface="Consolas" panose="020B0609020204030204" pitchFamily="49" charset="0"/>
+              </a:rPr>
+              <a:t>.days</a:t>
+            </a:r>
+            <a:r>
+              <a:rPr lang="en-US" sz="1100">
+                <a:latin typeface="Consolas" panose="020B0609020204030204" pitchFamily="49" charset="0"/>
+              </a:rPr>
+              <a:t>)</a:t>
             </a:r>
           </a:p>
         </p:txBody>
@@ -25710,7 +25772,7 @@
     </p:spTree>
     <p:extLst>
       <p:ext uri="{BB962C8B-B14F-4D97-AF65-F5344CB8AC3E}">
-        <p14:creationId xmlns:p14="http://schemas.microsoft.com/office/powerpoint/2010/main" val="2988877096"/>
+        <p14:creationId xmlns:p14="http://schemas.microsoft.com/office/powerpoint/2010/main" val="2927642387"/>
       </p:ext>
     </p:extLst>
   </p:cSld>
@@ -25961,8 +26023,8 @@
           <a:lstStyle/>
           <a:p>
             <a:r>
-              <a:rPr lang="en-US"/>
-              <a:t>Datetime</a:t>
+              <a:rPr lang="en"/>
+              <a:t>Math</a:t>
             </a:r>
             <a:endParaRPr lang="fa-IR"/>
           </a:p>
@@ -25999,7 +26061,7 @@
             </a:pPr>
             <a:r>
               <a:rPr lang="en-US" sz="1400"/>
-              <a:t>Import and use datetime</a:t>
+              <a:t>Import and use math</a:t>
             </a:r>
           </a:p>
           <a:p>
@@ -26019,18 +26081,18 @@
                 </a:solidFill>
                 <a:latin typeface="Consolas" panose="020B0609020204030204" pitchFamily="49" charset="0"/>
               </a:rPr>
-              <a:t>datetime</a:t>
-            </a:r>
-          </a:p>
-          <a:p>
-            <a:pPr marL="76200" indent="0">
-              <a:buNone/>
-            </a:pPr>
-            <a:r>
-              <a:rPr lang="en-US" sz="1100">
-                <a:latin typeface="Consolas" panose="020B0609020204030204" pitchFamily="49" charset="0"/>
-              </a:rPr>
-              <a:t>now = datetime</a:t>
+              <a:t>math</a:t>
+            </a:r>
+          </a:p>
+          <a:p>
+            <a:pPr marL="76200" indent="0">
+              <a:buNone/>
+            </a:pPr>
+            <a:r>
+              <a:rPr lang="en-US" sz="1100">
+                <a:latin typeface="Consolas" panose="020B0609020204030204" pitchFamily="49" charset="0"/>
+              </a:rPr>
+              <a:t>print(math</a:t>
             </a:r>
             <a:r>
               <a:rPr lang="en-US" sz="1100">
@@ -26039,61 +26101,39 @@
                 </a:solidFill>
                 <a:latin typeface="Consolas" panose="020B0609020204030204" pitchFamily="49" charset="0"/>
               </a:rPr>
-              <a:t>.datetime.now()</a:t>
-            </a:r>
-          </a:p>
-          <a:p>
-            <a:pPr marL="76200" indent="0">
-              <a:buNone/>
-            </a:pPr>
-            <a:r>
-              <a:rPr lang="en-US" sz="1100">
-                <a:latin typeface="Consolas" panose="020B0609020204030204" pitchFamily="49" charset="0"/>
-              </a:rPr>
-              <a:t>print(now)</a:t>
-            </a:r>
-          </a:p>
-          <a:p>
-            <a:pPr marL="76200" indent="0">
-              <a:buNone/>
-            </a:pPr>
-            <a:r>
-              <a:rPr lang="en-US" sz="1100">
-                <a:latin typeface="Consolas" panose="020B0609020204030204" pitchFamily="49" charset="0"/>
-              </a:rPr>
-              <a:t>myBirthday = </a:t>
-            </a:r>
-            <a:r>
-              <a:rPr lang="nn-NO" sz="1100">
-                <a:latin typeface="Consolas" panose="020B0609020204030204" pitchFamily="49" charset="0"/>
-              </a:rPr>
-              <a:t>datetime</a:t>
-            </a:r>
-            <a:r>
-              <a:rPr lang="nn-NO" sz="1100">
+              <a:t>.sqrt(</a:t>
+            </a:r>
+            <a:r>
+              <a:rPr lang="en-US" sz="1100">
+                <a:latin typeface="Consolas" panose="020B0609020204030204" pitchFamily="49" charset="0"/>
+              </a:rPr>
+              <a:t>64</a:t>
+            </a:r>
+            <a:r>
+              <a:rPr lang="en-US" sz="1100">
                 <a:solidFill>
                   <a:schemeClr val="accent1"/>
                 </a:solidFill>
                 <a:latin typeface="Consolas" panose="020B0609020204030204" pitchFamily="49" charset="0"/>
               </a:rPr>
-              <a:t>.datetime(1999, 1, 5)</a:t>
-            </a:r>
-            <a:endParaRPr lang="en-US" sz="1100">
-              <a:solidFill>
-                <a:schemeClr val="accent1"/>
-              </a:solidFill>
-              <a:latin typeface="Consolas" panose="020B0609020204030204" pitchFamily="49" charset="0"/>
-            </a:endParaRPr>
-          </a:p>
-          <a:p>
-            <a:pPr marL="76200" indent="0">
-              <a:buNone/>
-            </a:pPr>
-            <a:r>
-              <a:rPr lang="en-US" sz="1100">
-                <a:latin typeface="Consolas" panose="020B0609020204030204" pitchFamily="49" charset="0"/>
-              </a:rPr>
-              <a:t>print(myBirthday</a:t>
+              <a:t>)</a:t>
+            </a:r>
+            <a:r>
+              <a:rPr lang="en-US" sz="1100">
+                <a:latin typeface="Consolas" panose="020B0609020204030204" pitchFamily="49" charset="0"/>
+              </a:rPr>
+              <a:t>)</a:t>
+            </a:r>
+          </a:p>
+          <a:p>
+            <a:pPr marL="76200" indent="0">
+              <a:buNone/>
+            </a:pPr>
+            <a:r>
+              <a:rPr lang="en-US" sz="1100">
+                <a:latin typeface="Consolas" panose="020B0609020204030204" pitchFamily="49" charset="0"/>
+              </a:rPr>
+              <a:t>print(math</a:t>
             </a:r>
             <a:r>
               <a:rPr lang="en-US" sz="1100">
@@ -26102,24 +26142,13 @@
                 </a:solidFill>
                 <a:latin typeface="Consolas" panose="020B0609020204030204" pitchFamily="49" charset="0"/>
               </a:rPr>
-              <a:t>.strftime('%x')</a:t>
-            </a:r>
-            <a:r>
-              <a:rPr lang="en-US" sz="1100">
-                <a:latin typeface="Consolas" panose="020B0609020204030204" pitchFamily="49" charset="0"/>
-              </a:rPr>
-              <a:t>)</a:t>
-            </a:r>
-          </a:p>
-          <a:p>
-            <a:pPr marL="76200" indent="0">
-              <a:buNone/>
-            </a:pPr>
-            <a:r>
-              <a:rPr lang="en-US" sz="1100">
-                <a:latin typeface="Consolas" panose="020B0609020204030204" pitchFamily="49" charset="0"/>
-              </a:rPr>
-              <a:t>print(myBirthday.strftime(</a:t>
+              <a:t>.ceil(</a:t>
+            </a:r>
+            <a:r>
+              <a:rPr lang="en-US" sz="1100">
+                <a:latin typeface="Consolas" panose="020B0609020204030204" pitchFamily="49" charset="0"/>
+              </a:rPr>
+              <a:t>1.4</a:t>
             </a:r>
             <a:r>
               <a:rPr lang="en-US" sz="1100">
@@ -26128,24 +26157,24 @@
                 </a:solidFill>
                 <a:latin typeface="Consolas" panose="020B0609020204030204" pitchFamily="49" charset="0"/>
               </a:rPr>
-              <a:t>'%A'</a:t>
-            </a:r>
-            <a:r>
-              <a:rPr lang="en-US" sz="1100">
-                <a:latin typeface="Consolas" panose="020B0609020204030204" pitchFamily="49" charset="0"/>
-              </a:rPr>
-              <a:t>))</a:t>
-            </a:r>
-          </a:p>
-          <a:p>
-            <a:pPr marL="76200" indent="0">
-              <a:buNone/>
-            </a:pPr>
-            <a:r>
-              <a:rPr lang="en-US" sz="1100">
-                <a:latin typeface="Consolas" panose="020B0609020204030204" pitchFamily="49" charset="0"/>
-              </a:rPr>
-              <a:t>print((now </a:t>
+              <a:t>)</a:t>
+            </a:r>
+            <a:r>
+              <a:rPr lang="en-US" sz="1100">
+                <a:latin typeface="Consolas" panose="020B0609020204030204" pitchFamily="49" charset="0"/>
+              </a:rPr>
+              <a:t>)</a:t>
+            </a:r>
+          </a:p>
+          <a:p>
+            <a:pPr marL="76200" indent="0">
+              <a:buNone/>
+            </a:pPr>
+            <a:r>
+              <a:rPr lang="en-US" sz="1100">
+                <a:latin typeface="Consolas" panose="020B0609020204030204" pitchFamily="49" charset="0"/>
+              </a:rPr>
+              <a:t>print(math</a:t>
             </a:r>
             <a:r>
               <a:rPr lang="en-US" sz="1100">
@@ -26154,13 +26183,13 @@
                 </a:solidFill>
                 <a:latin typeface="Consolas" panose="020B0609020204030204" pitchFamily="49" charset="0"/>
               </a:rPr>
-              <a:t>-</a:t>
-            </a:r>
-            <a:r>
-              <a:rPr lang="en-US" sz="1100">
-                <a:latin typeface="Consolas" panose="020B0609020204030204" pitchFamily="49" charset="0"/>
-              </a:rPr>
-              <a:t> myBirthday)</a:t>
+              <a:t>.floor(</a:t>
+            </a:r>
+            <a:r>
+              <a:rPr lang="en-US" sz="1100">
+                <a:latin typeface="Consolas" panose="020B0609020204030204" pitchFamily="49" charset="0"/>
+              </a:rPr>
+              <a:t>1.4</a:t>
             </a:r>
             <a:r>
               <a:rPr lang="en-US" sz="1100">
@@ -26169,7 +26198,182 @@
                 </a:solidFill>
                 <a:latin typeface="Consolas" panose="020B0609020204030204" pitchFamily="49" charset="0"/>
               </a:rPr>
-              <a:t>.days</a:t>
+              <a:t>)</a:t>
+            </a:r>
+            <a:r>
+              <a:rPr lang="en-US" sz="1100">
+                <a:latin typeface="Consolas" panose="020B0609020204030204" pitchFamily="49" charset="0"/>
+              </a:rPr>
+              <a:t>)</a:t>
+            </a:r>
+          </a:p>
+          <a:p>
+            <a:pPr marL="76200" indent="0">
+              <a:buNone/>
+            </a:pPr>
+            <a:r>
+              <a:rPr lang="en-US" sz="1100">
+                <a:latin typeface="Consolas" panose="020B0609020204030204" pitchFamily="49" charset="0"/>
+              </a:rPr>
+              <a:t>print(math</a:t>
+            </a:r>
+            <a:r>
+              <a:rPr lang="en-US" sz="1100">
+                <a:solidFill>
+                  <a:schemeClr val="accent1"/>
+                </a:solidFill>
+                <a:latin typeface="Consolas" panose="020B0609020204030204" pitchFamily="49" charset="0"/>
+              </a:rPr>
+              <a:t>.exp(</a:t>
+            </a:r>
+            <a:r>
+              <a:rPr lang="en-US" sz="1100">
+                <a:latin typeface="Consolas" panose="020B0609020204030204" pitchFamily="49" charset="0"/>
+              </a:rPr>
+              <a:t>5</a:t>
+            </a:r>
+            <a:r>
+              <a:rPr lang="en-US" sz="1100">
+                <a:solidFill>
+                  <a:schemeClr val="accent1"/>
+                </a:solidFill>
+                <a:latin typeface="Consolas" panose="020B0609020204030204" pitchFamily="49" charset="0"/>
+              </a:rPr>
+              <a:t>)</a:t>
+            </a:r>
+            <a:r>
+              <a:rPr lang="en-US" sz="1100">
+                <a:latin typeface="Consolas" panose="020B0609020204030204" pitchFamily="49" charset="0"/>
+              </a:rPr>
+              <a:t>)</a:t>
+            </a:r>
+          </a:p>
+          <a:p>
+            <a:pPr marL="76200" indent="0">
+              <a:buNone/>
+            </a:pPr>
+            <a:r>
+              <a:rPr lang="en-US" sz="1100">
+                <a:latin typeface="Consolas" panose="020B0609020204030204" pitchFamily="49" charset="0"/>
+              </a:rPr>
+              <a:t>print(math</a:t>
+            </a:r>
+            <a:r>
+              <a:rPr lang="en-US" sz="1100">
+                <a:solidFill>
+                  <a:schemeClr val="accent1"/>
+                </a:solidFill>
+                <a:latin typeface="Consolas" panose="020B0609020204030204" pitchFamily="49" charset="0"/>
+              </a:rPr>
+              <a:t>.factorial(</a:t>
+            </a:r>
+            <a:r>
+              <a:rPr lang="en-US" sz="1100">
+                <a:latin typeface="Consolas" panose="020B0609020204030204" pitchFamily="49" charset="0"/>
+              </a:rPr>
+              <a:t>5</a:t>
+            </a:r>
+            <a:r>
+              <a:rPr lang="en-US" sz="1100">
+                <a:solidFill>
+                  <a:schemeClr val="accent1"/>
+                </a:solidFill>
+                <a:latin typeface="Consolas" panose="020B0609020204030204" pitchFamily="49" charset="0"/>
+              </a:rPr>
+              <a:t>)</a:t>
+            </a:r>
+            <a:r>
+              <a:rPr lang="en-US" sz="1100">
+                <a:latin typeface="Consolas" panose="020B0609020204030204" pitchFamily="49" charset="0"/>
+              </a:rPr>
+              <a:t>)</a:t>
+            </a:r>
+          </a:p>
+          <a:p>
+            <a:pPr marL="76200" indent="0">
+              <a:buNone/>
+            </a:pPr>
+            <a:r>
+              <a:rPr lang="en-US" sz="1100">
+                <a:latin typeface="Consolas" panose="020B0609020204030204" pitchFamily="49" charset="0"/>
+              </a:rPr>
+              <a:t>print(math</a:t>
+            </a:r>
+            <a:r>
+              <a:rPr lang="en-US" sz="1100">
+                <a:solidFill>
+                  <a:schemeClr val="accent1"/>
+                </a:solidFill>
+                <a:latin typeface="Consolas" panose="020B0609020204030204" pitchFamily="49" charset="0"/>
+              </a:rPr>
+              <a:t>.log(</a:t>
+            </a:r>
+            <a:r>
+              <a:rPr lang="en-US" sz="1100">
+                <a:latin typeface="Consolas" panose="020B0609020204030204" pitchFamily="49" charset="0"/>
+              </a:rPr>
+              <a:t>5</a:t>
+            </a:r>
+            <a:r>
+              <a:rPr lang="en-US" sz="1100">
+                <a:solidFill>
+                  <a:schemeClr val="accent1"/>
+                </a:solidFill>
+                <a:latin typeface="Consolas" panose="020B0609020204030204" pitchFamily="49" charset="0"/>
+              </a:rPr>
+              <a:t>)</a:t>
+            </a:r>
+            <a:r>
+              <a:rPr lang="en-US" sz="1100">
+                <a:latin typeface="Consolas" panose="020B0609020204030204" pitchFamily="49" charset="0"/>
+              </a:rPr>
+              <a:t>)</a:t>
+            </a:r>
+          </a:p>
+          <a:p>
+            <a:pPr marL="76200" indent="0">
+              <a:buNone/>
+            </a:pPr>
+            <a:r>
+              <a:rPr lang="en-US" sz="1100">
+                <a:latin typeface="Consolas" panose="020B0609020204030204" pitchFamily="49" charset="0"/>
+              </a:rPr>
+              <a:t>print(math</a:t>
+            </a:r>
+            <a:r>
+              <a:rPr lang="en-US" sz="1100">
+                <a:solidFill>
+                  <a:schemeClr val="accent1"/>
+                </a:solidFill>
+                <a:latin typeface="Consolas" panose="020B0609020204030204" pitchFamily="49" charset="0"/>
+              </a:rPr>
+              <a:t>.pi</a:t>
+            </a:r>
+            <a:r>
+              <a:rPr lang="en-US" sz="1100">
+                <a:latin typeface="Consolas" panose="020B0609020204030204" pitchFamily="49" charset="0"/>
+              </a:rPr>
+              <a:t>)</a:t>
+            </a:r>
+          </a:p>
+          <a:p>
+            <a:pPr marL="76200" indent="0">
+              <a:buNone/>
+            </a:pPr>
+            <a:r>
+              <a:rPr lang="en-US" sz="1100">
+                <a:latin typeface="Consolas" panose="020B0609020204030204" pitchFamily="49" charset="0"/>
+              </a:rPr>
+              <a:t>print(math</a:t>
+            </a:r>
+            <a:r>
+              <a:rPr lang="en-US" sz="1100">
+                <a:solidFill>
+                  <a:schemeClr val="accent1"/>
+                </a:solidFill>
+                <a:latin typeface="Consolas" panose="020B0609020204030204" pitchFamily="49" charset="0"/>
+              </a:rPr>
+              <a:t>.e</a:t>
             </a:r>
             <a:r>
               <a:rPr lang="en-US" sz="1100">
@@ -26221,7 +26425,7 @@
     </p:spTree>
     <p:extLst>
       <p:ext uri="{BB962C8B-B14F-4D97-AF65-F5344CB8AC3E}">
-        <p14:creationId xmlns:p14="http://schemas.microsoft.com/office/powerpoint/2010/main" val="2927642387"/>
+        <p14:creationId xmlns:p14="http://schemas.microsoft.com/office/powerpoint/2010/main" val="3717683448"/>
       </p:ext>
     </p:extLst>
   </p:cSld>
@@ -26271,7 +26475,7 @@
           <a:p>
             <a:r>
               <a:rPr lang="en"/>
-              <a:t>Math</a:t>
+              <a:t>JSON</a:t>
             </a:r>
             <a:endParaRPr lang="fa-IR"/>
           </a:p>
@@ -26308,6 +26512,21 @@
             </a:pPr>
             <a:r>
               <a:rPr lang="en-US" sz="1400"/>
+              <a:t>JSON is a syntax for storing and exchanging data.</a:t>
+            </a:r>
+          </a:p>
+          <a:p>
+            <a:pPr marL="76200" indent="0">
+              <a:buNone/>
+            </a:pPr>
+            <a:endParaRPr lang="en-US" sz="1400"/>
+          </a:p>
+          <a:p>
+            <a:pPr marL="76200" indent="0">
+              <a:buNone/>
+            </a:pPr>
+            <a:r>
+              <a:rPr lang="en-US" sz="1400"/>
               <a:t>Import and use math</a:t>
             </a:r>
           </a:p>
@@ -26319,7 +26538,29 @@
               <a:rPr lang="en-US" sz="1100">
                 <a:latin typeface="Consolas" panose="020B0609020204030204" pitchFamily="49" charset="0"/>
               </a:rPr>
-              <a:t>import </a:t>
+              <a:t>import json</a:t>
+            </a:r>
+          </a:p>
+          <a:p>
+            <a:pPr marL="76200" indent="0">
+              <a:buNone/>
+            </a:pPr>
+            <a:r>
+              <a:rPr lang="en-US" sz="1100">
+                <a:latin typeface="Consolas" panose="020B0609020204030204" pitchFamily="49" charset="0"/>
+              </a:rPr>
+              <a:t>myJson = '{ "name": "Alireza", "age": 24 }'</a:t>
+            </a:r>
+          </a:p>
+          <a:p>
+            <a:pPr marL="76200" indent="0">
+              <a:buNone/>
+            </a:pPr>
+            <a:r>
+              <a:rPr lang="en-US" sz="1100">
+                <a:latin typeface="Consolas" panose="020B0609020204030204" pitchFamily="49" charset="0"/>
+              </a:rPr>
+              <a:t>myDict = json</a:t>
             </a:r>
             <a:r>
               <a:rPr lang="en-US" sz="1100">
@@ -26328,18 +26569,13 @@
                 </a:solidFill>
                 <a:latin typeface="Consolas" panose="020B0609020204030204" pitchFamily="49" charset="0"/>
               </a:rPr>
-              <a:t>math</a:t>
-            </a:r>
-          </a:p>
-          <a:p>
-            <a:pPr marL="76200" indent="0">
-              <a:buNone/>
-            </a:pPr>
-            <a:r>
-              <a:rPr lang="en-US" sz="1100">
-                <a:latin typeface="Consolas" panose="020B0609020204030204" pitchFamily="49" charset="0"/>
-              </a:rPr>
-              <a:t>print(math</a:t>
+              <a:t>.loads(</a:t>
+            </a:r>
+            <a:r>
+              <a:rPr lang="en-US" sz="1100">
+                <a:latin typeface="Consolas" panose="020B0609020204030204" pitchFamily="49" charset="0"/>
+              </a:rPr>
+              <a:t>x</a:t>
             </a:r>
             <a:r>
               <a:rPr lang="en-US" sz="1100">
@@ -26348,13 +26584,29 @@
                 </a:solidFill>
                 <a:latin typeface="Consolas" panose="020B0609020204030204" pitchFamily="49" charset="0"/>
               </a:rPr>
-              <a:t>.sqrt(</a:t>
-            </a:r>
-            <a:r>
-              <a:rPr lang="en-US" sz="1100">
-                <a:latin typeface="Consolas" panose="020B0609020204030204" pitchFamily="49" charset="0"/>
-              </a:rPr>
-              <a:t>64</a:t>
+              <a:t>)</a:t>
+            </a:r>
+          </a:p>
+          <a:p>
+            <a:pPr marL="76200" indent="0">
+              <a:buNone/>
+            </a:pPr>
+            <a:r>
+              <a:rPr lang="en-US" sz="1100">
+                <a:latin typeface="Consolas" panose="020B0609020204030204" pitchFamily="49" charset="0"/>
+              </a:rPr>
+              <a:t>myDict['age'] = 29</a:t>
+            </a:r>
+          </a:p>
+          <a:p>
+            <a:pPr marL="76200" indent="0">
+              <a:buNone/>
+            </a:pPr>
+            <a:r>
+              <a:rPr lang="en-US" sz="1100">
+                <a:latin typeface="Consolas" panose="020B0609020204030204" pitchFamily="49" charset="0"/>
+              </a:rPr>
+              <a:t>anotherJson = json</a:t>
             </a:r>
             <a:r>
               <a:rPr lang="en-US" sz="1100">
@@ -26363,267 +26615,19 @@
                 </a:solidFill>
                 <a:latin typeface="Consolas" panose="020B0609020204030204" pitchFamily="49" charset="0"/>
               </a:rPr>
-              <a:t>)</a:t>
-            </a:r>
-            <a:r>
-              <a:rPr lang="en-US" sz="1100">
-                <a:latin typeface="Consolas" panose="020B0609020204030204" pitchFamily="49" charset="0"/>
-              </a:rPr>
-              <a:t>)</a:t>
-            </a:r>
-          </a:p>
-          <a:p>
-            <a:pPr marL="76200" indent="0">
-              <a:buNone/>
-            </a:pPr>
-            <a:r>
-              <a:rPr lang="en-US" sz="1100">
-                <a:latin typeface="Consolas" panose="020B0609020204030204" pitchFamily="49" charset="0"/>
-              </a:rPr>
-              <a:t>print(math</a:t>
+              <a:t>.dumps(</a:t>
+            </a:r>
+            <a:r>
+              <a:rPr lang="en-US" sz="1100">
+                <a:latin typeface="Consolas" panose="020B0609020204030204" pitchFamily="49" charset="0"/>
+              </a:rPr>
+              <a:t>x</a:t>
             </a:r>
             <a:r>
               <a:rPr lang="en-US" sz="1100">
                 <a:solidFill>
                   <a:schemeClr val="accent1"/>
                 </a:solidFill>
-                <a:latin typeface="Consolas" panose="020B0609020204030204" pitchFamily="49" charset="0"/>
-              </a:rPr>
-              <a:t>.ceil(</a:t>
-            </a:r>
-            <a:r>
-              <a:rPr lang="en-US" sz="1100">
-                <a:latin typeface="Consolas" panose="020B0609020204030204" pitchFamily="49" charset="0"/>
-              </a:rPr>
-              <a:t>1.4</a:t>
-            </a:r>
-            <a:r>
-              <a:rPr lang="en-US" sz="1100">
-                <a:solidFill>
-                  <a:schemeClr val="accent1"/>
-                </a:solidFill>
-                <a:latin typeface="Consolas" panose="020B0609020204030204" pitchFamily="49" charset="0"/>
-              </a:rPr>
-              <a:t>)</a:t>
-            </a:r>
-            <a:r>
-              <a:rPr lang="en-US" sz="1100">
-                <a:latin typeface="Consolas" panose="020B0609020204030204" pitchFamily="49" charset="0"/>
-              </a:rPr>
-              <a:t>)</a:t>
-            </a:r>
-          </a:p>
-          <a:p>
-            <a:pPr marL="76200" indent="0">
-              <a:buNone/>
-            </a:pPr>
-            <a:r>
-              <a:rPr lang="en-US" sz="1100">
-                <a:latin typeface="Consolas" panose="020B0609020204030204" pitchFamily="49" charset="0"/>
-              </a:rPr>
-              <a:t>print(math</a:t>
-            </a:r>
-            <a:r>
-              <a:rPr lang="en-US" sz="1100">
-                <a:solidFill>
-                  <a:schemeClr val="accent1"/>
-                </a:solidFill>
-                <a:latin typeface="Consolas" panose="020B0609020204030204" pitchFamily="49" charset="0"/>
-              </a:rPr>
-              <a:t>.floor(</a:t>
-            </a:r>
-            <a:r>
-              <a:rPr lang="en-US" sz="1100">
-                <a:latin typeface="Consolas" panose="020B0609020204030204" pitchFamily="49" charset="0"/>
-              </a:rPr>
-              <a:t>1.4</a:t>
-            </a:r>
-            <a:r>
-              <a:rPr lang="en-US" sz="1100">
-                <a:solidFill>
-                  <a:schemeClr val="accent1"/>
-                </a:solidFill>
-                <a:latin typeface="Consolas" panose="020B0609020204030204" pitchFamily="49" charset="0"/>
-              </a:rPr>
-              <a:t>)</a:t>
-            </a:r>
-            <a:r>
-              <a:rPr lang="en-US" sz="1100">
-                <a:latin typeface="Consolas" panose="020B0609020204030204" pitchFamily="49" charset="0"/>
-              </a:rPr>
-              <a:t>)</a:t>
-            </a:r>
-          </a:p>
-          <a:p>
-            <a:pPr marL="76200" indent="0">
-              <a:buNone/>
-            </a:pPr>
-            <a:r>
-              <a:rPr lang="en-US" sz="1100">
-                <a:latin typeface="Consolas" panose="020B0609020204030204" pitchFamily="49" charset="0"/>
-              </a:rPr>
-              <a:t>print(math</a:t>
-            </a:r>
-            <a:r>
-              <a:rPr lang="en-US" sz="1100">
-                <a:solidFill>
-                  <a:schemeClr val="accent1"/>
-                </a:solidFill>
-                <a:latin typeface="Consolas" panose="020B0609020204030204" pitchFamily="49" charset="0"/>
-              </a:rPr>
-              <a:t>.exp(</a:t>
-            </a:r>
-            <a:r>
-              <a:rPr lang="en-US" sz="1100">
-                <a:latin typeface="Consolas" panose="020B0609020204030204" pitchFamily="49" charset="0"/>
-              </a:rPr>
-              <a:t>5</a:t>
-            </a:r>
-            <a:r>
-              <a:rPr lang="en-US" sz="1100">
-                <a:solidFill>
-                  <a:schemeClr val="accent1"/>
-                </a:solidFill>
-                <a:latin typeface="Consolas" panose="020B0609020204030204" pitchFamily="49" charset="0"/>
-              </a:rPr>
-              <a:t>)</a:t>
-            </a:r>
-            <a:r>
-              <a:rPr lang="en-US" sz="1100">
-                <a:latin typeface="Consolas" panose="020B0609020204030204" pitchFamily="49" charset="0"/>
-              </a:rPr>
-              <a:t>)</a:t>
-            </a:r>
-          </a:p>
-          <a:p>
-            <a:pPr marL="76200" indent="0">
-              <a:buNone/>
-            </a:pPr>
-            <a:r>
-              <a:rPr lang="en-US" sz="1100">
-                <a:latin typeface="Consolas" panose="020B0609020204030204" pitchFamily="49" charset="0"/>
-              </a:rPr>
-              <a:t>print(math</a:t>
-            </a:r>
-            <a:r>
-              <a:rPr lang="en-US" sz="1100">
-                <a:solidFill>
-                  <a:schemeClr val="accent1"/>
-                </a:solidFill>
-                <a:latin typeface="Consolas" panose="020B0609020204030204" pitchFamily="49" charset="0"/>
-              </a:rPr>
-              <a:t>.factorial(</a:t>
-            </a:r>
-            <a:r>
-              <a:rPr lang="en-US" sz="1100">
-                <a:latin typeface="Consolas" panose="020B0609020204030204" pitchFamily="49" charset="0"/>
-              </a:rPr>
-              <a:t>5</a:t>
-            </a:r>
-            <a:r>
-              <a:rPr lang="en-US" sz="1100">
-                <a:solidFill>
-                  <a:schemeClr val="accent1"/>
-                </a:solidFill>
-                <a:latin typeface="Consolas" panose="020B0609020204030204" pitchFamily="49" charset="0"/>
-              </a:rPr>
-              <a:t>)</a:t>
-            </a:r>
-            <a:r>
-              <a:rPr lang="en-US" sz="1100">
-                <a:latin typeface="Consolas" panose="020B0609020204030204" pitchFamily="49" charset="0"/>
-              </a:rPr>
-              <a:t>)</a:t>
-            </a:r>
-          </a:p>
-          <a:p>
-            <a:pPr marL="76200" indent="0">
-              <a:buNone/>
-            </a:pPr>
-            <a:r>
-              <a:rPr lang="en-US" sz="1100">
-                <a:latin typeface="Consolas" panose="020B0609020204030204" pitchFamily="49" charset="0"/>
-              </a:rPr>
-              <a:t>print(math</a:t>
-            </a:r>
-            <a:r>
-              <a:rPr lang="en-US" sz="1100">
-                <a:solidFill>
-                  <a:schemeClr val="accent1"/>
-                </a:solidFill>
-                <a:latin typeface="Consolas" panose="020B0609020204030204" pitchFamily="49" charset="0"/>
-              </a:rPr>
-              <a:t>.log(</a:t>
-            </a:r>
-            <a:r>
-              <a:rPr lang="en-US" sz="1100">
-                <a:latin typeface="Consolas" panose="020B0609020204030204" pitchFamily="49" charset="0"/>
-              </a:rPr>
-              <a:t>5</a:t>
-            </a:r>
-            <a:r>
-              <a:rPr lang="en-US" sz="1100">
-                <a:solidFill>
-                  <a:schemeClr val="accent1"/>
-                </a:solidFill>
-                <a:latin typeface="Consolas" panose="020B0609020204030204" pitchFamily="49" charset="0"/>
-              </a:rPr>
-              <a:t>)</a:t>
-            </a:r>
-            <a:r>
-              <a:rPr lang="en-US" sz="1100">
-                <a:latin typeface="Consolas" panose="020B0609020204030204" pitchFamily="49" charset="0"/>
-              </a:rPr>
-              <a:t>)</a:t>
-            </a:r>
-          </a:p>
-          <a:p>
-            <a:pPr marL="76200" indent="0">
-              <a:buNone/>
-            </a:pPr>
-            <a:r>
-              <a:rPr lang="en-US" sz="1100">
-                <a:latin typeface="Consolas" panose="020B0609020204030204" pitchFamily="49" charset="0"/>
-              </a:rPr>
-              <a:t>print(math</a:t>
-            </a:r>
-            <a:r>
-              <a:rPr lang="en-US" sz="1100">
-                <a:solidFill>
-                  <a:schemeClr val="accent1"/>
-                </a:solidFill>
-                <a:latin typeface="Consolas" panose="020B0609020204030204" pitchFamily="49" charset="0"/>
-              </a:rPr>
-              <a:t>.pi</a:t>
-            </a:r>
-            <a:r>
-              <a:rPr lang="en-US" sz="1100">
-                <a:latin typeface="Consolas" panose="020B0609020204030204" pitchFamily="49" charset="0"/>
-              </a:rPr>
-              <a:t>)</a:t>
-            </a:r>
-          </a:p>
-          <a:p>
-            <a:pPr marL="76200" indent="0">
-              <a:buNone/>
-            </a:pPr>
-            <a:r>
-              <a:rPr lang="en-US" sz="1100">
-                <a:latin typeface="Consolas" panose="020B0609020204030204" pitchFamily="49" charset="0"/>
-              </a:rPr>
-              <a:t>print(math</a:t>
-            </a:r>
-            <a:r>
-              <a:rPr lang="en-US" sz="1100">
-                <a:solidFill>
-                  <a:schemeClr val="accent1"/>
-                </a:solidFill>
-                <a:latin typeface="Consolas" panose="020B0609020204030204" pitchFamily="49" charset="0"/>
-              </a:rPr>
-              <a:t>.e</a:t>
-            </a:r>
-            <a:r>
-              <a:rPr lang="en-US" sz="1100">
                 <a:latin typeface="Consolas" panose="020B0609020204030204" pitchFamily="49" charset="0"/>
               </a:rPr>
               <a:t>)</a:t>
@@ -26669,10 +26673,32 @@
           </a:p>
         </p:txBody>
       </p:sp>
+      <p:graphicFrame>
+        <p:nvGraphicFramePr>
+          <p:cNvPr id="5" name="Diagram 4">
+            <a:extLst>
+              <a:ext uri="{FF2B5EF4-FFF2-40B4-BE49-F238E27FC236}">
+                <a16:creationId xmlns:a16="http://schemas.microsoft.com/office/drawing/2014/main" id="{7BCC041E-0A69-498B-A73D-6F8FB9BAD963}"/>
+              </a:ext>
+            </a:extLst>
+          </p:cNvPr>
+          <p:cNvGraphicFramePr/>
+          <p:nvPr/>
+        </p:nvGraphicFramePr>
+        <p:xfrm>
+          <a:off x="4996608" y="2219261"/>
+          <a:ext cx="3407776" cy="1473123"/>
+        </p:xfrm>
+        <a:graphic>
+          <a:graphicData uri="http://schemas.openxmlformats.org/drawingml/2006/diagram">
+            <dgm:relIds xmlns:dgm="http://schemas.openxmlformats.org/drawingml/2006/diagram" xmlns:r="http://schemas.openxmlformats.org/officeDocument/2006/relationships" r:dm="rId2" r:lo="rId3" r:qs="rId4" r:cs="rId5"/>
+          </a:graphicData>
+        </a:graphic>
+      </p:graphicFrame>
     </p:spTree>
     <p:extLst>
       <p:ext uri="{BB962C8B-B14F-4D97-AF65-F5344CB8AC3E}">
-        <p14:creationId xmlns:p14="http://schemas.microsoft.com/office/powerpoint/2010/main" val="3717683448"/>
+        <p14:creationId xmlns:p14="http://schemas.microsoft.com/office/powerpoint/2010/main" val="3481581763"/>
       </p:ext>
     </p:extLst>
   </p:cSld>
@@ -26722,7 +26748,7 @@
           <a:p>
             <a:r>
               <a:rPr lang="en"/>
-              <a:t>JSON</a:t>
+              <a:t>Requests</a:t>
             </a:r>
             <a:endParaRPr lang="fa-IR"/>
           </a:p>
@@ -26759,21 +26785,6 @@
             </a:pPr>
             <a:r>
               <a:rPr lang="en-US" sz="1400"/>
-              <a:t>JSON is a syntax for storing and exchanging data.</a:t>
-            </a:r>
-          </a:p>
-          <a:p>
-            <a:pPr marL="76200" indent="0">
-              <a:buNone/>
-            </a:pPr>
-            <a:endParaRPr lang="en-US" sz="1400"/>
-          </a:p>
-          <a:p>
-            <a:pPr marL="76200" indent="0">
-              <a:buNone/>
-            </a:pPr>
-            <a:r>
-              <a:rPr lang="en-US" sz="1400"/>
               <a:t>Import and use math</a:t>
             </a:r>
           </a:p>
@@ -26785,29 +26796,7 @@
               <a:rPr lang="en-US" sz="1100">
                 <a:latin typeface="Consolas" panose="020B0609020204030204" pitchFamily="49" charset="0"/>
               </a:rPr>
-              <a:t>import json</a:t>
-            </a:r>
-          </a:p>
-          <a:p>
-            <a:pPr marL="76200" indent="0">
-              <a:buNone/>
-            </a:pPr>
-            <a:r>
-              <a:rPr lang="en-US" sz="1100">
-                <a:latin typeface="Consolas" panose="020B0609020204030204" pitchFamily="49" charset="0"/>
-              </a:rPr>
-              <a:t>myJson = '{ "name": "Alireza", "age": 24 }'</a:t>
-            </a:r>
-          </a:p>
-          <a:p>
-            <a:pPr marL="76200" indent="0">
-              <a:buNone/>
-            </a:pPr>
-            <a:r>
-              <a:rPr lang="en-US" sz="1100">
-                <a:latin typeface="Consolas" panose="020B0609020204030204" pitchFamily="49" charset="0"/>
-              </a:rPr>
-              <a:t>myDict = json</a:t>
+              <a:t>import </a:t>
             </a:r>
             <a:r>
               <a:rPr lang="en-US" sz="1100">
@@ -26816,13 +26805,18 @@
                 </a:solidFill>
                 <a:latin typeface="Consolas" panose="020B0609020204030204" pitchFamily="49" charset="0"/>
               </a:rPr>
-              <a:t>.loads(</a:t>
-            </a:r>
-            <a:r>
-              <a:rPr lang="en-US" sz="1100">
-                <a:latin typeface="Consolas" panose="020B0609020204030204" pitchFamily="49" charset="0"/>
-              </a:rPr>
-              <a:t>x</a:t>
+              <a:t>requests</a:t>
+            </a:r>
+          </a:p>
+          <a:p>
+            <a:pPr marL="76200" indent="0">
+              <a:buNone/>
+            </a:pPr>
+            <a:r>
+              <a:rPr lang="en-US" sz="1100">
+                <a:latin typeface="Consolas" panose="020B0609020204030204" pitchFamily="49" charset="0"/>
+              </a:rPr>
+              <a:t>response = requests</a:t>
             </a:r>
             <a:r>
               <a:rPr lang="en-US" sz="1100">
@@ -26831,29 +26825,13 @@
                 </a:solidFill>
                 <a:latin typeface="Consolas" panose="020B0609020204030204" pitchFamily="49" charset="0"/>
               </a:rPr>
-              <a:t>)</a:t>
-            </a:r>
-          </a:p>
-          <a:p>
-            <a:pPr marL="76200" indent="0">
-              <a:buNone/>
-            </a:pPr>
-            <a:r>
-              <a:rPr lang="en-US" sz="1100">
-                <a:latin typeface="Consolas" panose="020B0609020204030204" pitchFamily="49" charset="0"/>
-              </a:rPr>
-              <a:t>myDict['age'] = 29</a:t>
-            </a:r>
-          </a:p>
-          <a:p>
-            <a:pPr marL="76200" indent="0">
-              <a:buNone/>
-            </a:pPr>
-            <a:r>
-              <a:rPr lang="en-US" sz="1100">
-                <a:latin typeface="Consolas" panose="020B0609020204030204" pitchFamily="49" charset="0"/>
-              </a:rPr>
-              <a:t>anotherJson = json</a:t>
+              <a:t>.get(</a:t>
+            </a:r>
+            <a:r>
+              <a:rPr lang="en-US" sz="1100">
+                <a:latin typeface="Consolas" panose="020B0609020204030204" pitchFamily="49" charset="0"/>
+              </a:rPr>
+              <a:t>'https://fipiran.com', </a:t>
             </a:r>
             <a:r>
               <a:rPr lang="en-US" sz="1100">
@@ -26862,19 +26840,108 @@
                 </a:solidFill>
                 <a:latin typeface="Consolas" panose="020B0609020204030204" pitchFamily="49" charset="0"/>
               </a:rPr>
-              <a:t>.dumps(</a:t>
-            </a:r>
-            <a:r>
-              <a:rPr lang="en-US" sz="1100">
-                <a:latin typeface="Consolas" panose="020B0609020204030204" pitchFamily="49" charset="0"/>
-              </a:rPr>
-              <a:t>x</a:t>
+              <a:t>timeout</a:t>
+            </a:r>
+            <a:r>
+              <a:rPr lang="en-US" sz="1100">
+                <a:latin typeface="Consolas" panose="020B0609020204030204" pitchFamily="49" charset="0"/>
+              </a:rPr>
+              <a:t> = 1</a:t>
             </a:r>
             <a:r>
               <a:rPr lang="en-US" sz="1100">
                 <a:solidFill>
                   <a:schemeClr val="accent1"/>
                 </a:solidFill>
+                <a:latin typeface="Consolas" panose="020B0609020204030204" pitchFamily="49" charset="0"/>
+              </a:rPr>
+              <a:t>)</a:t>
+            </a:r>
+          </a:p>
+          <a:p>
+            <a:pPr marL="76200" indent="0">
+              <a:buNone/>
+            </a:pPr>
+            <a:r>
+              <a:rPr lang="en-US" sz="1100">
+                <a:latin typeface="Consolas" panose="020B0609020204030204" pitchFamily="49" charset="0"/>
+              </a:rPr>
+              <a:t>print(response)</a:t>
+            </a:r>
+          </a:p>
+          <a:p>
+            <a:pPr marL="76200" indent="0">
+              <a:buNone/>
+            </a:pPr>
+            <a:r>
+              <a:rPr lang="en-US" sz="1100">
+                <a:latin typeface="Consolas" panose="020B0609020204030204" pitchFamily="49" charset="0"/>
+              </a:rPr>
+              <a:t>print(response</a:t>
+            </a:r>
+            <a:r>
+              <a:rPr lang="en-US" sz="1100">
+                <a:solidFill>
+                  <a:schemeClr val="accent1"/>
+                </a:solidFill>
+                <a:latin typeface="Consolas" panose="020B0609020204030204" pitchFamily="49" charset="0"/>
+              </a:rPr>
+              <a:t>.status_code</a:t>
+            </a:r>
+            <a:r>
+              <a:rPr lang="en-US" sz="1100">
+                <a:latin typeface="Consolas" panose="020B0609020204030204" pitchFamily="49" charset="0"/>
+              </a:rPr>
+              <a:t>)</a:t>
+            </a:r>
+          </a:p>
+          <a:p>
+            <a:pPr marL="76200" indent="0">
+              <a:buNone/>
+            </a:pPr>
+            <a:r>
+              <a:rPr lang="en-US" sz="1100">
+                <a:latin typeface="Consolas" panose="020B0609020204030204" pitchFamily="49" charset="0"/>
+              </a:rPr>
+              <a:t>print(response</a:t>
+            </a:r>
+            <a:r>
+              <a:rPr lang="en-US" sz="1100">
+                <a:solidFill>
+                  <a:schemeClr val="accent1"/>
+                </a:solidFill>
+                <a:latin typeface="Consolas" panose="020B0609020204030204" pitchFamily="49" charset="0"/>
+              </a:rPr>
+              <a:t>.encoding</a:t>
+            </a:r>
+            <a:r>
+              <a:rPr lang="en-US" sz="1100">
+                <a:latin typeface="Consolas" panose="020B0609020204030204" pitchFamily="49" charset="0"/>
+              </a:rPr>
+              <a:t>)</a:t>
+            </a:r>
+          </a:p>
+          <a:p>
+            <a:pPr marL="76200" indent="0">
+              <a:buNone/>
+            </a:pPr>
+            <a:r>
+              <a:rPr lang="en-US" sz="1100">
+                <a:latin typeface="Consolas" panose="020B0609020204030204" pitchFamily="49" charset="0"/>
+              </a:rPr>
+              <a:t>print(response</a:t>
+            </a:r>
+            <a:r>
+              <a:rPr lang="en-US" sz="1100">
+                <a:solidFill>
+                  <a:schemeClr val="accent1"/>
+                </a:solidFill>
+                <a:latin typeface="Consolas" panose="020B0609020204030204" pitchFamily="49" charset="0"/>
+              </a:rPr>
+              <a:t>.text</a:t>
+            </a:r>
+            <a:r>
+              <a:rPr lang="en-US" sz="1100">
                 <a:latin typeface="Consolas" panose="020B0609020204030204" pitchFamily="49" charset="0"/>
               </a:rPr>
               <a:t>)</a:t>
@@ -26920,320 +26987,6 @@
           </a:p>
         </p:txBody>
       </p:sp>
-      <p:graphicFrame>
-        <p:nvGraphicFramePr>
-          <p:cNvPr id="5" name="Diagram 4">
-            <a:extLst>
-              <a:ext uri="{FF2B5EF4-FFF2-40B4-BE49-F238E27FC236}">
-                <a16:creationId xmlns:a16="http://schemas.microsoft.com/office/drawing/2014/main" id="{7BCC041E-0A69-498B-A73D-6F8FB9BAD963}"/>
-              </a:ext>
-            </a:extLst>
-          </p:cNvPr>
-          <p:cNvGraphicFramePr/>
-          <p:nvPr/>
-        </p:nvGraphicFramePr>
-        <p:xfrm>
-          <a:off x="4996608" y="2219261"/>
-          <a:ext cx="3407776" cy="1473123"/>
-        </p:xfrm>
-        <a:graphic>
-          <a:graphicData uri="http://schemas.openxmlformats.org/drawingml/2006/diagram">
-            <dgm:relIds xmlns:dgm="http://schemas.openxmlformats.org/drawingml/2006/diagram" xmlns:r="http://schemas.openxmlformats.org/officeDocument/2006/relationships" r:dm="rId2" r:lo="rId3" r:qs="rId4" r:cs="rId5"/>
-          </a:graphicData>
-        </a:graphic>
-      </p:graphicFrame>
-    </p:spTree>
-    <p:extLst>
-      <p:ext uri="{BB962C8B-B14F-4D97-AF65-F5344CB8AC3E}">
-        <p14:creationId xmlns:p14="http://schemas.microsoft.com/office/powerpoint/2010/main" val="3481581763"/>
-      </p:ext>
-    </p:extLst>
-  </p:cSld>
-  <p:clrMapOvr>
-    <a:masterClrMapping/>
-  </p:clrMapOvr>
-</p:sld>
-</file>
-
-<file path=ppt/slides/slide43.xml><?xml version="1.0" encoding="utf-8"?>
-<p:sld xmlns:a="http://schemas.openxmlformats.org/drawingml/2006/main" xmlns:r="http://schemas.openxmlformats.org/officeDocument/2006/relationships" xmlns:p="http://schemas.openxmlformats.org/presentationml/2006/main">
-  <p:cSld>
-    <p:spTree>
-      <p:nvGrpSpPr>
-        <p:cNvPr id="1" name=""/>
-        <p:cNvGrpSpPr/>
-        <p:nvPr/>
-      </p:nvGrpSpPr>
-      <p:grpSpPr>
-        <a:xfrm>
-          <a:off x="0" y="0"/>
-          <a:ext cx="0" cy="0"/>
-          <a:chOff x="0" y="0"/>
-          <a:chExt cx="0" cy="0"/>
-        </a:xfrm>
-      </p:grpSpPr>
-      <p:sp>
-        <p:nvSpPr>
-          <p:cNvPr id="2" name="Title 1">
-            <a:extLst>
-              <a:ext uri="{FF2B5EF4-FFF2-40B4-BE49-F238E27FC236}">
-                <a16:creationId xmlns:a16="http://schemas.microsoft.com/office/drawing/2014/main" id="{024AD384-5AD1-4435-A943-1241B2FACD62}"/>
-              </a:ext>
-            </a:extLst>
-          </p:cNvPr>
-          <p:cNvSpPr>
-            <a:spLocks noGrp="1"/>
-          </p:cNvSpPr>
-          <p:nvPr>
-            <p:ph type="title"/>
-          </p:nvPr>
-        </p:nvSpPr>
-        <p:spPr/>
-        <p:txBody>
-          <a:bodyPr/>
-          <a:lstStyle/>
-          <a:p>
-            <a:r>
-              <a:rPr lang="en"/>
-              <a:t>Requests</a:t>
-            </a:r>
-            <a:endParaRPr lang="fa-IR"/>
-          </a:p>
-        </p:txBody>
-      </p:sp>
-      <p:sp>
-        <p:nvSpPr>
-          <p:cNvPr id="3" name="Text Placeholder 2">
-            <a:extLst>
-              <a:ext uri="{FF2B5EF4-FFF2-40B4-BE49-F238E27FC236}">
-                <a16:creationId xmlns:a16="http://schemas.microsoft.com/office/drawing/2014/main" id="{58BE3078-8B89-4550-B497-93E4DADBD57E}"/>
-              </a:ext>
-            </a:extLst>
-          </p:cNvPr>
-          <p:cNvSpPr>
-            <a:spLocks noGrp="1"/>
-          </p:cNvSpPr>
-          <p:nvPr>
-            <p:ph type="body" idx="1"/>
-          </p:nvPr>
-        </p:nvSpPr>
-        <p:spPr>
-          <a:xfrm>
-            <a:off x="786150" y="1142608"/>
-            <a:ext cx="7571700" cy="3626431"/>
-          </a:xfrm>
-        </p:spPr>
-        <p:txBody>
-          <a:bodyPr/>
-          <a:lstStyle/>
-          <a:p>
-            <a:pPr marL="76200" indent="0">
-              <a:buNone/>
-            </a:pPr>
-            <a:r>
-              <a:rPr lang="en-US" sz="1400"/>
-              <a:t>Import and use math</a:t>
-            </a:r>
-          </a:p>
-          <a:p>
-            <a:pPr marL="76200" indent="0">
-              <a:buNone/>
-            </a:pPr>
-            <a:r>
-              <a:rPr lang="en-US" sz="1100">
-                <a:latin typeface="Consolas" panose="020B0609020204030204" pitchFamily="49" charset="0"/>
-              </a:rPr>
-              <a:t>import </a:t>
-            </a:r>
-            <a:r>
-              <a:rPr lang="en-US" sz="1100">
-                <a:solidFill>
-                  <a:schemeClr val="accent1"/>
-                </a:solidFill>
-                <a:latin typeface="Consolas" panose="020B0609020204030204" pitchFamily="49" charset="0"/>
-              </a:rPr>
-              <a:t>requests</a:t>
-            </a:r>
-          </a:p>
-          <a:p>
-            <a:pPr marL="76200" indent="0">
-              <a:buNone/>
-            </a:pPr>
-            <a:r>
-              <a:rPr lang="en-US" sz="1100">
-                <a:latin typeface="Consolas" panose="020B0609020204030204" pitchFamily="49" charset="0"/>
-              </a:rPr>
-              <a:t>response = requests</a:t>
-            </a:r>
-            <a:r>
-              <a:rPr lang="en-US" sz="1100">
-                <a:solidFill>
-                  <a:schemeClr val="accent1"/>
-                </a:solidFill>
-                <a:latin typeface="Consolas" panose="020B0609020204030204" pitchFamily="49" charset="0"/>
-              </a:rPr>
-              <a:t>.get(</a:t>
-            </a:r>
-            <a:r>
-              <a:rPr lang="en-US" sz="1100">
-                <a:latin typeface="Consolas" panose="020B0609020204030204" pitchFamily="49" charset="0"/>
-              </a:rPr>
-              <a:t>'https://fipiran.com', </a:t>
-            </a:r>
-            <a:r>
-              <a:rPr lang="en-US" sz="1100">
-                <a:solidFill>
-                  <a:schemeClr val="accent1"/>
-                </a:solidFill>
-                <a:latin typeface="Consolas" panose="020B0609020204030204" pitchFamily="49" charset="0"/>
-              </a:rPr>
-              <a:t>timeout</a:t>
-            </a:r>
-            <a:r>
-              <a:rPr lang="en-US" sz="1100">
-                <a:latin typeface="Consolas" panose="020B0609020204030204" pitchFamily="49" charset="0"/>
-              </a:rPr>
-              <a:t> = 1</a:t>
-            </a:r>
-            <a:r>
-              <a:rPr lang="en-US" sz="1100">
-                <a:solidFill>
-                  <a:schemeClr val="accent1"/>
-                </a:solidFill>
-                <a:latin typeface="Consolas" panose="020B0609020204030204" pitchFamily="49" charset="0"/>
-              </a:rPr>
-              <a:t>)</a:t>
-            </a:r>
-          </a:p>
-          <a:p>
-            <a:pPr marL="76200" indent="0">
-              <a:buNone/>
-            </a:pPr>
-            <a:r>
-              <a:rPr lang="en-US" sz="1100">
-                <a:latin typeface="Consolas" panose="020B0609020204030204" pitchFamily="49" charset="0"/>
-              </a:rPr>
-              <a:t>print(response)</a:t>
-            </a:r>
-          </a:p>
-          <a:p>
-            <a:pPr marL="76200" indent="0">
-              <a:buNone/>
-            </a:pPr>
-            <a:r>
-              <a:rPr lang="en-US" sz="1100">
-                <a:latin typeface="Consolas" panose="020B0609020204030204" pitchFamily="49" charset="0"/>
-              </a:rPr>
-              <a:t>print(response</a:t>
-            </a:r>
-            <a:r>
-              <a:rPr lang="en-US" sz="1100">
-                <a:solidFill>
-                  <a:schemeClr val="accent1"/>
-                </a:solidFill>
-                <a:latin typeface="Consolas" panose="020B0609020204030204" pitchFamily="49" charset="0"/>
-              </a:rPr>
-              <a:t>.status_code</a:t>
-            </a:r>
-            <a:r>
-              <a:rPr lang="en-US" sz="1100">
-                <a:latin typeface="Consolas" panose="020B0609020204030204" pitchFamily="49" charset="0"/>
-              </a:rPr>
-              <a:t>)</a:t>
-            </a:r>
-          </a:p>
-          <a:p>
-            <a:pPr marL="76200" indent="0">
-              <a:buNone/>
-            </a:pPr>
-            <a:r>
-              <a:rPr lang="en-US" sz="1100">
-                <a:latin typeface="Consolas" panose="020B0609020204030204" pitchFamily="49" charset="0"/>
-              </a:rPr>
-              <a:t>print(response</a:t>
-            </a:r>
-            <a:r>
-              <a:rPr lang="en-US" sz="1100">
-                <a:solidFill>
-                  <a:schemeClr val="accent1"/>
-                </a:solidFill>
-                <a:latin typeface="Consolas" panose="020B0609020204030204" pitchFamily="49" charset="0"/>
-              </a:rPr>
-              <a:t>.encoding</a:t>
-            </a:r>
-            <a:r>
-              <a:rPr lang="en-US" sz="1100">
-                <a:latin typeface="Consolas" panose="020B0609020204030204" pitchFamily="49" charset="0"/>
-              </a:rPr>
-              <a:t>)</a:t>
-            </a:r>
-          </a:p>
-          <a:p>
-            <a:pPr marL="76200" indent="0">
-              <a:buNone/>
-            </a:pPr>
-            <a:r>
-              <a:rPr lang="en-US" sz="1100">
-                <a:latin typeface="Consolas" panose="020B0609020204030204" pitchFamily="49" charset="0"/>
-              </a:rPr>
-              <a:t>print(response</a:t>
-            </a:r>
-            <a:r>
-              <a:rPr lang="en-US" sz="1100">
-                <a:solidFill>
-                  <a:schemeClr val="accent1"/>
-                </a:solidFill>
-                <a:latin typeface="Consolas" panose="020B0609020204030204" pitchFamily="49" charset="0"/>
-              </a:rPr>
-              <a:t>.text</a:t>
-            </a:r>
-            <a:r>
-              <a:rPr lang="en-US" sz="1100">
-                <a:latin typeface="Consolas" panose="020B0609020204030204" pitchFamily="49" charset="0"/>
-              </a:rPr>
-              <a:t>)</a:t>
-            </a:r>
-          </a:p>
-        </p:txBody>
-      </p:sp>
-      <p:sp>
-        <p:nvSpPr>
-          <p:cNvPr id="4" name="Slide Number Placeholder 3">
-            <a:extLst>
-              <a:ext uri="{FF2B5EF4-FFF2-40B4-BE49-F238E27FC236}">
-                <a16:creationId xmlns:a16="http://schemas.microsoft.com/office/drawing/2014/main" id="{64987AE6-EC0E-43DD-9376-95A5602EE5E1}"/>
-              </a:ext>
-            </a:extLst>
-          </p:cNvPr>
-          <p:cNvSpPr>
-            <a:spLocks noGrp="1"/>
-          </p:cNvSpPr>
-          <p:nvPr>
-            <p:ph type="sldNum" idx="12"/>
-          </p:nvPr>
-        </p:nvSpPr>
-        <p:spPr/>
-        <p:txBody>
-          <a:bodyPr/>
-          <a:lstStyle/>
-          <a:p>
-            <a:pPr marL="0" lvl="0" indent="0" algn="r" rtl="0">
-              <a:spcBef>
-                <a:spcPts val="0"/>
-              </a:spcBef>
-              <a:spcAft>
-                <a:spcPts val="0"/>
-              </a:spcAft>
-              <a:buNone/>
-            </a:pPr>
-            <a:fld id="{00000000-1234-1234-1234-123412341234}" type="slidenum">
-              <a:rPr lang="en" smtClean="0"/>
-              <a:t>43</a:t>
-            </a:fld>
-            <a:endParaRPr lang="en"/>
-          </a:p>
-        </p:txBody>
-      </p:sp>
     </p:spTree>
     <p:extLst>
       <p:ext uri="{BB962C8B-B14F-4D97-AF65-F5344CB8AC3E}">
@@ -27247,7 +27000,7 @@
 </p:sld>
 </file>
 
-<file path=ppt/slides/slide44.xml><?xml version="1.0" encoding="utf-8"?>
+<file path=ppt/slides/slide43.xml><?xml version="1.0" encoding="utf-8"?>
 <p:sld xmlns:a="http://schemas.openxmlformats.org/drawingml/2006/main" xmlns:r="http://schemas.openxmlformats.org/officeDocument/2006/relationships" xmlns:p="http://schemas.openxmlformats.org/presentationml/2006/main">
   <p:cSld>
     <p:spTree>
@@ -27500,7 +27253,7 @@
             </a:pPr>
             <a:fld id="{00000000-1234-1234-1234-123412341234}" type="slidenum">
               <a:rPr lang="en"/>
-              <a:t>44</a:t>
+              <a:t>43</a:t>
             </a:fld>
             <a:endParaRPr/>
           </a:p>
